--- a/presentations/studenteducation/Basic Stat with Paul.pptx
+++ b/presentations/studenteducation/Basic Stat with Paul.pptx
@@ -171,7 +171,7 @@
           <p:cNvPr id="2" name="Title 1">
             <a:extLst>
               <a:ext uri="{FF2B5EF4-FFF2-40B4-BE49-F238E27FC236}">
-                <a16:creationId xmlns:a16="http://schemas.microsoft.com/office/drawing/2014/main" xmlns="" id="{BDB05875-34DB-48A0-93B5-7FCE20E92BB9}"/>
+                <a16:creationId xmlns="" xmlns:a16="http://schemas.microsoft.com/office/drawing/2014/main" id="{BDB05875-34DB-48A0-93B5-7FCE20E92BB9}"/>
               </a:ext>
             </a:extLst>
           </p:cNvPr>
@@ -209,7 +209,7 @@
           <p:cNvPr id="3" name="Subtitle 2">
             <a:extLst>
               <a:ext uri="{FF2B5EF4-FFF2-40B4-BE49-F238E27FC236}">
-                <a16:creationId xmlns:a16="http://schemas.microsoft.com/office/drawing/2014/main" xmlns="" id="{1862E0E4-9936-4FED-A21C-325F86F98949}"/>
+                <a16:creationId xmlns="" xmlns:a16="http://schemas.microsoft.com/office/drawing/2014/main" id="{1862E0E4-9936-4FED-A21C-325F86F98949}"/>
               </a:ext>
             </a:extLst>
           </p:cNvPr>
@@ -280,7 +280,7 @@
           <p:cNvPr id="4" name="Date Placeholder 3">
             <a:extLst>
               <a:ext uri="{FF2B5EF4-FFF2-40B4-BE49-F238E27FC236}">
-                <a16:creationId xmlns:a16="http://schemas.microsoft.com/office/drawing/2014/main" xmlns="" id="{A1E064AC-6E9F-4381-82D2-9ABDEBEEDC14}"/>
+                <a16:creationId xmlns="" xmlns:a16="http://schemas.microsoft.com/office/drawing/2014/main" id="{A1E064AC-6E9F-4381-82D2-9ABDEBEEDC14}"/>
               </a:ext>
             </a:extLst>
           </p:cNvPr>
@@ -309,7 +309,7 @@
           <p:cNvPr id="5" name="Footer Placeholder 4">
             <a:extLst>
               <a:ext uri="{FF2B5EF4-FFF2-40B4-BE49-F238E27FC236}">
-                <a16:creationId xmlns:a16="http://schemas.microsoft.com/office/drawing/2014/main" xmlns="" id="{B577AFDC-3C60-42DC-9FF3-902894E0D9D5}"/>
+                <a16:creationId xmlns="" xmlns:a16="http://schemas.microsoft.com/office/drawing/2014/main" id="{B577AFDC-3C60-42DC-9FF3-902894E0D9D5}"/>
               </a:ext>
             </a:extLst>
           </p:cNvPr>
@@ -334,7 +334,7 @@
           <p:cNvPr id="6" name="Slide Number Placeholder 5">
             <a:extLst>
               <a:ext uri="{FF2B5EF4-FFF2-40B4-BE49-F238E27FC236}">
-                <a16:creationId xmlns:a16="http://schemas.microsoft.com/office/drawing/2014/main" xmlns="" id="{083A0F42-DE7F-4F7B-B0E7-262667B22D2C}"/>
+                <a16:creationId xmlns="" xmlns:a16="http://schemas.microsoft.com/office/drawing/2014/main" id="{083A0F42-DE7F-4F7B-B0E7-262667B22D2C}"/>
               </a:ext>
             </a:extLst>
           </p:cNvPr>
@@ -393,7 +393,7 @@
           <p:cNvPr id="2" name="Title 1">
             <a:extLst>
               <a:ext uri="{FF2B5EF4-FFF2-40B4-BE49-F238E27FC236}">
-                <a16:creationId xmlns:a16="http://schemas.microsoft.com/office/drawing/2014/main" xmlns="" id="{E7872CF0-D641-4381-B560-70CDCC5CB8D1}"/>
+                <a16:creationId xmlns="" xmlns:a16="http://schemas.microsoft.com/office/drawing/2014/main" id="{E7872CF0-D641-4381-B560-70CDCC5CB8D1}"/>
               </a:ext>
             </a:extLst>
           </p:cNvPr>
@@ -422,7 +422,7 @@
           <p:cNvPr id="3" name="Vertical Text Placeholder 2">
             <a:extLst>
               <a:ext uri="{FF2B5EF4-FFF2-40B4-BE49-F238E27FC236}">
-                <a16:creationId xmlns:a16="http://schemas.microsoft.com/office/drawing/2014/main" xmlns="" id="{DAD13BE1-B59C-4935-9C14-572381567FAA}"/>
+                <a16:creationId xmlns="" xmlns:a16="http://schemas.microsoft.com/office/drawing/2014/main" id="{DAD13BE1-B59C-4935-9C14-572381567FAA}"/>
               </a:ext>
             </a:extLst>
           </p:cNvPr>
@@ -480,7 +480,7 @@
           <p:cNvPr id="4" name="Date Placeholder 3">
             <a:extLst>
               <a:ext uri="{FF2B5EF4-FFF2-40B4-BE49-F238E27FC236}">
-                <a16:creationId xmlns:a16="http://schemas.microsoft.com/office/drawing/2014/main" xmlns="" id="{EB68FE00-AE85-47D2-8190-1C69166838F8}"/>
+                <a16:creationId xmlns="" xmlns:a16="http://schemas.microsoft.com/office/drawing/2014/main" id="{EB68FE00-AE85-47D2-8190-1C69166838F8}"/>
               </a:ext>
             </a:extLst>
           </p:cNvPr>
@@ -509,7 +509,7 @@
           <p:cNvPr id="5" name="Footer Placeholder 4">
             <a:extLst>
               <a:ext uri="{FF2B5EF4-FFF2-40B4-BE49-F238E27FC236}">
-                <a16:creationId xmlns:a16="http://schemas.microsoft.com/office/drawing/2014/main" xmlns="" id="{6F1CCAB1-8B33-41DC-B2D8-DE82866DE091}"/>
+                <a16:creationId xmlns="" xmlns:a16="http://schemas.microsoft.com/office/drawing/2014/main" id="{6F1CCAB1-8B33-41DC-B2D8-DE82866DE091}"/>
               </a:ext>
             </a:extLst>
           </p:cNvPr>
@@ -534,7 +534,7 @@
           <p:cNvPr id="6" name="Slide Number Placeholder 5">
             <a:extLst>
               <a:ext uri="{FF2B5EF4-FFF2-40B4-BE49-F238E27FC236}">
-                <a16:creationId xmlns:a16="http://schemas.microsoft.com/office/drawing/2014/main" xmlns="" id="{4D6AD1F3-FC70-433F-86AC-319A84C5BFE1}"/>
+                <a16:creationId xmlns="" xmlns:a16="http://schemas.microsoft.com/office/drawing/2014/main" id="{4D6AD1F3-FC70-433F-86AC-319A84C5BFE1}"/>
               </a:ext>
             </a:extLst>
           </p:cNvPr>
@@ -593,7 +593,7 @@
           <p:cNvPr id="2" name="Vertical Title 1">
             <a:extLst>
               <a:ext uri="{FF2B5EF4-FFF2-40B4-BE49-F238E27FC236}">
-                <a16:creationId xmlns:a16="http://schemas.microsoft.com/office/drawing/2014/main" xmlns="" id="{F8560417-C4C5-40FC-869E-4578D829C26F}"/>
+                <a16:creationId xmlns="" xmlns:a16="http://schemas.microsoft.com/office/drawing/2014/main" id="{F8560417-C4C5-40FC-869E-4578D829C26F}"/>
               </a:ext>
             </a:extLst>
           </p:cNvPr>
@@ -627,7 +627,7 @@
           <p:cNvPr id="3" name="Vertical Text Placeholder 2">
             <a:extLst>
               <a:ext uri="{FF2B5EF4-FFF2-40B4-BE49-F238E27FC236}">
-                <a16:creationId xmlns:a16="http://schemas.microsoft.com/office/drawing/2014/main" xmlns="" id="{6A85AC1C-878C-4C56-AE49-1AB39BDCF5F1}"/>
+                <a16:creationId xmlns="" xmlns:a16="http://schemas.microsoft.com/office/drawing/2014/main" id="{6A85AC1C-878C-4C56-AE49-1AB39BDCF5F1}"/>
               </a:ext>
             </a:extLst>
           </p:cNvPr>
@@ -690,7 +690,7 @@
           <p:cNvPr id="4" name="Date Placeholder 3">
             <a:extLst>
               <a:ext uri="{FF2B5EF4-FFF2-40B4-BE49-F238E27FC236}">
-                <a16:creationId xmlns:a16="http://schemas.microsoft.com/office/drawing/2014/main" xmlns="" id="{F086EA05-DAC9-4054-BBDC-FFE6C52AE036}"/>
+                <a16:creationId xmlns="" xmlns:a16="http://schemas.microsoft.com/office/drawing/2014/main" id="{F086EA05-DAC9-4054-BBDC-FFE6C52AE036}"/>
               </a:ext>
             </a:extLst>
           </p:cNvPr>
@@ -719,7 +719,7 @@
           <p:cNvPr id="5" name="Footer Placeholder 4">
             <a:extLst>
               <a:ext uri="{FF2B5EF4-FFF2-40B4-BE49-F238E27FC236}">
-                <a16:creationId xmlns:a16="http://schemas.microsoft.com/office/drawing/2014/main" xmlns="" id="{AF748DE8-4A94-4270-8AF1-686BC6D68160}"/>
+                <a16:creationId xmlns="" xmlns:a16="http://schemas.microsoft.com/office/drawing/2014/main" id="{AF748DE8-4A94-4270-8AF1-686BC6D68160}"/>
               </a:ext>
             </a:extLst>
           </p:cNvPr>
@@ -744,7 +744,7 @@
           <p:cNvPr id="6" name="Slide Number Placeholder 5">
             <a:extLst>
               <a:ext uri="{FF2B5EF4-FFF2-40B4-BE49-F238E27FC236}">
-                <a16:creationId xmlns:a16="http://schemas.microsoft.com/office/drawing/2014/main" xmlns="" id="{EC37F70A-612B-4EC9-887D-212AD47E6725}"/>
+                <a16:creationId xmlns="" xmlns:a16="http://schemas.microsoft.com/office/drawing/2014/main" id="{EC37F70A-612B-4EC9-887D-212AD47E6725}"/>
               </a:ext>
             </a:extLst>
           </p:cNvPr>
@@ -803,7 +803,7 @@
           <p:cNvPr id="2" name="Title 1">
             <a:extLst>
               <a:ext uri="{FF2B5EF4-FFF2-40B4-BE49-F238E27FC236}">
-                <a16:creationId xmlns:a16="http://schemas.microsoft.com/office/drawing/2014/main" xmlns="" id="{50AC5FE6-090F-4273-A4DF-FF5A42C73394}"/>
+                <a16:creationId xmlns="" xmlns:a16="http://schemas.microsoft.com/office/drawing/2014/main" id="{50AC5FE6-090F-4273-A4DF-FF5A42C73394}"/>
               </a:ext>
             </a:extLst>
           </p:cNvPr>
@@ -832,7 +832,7 @@
           <p:cNvPr id="3" name="Content Placeholder 2">
             <a:extLst>
               <a:ext uri="{FF2B5EF4-FFF2-40B4-BE49-F238E27FC236}">
-                <a16:creationId xmlns:a16="http://schemas.microsoft.com/office/drawing/2014/main" xmlns="" id="{89BE3343-BE09-461C-AE2C-90E8FCAA9BF6}"/>
+                <a16:creationId xmlns="" xmlns:a16="http://schemas.microsoft.com/office/drawing/2014/main" id="{89BE3343-BE09-461C-AE2C-90E8FCAA9BF6}"/>
               </a:ext>
             </a:extLst>
           </p:cNvPr>
@@ -890,7 +890,7 @@
           <p:cNvPr id="4" name="Date Placeholder 3">
             <a:extLst>
               <a:ext uri="{FF2B5EF4-FFF2-40B4-BE49-F238E27FC236}">
-                <a16:creationId xmlns:a16="http://schemas.microsoft.com/office/drawing/2014/main" xmlns="" id="{6E2C3AE3-0028-439E-BAAF-4E20751CB2B5}"/>
+                <a16:creationId xmlns="" xmlns:a16="http://schemas.microsoft.com/office/drawing/2014/main" id="{6E2C3AE3-0028-439E-BAAF-4E20751CB2B5}"/>
               </a:ext>
             </a:extLst>
           </p:cNvPr>
@@ -919,7 +919,7 @@
           <p:cNvPr id="5" name="Footer Placeholder 4">
             <a:extLst>
               <a:ext uri="{FF2B5EF4-FFF2-40B4-BE49-F238E27FC236}">
-                <a16:creationId xmlns:a16="http://schemas.microsoft.com/office/drawing/2014/main" xmlns="" id="{5735FA37-7F3B-4EC9-9C9A-6E06B1BD7DE6}"/>
+                <a16:creationId xmlns="" xmlns:a16="http://schemas.microsoft.com/office/drawing/2014/main" id="{5735FA37-7F3B-4EC9-9C9A-6E06B1BD7DE6}"/>
               </a:ext>
             </a:extLst>
           </p:cNvPr>
@@ -944,7 +944,7 @@
           <p:cNvPr id="6" name="Slide Number Placeholder 5">
             <a:extLst>
               <a:ext uri="{FF2B5EF4-FFF2-40B4-BE49-F238E27FC236}">
-                <a16:creationId xmlns:a16="http://schemas.microsoft.com/office/drawing/2014/main" xmlns="" id="{7E64D618-9FEC-4B97-B4AD-6D9333B03921}"/>
+                <a16:creationId xmlns="" xmlns:a16="http://schemas.microsoft.com/office/drawing/2014/main" id="{7E64D618-9FEC-4B97-B4AD-6D9333B03921}"/>
               </a:ext>
             </a:extLst>
           </p:cNvPr>
@@ -1003,7 +1003,7 @@
           <p:cNvPr id="2" name="Title 1">
             <a:extLst>
               <a:ext uri="{FF2B5EF4-FFF2-40B4-BE49-F238E27FC236}">
-                <a16:creationId xmlns:a16="http://schemas.microsoft.com/office/drawing/2014/main" xmlns="" id="{7C12317D-09A9-4195-9B3A-AD37223D91C7}"/>
+                <a16:creationId xmlns="" xmlns:a16="http://schemas.microsoft.com/office/drawing/2014/main" id="{7C12317D-09A9-4195-9B3A-AD37223D91C7}"/>
               </a:ext>
             </a:extLst>
           </p:cNvPr>
@@ -1041,7 +1041,7 @@
           <p:cNvPr id="3" name="Text Placeholder 2">
             <a:extLst>
               <a:ext uri="{FF2B5EF4-FFF2-40B4-BE49-F238E27FC236}">
-                <a16:creationId xmlns:a16="http://schemas.microsoft.com/office/drawing/2014/main" xmlns="" id="{E1D07751-A3C4-425B-A97F-CA75719FD2A9}"/>
+                <a16:creationId xmlns="" xmlns:a16="http://schemas.microsoft.com/office/drawing/2014/main" id="{E1D07751-A3C4-425B-A97F-CA75719FD2A9}"/>
               </a:ext>
             </a:extLst>
           </p:cNvPr>
@@ -1166,7 +1166,7 @@
           <p:cNvPr id="4" name="Date Placeholder 3">
             <a:extLst>
               <a:ext uri="{FF2B5EF4-FFF2-40B4-BE49-F238E27FC236}">
-                <a16:creationId xmlns:a16="http://schemas.microsoft.com/office/drawing/2014/main" xmlns="" id="{02174D32-3EDA-4B14-B036-28321B094718}"/>
+                <a16:creationId xmlns="" xmlns:a16="http://schemas.microsoft.com/office/drawing/2014/main" id="{02174D32-3EDA-4B14-B036-28321B094718}"/>
               </a:ext>
             </a:extLst>
           </p:cNvPr>
@@ -1195,7 +1195,7 @@
           <p:cNvPr id="5" name="Footer Placeholder 4">
             <a:extLst>
               <a:ext uri="{FF2B5EF4-FFF2-40B4-BE49-F238E27FC236}">
-                <a16:creationId xmlns:a16="http://schemas.microsoft.com/office/drawing/2014/main" xmlns="" id="{66E6CDA6-A60E-4E3E-A6F8-297B8FFB8958}"/>
+                <a16:creationId xmlns="" xmlns:a16="http://schemas.microsoft.com/office/drawing/2014/main" id="{66E6CDA6-A60E-4E3E-A6F8-297B8FFB8958}"/>
               </a:ext>
             </a:extLst>
           </p:cNvPr>
@@ -1220,7 +1220,7 @@
           <p:cNvPr id="6" name="Slide Number Placeholder 5">
             <a:extLst>
               <a:ext uri="{FF2B5EF4-FFF2-40B4-BE49-F238E27FC236}">
-                <a16:creationId xmlns:a16="http://schemas.microsoft.com/office/drawing/2014/main" xmlns="" id="{50503989-A2BC-43DA-952E-82A620742C6E}"/>
+                <a16:creationId xmlns="" xmlns:a16="http://schemas.microsoft.com/office/drawing/2014/main" id="{50503989-A2BC-43DA-952E-82A620742C6E}"/>
               </a:ext>
             </a:extLst>
           </p:cNvPr>
@@ -1279,7 +1279,7 @@
           <p:cNvPr id="2" name="Title 1">
             <a:extLst>
               <a:ext uri="{FF2B5EF4-FFF2-40B4-BE49-F238E27FC236}">
-                <a16:creationId xmlns:a16="http://schemas.microsoft.com/office/drawing/2014/main" xmlns="" id="{3C3479C6-6DFC-4E14-A4F6-02D1702BD8DF}"/>
+                <a16:creationId xmlns="" xmlns:a16="http://schemas.microsoft.com/office/drawing/2014/main" id="{3C3479C6-6DFC-4E14-A4F6-02D1702BD8DF}"/>
               </a:ext>
             </a:extLst>
           </p:cNvPr>
@@ -1308,7 +1308,7 @@
           <p:cNvPr id="3" name="Content Placeholder 2">
             <a:extLst>
               <a:ext uri="{FF2B5EF4-FFF2-40B4-BE49-F238E27FC236}">
-                <a16:creationId xmlns:a16="http://schemas.microsoft.com/office/drawing/2014/main" xmlns="" id="{863128B5-1A00-4D22-A4EC-E1DE20504B59}"/>
+                <a16:creationId xmlns="" xmlns:a16="http://schemas.microsoft.com/office/drawing/2014/main" id="{863128B5-1A00-4D22-A4EC-E1DE20504B59}"/>
               </a:ext>
             </a:extLst>
           </p:cNvPr>
@@ -1371,7 +1371,7 @@
           <p:cNvPr id="4" name="Content Placeholder 3">
             <a:extLst>
               <a:ext uri="{FF2B5EF4-FFF2-40B4-BE49-F238E27FC236}">
-                <a16:creationId xmlns:a16="http://schemas.microsoft.com/office/drawing/2014/main" xmlns="" id="{3E3B4DB7-1B18-490A-A2C3-8B525308B1B5}"/>
+                <a16:creationId xmlns="" xmlns:a16="http://schemas.microsoft.com/office/drawing/2014/main" id="{3E3B4DB7-1B18-490A-A2C3-8B525308B1B5}"/>
               </a:ext>
             </a:extLst>
           </p:cNvPr>
@@ -1434,7 +1434,7 @@
           <p:cNvPr id="5" name="Date Placeholder 4">
             <a:extLst>
               <a:ext uri="{FF2B5EF4-FFF2-40B4-BE49-F238E27FC236}">
-                <a16:creationId xmlns:a16="http://schemas.microsoft.com/office/drawing/2014/main" xmlns="" id="{E2CBB963-4098-44EB-A85D-F140C7DC02BE}"/>
+                <a16:creationId xmlns="" xmlns:a16="http://schemas.microsoft.com/office/drawing/2014/main" id="{E2CBB963-4098-44EB-A85D-F140C7DC02BE}"/>
               </a:ext>
             </a:extLst>
           </p:cNvPr>
@@ -1463,7 +1463,7 @@
           <p:cNvPr id="6" name="Footer Placeholder 5">
             <a:extLst>
               <a:ext uri="{FF2B5EF4-FFF2-40B4-BE49-F238E27FC236}">
-                <a16:creationId xmlns:a16="http://schemas.microsoft.com/office/drawing/2014/main" xmlns="" id="{BCC1C30C-290A-47D3-8A36-D77CE2149457}"/>
+                <a16:creationId xmlns="" xmlns:a16="http://schemas.microsoft.com/office/drawing/2014/main" id="{BCC1C30C-290A-47D3-8A36-D77CE2149457}"/>
               </a:ext>
             </a:extLst>
           </p:cNvPr>
@@ -1488,7 +1488,7 @@
           <p:cNvPr id="7" name="Slide Number Placeholder 6">
             <a:extLst>
               <a:ext uri="{FF2B5EF4-FFF2-40B4-BE49-F238E27FC236}">
-                <a16:creationId xmlns:a16="http://schemas.microsoft.com/office/drawing/2014/main" xmlns="" id="{A7382546-2FFA-4399-B0A0-B2523CBB58AB}"/>
+                <a16:creationId xmlns="" xmlns:a16="http://schemas.microsoft.com/office/drawing/2014/main" id="{A7382546-2FFA-4399-B0A0-B2523CBB58AB}"/>
               </a:ext>
             </a:extLst>
           </p:cNvPr>
@@ -1547,7 +1547,7 @@
           <p:cNvPr id="2" name="Title 1">
             <a:extLst>
               <a:ext uri="{FF2B5EF4-FFF2-40B4-BE49-F238E27FC236}">
-                <a16:creationId xmlns:a16="http://schemas.microsoft.com/office/drawing/2014/main" xmlns="" id="{A7A93705-148B-4842-9BB7-634F19D7FFC3}"/>
+                <a16:creationId xmlns="" xmlns:a16="http://schemas.microsoft.com/office/drawing/2014/main" id="{A7A93705-148B-4842-9BB7-634F19D7FFC3}"/>
               </a:ext>
             </a:extLst>
           </p:cNvPr>
@@ -1581,7 +1581,7 @@
           <p:cNvPr id="3" name="Text Placeholder 2">
             <a:extLst>
               <a:ext uri="{FF2B5EF4-FFF2-40B4-BE49-F238E27FC236}">
-                <a16:creationId xmlns:a16="http://schemas.microsoft.com/office/drawing/2014/main" xmlns="" id="{FC1BAD48-5D37-4B14-812F-1AEEB4904C6B}"/>
+                <a16:creationId xmlns="" xmlns:a16="http://schemas.microsoft.com/office/drawing/2014/main" id="{FC1BAD48-5D37-4B14-812F-1AEEB4904C6B}"/>
               </a:ext>
             </a:extLst>
           </p:cNvPr>
@@ -1652,7 +1652,7 @@
           <p:cNvPr id="4" name="Content Placeholder 3">
             <a:extLst>
               <a:ext uri="{FF2B5EF4-FFF2-40B4-BE49-F238E27FC236}">
-                <a16:creationId xmlns:a16="http://schemas.microsoft.com/office/drawing/2014/main" xmlns="" id="{3B5EB12B-CB44-43B6-94A4-D2AD3EB71CA4}"/>
+                <a16:creationId xmlns="" xmlns:a16="http://schemas.microsoft.com/office/drawing/2014/main" id="{3B5EB12B-CB44-43B6-94A4-D2AD3EB71CA4}"/>
               </a:ext>
             </a:extLst>
           </p:cNvPr>
@@ -1715,7 +1715,7 @@
           <p:cNvPr id="5" name="Text Placeholder 4">
             <a:extLst>
               <a:ext uri="{FF2B5EF4-FFF2-40B4-BE49-F238E27FC236}">
-                <a16:creationId xmlns:a16="http://schemas.microsoft.com/office/drawing/2014/main" xmlns="" id="{C62315CC-A635-436D-B55E-FA2355294DD9}"/>
+                <a16:creationId xmlns="" xmlns:a16="http://schemas.microsoft.com/office/drawing/2014/main" id="{C62315CC-A635-436D-B55E-FA2355294DD9}"/>
               </a:ext>
             </a:extLst>
           </p:cNvPr>
@@ -1786,7 +1786,7 @@
           <p:cNvPr id="6" name="Content Placeholder 5">
             <a:extLst>
               <a:ext uri="{FF2B5EF4-FFF2-40B4-BE49-F238E27FC236}">
-                <a16:creationId xmlns:a16="http://schemas.microsoft.com/office/drawing/2014/main" xmlns="" id="{34AC48B6-FAB0-471B-A967-8151EF1C9179}"/>
+                <a16:creationId xmlns="" xmlns:a16="http://schemas.microsoft.com/office/drawing/2014/main" id="{34AC48B6-FAB0-471B-A967-8151EF1C9179}"/>
               </a:ext>
             </a:extLst>
           </p:cNvPr>
@@ -1849,7 +1849,7 @@
           <p:cNvPr id="7" name="Date Placeholder 6">
             <a:extLst>
               <a:ext uri="{FF2B5EF4-FFF2-40B4-BE49-F238E27FC236}">
-                <a16:creationId xmlns:a16="http://schemas.microsoft.com/office/drawing/2014/main" xmlns="" id="{109FFBF3-E628-492A-8C82-518569C1E848}"/>
+                <a16:creationId xmlns="" xmlns:a16="http://schemas.microsoft.com/office/drawing/2014/main" id="{109FFBF3-E628-492A-8C82-518569C1E848}"/>
               </a:ext>
             </a:extLst>
           </p:cNvPr>
@@ -1878,7 +1878,7 @@
           <p:cNvPr id="8" name="Footer Placeholder 7">
             <a:extLst>
               <a:ext uri="{FF2B5EF4-FFF2-40B4-BE49-F238E27FC236}">
-                <a16:creationId xmlns:a16="http://schemas.microsoft.com/office/drawing/2014/main" xmlns="" id="{9A39E486-E371-4905-AA20-2B78D03FBF7B}"/>
+                <a16:creationId xmlns="" xmlns:a16="http://schemas.microsoft.com/office/drawing/2014/main" id="{9A39E486-E371-4905-AA20-2B78D03FBF7B}"/>
               </a:ext>
             </a:extLst>
           </p:cNvPr>
@@ -1903,7 +1903,7 @@
           <p:cNvPr id="9" name="Slide Number Placeholder 8">
             <a:extLst>
               <a:ext uri="{FF2B5EF4-FFF2-40B4-BE49-F238E27FC236}">
-                <a16:creationId xmlns:a16="http://schemas.microsoft.com/office/drawing/2014/main" xmlns="" id="{4B3729B9-7C18-4425-90FA-3FDC26B93F56}"/>
+                <a16:creationId xmlns="" xmlns:a16="http://schemas.microsoft.com/office/drawing/2014/main" id="{4B3729B9-7C18-4425-90FA-3FDC26B93F56}"/>
               </a:ext>
             </a:extLst>
           </p:cNvPr>
@@ -1962,7 +1962,7 @@
           <p:cNvPr id="2" name="Title 1">
             <a:extLst>
               <a:ext uri="{FF2B5EF4-FFF2-40B4-BE49-F238E27FC236}">
-                <a16:creationId xmlns:a16="http://schemas.microsoft.com/office/drawing/2014/main" xmlns="" id="{F557840D-BF71-4D96-A8A5-B542E33A8913}"/>
+                <a16:creationId xmlns="" xmlns:a16="http://schemas.microsoft.com/office/drawing/2014/main" id="{F557840D-BF71-4D96-A8A5-B542E33A8913}"/>
               </a:ext>
             </a:extLst>
           </p:cNvPr>
@@ -1991,7 +1991,7 @@
           <p:cNvPr id="3" name="Date Placeholder 2">
             <a:extLst>
               <a:ext uri="{FF2B5EF4-FFF2-40B4-BE49-F238E27FC236}">
-                <a16:creationId xmlns:a16="http://schemas.microsoft.com/office/drawing/2014/main" xmlns="" id="{BA4BD647-B5B7-48D0-A050-3FBE7C6B29B0}"/>
+                <a16:creationId xmlns="" xmlns:a16="http://schemas.microsoft.com/office/drawing/2014/main" id="{BA4BD647-B5B7-48D0-A050-3FBE7C6B29B0}"/>
               </a:ext>
             </a:extLst>
           </p:cNvPr>
@@ -2020,7 +2020,7 @@
           <p:cNvPr id="4" name="Footer Placeholder 3">
             <a:extLst>
               <a:ext uri="{FF2B5EF4-FFF2-40B4-BE49-F238E27FC236}">
-                <a16:creationId xmlns:a16="http://schemas.microsoft.com/office/drawing/2014/main" xmlns="" id="{6114292C-D7F7-4E50-9C9F-62F085588A1E}"/>
+                <a16:creationId xmlns="" xmlns:a16="http://schemas.microsoft.com/office/drawing/2014/main" id="{6114292C-D7F7-4E50-9C9F-62F085588A1E}"/>
               </a:ext>
             </a:extLst>
           </p:cNvPr>
@@ -2045,7 +2045,7 @@
           <p:cNvPr id="5" name="Slide Number Placeholder 4">
             <a:extLst>
               <a:ext uri="{FF2B5EF4-FFF2-40B4-BE49-F238E27FC236}">
-                <a16:creationId xmlns:a16="http://schemas.microsoft.com/office/drawing/2014/main" xmlns="" id="{95A5DF1D-0586-4D0C-97B5-23FD8F2FA920}"/>
+                <a16:creationId xmlns="" xmlns:a16="http://schemas.microsoft.com/office/drawing/2014/main" id="{95A5DF1D-0586-4D0C-97B5-23FD8F2FA920}"/>
               </a:ext>
             </a:extLst>
           </p:cNvPr>
@@ -2104,7 +2104,7 @@
           <p:cNvPr id="2" name="Date Placeholder 1">
             <a:extLst>
               <a:ext uri="{FF2B5EF4-FFF2-40B4-BE49-F238E27FC236}">
-                <a16:creationId xmlns:a16="http://schemas.microsoft.com/office/drawing/2014/main" xmlns="" id="{B6F2F55F-7B06-4BB5-AA05-0CA46598B5EA}"/>
+                <a16:creationId xmlns="" xmlns:a16="http://schemas.microsoft.com/office/drawing/2014/main" id="{B6F2F55F-7B06-4BB5-AA05-0CA46598B5EA}"/>
               </a:ext>
             </a:extLst>
           </p:cNvPr>
@@ -2133,7 +2133,7 @@
           <p:cNvPr id="3" name="Footer Placeholder 2">
             <a:extLst>
               <a:ext uri="{FF2B5EF4-FFF2-40B4-BE49-F238E27FC236}">
-                <a16:creationId xmlns:a16="http://schemas.microsoft.com/office/drawing/2014/main" xmlns="" id="{A24F4E46-EDCB-4CFF-827A-66EC3F02FB65}"/>
+                <a16:creationId xmlns="" xmlns:a16="http://schemas.microsoft.com/office/drawing/2014/main" id="{A24F4E46-EDCB-4CFF-827A-66EC3F02FB65}"/>
               </a:ext>
             </a:extLst>
           </p:cNvPr>
@@ -2158,7 +2158,7 @@
           <p:cNvPr id="4" name="Slide Number Placeholder 3">
             <a:extLst>
               <a:ext uri="{FF2B5EF4-FFF2-40B4-BE49-F238E27FC236}">
-                <a16:creationId xmlns:a16="http://schemas.microsoft.com/office/drawing/2014/main" xmlns="" id="{F7660BA1-7B27-4F39-8867-8C5BAD55FC8E}"/>
+                <a16:creationId xmlns="" xmlns:a16="http://schemas.microsoft.com/office/drawing/2014/main" id="{F7660BA1-7B27-4F39-8867-8C5BAD55FC8E}"/>
               </a:ext>
             </a:extLst>
           </p:cNvPr>
@@ -2217,7 +2217,7 @@
           <p:cNvPr id="2" name="Title 1">
             <a:extLst>
               <a:ext uri="{FF2B5EF4-FFF2-40B4-BE49-F238E27FC236}">
-                <a16:creationId xmlns:a16="http://schemas.microsoft.com/office/drawing/2014/main" xmlns="" id="{DEE88CD8-2364-4974-883F-4DF3F850B0C0}"/>
+                <a16:creationId xmlns="" xmlns:a16="http://schemas.microsoft.com/office/drawing/2014/main" id="{DEE88CD8-2364-4974-883F-4DF3F850B0C0}"/>
               </a:ext>
             </a:extLst>
           </p:cNvPr>
@@ -2255,7 +2255,7 @@
           <p:cNvPr id="3" name="Content Placeholder 2">
             <a:extLst>
               <a:ext uri="{FF2B5EF4-FFF2-40B4-BE49-F238E27FC236}">
-                <a16:creationId xmlns:a16="http://schemas.microsoft.com/office/drawing/2014/main" xmlns="" id="{ACA6C759-A0CB-493E-A758-175F40489269}"/>
+                <a16:creationId xmlns="" xmlns:a16="http://schemas.microsoft.com/office/drawing/2014/main" id="{ACA6C759-A0CB-493E-A758-175F40489269}"/>
               </a:ext>
             </a:extLst>
           </p:cNvPr>
@@ -2346,7 +2346,7 @@
           <p:cNvPr id="4" name="Text Placeholder 3">
             <a:extLst>
               <a:ext uri="{FF2B5EF4-FFF2-40B4-BE49-F238E27FC236}">
-                <a16:creationId xmlns:a16="http://schemas.microsoft.com/office/drawing/2014/main" xmlns="" id="{44FC896D-57E7-486C-B8E3-254E83090EF7}"/>
+                <a16:creationId xmlns="" xmlns:a16="http://schemas.microsoft.com/office/drawing/2014/main" id="{44FC896D-57E7-486C-B8E3-254E83090EF7}"/>
               </a:ext>
             </a:extLst>
           </p:cNvPr>
@@ -2417,7 +2417,7 @@
           <p:cNvPr id="5" name="Date Placeholder 4">
             <a:extLst>
               <a:ext uri="{FF2B5EF4-FFF2-40B4-BE49-F238E27FC236}">
-                <a16:creationId xmlns:a16="http://schemas.microsoft.com/office/drawing/2014/main" xmlns="" id="{8C450EB9-D3F3-4F3F-A2C0-601005ACF1D1}"/>
+                <a16:creationId xmlns="" xmlns:a16="http://schemas.microsoft.com/office/drawing/2014/main" id="{8C450EB9-D3F3-4F3F-A2C0-601005ACF1D1}"/>
               </a:ext>
             </a:extLst>
           </p:cNvPr>
@@ -2446,7 +2446,7 @@
           <p:cNvPr id="6" name="Footer Placeholder 5">
             <a:extLst>
               <a:ext uri="{FF2B5EF4-FFF2-40B4-BE49-F238E27FC236}">
-                <a16:creationId xmlns:a16="http://schemas.microsoft.com/office/drawing/2014/main" xmlns="" id="{112BF1DE-BC21-4BF7-B345-B8065EBE5347}"/>
+                <a16:creationId xmlns="" xmlns:a16="http://schemas.microsoft.com/office/drawing/2014/main" id="{112BF1DE-BC21-4BF7-B345-B8065EBE5347}"/>
               </a:ext>
             </a:extLst>
           </p:cNvPr>
@@ -2471,7 +2471,7 @@
           <p:cNvPr id="7" name="Slide Number Placeholder 6">
             <a:extLst>
               <a:ext uri="{FF2B5EF4-FFF2-40B4-BE49-F238E27FC236}">
-                <a16:creationId xmlns:a16="http://schemas.microsoft.com/office/drawing/2014/main" xmlns="" id="{E4E40CBC-EC31-4203-8180-CDF5DF4D441F}"/>
+                <a16:creationId xmlns="" xmlns:a16="http://schemas.microsoft.com/office/drawing/2014/main" id="{E4E40CBC-EC31-4203-8180-CDF5DF4D441F}"/>
               </a:ext>
             </a:extLst>
           </p:cNvPr>
@@ -2530,7 +2530,7 @@
           <p:cNvPr id="2" name="Title 1">
             <a:extLst>
               <a:ext uri="{FF2B5EF4-FFF2-40B4-BE49-F238E27FC236}">
-                <a16:creationId xmlns:a16="http://schemas.microsoft.com/office/drawing/2014/main" xmlns="" id="{C294B151-C05E-42DD-9AA0-37649E79F1FC}"/>
+                <a16:creationId xmlns="" xmlns:a16="http://schemas.microsoft.com/office/drawing/2014/main" id="{C294B151-C05E-42DD-9AA0-37649E79F1FC}"/>
               </a:ext>
             </a:extLst>
           </p:cNvPr>
@@ -2568,7 +2568,7 @@
           <p:cNvPr id="3" name="Picture Placeholder 2">
             <a:extLst>
               <a:ext uri="{FF2B5EF4-FFF2-40B4-BE49-F238E27FC236}">
-                <a16:creationId xmlns:a16="http://schemas.microsoft.com/office/drawing/2014/main" xmlns="" id="{812D894E-29AA-4449-941E-1EB1B4138218}"/>
+                <a16:creationId xmlns="" xmlns:a16="http://schemas.microsoft.com/office/drawing/2014/main" id="{812D894E-29AA-4449-941E-1EB1B4138218}"/>
               </a:ext>
             </a:extLst>
           </p:cNvPr>
@@ -2635,7 +2635,7 @@
           <p:cNvPr id="4" name="Text Placeholder 3">
             <a:extLst>
               <a:ext uri="{FF2B5EF4-FFF2-40B4-BE49-F238E27FC236}">
-                <a16:creationId xmlns:a16="http://schemas.microsoft.com/office/drawing/2014/main" xmlns="" id="{E9191790-F7F0-46A9-98F4-52680961A4E3}"/>
+                <a16:creationId xmlns="" xmlns:a16="http://schemas.microsoft.com/office/drawing/2014/main" id="{E9191790-F7F0-46A9-98F4-52680961A4E3}"/>
               </a:ext>
             </a:extLst>
           </p:cNvPr>
@@ -2706,7 +2706,7 @@
           <p:cNvPr id="5" name="Date Placeholder 4">
             <a:extLst>
               <a:ext uri="{FF2B5EF4-FFF2-40B4-BE49-F238E27FC236}">
-                <a16:creationId xmlns:a16="http://schemas.microsoft.com/office/drawing/2014/main" xmlns="" id="{63417435-5C60-49DC-97C4-D22005A447C5}"/>
+                <a16:creationId xmlns="" xmlns:a16="http://schemas.microsoft.com/office/drawing/2014/main" id="{63417435-5C60-49DC-97C4-D22005A447C5}"/>
               </a:ext>
             </a:extLst>
           </p:cNvPr>
@@ -2735,7 +2735,7 @@
           <p:cNvPr id="6" name="Footer Placeholder 5">
             <a:extLst>
               <a:ext uri="{FF2B5EF4-FFF2-40B4-BE49-F238E27FC236}">
-                <a16:creationId xmlns:a16="http://schemas.microsoft.com/office/drawing/2014/main" xmlns="" id="{C3B5DDFF-0195-49AB-BABF-A569CE7B0639}"/>
+                <a16:creationId xmlns="" xmlns:a16="http://schemas.microsoft.com/office/drawing/2014/main" id="{C3B5DDFF-0195-49AB-BABF-A569CE7B0639}"/>
               </a:ext>
             </a:extLst>
           </p:cNvPr>
@@ -2760,7 +2760,7 @@
           <p:cNvPr id="7" name="Slide Number Placeholder 6">
             <a:extLst>
               <a:ext uri="{FF2B5EF4-FFF2-40B4-BE49-F238E27FC236}">
-                <a16:creationId xmlns:a16="http://schemas.microsoft.com/office/drawing/2014/main" xmlns="" id="{1F926052-E194-4408-9E27-9EE5DAD038F6}"/>
+                <a16:creationId xmlns="" xmlns:a16="http://schemas.microsoft.com/office/drawing/2014/main" id="{1F926052-E194-4408-9E27-9EE5DAD038F6}"/>
               </a:ext>
             </a:extLst>
           </p:cNvPr>
@@ -2824,7 +2824,7 @@
           <p:cNvPr id="2" name="Title Placeholder 1">
             <a:extLst>
               <a:ext uri="{FF2B5EF4-FFF2-40B4-BE49-F238E27FC236}">
-                <a16:creationId xmlns:a16="http://schemas.microsoft.com/office/drawing/2014/main" xmlns="" id="{80C9C548-8A7E-4D70-AA08-2AB9634B71FF}"/>
+                <a16:creationId xmlns="" xmlns:a16="http://schemas.microsoft.com/office/drawing/2014/main" id="{80C9C548-8A7E-4D70-AA08-2AB9634B71FF}"/>
               </a:ext>
             </a:extLst>
           </p:cNvPr>
@@ -2863,7 +2863,7 @@
           <p:cNvPr id="3" name="Text Placeholder 2">
             <a:extLst>
               <a:ext uri="{FF2B5EF4-FFF2-40B4-BE49-F238E27FC236}">
-                <a16:creationId xmlns:a16="http://schemas.microsoft.com/office/drawing/2014/main" xmlns="" id="{06CEBD04-186A-453B-9606-6EDED0EBC191}"/>
+                <a16:creationId xmlns="" xmlns:a16="http://schemas.microsoft.com/office/drawing/2014/main" id="{06CEBD04-186A-453B-9606-6EDED0EBC191}"/>
               </a:ext>
             </a:extLst>
           </p:cNvPr>
@@ -2931,7 +2931,7 @@
           <p:cNvPr id="4" name="Date Placeholder 3">
             <a:extLst>
               <a:ext uri="{FF2B5EF4-FFF2-40B4-BE49-F238E27FC236}">
-                <a16:creationId xmlns:a16="http://schemas.microsoft.com/office/drawing/2014/main" xmlns="" id="{0BACD226-6396-45A8-A04D-EE3F7AA10379}"/>
+                <a16:creationId xmlns="" xmlns:a16="http://schemas.microsoft.com/office/drawing/2014/main" id="{0BACD226-6396-45A8-A04D-EE3F7AA10379}"/>
               </a:ext>
             </a:extLst>
           </p:cNvPr>
@@ -2978,7 +2978,7 @@
           <p:cNvPr id="5" name="Footer Placeholder 4">
             <a:extLst>
               <a:ext uri="{FF2B5EF4-FFF2-40B4-BE49-F238E27FC236}">
-                <a16:creationId xmlns:a16="http://schemas.microsoft.com/office/drawing/2014/main" xmlns="" id="{19E43CD4-FC9C-423F-BE27-5FD6E518E40A}"/>
+                <a16:creationId xmlns="" xmlns:a16="http://schemas.microsoft.com/office/drawing/2014/main" id="{19E43CD4-FC9C-423F-BE27-5FD6E518E40A}"/>
               </a:ext>
             </a:extLst>
           </p:cNvPr>
@@ -3021,7 +3021,7 @@
           <p:cNvPr id="6" name="Slide Number Placeholder 5">
             <a:extLst>
               <a:ext uri="{FF2B5EF4-FFF2-40B4-BE49-F238E27FC236}">
-                <a16:creationId xmlns:a16="http://schemas.microsoft.com/office/drawing/2014/main" xmlns="" id="{87C5FE44-6ECC-4A8A-AF5E-7D2106F35FD1}"/>
+                <a16:creationId xmlns="" xmlns:a16="http://schemas.microsoft.com/office/drawing/2014/main" id="{87C5FE44-6ECC-4A8A-AF5E-7D2106F35FD1}"/>
               </a:ext>
             </a:extLst>
           </p:cNvPr>
@@ -3389,7 +3389,7 @@
           <p:cNvPr id="2" name="Title 1">
             <a:extLst>
               <a:ext uri="{FF2B5EF4-FFF2-40B4-BE49-F238E27FC236}">
-                <a16:creationId xmlns:a16="http://schemas.microsoft.com/office/drawing/2014/main" xmlns="" id="{E91851B8-2161-42E8-9411-B1D2A4293767}"/>
+                <a16:creationId xmlns="" xmlns:a16="http://schemas.microsoft.com/office/drawing/2014/main" id="{E91851B8-2161-42E8-9411-B1D2A4293767}"/>
               </a:ext>
             </a:extLst>
           </p:cNvPr>
@@ -3417,7 +3417,7 @@
           <p:cNvPr id="3" name="Subtitle 2">
             <a:extLst>
               <a:ext uri="{FF2B5EF4-FFF2-40B4-BE49-F238E27FC236}">
-                <a16:creationId xmlns:a16="http://schemas.microsoft.com/office/drawing/2014/main" xmlns="" id="{FF3699E4-9036-4A55-9E2C-4EFB2569521E}"/>
+                <a16:creationId xmlns="" xmlns:a16="http://schemas.microsoft.com/office/drawing/2014/main" id="{FF3699E4-9036-4A55-9E2C-4EFB2569521E}"/>
               </a:ext>
             </a:extLst>
           </p:cNvPr>
@@ -3475,7 +3475,7 @@
           <p:cNvPr id="2" name="Title 1">
             <a:extLst>
               <a:ext uri="{FF2B5EF4-FFF2-40B4-BE49-F238E27FC236}">
-                <a16:creationId xmlns:a16="http://schemas.microsoft.com/office/drawing/2014/main" xmlns="" id="{BA3312A1-8E59-484F-BD16-94B414E04BDD}"/>
+                <a16:creationId xmlns="" xmlns:a16="http://schemas.microsoft.com/office/drawing/2014/main" id="{BA3312A1-8E59-484F-BD16-94B414E04BDD}"/>
               </a:ext>
             </a:extLst>
           </p:cNvPr>
@@ -3503,7 +3503,7 @@
           <p:cNvPr id="3" name="Content Placeholder 2">
             <a:extLst>
               <a:ext uri="{FF2B5EF4-FFF2-40B4-BE49-F238E27FC236}">
-                <a16:creationId xmlns:a16="http://schemas.microsoft.com/office/drawing/2014/main" xmlns="" id="{9545EF81-A004-4775-9970-D0C57F5F554A}"/>
+                <a16:creationId xmlns="" xmlns:a16="http://schemas.microsoft.com/office/drawing/2014/main" id="{9545EF81-A004-4775-9970-D0C57F5F554A}"/>
               </a:ext>
             </a:extLst>
           </p:cNvPr>
@@ -3566,7 +3566,7 @@
           <p:cNvPr id="6" name="Straight Connector 5">
             <a:extLst>
               <a:ext uri="{FF2B5EF4-FFF2-40B4-BE49-F238E27FC236}">
-                <a16:creationId xmlns:a16="http://schemas.microsoft.com/office/drawing/2014/main" xmlns="" id="{558C96D9-A0C4-4302-8C9A-8F56E0E5F824}"/>
+                <a16:creationId xmlns="" xmlns:a16="http://schemas.microsoft.com/office/drawing/2014/main" id="{558C96D9-A0C4-4302-8C9A-8F56E0E5F824}"/>
               </a:ext>
             </a:extLst>
           </p:cNvPr>
@@ -3605,7 +3605,7 @@
           <p:cNvPr id="9" name="Straight Connector 8">
             <a:extLst>
               <a:ext uri="{FF2B5EF4-FFF2-40B4-BE49-F238E27FC236}">
-                <a16:creationId xmlns:a16="http://schemas.microsoft.com/office/drawing/2014/main" xmlns="" id="{AE113220-BA50-4D59-97A4-79D41441FADF}"/>
+                <a16:creationId xmlns="" xmlns:a16="http://schemas.microsoft.com/office/drawing/2014/main" id="{AE113220-BA50-4D59-97A4-79D41441FADF}"/>
               </a:ext>
             </a:extLst>
           </p:cNvPr>
@@ -3648,7 +3648,7 @@
           <p:cNvPr id="12" name="Straight Connector 11">
             <a:extLst>
               <a:ext uri="{FF2B5EF4-FFF2-40B4-BE49-F238E27FC236}">
-                <a16:creationId xmlns:a16="http://schemas.microsoft.com/office/drawing/2014/main" xmlns="" id="{39641B7B-1E67-46A4-9BE5-7AAC67C0414C}"/>
+                <a16:creationId xmlns="" xmlns:a16="http://schemas.microsoft.com/office/drawing/2014/main" id="{39641B7B-1E67-46A4-9BE5-7AAC67C0414C}"/>
               </a:ext>
             </a:extLst>
           </p:cNvPr>
@@ -3691,7 +3691,7 @@
           <p:cNvPr id="13" name="Straight Connector 12">
             <a:extLst>
               <a:ext uri="{FF2B5EF4-FFF2-40B4-BE49-F238E27FC236}">
-                <a16:creationId xmlns:a16="http://schemas.microsoft.com/office/drawing/2014/main" xmlns="" id="{5A3C90BF-8505-40DE-B0F1-18DFC59EA387}"/>
+                <a16:creationId xmlns="" xmlns:a16="http://schemas.microsoft.com/office/drawing/2014/main" id="{5A3C90BF-8505-40DE-B0F1-18DFC59EA387}"/>
               </a:ext>
             </a:extLst>
           </p:cNvPr>
@@ -3734,7 +3734,7 @@
           <p:cNvPr id="18" name="Oval 17">
             <a:extLst>
               <a:ext uri="{FF2B5EF4-FFF2-40B4-BE49-F238E27FC236}">
-                <a16:creationId xmlns:a16="http://schemas.microsoft.com/office/drawing/2014/main" xmlns="" id="{1232F04C-EF38-495F-8526-BE197B986488}"/>
+                <a16:creationId xmlns="" xmlns:a16="http://schemas.microsoft.com/office/drawing/2014/main" id="{1232F04C-EF38-495F-8526-BE197B986488}"/>
               </a:ext>
             </a:extLst>
           </p:cNvPr>
@@ -3788,7 +3788,7 @@
           <p:cNvPr id="4" name="Oval 3">
             <a:extLst>
               <a:ext uri="{FF2B5EF4-FFF2-40B4-BE49-F238E27FC236}">
-                <a16:creationId xmlns:a16="http://schemas.microsoft.com/office/drawing/2014/main" xmlns="" id="{B40C4311-0880-4E08-A583-B170A86F8D2C}"/>
+                <a16:creationId xmlns="" xmlns:a16="http://schemas.microsoft.com/office/drawing/2014/main" id="{B40C4311-0880-4E08-A583-B170A86F8D2C}"/>
               </a:ext>
             </a:extLst>
           </p:cNvPr>
@@ -3842,7 +3842,7 @@
           <p:cNvPr id="14" name="Oval 13">
             <a:extLst>
               <a:ext uri="{FF2B5EF4-FFF2-40B4-BE49-F238E27FC236}">
-                <a16:creationId xmlns:a16="http://schemas.microsoft.com/office/drawing/2014/main" xmlns="" id="{C210FE6A-0BB2-45A2-AE0E-38E3930CCD03}"/>
+                <a16:creationId xmlns="" xmlns:a16="http://schemas.microsoft.com/office/drawing/2014/main" id="{C210FE6A-0BB2-45A2-AE0E-38E3930CCD03}"/>
               </a:ext>
             </a:extLst>
           </p:cNvPr>
@@ -3896,7 +3896,7 @@
           <p:cNvPr id="15" name="Oval 14">
             <a:extLst>
               <a:ext uri="{FF2B5EF4-FFF2-40B4-BE49-F238E27FC236}">
-                <a16:creationId xmlns:a16="http://schemas.microsoft.com/office/drawing/2014/main" xmlns="" id="{505AFF55-BFDF-45B7-AE5D-DB030465F2B5}"/>
+                <a16:creationId xmlns="" xmlns:a16="http://schemas.microsoft.com/office/drawing/2014/main" id="{505AFF55-BFDF-45B7-AE5D-DB030465F2B5}"/>
               </a:ext>
             </a:extLst>
           </p:cNvPr>
@@ -3950,7 +3950,7 @@
           <p:cNvPr id="16" name="Oval 15">
             <a:extLst>
               <a:ext uri="{FF2B5EF4-FFF2-40B4-BE49-F238E27FC236}">
-                <a16:creationId xmlns:a16="http://schemas.microsoft.com/office/drawing/2014/main" xmlns="" id="{E56A103A-2FE5-4DA4-B559-76DF3C7FC22C}"/>
+                <a16:creationId xmlns="" xmlns:a16="http://schemas.microsoft.com/office/drawing/2014/main" id="{E56A103A-2FE5-4DA4-B559-76DF3C7FC22C}"/>
               </a:ext>
             </a:extLst>
           </p:cNvPr>
@@ -4004,7 +4004,7 @@
           <p:cNvPr id="17" name="Oval 16">
             <a:extLst>
               <a:ext uri="{FF2B5EF4-FFF2-40B4-BE49-F238E27FC236}">
-                <a16:creationId xmlns:a16="http://schemas.microsoft.com/office/drawing/2014/main" xmlns="" id="{14B2818D-1105-4E0E-B594-F250A6ADDC91}"/>
+                <a16:creationId xmlns="" xmlns:a16="http://schemas.microsoft.com/office/drawing/2014/main" id="{14B2818D-1105-4E0E-B594-F250A6ADDC91}"/>
               </a:ext>
             </a:extLst>
           </p:cNvPr>
@@ -4058,7 +4058,7 @@
           <p:cNvPr id="20" name="Oval 19">
             <a:extLst>
               <a:ext uri="{FF2B5EF4-FFF2-40B4-BE49-F238E27FC236}">
-                <a16:creationId xmlns:a16="http://schemas.microsoft.com/office/drawing/2014/main" xmlns="" id="{CBA18471-101C-4B87-AD63-79F761223B25}"/>
+                <a16:creationId xmlns="" xmlns:a16="http://schemas.microsoft.com/office/drawing/2014/main" id="{CBA18471-101C-4B87-AD63-79F761223B25}"/>
               </a:ext>
             </a:extLst>
           </p:cNvPr>
@@ -4112,7 +4112,7 @@
           <p:cNvPr id="21" name="Oval 20">
             <a:extLst>
               <a:ext uri="{FF2B5EF4-FFF2-40B4-BE49-F238E27FC236}">
-                <a16:creationId xmlns:a16="http://schemas.microsoft.com/office/drawing/2014/main" xmlns="" id="{BD64AAC6-9636-476B-B500-4BF57C871B90}"/>
+                <a16:creationId xmlns="" xmlns:a16="http://schemas.microsoft.com/office/drawing/2014/main" id="{BD64AAC6-9636-476B-B500-4BF57C871B90}"/>
               </a:ext>
             </a:extLst>
           </p:cNvPr>
@@ -4166,7 +4166,7 @@
           <p:cNvPr id="22" name="Oval 21">
             <a:extLst>
               <a:ext uri="{FF2B5EF4-FFF2-40B4-BE49-F238E27FC236}">
-                <a16:creationId xmlns:a16="http://schemas.microsoft.com/office/drawing/2014/main" xmlns="" id="{FF4CD4B3-ACD4-481F-856E-5CD5ED73DA8B}"/>
+                <a16:creationId xmlns="" xmlns:a16="http://schemas.microsoft.com/office/drawing/2014/main" id="{FF4CD4B3-ACD4-481F-856E-5CD5ED73DA8B}"/>
               </a:ext>
             </a:extLst>
           </p:cNvPr>
@@ -4220,7 +4220,7 @@
           <p:cNvPr id="23" name="Oval 22">
             <a:extLst>
               <a:ext uri="{FF2B5EF4-FFF2-40B4-BE49-F238E27FC236}">
-                <a16:creationId xmlns:a16="http://schemas.microsoft.com/office/drawing/2014/main" xmlns="" id="{B68C27DB-A957-4CFC-B856-AC06A72B2BB5}"/>
+                <a16:creationId xmlns="" xmlns:a16="http://schemas.microsoft.com/office/drawing/2014/main" id="{B68C27DB-A957-4CFC-B856-AC06A72B2BB5}"/>
               </a:ext>
             </a:extLst>
           </p:cNvPr>
@@ -4274,7 +4274,7 @@
           <p:cNvPr id="24" name="Oval 23">
             <a:extLst>
               <a:ext uri="{FF2B5EF4-FFF2-40B4-BE49-F238E27FC236}">
-                <a16:creationId xmlns:a16="http://schemas.microsoft.com/office/drawing/2014/main" xmlns="" id="{2B12C238-E3CB-409E-95F6-93C9BA925002}"/>
+                <a16:creationId xmlns="" xmlns:a16="http://schemas.microsoft.com/office/drawing/2014/main" id="{2B12C238-E3CB-409E-95F6-93C9BA925002}"/>
               </a:ext>
             </a:extLst>
           </p:cNvPr>
@@ -4328,7 +4328,7 @@
           <p:cNvPr id="25" name="Oval 24">
             <a:extLst>
               <a:ext uri="{FF2B5EF4-FFF2-40B4-BE49-F238E27FC236}">
-                <a16:creationId xmlns:a16="http://schemas.microsoft.com/office/drawing/2014/main" xmlns="" id="{32C1EA5C-390B-4C86-8A30-AD3732DCD886}"/>
+                <a16:creationId xmlns="" xmlns:a16="http://schemas.microsoft.com/office/drawing/2014/main" id="{32C1EA5C-390B-4C86-8A30-AD3732DCD886}"/>
               </a:ext>
             </a:extLst>
           </p:cNvPr>
@@ -4382,7 +4382,7 @@
           <p:cNvPr id="26" name="Oval 25">
             <a:extLst>
               <a:ext uri="{FF2B5EF4-FFF2-40B4-BE49-F238E27FC236}">
-                <a16:creationId xmlns:a16="http://schemas.microsoft.com/office/drawing/2014/main" xmlns="" id="{E728103B-C697-4FCE-8E47-71597550964E}"/>
+                <a16:creationId xmlns="" xmlns:a16="http://schemas.microsoft.com/office/drawing/2014/main" id="{E728103B-C697-4FCE-8E47-71597550964E}"/>
               </a:ext>
             </a:extLst>
           </p:cNvPr>
@@ -4436,7 +4436,7 @@
           <p:cNvPr id="27" name="Oval 26">
             <a:extLst>
               <a:ext uri="{FF2B5EF4-FFF2-40B4-BE49-F238E27FC236}">
-                <a16:creationId xmlns:a16="http://schemas.microsoft.com/office/drawing/2014/main" xmlns="" id="{0CA27C61-CB4C-49FD-82D9-9E808FFABA8C}"/>
+                <a16:creationId xmlns="" xmlns:a16="http://schemas.microsoft.com/office/drawing/2014/main" id="{0CA27C61-CB4C-49FD-82D9-9E808FFABA8C}"/>
               </a:ext>
             </a:extLst>
           </p:cNvPr>
@@ -4490,7 +4490,7 @@
           <p:cNvPr id="28" name="Oval 27">
             <a:extLst>
               <a:ext uri="{FF2B5EF4-FFF2-40B4-BE49-F238E27FC236}">
-                <a16:creationId xmlns:a16="http://schemas.microsoft.com/office/drawing/2014/main" xmlns="" id="{EADC9F85-9D1B-42A1-868F-0F7088C627CA}"/>
+                <a16:creationId xmlns="" xmlns:a16="http://schemas.microsoft.com/office/drawing/2014/main" id="{EADC9F85-9D1B-42A1-868F-0F7088C627CA}"/>
               </a:ext>
             </a:extLst>
           </p:cNvPr>
@@ -4544,7 +4544,7 @@
           <p:cNvPr id="29" name="Oval 28">
             <a:extLst>
               <a:ext uri="{FF2B5EF4-FFF2-40B4-BE49-F238E27FC236}">
-                <a16:creationId xmlns:a16="http://schemas.microsoft.com/office/drawing/2014/main" xmlns="" id="{03E33A29-DA0E-4825-B1A0-878345619209}"/>
+                <a16:creationId xmlns="" xmlns:a16="http://schemas.microsoft.com/office/drawing/2014/main" id="{03E33A29-DA0E-4825-B1A0-878345619209}"/>
               </a:ext>
             </a:extLst>
           </p:cNvPr>
@@ -4598,7 +4598,7 @@
           <p:cNvPr id="32" name="Oval 31">
             <a:extLst>
               <a:ext uri="{FF2B5EF4-FFF2-40B4-BE49-F238E27FC236}">
-                <a16:creationId xmlns:a16="http://schemas.microsoft.com/office/drawing/2014/main" xmlns="" id="{63718134-D1D3-49BE-8511-8051E1C2BC88}"/>
+                <a16:creationId xmlns="" xmlns:a16="http://schemas.microsoft.com/office/drawing/2014/main" id="{63718134-D1D3-49BE-8511-8051E1C2BC88}"/>
               </a:ext>
             </a:extLst>
           </p:cNvPr>
@@ -4652,7 +4652,7 @@
           <p:cNvPr id="33" name="Oval 32">
             <a:extLst>
               <a:ext uri="{FF2B5EF4-FFF2-40B4-BE49-F238E27FC236}">
-                <a16:creationId xmlns:a16="http://schemas.microsoft.com/office/drawing/2014/main" xmlns="" id="{3965C6AA-F3AF-4B56-A637-BF46A582BEFB}"/>
+                <a16:creationId xmlns="" xmlns:a16="http://schemas.microsoft.com/office/drawing/2014/main" id="{3965C6AA-F3AF-4B56-A637-BF46A582BEFB}"/>
               </a:ext>
             </a:extLst>
           </p:cNvPr>
@@ -4706,7 +4706,7 @@
           <p:cNvPr id="35" name="Straight Connector 34">
             <a:extLst>
               <a:ext uri="{FF2B5EF4-FFF2-40B4-BE49-F238E27FC236}">
-                <a16:creationId xmlns:a16="http://schemas.microsoft.com/office/drawing/2014/main" xmlns="" id="{2FBB9482-1872-4290-9A19-3EE9DF5AE850}"/>
+                <a16:creationId xmlns="" xmlns:a16="http://schemas.microsoft.com/office/drawing/2014/main" id="{2FBB9482-1872-4290-9A19-3EE9DF5AE850}"/>
               </a:ext>
             </a:extLst>
           </p:cNvPr>
@@ -4745,7 +4745,7 @@
           <p:cNvPr id="36" name="Oval 35">
             <a:extLst>
               <a:ext uri="{FF2B5EF4-FFF2-40B4-BE49-F238E27FC236}">
-                <a16:creationId xmlns:a16="http://schemas.microsoft.com/office/drawing/2014/main" xmlns="" id="{AA81B0A7-A029-42D3-8E7B-697D69EFE17A}"/>
+                <a16:creationId xmlns="" xmlns:a16="http://schemas.microsoft.com/office/drawing/2014/main" id="{AA81B0A7-A029-42D3-8E7B-697D69EFE17A}"/>
               </a:ext>
             </a:extLst>
           </p:cNvPr>
@@ -4799,7 +4799,7 @@
           <p:cNvPr id="37" name="Straight Connector 36">
             <a:extLst>
               <a:ext uri="{FF2B5EF4-FFF2-40B4-BE49-F238E27FC236}">
-                <a16:creationId xmlns:a16="http://schemas.microsoft.com/office/drawing/2014/main" xmlns="" id="{FC4D6BD4-07D2-4DA9-ACB9-EE0E3AC34855}"/>
+                <a16:creationId xmlns="" xmlns:a16="http://schemas.microsoft.com/office/drawing/2014/main" id="{FC4D6BD4-07D2-4DA9-ACB9-EE0E3AC34855}"/>
               </a:ext>
             </a:extLst>
           </p:cNvPr>
@@ -4842,7 +4842,7 @@
           <p:cNvPr id="39" name="Rectangle 38">
             <a:extLst>
               <a:ext uri="{FF2B5EF4-FFF2-40B4-BE49-F238E27FC236}">
-                <a16:creationId xmlns:a16="http://schemas.microsoft.com/office/drawing/2014/main" xmlns="" id="{82018786-F6AF-4CFC-9360-399E557CD008}"/>
+                <a16:creationId xmlns="" xmlns:a16="http://schemas.microsoft.com/office/drawing/2014/main" id="{82018786-F6AF-4CFC-9360-399E557CD008}"/>
               </a:ext>
             </a:extLst>
           </p:cNvPr>
@@ -4876,7 +4876,7 @@
           <p:cNvPr id="34" name="Oval 33">
             <a:extLst>
               <a:ext uri="{FF2B5EF4-FFF2-40B4-BE49-F238E27FC236}">
-                <a16:creationId xmlns:a16="http://schemas.microsoft.com/office/drawing/2014/main" xmlns="" id="{D9A532E9-B2EC-417E-8C55-CA098F0A5FEA}"/>
+                <a16:creationId xmlns="" xmlns:a16="http://schemas.microsoft.com/office/drawing/2014/main" id="{D9A532E9-B2EC-417E-8C55-CA098F0A5FEA}"/>
               </a:ext>
             </a:extLst>
           </p:cNvPr>
@@ -4930,7 +4930,7 @@
           <p:cNvPr id="38" name="Oval 37">
             <a:extLst>
               <a:ext uri="{FF2B5EF4-FFF2-40B4-BE49-F238E27FC236}">
-                <a16:creationId xmlns:a16="http://schemas.microsoft.com/office/drawing/2014/main" xmlns="" id="{C4AE09FA-286B-43D5-AD5A-B69088C480DE}"/>
+                <a16:creationId xmlns="" xmlns:a16="http://schemas.microsoft.com/office/drawing/2014/main" id="{C4AE09FA-286B-43D5-AD5A-B69088C480DE}"/>
               </a:ext>
             </a:extLst>
           </p:cNvPr>
@@ -4984,7 +4984,7 @@
           <p:cNvPr id="40" name="Oval 39">
             <a:extLst>
               <a:ext uri="{FF2B5EF4-FFF2-40B4-BE49-F238E27FC236}">
-                <a16:creationId xmlns:a16="http://schemas.microsoft.com/office/drawing/2014/main" xmlns="" id="{2F1486C8-ED23-4FD8-92D2-08257F15D426}"/>
+                <a16:creationId xmlns="" xmlns:a16="http://schemas.microsoft.com/office/drawing/2014/main" id="{2F1486C8-ED23-4FD8-92D2-08257F15D426}"/>
               </a:ext>
             </a:extLst>
           </p:cNvPr>
@@ -5038,7 +5038,7 @@
           <p:cNvPr id="41" name="Oval 40">
             <a:extLst>
               <a:ext uri="{FF2B5EF4-FFF2-40B4-BE49-F238E27FC236}">
-                <a16:creationId xmlns:a16="http://schemas.microsoft.com/office/drawing/2014/main" xmlns="" id="{042C0EE8-BF4B-4C64-9289-E8246611BACB}"/>
+                <a16:creationId xmlns="" xmlns:a16="http://schemas.microsoft.com/office/drawing/2014/main" id="{042C0EE8-BF4B-4C64-9289-E8246611BACB}"/>
               </a:ext>
             </a:extLst>
           </p:cNvPr>
@@ -5092,7 +5092,7 @@
           <p:cNvPr id="42" name="Oval 41">
             <a:extLst>
               <a:ext uri="{FF2B5EF4-FFF2-40B4-BE49-F238E27FC236}">
-                <a16:creationId xmlns:a16="http://schemas.microsoft.com/office/drawing/2014/main" xmlns="" id="{D996A280-1330-4D23-BC30-B6684AC357F6}"/>
+                <a16:creationId xmlns="" xmlns:a16="http://schemas.microsoft.com/office/drawing/2014/main" id="{D996A280-1330-4D23-BC30-B6684AC357F6}"/>
               </a:ext>
             </a:extLst>
           </p:cNvPr>
@@ -5146,7 +5146,7 @@
           <p:cNvPr id="43" name="Oval 42">
             <a:extLst>
               <a:ext uri="{FF2B5EF4-FFF2-40B4-BE49-F238E27FC236}">
-                <a16:creationId xmlns:a16="http://schemas.microsoft.com/office/drawing/2014/main" xmlns="" id="{398BE365-7E02-498C-93E6-A363726E1FC1}"/>
+                <a16:creationId xmlns="" xmlns:a16="http://schemas.microsoft.com/office/drawing/2014/main" id="{398BE365-7E02-498C-93E6-A363726E1FC1}"/>
               </a:ext>
             </a:extLst>
           </p:cNvPr>
@@ -5200,7 +5200,7 @@
           <p:cNvPr id="44" name="Oval 43">
             <a:extLst>
               <a:ext uri="{FF2B5EF4-FFF2-40B4-BE49-F238E27FC236}">
-                <a16:creationId xmlns:a16="http://schemas.microsoft.com/office/drawing/2014/main" xmlns="" id="{0B4DED95-853A-4280-9C63-CACA7D3AFD32}"/>
+                <a16:creationId xmlns="" xmlns:a16="http://schemas.microsoft.com/office/drawing/2014/main" id="{0B4DED95-853A-4280-9C63-CACA7D3AFD32}"/>
               </a:ext>
             </a:extLst>
           </p:cNvPr>
@@ -5254,7 +5254,7 @@
           <p:cNvPr id="45" name="Oval 44">
             <a:extLst>
               <a:ext uri="{FF2B5EF4-FFF2-40B4-BE49-F238E27FC236}">
-                <a16:creationId xmlns:a16="http://schemas.microsoft.com/office/drawing/2014/main" xmlns="" id="{128C3C8D-5A8C-4E43-9B86-E595564DD2F3}"/>
+                <a16:creationId xmlns="" xmlns:a16="http://schemas.microsoft.com/office/drawing/2014/main" id="{128C3C8D-5A8C-4E43-9B86-E595564DD2F3}"/>
               </a:ext>
             </a:extLst>
           </p:cNvPr>
@@ -5308,7 +5308,7 @@
           <p:cNvPr id="46" name="Oval 45">
             <a:extLst>
               <a:ext uri="{FF2B5EF4-FFF2-40B4-BE49-F238E27FC236}">
-                <a16:creationId xmlns:a16="http://schemas.microsoft.com/office/drawing/2014/main" xmlns="" id="{E14BCBE6-F722-4671-BBF9-B75519450E44}"/>
+                <a16:creationId xmlns="" xmlns:a16="http://schemas.microsoft.com/office/drawing/2014/main" id="{E14BCBE6-F722-4671-BBF9-B75519450E44}"/>
               </a:ext>
             </a:extLst>
           </p:cNvPr>
@@ -5362,7 +5362,7 @@
           <p:cNvPr id="47" name="Oval 46">
             <a:extLst>
               <a:ext uri="{FF2B5EF4-FFF2-40B4-BE49-F238E27FC236}">
-                <a16:creationId xmlns:a16="http://schemas.microsoft.com/office/drawing/2014/main" xmlns="" id="{93F63C47-2412-45F0-ACA4-3AA12CF87258}"/>
+                <a16:creationId xmlns="" xmlns:a16="http://schemas.microsoft.com/office/drawing/2014/main" id="{93F63C47-2412-45F0-ACA4-3AA12CF87258}"/>
               </a:ext>
             </a:extLst>
           </p:cNvPr>
@@ -5416,7 +5416,7 @@
           <p:cNvPr id="48" name="Oval 47">
             <a:extLst>
               <a:ext uri="{FF2B5EF4-FFF2-40B4-BE49-F238E27FC236}">
-                <a16:creationId xmlns:a16="http://schemas.microsoft.com/office/drawing/2014/main" xmlns="" id="{BDCDEA9D-1035-40B3-B301-DEA46450EEC2}"/>
+                <a16:creationId xmlns="" xmlns:a16="http://schemas.microsoft.com/office/drawing/2014/main" id="{BDCDEA9D-1035-40B3-B301-DEA46450EEC2}"/>
               </a:ext>
             </a:extLst>
           </p:cNvPr>
@@ -5470,7 +5470,7 @@
           <p:cNvPr id="8" name="Freeform: Shape 7">
             <a:extLst>
               <a:ext uri="{FF2B5EF4-FFF2-40B4-BE49-F238E27FC236}">
-                <a16:creationId xmlns:a16="http://schemas.microsoft.com/office/drawing/2014/main" xmlns="" id="{DC1F19A3-38CB-4CED-8FF0-81EBB8762AC0}"/>
+                <a16:creationId xmlns="" xmlns:a16="http://schemas.microsoft.com/office/drawing/2014/main" id="{DC1F19A3-38CB-4CED-8FF0-81EBB8762AC0}"/>
               </a:ext>
             </a:extLst>
           </p:cNvPr>
@@ -5560,7 +5560,7 @@
           <p:cNvPr id="49" name="Oval 48">
             <a:extLst>
               <a:ext uri="{FF2B5EF4-FFF2-40B4-BE49-F238E27FC236}">
-                <a16:creationId xmlns:a16="http://schemas.microsoft.com/office/drawing/2014/main" xmlns="" id="{5007F02E-0371-43F5-826E-B5BA72385718}"/>
+                <a16:creationId xmlns="" xmlns:a16="http://schemas.microsoft.com/office/drawing/2014/main" id="{5007F02E-0371-43F5-826E-B5BA72385718}"/>
               </a:ext>
             </a:extLst>
           </p:cNvPr>
@@ -5614,7 +5614,7 @@
           <p:cNvPr id="50" name="TextBox 49">
             <a:extLst>
               <a:ext uri="{FF2B5EF4-FFF2-40B4-BE49-F238E27FC236}">
-                <a16:creationId xmlns:a16="http://schemas.microsoft.com/office/drawing/2014/main" xmlns="" id="{B5A7B699-4639-4BBB-9F8F-CF011EAD4E67}"/>
+                <a16:creationId xmlns="" xmlns:a16="http://schemas.microsoft.com/office/drawing/2014/main" id="{B5A7B699-4639-4BBB-9F8F-CF011EAD4E67}"/>
               </a:ext>
             </a:extLst>
           </p:cNvPr>
@@ -5649,7 +5649,7 @@
           <p:cNvPr id="5" name="Freeform: Shape 4">
             <a:extLst>
               <a:ext uri="{FF2B5EF4-FFF2-40B4-BE49-F238E27FC236}">
-                <a16:creationId xmlns:a16="http://schemas.microsoft.com/office/drawing/2014/main" xmlns="" id="{E57CBD20-BDD1-4CA6-9CD2-B53B196A5F65}"/>
+                <a16:creationId xmlns="" xmlns:a16="http://schemas.microsoft.com/office/drawing/2014/main" id="{E57CBD20-BDD1-4CA6-9CD2-B53B196A5F65}"/>
               </a:ext>
             </a:extLst>
           </p:cNvPr>
@@ -5739,7 +5739,7 @@
           <p:cNvPr id="51" name="TextBox 50">
             <a:extLst>
               <a:ext uri="{FF2B5EF4-FFF2-40B4-BE49-F238E27FC236}">
-                <a16:creationId xmlns:a16="http://schemas.microsoft.com/office/drawing/2014/main" xmlns="" id="{9CE9AE13-20D1-4D58-94A6-C16BABE5CD23}"/>
+                <a16:creationId xmlns="" xmlns:a16="http://schemas.microsoft.com/office/drawing/2014/main" id="{9CE9AE13-20D1-4D58-94A6-C16BABE5CD23}"/>
               </a:ext>
             </a:extLst>
           </p:cNvPr>
@@ -5804,7 +5804,7 @@
           <p:cNvPr id="2" name="Title 1">
             <a:extLst>
               <a:ext uri="{FF2B5EF4-FFF2-40B4-BE49-F238E27FC236}">
-                <a16:creationId xmlns:a16="http://schemas.microsoft.com/office/drawing/2014/main" xmlns="" id="{BA3312A1-8E59-484F-BD16-94B414E04BDD}"/>
+                <a16:creationId xmlns="" xmlns:a16="http://schemas.microsoft.com/office/drawing/2014/main" id="{BA3312A1-8E59-484F-BD16-94B414E04BDD}"/>
               </a:ext>
             </a:extLst>
           </p:cNvPr>
@@ -5832,7 +5832,7 @@
           <p:cNvPr id="3" name="Content Placeholder 2">
             <a:extLst>
               <a:ext uri="{FF2B5EF4-FFF2-40B4-BE49-F238E27FC236}">
-                <a16:creationId xmlns:a16="http://schemas.microsoft.com/office/drawing/2014/main" xmlns="" id="{9545EF81-A004-4775-9970-D0C57F5F554A}"/>
+                <a16:creationId xmlns="" xmlns:a16="http://schemas.microsoft.com/office/drawing/2014/main" id="{9545EF81-A004-4775-9970-D0C57F5F554A}"/>
               </a:ext>
             </a:extLst>
           </p:cNvPr>
@@ -5889,7 +5889,7 @@
           <p:cNvPr id="6" name="Straight Connector 5">
             <a:extLst>
               <a:ext uri="{FF2B5EF4-FFF2-40B4-BE49-F238E27FC236}">
-                <a16:creationId xmlns:a16="http://schemas.microsoft.com/office/drawing/2014/main" xmlns="" id="{558C96D9-A0C4-4302-8C9A-8F56E0E5F824}"/>
+                <a16:creationId xmlns="" xmlns:a16="http://schemas.microsoft.com/office/drawing/2014/main" id="{558C96D9-A0C4-4302-8C9A-8F56E0E5F824}"/>
               </a:ext>
             </a:extLst>
           </p:cNvPr>
@@ -5928,7 +5928,7 @@
           <p:cNvPr id="18" name="Oval 17">
             <a:extLst>
               <a:ext uri="{FF2B5EF4-FFF2-40B4-BE49-F238E27FC236}">
-                <a16:creationId xmlns:a16="http://schemas.microsoft.com/office/drawing/2014/main" xmlns="" id="{1232F04C-EF38-495F-8526-BE197B986488}"/>
+                <a16:creationId xmlns="" xmlns:a16="http://schemas.microsoft.com/office/drawing/2014/main" id="{1232F04C-EF38-495F-8526-BE197B986488}"/>
               </a:ext>
             </a:extLst>
           </p:cNvPr>
@@ -5982,7 +5982,7 @@
           <p:cNvPr id="19" name="TextBox 18">
             <a:extLst>
               <a:ext uri="{FF2B5EF4-FFF2-40B4-BE49-F238E27FC236}">
-                <a16:creationId xmlns:a16="http://schemas.microsoft.com/office/drawing/2014/main" xmlns="" id="{391D718A-8E5C-4B32-8107-91FD3F705C78}"/>
+                <a16:creationId xmlns="" xmlns:a16="http://schemas.microsoft.com/office/drawing/2014/main" id="{391D718A-8E5C-4B32-8107-91FD3F705C78}"/>
               </a:ext>
             </a:extLst>
           </p:cNvPr>
@@ -6017,7 +6017,7 @@
           <p:cNvPr id="4" name="Oval 3">
             <a:extLst>
               <a:ext uri="{FF2B5EF4-FFF2-40B4-BE49-F238E27FC236}">
-                <a16:creationId xmlns:a16="http://schemas.microsoft.com/office/drawing/2014/main" xmlns="" id="{B40C4311-0880-4E08-A583-B170A86F8D2C}"/>
+                <a16:creationId xmlns="" xmlns:a16="http://schemas.microsoft.com/office/drawing/2014/main" id="{B40C4311-0880-4E08-A583-B170A86F8D2C}"/>
               </a:ext>
             </a:extLst>
           </p:cNvPr>
@@ -6071,7 +6071,7 @@
           <p:cNvPr id="14" name="Oval 13">
             <a:extLst>
               <a:ext uri="{FF2B5EF4-FFF2-40B4-BE49-F238E27FC236}">
-                <a16:creationId xmlns:a16="http://schemas.microsoft.com/office/drawing/2014/main" xmlns="" id="{C210FE6A-0BB2-45A2-AE0E-38E3930CCD03}"/>
+                <a16:creationId xmlns="" xmlns:a16="http://schemas.microsoft.com/office/drawing/2014/main" id="{C210FE6A-0BB2-45A2-AE0E-38E3930CCD03}"/>
               </a:ext>
             </a:extLst>
           </p:cNvPr>
@@ -6125,7 +6125,7 @@
           <p:cNvPr id="15" name="Oval 14">
             <a:extLst>
               <a:ext uri="{FF2B5EF4-FFF2-40B4-BE49-F238E27FC236}">
-                <a16:creationId xmlns:a16="http://schemas.microsoft.com/office/drawing/2014/main" xmlns="" id="{505AFF55-BFDF-45B7-AE5D-DB030465F2B5}"/>
+                <a16:creationId xmlns="" xmlns:a16="http://schemas.microsoft.com/office/drawing/2014/main" id="{505AFF55-BFDF-45B7-AE5D-DB030465F2B5}"/>
               </a:ext>
             </a:extLst>
           </p:cNvPr>
@@ -6179,7 +6179,7 @@
           <p:cNvPr id="16" name="Oval 15">
             <a:extLst>
               <a:ext uri="{FF2B5EF4-FFF2-40B4-BE49-F238E27FC236}">
-                <a16:creationId xmlns:a16="http://schemas.microsoft.com/office/drawing/2014/main" xmlns="" id="{E56A103A-2FE5-4DA4-B559-76DF3C7FC22C}"/>
+                <a16:creationId xmlns="" xmlns:a16="http://schemas.microsoft.com/office/drawing/2014/main" id="{E56A103A-2FE5-4DA4-B559-76DF3C7FC22C}"/>
               </a:ext>
             </a:extLst>
           </p:cNvPr>
@@ -6233,7 +6233,7 @@
           <p:cNvPr id="17" name="Oval 16">
             <a:extLst>
               <a:ext uri="{FF2B5EF4-FFF2-40B4-BE49-F238E27FC236}">
-                <a16:creationId xmlns:a16="http://schemas.microsoft.com/office/drawing/2014/main" xmlns="" id="{14B2818D-1105-4E0E-B594-F250A6ADDC91}"/>
+                <a16:creationId xmlns="" xmlns:a16="http://schemas.microsoft.com/office/drawing/2014/main" id="{14B2818D-1105-4E0E-B594-F250A6ADDC91}"/>
               </a:ext>
             </a:extLst>
           </p:cNvPr>
@@ -6287,7 +6287,7 @@
           <p:cNvPr id="20" name="Oval 19">
             <a:extLst>
               <a:ext uri="{FF2B5EF4-FFF2-40B4-BE49-F238E27FC236}">
-                <a16:creationId xmlns:a16="http://schemas.microsoft.com/office/drawing/2014/main" xmlns="" id="{CBA18471-101C-4B87-AD63-79F761223B25}"/>
+                <a16:creationId xmlns="" xmlns:a16="http://schemas.microsoft.com/office/drawing/2014/main" id="{CBA18471-101C-4B87-AD63-79F761223B25}"/>
               </a:ext>
             </a:extLst>
           </p:cNvPr>
@@ -6341,7 +6341,7 @@
           <p:cNvPr id="21" name="Oval 20">
             <a:extLst>
               <a:ext uri="{FF2B5EF4-FFF2-40B4-BE49-F238E27FC236}">
-                <a16:creationId xmlns:a16="http://schemas.microsoft.com/office/drawing/2014/main" xmlns="" id="{BD64AAC6-9636-476B-B500-4BF57C871B90}"/>
+                <a16:creationId xmlns="" xmlns:a16="http://schemas.microsoft.com/office/drawing/2014/main" id="{BD64AAC6-9636-476B-B500-4BF57C871B90}"/>
               </a:ext>
             </a:extLst>
           </p:cNvPr>
@@ -6395,7 +6395,7 @@
           <p:cNvPr id="22" name="Oval 21">
             <a:extLst>
               <a:ext uri="{FF2B5EF4-FFF2-40B4-BE49-F238E27FC236}">
-                <a16:creationId xmlns:a16="http://schemas.microsoft.com/office/drawing/2014/main" xmlns="" id="{FF4CD4B3-ACD4-481F-856E-5CD5ED73DA8B}"/>
+                <a16:creationId xmlns="" xmlns:a16="http://schemas.microsoft.com/office/drawing/2014/main" id="{FF4CD4B3-ACD4-481F-856E-5CD5ED73DA8B}"/>
               </a:ext>
             </a:extLst>
           </p:cNvPr>
@@ -6449,7 +6449,7 @@
           <p:cNvPr id="23" name="Oval 22">
             <a:extLst>
               <a:ext uri="{FF2B5EF4-FFF2-40B4-BE49-F238E27FC236}">
-                <a16:creationId xmlns:a16="http://schemas.microsoft.com/office/drawing/2014/main" xmlns="" id="{B68C27DB-A957-4CFC-B856-AC06A72B2BB5}"/>
+                <a16:creationId xmlns="" xmlns:a16="http://schemas.microsoft.com/office/drawing/2014/main" id="{B68C27DB-A957-4CFC-B856-AC06A72B2BB5}"/>
               </a:ext>
             </a:extLst>
           </p:cNvPr>
@@ -6503,7 +6503,7 @@
           <p:cNvPr id="24" name="Oval 23">
             <a:extLst>
               <a:ext uri="{FF2B5EF4-FFF2-40B4-BE49-F238E27FC236}">
-                <a16:creationId xmlns:a16="http://schemas.microsoft.com/office/drawing/2014/main" xmlns="" id="{2B12C238-E3CB-409E-95F6-93C9BA925002}"/>
+                <a16:creationId xmlns="" xmlns:a16="http://schemas.microsoft.com/office/drawing/2014/main" id="{2B12C238-E3CB-409E-95F6-93C9BA925002}"/>
               </a:ext>
             </a:extLst>
           </p:cNvPr>
@@ -6557,7 +6557,7 @@
           <p:cNvPr id="25" name="Oval 24">
             <a:extLst>
               <a:ext uri="{FF2B5EF4-FFF2-40B4-BE49-F238E27FC236}">
-                <a16:creationId xmlns:a16="http://schemas.microsoft.com/office/drawing/2014/main" xmlns="" id="{32C1EA5C-390B-4C86-8A30-AD3732DCD886}"/>
+                <a16:creationId xmlns="" xmlns:a16="http://schemas.microsoft.com/office/drawing/2014/main" id="{32C1EA5C-390B-4C86-8A30-AD3732DCD886}"/>
               </a:ext>
             </a:extLst>
           </p:cNvPr>
@@ -6611,7 +6611,7 @@
           <p:cNvPr id="26" name="Oval 25">
             <a:extLst>
               <a:ext uri="{FF2B5EF4-FFF2-40B4-BE49-F238E27FC236}">
-                <a16:creationId xmlns:a16="http://schemas.microsoft.com/office/drawing/2014/main" xmlns="" id="{E728103B-C697-4FCE-8E47-71597550964E}"/>
+                <a16:creationId xmlns="" xmlns:a16="http://schemas.microsoft.com/office/drawing/2014/main" id="{E728103B-C697-4FCE-8E47-71597550964E}"/>
               </a:ext>
             </a:extLst>
           </p:cNvPr>
@@ -6665,7 +6665,7 @@
           <p:cNvPr id="27" name="Oval 26">
             <a:extLst>
               <a:ext uri="{FF2B5EF4-FFF2-40B4-BE49-F238E27FC236}">
-                <a16:creationId xmlns:a16="http://schemas.microsoft.com/office/drawing/2014/main" xmlns="" id="{0CA27C61-CB4C-49FD-82D9-9E808FFABA8C}"/>
+                <a16:creationId xmlns="" xmlns:a16="http://schemas.microsoft.com/office/drawing/2014/main" id="{0CA27C61-CB4C-49FD-82D9-9E808FFABA8C}"/>
               </a:ext>
             </a:extLst>
           </p:cNvPr>
@@ -6719,7 +6719,7 @@
           <p:cNvPr id="28" name="Oval 27">
             <a:extLst>
               <a:ext uri="{FF2B5EF4-FFF2-40B4-BE49-F238E27FC236}">
-                <a16:creationId xmlns:a16="http://schemas.microsoft.com/office/drawing/2014/main" xmlns="" id="{EADC9F85-9D1B-42A1-868F-0F7088C627CA}"/>
+                <a16:creationId xmlns="" xmlns:a16="http://schemas.microsoft.com/office/drawing/2014/main" id="{EADC9F85-9D1B-42A1-868F-0F7088C627CA}"/>
               </a:ext>
             </a:extLst>
           </p:cNvPr>
@@ -6773,7 +6773,7 @@
           <p:cNvPr id="29" name="Oval 28">
             <a:extLst>
               <a:ext uri="{FF2B5EF4-FFF2-40B4-BE49-F238E27FC236}">
-                <a16:creationId xmlns:a16="http://schemas.microsoft.com/office/drawing/2014/main" xmlns="" id="{03E33A29-DA0E-4825-B1A0-878345619209}"/>
+                <a16:creationId xmlns="" xmlns:a16="http://schemas.microsoft.com/office/drawing/2014/main" id="{03E33A29-DA0E-4825-B1A0-878345619209}"/>
               </a:ext>
             </a:extLst>
           </p:cNvPr>
@@ -6827,7 +6827,7 @@
           <p:cNvPr id="32" name="Oval 31">
             <a:extLst>
               <a:ext uri="{FF2B5EF4-FFF2-40B4-BE49-F238E27FC236}">
-                <a16:creationId xmlns:a16="http://schemas.microsoft.com/office/drawing/2014/main" xmlns="" id="{63718134-D1D3-49BE-8511-8051E1C2BC88}"/>
+                <a16:creationId xmlns="" xmlns:a16="http://schemas.microsoft.com/office/drawing/2014/main" id="{63718134-D1D3-49BE-8511-8051E1C2BC88}"/>
               </a:ext>
             </a:extLst>
           </p:cNvPr>
@@ -6881,7 +6881,7 @@
           <p:cNvPr id="33" name="Oval 32">
             <a:extLst>
               <a:ext uri="{FF2B5EF4-FFF2-40B4-BE49-F238E27FC236}">
-                <a16:creationId xmlns:a16="http://schemas.microsoft.com/office/drawing/2014/main" xmlns="" id="{3965C6AA-F3AF-4B56-A637-BF46A582BEFB}"/>
+                <a16:creationId xmlns="" xmlns:a16="http://schemas.microsoft.com/office/drawing/2014/main" id="{3965C6AA-F3AF-4B56-A637-BF46A582BEFB}"/>
               </a:ext>
             </a:extLst>
           </p:cNvPr>
@@ -6935,7 +6935,7 @@
           <p:cNvPr id="35" name="Straight Connector 34">
             <a:extLst>
               <a:ext uri="{FF2B5EF4-FFF2-40B4-BE49-F238E27FC236}">
-                <a16:creationId xmlns:a16="http://schemas.microsoft.com/office/drawing/2014/main" xmlns="" id="{2FBB9482-1872-4290-9A19-3EE9DF5AE850}"/>
+                <a16:creationId xmlns="" xmlns:a16="http://schemas.microsoft.com/office/drawing/2014/main" id="{2FBB9482-1872-4290-9A19-3EE9DF5AE850}"/>
               </a:ext>
             </a:extLst>
           </p:cNvPr>
@@ -6974,7 +6974,7 @@
           <p:cNvPr id="36" name="Oval 35">
             <a:extLst>
               <a:ext uri="{FF2B5EF4-FFF2-40B4-BE49-F238E27FC236}">
-                <a16:creationId xmlns:a16="http://schemas.microsoft.com/office/drawing/2014/main" xmlns="" id="{AA81B0A7-A029-42D3-8E7B-697D69EFE17A}"/>
+                <a16:creationId xmlns="" xmlns:a16="http://schemas.microsoft.com/office/drawing/2014/main" id="{AA81B0A7-A029-42D3-8E7B-697D69EFE17A}"/>
               </a:ext>
             </a:extLst>
           </p:cNvPr>
@@ -7028,7 +7028,7 @@
           <p:cNvPr id="37" name="Straight Connector 36">
             <a:extLst>
               <a:ext uri="{FF2B5EF4-FFF2-40B4-BE49-F238E27FC236}">
-                <a16:creationId xmlns:a16="http://schemas.microsoft.com/office/drawing/2014/main" xmlns="" id="{FC4D6BD4-07D2-4DA9-ACB9-EE0E3AC34855}"/>
+                <a16:creationId xmlns="" xmlns:a16="http://schemas.microsoft.com/office/drawing/2014/main" id="{FC4D6BD4-07D2-4DA9-ACB9-EE0E3AC34855}"/>
               </a:ext>
             </a:extLst>
           </p:cNvPr>
@@ -7071,7 +7071,7 @@
           <p:cNvPr id="39" name="Rectangle 38">
             <a:extLst>
               <a:ext uri="{FF2B5EF4-FFF2-40B4-BE49-F238E27FC236}">
-                <a16:creationId xmlns:a16="http://schemas.microsoft.com/office/drawing/2014/main" xmlns="" id="{82018786-F6AF-4CFC-9360-399E557CD008}"/>
+                <a16:creationId xmlns="" xmlns:a16="http://schemas.microsoft.com/office/drawing/2014/main" id="{82018786-F6AF-4CFC-9360-399E557CD008}"/>
               </a:ext>
             </a:extLst>
           </p:cNvPr>
@@ -7105,7 +7105,7 @@
           <p:cNvPr id="34" name="Oval 33">
             <a:extLst>
               <a:ext uri="{FF2B5EF4-FFF2-40B4-BE49-F238E27FC236}">
-                <a16:creationId xmlns:a16="http://schemas.microsoft.com/office/drawing/2014/main" xmlns="" id="{D9A532E9-B2EC-417E-8C55-CA098F0A5FEA}"/>
+                <a16:creationId xmlns="" xmlns:a16="http://schemas.microsoft.com/office/drawing/2014/main" id="{D9A532E9-B2EC-417E-8C55-CA098F0A5FEA}"/>
               </a:ext>
             </a:extLst>
           </p:cNvPr>
@@ -7159,7 +7159,7 @@
           <p:cNvPr id="38" name="Oval 37">
             <a:extLst>
               <a:ext uri="{FF2B5EF4-FFF2-40B4-BE49-F238E27FC236}">
-                <a16:creationId xmlns:a16="http://schemas.microsoft.com/office/drawing/2014/main" xmlns="" id="{C4AE09FA-286B-43D5-AD5A-B69088C480DE}"/>
+                <a16:creationId xmlns="" xmlns:a16="http://schemas.microsoft.com/office/drawing/2014/main" id="{C4AE09FA-286B-43D5-AD5A-B69088C480DE}"/>
               </a:ext>
             </a:extLst>
           </p:cNvPr>
@@ -7213,7 +7213,7 @@
           <p:cNvPr id="40" name="Oval 39">
             <a:extLst>
               <a:ext uri="{FF2B5EF4-FFF2-40B4-BE49-F238E27FC236}">
-                <a16:creationId xmlns:a16="http://schemas.microsoft.com/office/drawing/2014/main" xmlns="" id="{2F1486C8-ED23-4FD8-92D2-08257F15D426}"/>
+                <a16:creationId xmlns="" xmlns:a16="http://schemas.microsoft.com/office/drawing/2014/main" id="{2F1486C8-ED23-4FD8-92D2-08257F15D426}"/>
               </a:ext>
             </a:extLst>
           </p:cNvPr>
@@ -7267,7 +7267,7 @@
           <p:cNvPr id="41" name="Oval 40">
             <a:extLst>
               <a:ext uri="{FF2B5EF4-FFF2-40B4-BE49-F238E27FC236}">
-                <a16:creationId xmlns:a16="http://schemas.microsoft.com/office/drawing/2014/main" xmlns="" id="{042C0EE8-BF4B-4C64-9289-E8246611BACB}"/>
+                <a16:creationId xmlns="" xmlns:a16="http://schemas.microsoft.com/office/drawing/2014/main" id="{042C0EE8-BF4B-4C64-9289-E8246611BACB}"/>
               </a:ext>
             </a:extLst>
           </p:cNvPr>
@@ -7321,7 +7321,7 @@
           <p:cNvPr id="42" name="Oval 41">
             <a:extLst>
               <a:ext uri="{FF2B5EF4-FFF2-40B4-BE49-F238E27FC236}">
-                <a16:creationId xmlns:a16="http://schemas.microsoft.com/office/drawing/2014/main" xmlns="" id="{D996A280-1330-4D23-BC30-B6684AC357F6}"/>
+                <a16:creationId xmlns="" xmlns:a16="http://schemas.microsoft.com/office/drawing/2014/main" id="{D996A280-1330-4D23-BC30-B6684AC357F6}"/>
               </a:ext>
             </a:extLst>
           </p:cNvPr>
@@ -7375,7 +7375,7 @@
           <p:cNvPr id="43" name="Oval 42">
             <a:extLst>
               <a:ext uri="{FF2B5EF4-FFF2-40B4-BE49-F238E27FC236}">
-                <a16:creationId xmlns:a16="http://schemas.microsoft.com/office/drawing/2014/main" xmlns="" id="{398BE365-7E02-498C-93E6-A363726E1FC1}"/>
+                <a16:creationId xmlns="" xmlns:a16="http://schemas.microsoft.com/office/drawing/2014/main" id="{398BE365-7E02-498C-93E6-A363726E1FC1}"/>
               </a:ext>
             </a:extLst>
           </p:cNvPr>
@@ -7429,7 +7429,7 @@
           <p:cNvPr id="44" name="Oval 43">
             <a:extLst>
               <a:ext uri="{FF2B5EF4-FFF2-40B4-BE49-F238E27FC236}">
-                <a16:creationId xmlns:a16="http://schemas.microsoft.com/office/drawing/2014/main" xmlns="" id="{0B4DED95-853A-4280-9C63-CACA7D3AFD32}"/>
+                <a16:creationId xmlns="" xmlns:a16="http://schemas.microsoft.com/office/drawing/2014/main" id="{0B4DED95-853A-4280-9C63-CACA7D3AFD32}"/>
               </a:ext>
             </a:extLst>
           </p:cNvPr>
@@ -7483,7 +7483,7 @@
           <p:cNvPr id="45" name="Oval 44">
             <a:extLst>
               <a:ext uri="{FF2B5EF4-FFF2-40B4-BE49-F238E27FC236}">
-                <a16:creationId xmlns:a16="http://schemas.microsoft.com/office/drawing/2014/main" xmlns="" id="{128C3C8D-5A8C-4E43-9B86-E595564DD2F3}"/>
+                <a16:creationId xmlns="" xmlns:a16="http://schemas.microsoft.com/office/drawing/2014/main" id="{128C3C8D-5A8C-4E43-9B86-E595564DD2F3}"/>
               </a:ext>
             </a:extLst>
           </p:cNvPr>
@@ -7537,7 +7537,7 @@
           <p:cNvPr id="46" name="Oval 45">
             <a:extLst>
               <a:ext uri="{FF2B5EF4-FFF2-40B4-BE49-F238E27FC236}">
-                <a16:creationId xmlns:a16="http://schemas.microsoft.com/office/drawing/2014/main" xmlns="" id="{E14BCBE6-F722-4671-BBF9-B75519450E44}"/>
+                <a16:creationId xmlns="" xmlns:a16="http://schemas.microsoft.com/office/drawing/2014/main" id="{E14BCBE6-F722-4671-BBF9-B75519450E44}"/>
               </a:ext>
             </a:extLst>
           </p:cNvPr>
@@ -7591,7 +7591,7 @@
           <p:cNvPr id="47" name="Oval 46">
             <a:extLst>
               <a:ext uri="{FF2B5EF4-FFF2-40B4-BE49-F238E27FC236}">
-                <a16:creationId xmlns:a16="http://schemas.microsoft.com/office/drawing/2014/main" xmlns="" id="{93F63C47-2412-45F0-ACA4-3AA12CF87258}"/>
+                <a16:creationId xmlns="" xmlns:a16="http://schemas.microsoft.com/office/drawing/2014/main" id="{93F63C47-2412-45F0-ACA4-3AA12CF87258}"/>
               </a:ext>
             </a:extLst>
           </p:cNvPr>
@@ -7645,7 +7645,7 @@
           <p:cNvPr id="48" name="Oval 47">
             <a:extLst>
               <a:ext uri="{FF2B5EF4-FFF2-40B4-BE49-F238E27FC236}">
-                <a16:creationId xmlns:a16="http://schemas.microsoft.com/office/drawing/2014/main" xmlns="" id="{BDCDEA9D-1035-40B3-B301-DEA46450EEC2}"/>
+                <a16:creationId xmlns="" xmlns:a16="http://schemas.microsoft.com/office/drawing/2014/main" id="{BDCDEA9D-1035-40B3-B301-DEA46450EEC2}"/>
               </a:ext>
             </a:extLst>
           </p:cNvPr>
@@ -7699,7 +7699,7 @@
           <p:cNvPr id="8" name="Freeform: Shape 7">
             <a:extLst>
               <a:ext uri="{FF2B5EF4-FFF2-40B4-BE49-F238E27FC236}">
-                <a16:creationId xmlns:a16="http://schemas.microsoft.com/office/drawing/2014/main" xmlns="" id="{DC1F19A3-38CB-4CED-8FF0-81EBB8762AC0}"/>
+                <a16:creationId xmlns="" xmlns:a16="http://schemas.microsoft.com/office/drawing/2014/main" id="{DC1F19A3-38CB-4CED-8FF0-81EBB8762AC0}"/>
               </a:ext>
             </a:extLst>
           </p:cNvPr>
@@ -7789,7 +7789,7 @@
           <p:cNvPr id="5" name="Freeform: Shape 4">
             <a:extLst>
               <a:ext uri="{FF2B5EF4-FFF2-40B4-BE49-F238E27FC236}">
-                <a16:creationId xmlns:a16="http://schemas.microsoft.com/office/drawing/2014/main" xmlns="" id="{E57CBD20-BDD1-4CA6-9CD2-B53B196A5F65}"/>
+                <a16:creationId xmlns="" xmlns:a16="http://schemas.microsoft.com/office/drawing/2014/main" id="{E57CBD20-BDD1-4CA6-9CD2-B53B196A5F65}"/>
               </a:ext>
             </a:extLst>
           </p:cNvPr>
@@ -7909,7 +7909,7 @@
           <p:cNvPr id="2" name="Title 1">
             <a:extLst>
               <a:ext uri="{FF2B5EF4-FFF2-40B4-BE49-F238E27FC236}">
-                <a16:creationId xmlns:a16="http://schemas.microsoft.com/office/drawing/2014/main" xmlns="" id="{BA3312A1-8E59-484F-BD16-94B414E04BDD}"/>
+                <a16:creationId xmlns="" xmlns:a16="http://schemas.microsoft.com/office/drawing/2014/main" id="{BA3312A1-8E59-484F-BD16-94B414E04BDD}"/>
               </a:ext>
             </a:extLst>
           </p:cNvPr>
@@ -7937,7 +7937,7 @@
           <p:cNvPr id="3" name="Content Placeholder 2">
             <a:extLst>
               <a:ext uri="{FF2B5EF4-FFF2-40B4-BE49-F238E27FC236}">
-                <a16:creationId xmlns:a16="http://schemas.microsoft.com/office/drawing/2014/main" xmlns="" id="{9545EF81-A004-4775-9970-D0C57F5F554A}"/>
+                <a16:creationId xmlns="" xmlns:a16="http://schemas.microsoft.com/office/drawing/2014/main" id="{9545EF81-A004-4775-9970-D0C57F5F554A}"/>
               </a:ext>
             </a:extLst>
           </p:cNvPr>
@@ -7983,7 +7983,7 @@
           <p:cNvPr id="5" name="Straight Connector 4">
             <a:extLst>
               <a:ext uri="{FF2B5EF4-FFF2-40B4-BE49-F238E27FC236}">
-                <a16:creationId xmlns:a16="http://schemas.microsoft.com/office/drawing/2014/main" xmlns="" id="{77F60CD2-FE30-495B-927E-77DE28DEA88A}"/>
+                <a16:creationId xmlns="" xmlns:a16="http://schemas.microsoft.com/office/drawing/2014/main" id="{77F60CD2-FE30-495B-927E-77DE28DEA88A}"/>
               </a:ext>
             </a:extLst>
           </p:cNvPr>
@@ -8022,7 +8022,7 @@
           <p:cNvPr id="6" name="Straight Connector 5">
             <a:extLst>
               <a:ext uri="{FF2B5EF4-FFF2-40B4-BE49-F238E27FC236}">
-                <a16:creationId xmlns:a16="http://schemas.microsoft.com/office/drawing/2014/main" xmlns="" id="{1450072E-4A7E-444F-9BDA-90D6B3225C98}"/>
+                <a16:creationId xmlns="" xmlns:a16="http://schemas.microsoft.com/office/drawing/2014/main" id="{1450072E-4A7E-444F-9BDA-90D6B3225C98}"/>
               </a:ext>
             </a:extLst>
           </p:cNvPr>
@@ -8061,7 +8061,7 @@
           <p:cNvPr id="7" name="Freeform: Shape 6">
             <a:extLst>
               <a:ext uri="{FF2B5EF4-FFF2-40B4-BE49-F238E27FC236}">
-                <a16:creationId xmlns:a16="http://schemas.microsoft.com/office/drawing/2014/main" xmlns="" id="{DD390C2A-74D3-45B5-AD26-5338E79597C6}"/>
+                <a16:creationId xmlns="" xmlns:a16="http://schemas.microsoft.com/office/drawing/2014/main" id="{DD390C2A-74D3-45B5-AD26-5338E79597C6}"/>
               </a:ext>
             </a:extLst>
           </p:cNvPr>
@@ -8151,7 +8151,7 @@
           <p:cNvPr id="8" name="Oval 7">
             <a:extLst>
               <a:ext uri="{FF2B5EF4-FFF2-40B4-BE49-F238E27FC236}">
-                <a16:creationId xmlns:a16="http://schemas.microsoft.com/office/drawing/2014/main" xmlns="" id="{A0E323B4-7633-44EF-9A70-CAE4A5AC4719}"/>
+                <a16:creationId xmlns="" xmlns:a16="http://schemas.microsoft.com/office/drawing/2014/main" id="{A0E323B4-7633-44EF-9A70-CAE4A5AC4719}"/>
               </a:ext>
             </a:extLst>
           </p:cNvPr>
@@ -8205,7 +8205,7 @@
           <p:cNvPr id="9" name="TextBox 8">
             <a:extLst>
               <a:ext uri="{FF2B5EF4-FFF2-40B4-BE49-F238E27FC236}">
-                <a16:creationId xmlns:a16="http://schemas.microsoft.com/office/drawing/2014/main" xmlns="" id="{8CED6B31-64AC-4EB2-B4DA-32F0223BC447}"/>
+                <a16:creationId xmlns="" xmlns:a16="http://schemas.microsoft.com/office/drawing/2014/main" id="{8CED6B31-64AC-4EB2-B4DA-32F0223BC447}"/>
               </a:ext>
             </a:extLst>
           </p:cNvPr>
@@ -8270,7 +8270,7 @@
           <p:cNvPr id="2" name="Title 1">
             <a:extLst>
               <a:ext uri="{FF2B5EF4-FFF2-40B4-BE49-F238E27FC236}">
-                <a16:creationId xmlns:a16="http://schemas.microsoft.com/office/drawing/2014/main" xmlns="" id="{BA3312A1-8E59-484F-BD16-94B414E04BDD}"/>
+                <a16:creationId xmlns="" xmlns:a16="http://schemas.microsoft.com/office/drawing/2014/main" id="{BA3312A1-8E59-484F-BD16-94B414E04BDD}"/>
               </a:ext>
             </a:extLst>
           </p:cNvPr>
@@ -8298,7 +8298,7 @@
           <p:cNvPr id="3" name="Content Placeholder 2">
             <a:extLst>
               <a:ext uri="{FF2B5EF4-FFF2-40B4-BE49-F238E27FC236}">
-                <a16:creationId xmlns:a16="http://schemas.microsoft.com/office/drawing/2014/main" xmlns="" id="{9545EF81-A004-4775-9970-D0C57F5F554A}"/>
+                <a16:creationId xmlns="" xmlns:a16="http://schemas.microsoft.com/office/drawing/2014/main" id="{9545EF81-A004-4775-9970-D0C57F5F554A}"/>
               </a:ext>
             </a:extLst>
           </p:cNvPr>
@@ -8332,7 +8332,7 @@
           <p:cNvPr id="5" name="Straight Connector 4">
             <a:extLst>
               <a:ext uri="{FF2B5EF4-FFF2-40B4-BE49-F238E27FC236}">
-                <a16:creationId xmlns:a16="http://schemas.microsoft.com/office/drawing/2014/main" xmlns="" id="{77F60CD2-FE30-495B-927E-77DE28DEA88A}"/>
+                <a16:creationId xmlns="" xmlns:a16="http://schemas.microsoft.com/office/drawing/2014/main" id="{77F60CD2-FE30-495B-927E-77DE28DEA88A}"/>
               </a:ext>
             </a:extLst>
           </p:cNvPr>
@@ -8371,7 +8371,7 @@
           <p:cNvPr id="6" name="Straight Connector 5">
             <a:extLst>
               <a:ext uri="{FF2B5EF4-FFF2-40B4-BE49-F238E27FC236}">
-                <a16:creationId xmlns:a16="http://schemas.microsoft.com/office/drawing/2014/main" xmlns="" id="{1450072E-4A7E-444F-9BDA-90D6B3225C98}"/>
+                <a16:creationId xmlns="" xmlns:a16="http://schemas.microsoft.com/office/drawing/2014/main" id="{1450072E-4A7E-444F-9BDA-90D6B3225C98}"/>
               </a:ext>
             </a:extLst>
           </p:cNvPr>
@@ -8410,7 +8410,7 @@
           <p:cNvPr id="7" name="Freeform: Shape 6">
             <a:extLst>
               <a:ext uri="{FF2B5EF4-FFF2-40B4-BE49-F238E27FC236}">
-                <a16:creationId xmlns:a16="http://schemas.microsoft.com/office/drawing/2014/main" xmlns="" id="{DD390C2A-74D3-45B5-AD26-5338E79597C6}"/>
+                <a16:creationId xmlns="" xmlns:a16="http://schemas.microsoft.com/office/drawing/2014/main" id="{DD390C2A-74D3-45B5-AD26-5338E79597C6}"/>
               </a:ext>
             </a:extLst>
           </p:cNvPr>
@@ -8500,7 +8500,7 @@
           <p:cNvPr id="8" name="Oval 7">
             <a:extLst>
               <a:ext uri="{FF2B5EF4-FFF2-40B4-BE49-F238E27FC236}">
-                <a16:creationId xmlns:a16="http://schemas.microsoft.com/office/drawing/2014/main" xmlns="" id="{A0E323B4-7633-44EF-9A70-CAE4A5AC4719}"/>
+                <a16:creationId xmlns="" xmlns:a16="http://schemas.microsoft.com/office/drawing/2014/main" id="{A0E323B4-7633-44EF-9A70-CAE4A5AC4719}"/>
               </a:ext>
             </a:extLst>
           </p:cNvPr>
@@ -8554,7 +8554,7 @@
           <p:cNvPr id="9" name="TextBox 8">
             <a:extLst>
               <a:ext uri="{FF2B5EF4-FFF2-40B4-BE49-F238E27FC236}">
-                <a16:creationId xmlns:a16="http://schemas.microsoft.com/office/drawing/2014/main" xmlns="" id="{8CED6B31-64AC-4EB2-B4DA-32F0223BC447}"/>
+                <a16:creationId xmlns="" xmlns:a16="http://schemas.microsoft.com/office/drawing/2014/main" id="{8CED6B31-64AC-4EB2-B4DA-32F0223BC447}"/>
               </a:ext>
             </a:extLst>
           </p:cNvPr>
@@ -8589,7 +8589,7 @@
           <p:cNvPr id="10" name="Straight Connector 9">
             <a:extLst>
               <a:ext uri="{FF2B5EF4-FFF2-40B4-BE49-F238E27FC236}">
-                <a16:creationId xmlns:a16="http://schemas.microsoft.com/office/drawing/2014/main" xmlns="" id="{EF93B756-436F-48C7-BEF9-966A6E31A3B5}"/>
+                <a16:creationId xmlns="" xmlns:a16="http://schemas.microsoft.com/office/drawing/2014/main" id="{EF93B756-436F-48C7-BEF9-966A6E31A3B5}"/>
               </a:ext>
             </a:extLst>
           </p:cNvPr>
@@ -8632,7 +8632,7 @@
           <p:cNvPr id="11" name="Rectangle 10">
             <a:extLst>
               <a:ext uri="{FF2B5EF4-FFF2-40B4-BE49-F238E27FC236}">
-                <a16:creationId xmlns:a16="http://schemas.microsoft.com/office/drawing/2014/main" xmlns="" id="{A9EE5F7A-588F-4AEB-8BE8-5BC69D41C72A}"/>
+                <a16:creationId xmlns="" xmlns:a16="http://schemas.microsoft.com/office/drawing/2014/main" id="{A9EE5F7A-588F-4AEB-8BE8-5BC69D41C72A}"/>
               </a:ext>
             </a:extLst>
           </p:cNvPr>
@@ -8696,7 +8696,7 @@
           <p:cNvPr id="2" name="Title 1">
             <a:extLst>
               <a:ext uri="{FF2B5EF4-FFF2-40B4-BE49-F238E27FC236}">
-                <a16:creationId xmlns:a16="http://schemas.microsoft.com/office/drawing/2014/main" xmlns="" id="{BA3312A1-8E59-484F-BD16-94B414E04BDD}"/>
+                <a16:creationId xmlns="" xmlns:a16="http://schemas.microsoft.com/office/drawing/2014/main" id="{BA3312A1-8E59-484F-BD16-94B414E04BDD}"/>
               </a:ext>
             </a:extLst>
           </p:cNvPr>
@@ -8724,7 +8724,7 @@
           <p:cNvPr id="3" name="Content Placeholder 2">
             <a:extLst>
               <a:ext uri="{FF2B5EF4-FFF2-40B4-BE49-F238E27FC236}">
-                <a16:creationId xmlns:a16="http://schemas.microsoft.com/office/drawing/2014/main" xmlns="" id="{9545EF81-A004-4775-9970-D0C57F5F554A}"/>
+                <a16:creationId xmlns="" xmlns:a16="http://schemas.microsoft.com/office/drawing/2014/main" id="{9545EF81-A004-4775-9970-D0C57F5F554A}"/>
               </a:ext>
             </a:extLst>
           </p:cNvPr>
@@ -8788,7 +8788,7 @@
           <p:cNvPr id="5" name="Straight Connector 4">
             <a:extLst>
               <a:ext uri="{FF2B5EF4-FFF2-40B4-BE49-F238E27FC236}">
-                <a16:creationId xmlns:a16="http://schemas.microsoft.com/office/drawing/2014/main" xmlns="" id="{77F60CD2-FE30-495B-927E-77DE28DEA88A}"/>
+                <a16:creationId xmlns="" xmlns:a16="http://schemas.microsoft.com/office/drawing/2014/main" id="{77F60CD2-FE30-495B-927E-77DE28DEA88A}"/>
               </a:ext>
             </a:extLst>
           </p:cNvPr>
@@ -8827,7 +8827,7 @@
           <p:cNvPr id="6" name="Straight Connector 5">
             <a:extLst>
               <a:ext uri="{FF2B5EF4-FFF2-40B4-BE49-F238E27FC236}">
-                <a16:creationId xmlns:a16="http://schemas.microsoft.com/office/drawing/2014/main" xmlns="" id="{1450072E-4A7E-444F-9BDA-90D6B3225C98}"/>
+                <a16:creationId xmlns="" xmlns:a16="http://schemas.microsoft.com/office/drawing/2014/main" id="{1450072E-4A7E-444F-9BDA-90D6B3225C98}"/>
               </a:ext>
             </a:extLst>
           </p:cNvPr>
@@ -8866,7 +8866,7 @@
           <p:cNvPr id="7" name="Freeform: Shape 6">
             <a:extLst>
               <a:ext uri="{FF2B5EF4-FFF2-40B4-BE49-F238E27FC236}">
-                <a16:creationId xmlns:a16="http://schemas.microsoft.com/office/drawing/2014/main" xmlns="" id="{DD390C2A-74D3-45B5-AD26-5338E79597C6}"/>
+                <a16:creationId xmlns="" xmlns:a16="http://schemas.microsoft.com/office/drawing/2014/main" id="{DD390C2A-74D3-45B5-AD26-5338E79597C6}"/>
               </a:ext>
             </a:extLst>
           </p:cNvPr>
@@ -8956,7 +8956,7 @@
           <p:cNvPr id="8" name="Oval 7">
             <a:extLst>
               <a:ext uri="{FF2B5EF4-FFF2-40B4-BE49-F238E27FC236}">
-                <a16:creationId xmlns:a16="http://schemas.microsoft.com/office/drawing/2014/main" xmlns="" id="{A0E323B4-7633-44EF-9A70-CAE4A5AC4719}"/>
+                <a16:creationId xmlns="" xmlns:a16="http://schemas.microsoft.com/office/drawing/2014/main" id="{A0E323B4-7633-44EF-9A70-CAE4A5AC4719}"/>
               </a:ext>
             </a:extLst>
           </p:cNvPr>
@@ -9010,7 +9010,7 @@
           <p:cNvPr id="9" name="TextBox 8">
             <a:extLst>
               <a:ext uri="{FF2B5EF4-FFF2-40B4-BE49-F238E27FC236}">
-                <a16:creationId xmlns:a16="http://schemas.microsoft.com/office/drawing/2014/main" xmlns="" id="{8CED6B31-64AC-4EB2-B4DA-32F0223BC447}"/>
+                <a16:creationId xmlns="" xmlns:a16="http://schemas.microsoft.com/office/drawing/2014/main" id="{8CED6B31-64AC-4EB2-B4DA-32F0223BC447}"/>
               </a:ext>
             </a:extLst>
           </p:cNvPr>
@@ -9045,7 +9045,7 @@
           <p:cNvPr id="10" name="Straight Connector 9">
             <a:extLst>
               <a:ext uri="{FF2B5EF4-FFF2-40B4-BE49-F238E27FC236}">
-                <a16:creationId xmlns:a16="http://schemas.microsoft.com/office/drawing/2014/main" xmlns="" id="{EF93B756-436F-48C7-BEF9-966A6E31A3B5}"/>
+                <a16:creationId xmlns="" xmlns:a16="http://schemas.microsoft.com/office/drawing/2014/main" id="{EF93B756-436F-48C7-BEF9-966A6E31A3B5}"/>
               </a:ext>
             </a:extLst>
           </p:cNvPr>
@@ -9088,7 +9088,7 @@
           <p:cNvPr id="11" name="Rectangle 10">
             <a:extLst>
               <a:ext uri="{FF2B5EF4-FFF2-40B4-BE49-F238E27FC236}">
-                <a16:creationId xmlns:a16="http://schemas.microsoft.com/office/drawing/2014/main" xmlns="" id="{A9EE5F7A-588F-4AEB-8BE8-5BC69D41C72A}"/>
+                <a16:creationId xmlns="" xmlns:a16="http://schemas.microsoft.com/office/drawing/2014/main" id="{A9EE5F7A-588F-4AEB-8BE8-5BC69D41C72A}"/>
               </a:ext>
             </a:extLst>
           </p:cNvPr>
@@ -9159,7 +9159,7 @@
           <p:cNvPr id="2" name="Title 1">
             <a:extLst>
               <a:ext uri="{FF2B5EF4-FFF2-40B4-BE49-F238E27FC236}">
-                <a16:creationId xmlns:a16="http://schemas.microsoft.com/office/drawing/2014/main" xmlns="" id="{BA3312A1-8E59-484F-BD16-94B414E04BDD}"/>
+                <a16:creationId xmlns="" xmlns:a16="http://schemas.microsoft.com/office/drawing/2014/main" id="{BA3312A1-8E59-484F-BD16-94B414E04BDD}"/>
               </a:ext>
             </a:extLst>
           </p:cNvPr>
@@ -9187,7 +9187,7 @@
           <p:cNvPr id="3" name="Content Placeholder 2">
             <a:extLst>
               <a:ext uri="{FF2B5EF4-FFF2-40B4-BE49-F238E27FC236}">
-                <a16:creationId xmlns:a16="http://schemas.microsoft.com/office/drawing/2014/main" xmlns="" id="{9545EF81-A004-4775-9970-D0C57F5F554A}"/>
+                <a16:creationId xmlns="" xmlns:a16="http://schemas.microsoft.com/office/drawing/2014/main" id="{9545EF81-A004-4775-9970-D0C57F5F554A}"/>
               </a:ext>
             </a:extLst>
           </p:cNvPr>
@@ -9245,8 +9245,20 @@
           <a:p>
             <a:r>
               <a:rPr lang="en-AU" dirty="0"/>
-              <a:t>In skewed distributions, the Median can be invaluable</a:t>
-            </a:r>
+              <a:t>In skewed distributions, the Median can be </a:t>
+            </a:r>
+            <a:r>
+              <a:rPr lang="en-AU" dirty="0" smtClean="0"/>
+              <a:t>invaluable</a:t>
+            </a:r>
+            <a:br>
+              <a:rPr lang="en-AU" dirty="0" smtClean="0"/>
+            </a:br>
+            <a:r>
+              <a:rPr lang="en-AU" sz="1600" dirty="0" smtClean="0"/>
+              <a:t>(of course, skewed distributions never double over but you get the idea!)</a:t>
+            </a:r>
+            <a:endParaRPr lang="en-AU" sz="1600" dirty="0"/>
           </a:p>
           <a:p>
             <a:endParaRPr lang="en-AU" dirty="0"/>
@@ -9258,7 +9270,7 @@
           <p:cNvPr id="5" name="Straight Connector 4">
             <a:extLst>
               <a:ext uri="{FF2B5EF4-FFF2-40B4-BE49-F238E27FC236}">
-                <a16:creationId xmlns:a16="http://schemas.microsoft.com/office/drawing/2014/main" xmlns="" id="{77F60CD2-FE30-495B-927E-77DE28DEA88A}"/>
+                <a16:creationId xmlns="" xmlns:a16="http://schemas.microsoft.com/office/drawing/2014/main" id="{77F60CD2-FE30-495B-927E-77DE28DEA88A}"/>
               </a:ext>
             </a:extLst>
           </p:cNvPr>
@@ -9297,7 +9309,7 @@
           <p:cNvPr id="6" name="Straight Connector 5">
             <a:extLst>
               <a:ext uri="{FF2B5EF4-FFF2-40B4-BE49-F238E27FC236}">
-                <a16:creationId xmlns:a16="http://schemas.microsoft.com/office/drawing/2014/main" xmlns="" id="{1450072E-4A7E-444F-9BDA-90D6B3225C98}"/>
+                <a16:creationId xmlns="" xmlns:a16="http://schemas.microsoft.com/office/drawing/2014/main" id="{1450072E-4A7E-444F-9BDA-90D6B3225C98}"/>
               </a:ext>
             </a:extLst>
           </p:cNvPr>
@@ -9336,7 +9348,7 @@
           <p:cNvPr id="8" name="Oval 7">
             <a:extLst>
               <a:ext uri="{FF2B5EF4-FFF2-40B4-BE49-F238E27FC236}">
-                <a16:creationId xmlns:a16="http://schemas.microsoft.com/office/drawing/2014/main" xmlns="" id="{A0E323B4-7633-44EF-9A70-CAE4A5AC4719}"/>
+                <a16:creationId xmlns="" xmlns:a16="http://schemas.microsoft.com/office/drawing/2014/main" id="{A0E323B4-7633-44EF-9A70-CAE4A5AC4719}"/>
               </a:ext>
             </a:extLst>
           </p:cNvPr>
@@ -9390,7 +9402,7 @@
           <p:cNvPr id="9" name="TextBox 8">
             <a:extLst>
               <a:ext uri="{FF2B5EF4-FFF2-40B4-BE49-F238E27FC236}">
-                <a16:creationId xmlns:a16="http://schemas.microsoft.com/office/drawing/2014/main" xmlns="" id="{8CED6B31-64AC-4EB2-B4DA-32F0223BC447}"/>
+                <a16:creationId xmlns="" xmlns:a16="http://schemas.microsoft.com/office/drawing/2014/main" id="{8CED6B31-64AC-4EB2-B4DA-32F0223BC447}"/>
               </a:ext>
             </a:extLst>
           </p:cNvPr>
@@ -9425,7 +9437,7 @@
           <p:cNvPr id="11" name="Rectangle 10">
             <a:extLst>
               <a:ext uri="{FF2B5EF4-FFF2-40B4-BE49-F238E27FC236}">
-                <a16:creationId xmlns:a16="http://schemas.microsoft.com/office/drawing/2014/main" xmlns="" id="{A9EE5F7A-588F-4AEB-8BE8-5BC69D41C72A}"/>
+                <a16:creationId xmlns="" xmlns:a16="http://schemas.microsoft.com/office/drawing/2014/main" id="{A9EE5F7A-588F-4AEB-8BE8-5BC69D41C72A}"/>
               </a:ext>
             </a:extLst>
           </p:cNvPr>
@@ -9459,7 +9471,7 @@
           <p:cNvPr id="15" name="Straight Connector 14">
             <a:extLst>
               <a:ext uri="{FF2B5EF4-FFF2-40B4-BE49-F238E27FC236}">
-                <a16:creationId xmlns:a16="http://schemas.microsoft.com/office/drawing/2014/main" xmlns="" id="{51C39AE8-A533-4514-A4A7-B28B228F8A4F}"/>
+                <a16:creationId xmlns="" xmlns:a16="http://schemas.microsoft.com/office/drawing/2014/main" id="{51C39AE8-A533-4514-A4A7-B28B228F8A4F}"/>
               </a:ext>
             </a:extLst>
           </p:cNvPr>
@@ -9502,7 +9514,7 @@
           <p:cNvPr id="21" name="Straight Connector 20">
             <a:extLst>
               <a:ext uri="{FF2B5EF4-FFF2-40B4-BE49-F238E27FC236}">
-                <a16:creationId xmlns:a16="http://schemas.microsoft.com/office/drawing/2014/main" xmlns="" id="{D59AEFB5-97DB-43F6-8FFD-9417E2A638B7}"/>
+                <a16:creationId xmlns="" xmlns:a16="http://schemas.microsoft.com/office/drawing/2014/main" id="{D59AEFB5-97DB-43F6-8FFD-9417E2A638B7}"/>
               </a:ext>
             </a:extLst>
           </p:cNvPr>
@@ -9545,7 +9557,7 @@
           <p:cNvPr id="22" name="Rectangle 21">
             <a:extLst>
               <a:ext uri="{FF2B5EF4-FFF2-40B4-BE49-F238E27FC236}">
-                <a16:creationId xmlns:a16="http://schemas.microsoft.com/office/drawing/2014/main" xmlns="" id="{5B0081CE-BF6B-4610-987F-07342ED2A858}"/>
+                <a16:creationId xmlns="" xmlns:a16="http://schemas.microsoft.com/office/drawing/2014/main" id="{5B0081CE-BF6B-4610-987F-07342ED2A858}"/>
               </a:ext>
             </a:extLst>
           </p:cNvPr>
@@ -9586,7 +9598,7 @@
           <p:cNvPr id="4" name="Freeform: Shape 3">
             <a:extLst>
               <a:ext uri="{FF2B5EF4-FFF2-40B4-BE49-F238E27FC236}">
-                <a16:creationId xmlns:a16="http://schemas.microsoft.com/office/drawing/2014/main" xmlns="" id="{72C50045-6EFD-4F9F-8FE9-CD65C244AC11}"/>
+                <a16:creationId xmlns="" xmlns:a16="http://schemas.microsoft.com/office/drawing/2014/main" id="{72C50045-6EFD-4F9F-8FE9-CD65C244AC11}"/>
               </a:ext>
             </a:extLst>
           </p:cNvPr>
@@ -9716,7 +9728,7 @@
           <p:cNvPr id="2" name="Title 1">
             <a:extLst>
               <a:ext uri="{FF2B5EF4-FFF2-40B4-BE49-F238E27FC236}">
-                <a16:creationId xmlns:a16="http://schemas.microsoft.com/office/drawing/2014/main" xmlns="" id="{BA3312A1-8E59-484F-BD16-94B414E04BDD}"/>
+                <a16:creationId xmlns="" xmlns:a16="http://schemas.microsoft.com/office/drawing/2014/main" id="{BA3312A1-8E59-484F-BD16-94B414E04BDD}"/>
               </a:ext>
             </a:extLst>
           </p:cNvPr>
@@ -9749,7 +9761,7 @@
           <p:cNvPr id="3" name="Content Placeholder 2">
             <a:extLst>
               <a:ext uri="{FF2B5EF4-FFF2-40B4-BE49-F238E27FC236}">
-                <a16:creationId xmlns:a16="http://schemas.microsoft.com/office/drawing/2014/main" xmlns="" id="{9545EF81-A004-4775-9970-D0C57F5F554A}"/>
+                <a16:creationId xmlns="" xmlns:a16="http://schemas.microsoft.com/office/drawing/2014/main" id="{9545EF81-A004-4775-9970-D0C57F5F554A}"/>
               </a:ext>
             </a:extLst>
           </p:cNvPr>
@@ -9790,7 +9802,7 @@
           <p:cNvPr id="5" name="Straight Connector 4">
             <a:extLst>
               <a:ext uri="{FF2B5EF4-FFF2-40B4-BE49-F238E27FC236}">
-                <a16:creationId xmlns:a16="http://schemas.microsoft.com/office/drawing/2014/main" xmlns="" id="{77F60CD2-FE30-495B-927E-77DE28DEA88A}"/>
+                <a16:creationId xmlns="" xmlns:a16="http://schemas.microsoft.com/office/drawing/2014/main" id="{77F60CD2-FE30-495B-927E-77DE28DEA88A}"/>
               </a:ext>
             </a:extLst>
           </p:cNvPr>
@@ -9830,7 +9842,7 @@
           <p:cNvPr id="6" name="Straight Connector 5">
             <a:extLst>
               <a:ext uri="{FF2B5EF4-FFF2-40B4-BE49-F238E27FC236}">
-                <a16:creationId xmlns:a16="http://schemas.microsoft.com/office/drawing/2014/main" xmlns="" id="{1450072E-4A7E-444F-9BDA-90D6B3225C98}"/>
+                <a16:creationId xmlns="" xmlns:a16="http://schemas.microsoft.com/office/drawing/2014/main" id="{1450072E-4A7E-444F-9BDA-90D6B3225C98}"/>
               </a:ext>
             </a:extLst>
           </p:cNvPr>
@@ -9869,7 +9881,7 @@
           <p:cNvPr id="4" name="Freeform: Shape 3">
             <a:extLst>
               <a:ext uri="{FF2B5EF4-FFF2-40B4-BE49-F238E27FC236}">
-                <a16:creationId xmlns:a16="http://schemas.microsoft.com/office/drawing/2014/main" xmlns="" id="{4187D678-6972-49CB-B1A1-617A8A4DC67A}"/>
+                <a16:creationId xmlns="" xmlns:a16="http://schemas.microsoft.com/office/drawing/2014/main" id="{4187D678-6972-49CB-B1A1-617A8A4DC67A}"/>
               </a:ext>
             </a:extLst>
           </p:cNvPr>
@@ -9970,7 +9982,7 @@
           <p:cNvPr id="7" name="Group 6">
             <a:extLst>
               <a:ext uri="{FF2B5EF4-FFF2-40B4-BE49-F238E27FC236}">
-                <a16:creationId xmlns:a16="http://schemas.microsoft.com/office/drawing/2014/main" xmlns="" id="{192FC736-0A68-4595-9B79-B9C0823EEC1D}"/>
+                <a16:creationId xmlns="" xmlns:a16="http://schemas.microsoft.com/office/drawing/2014/main" id="{192FC736-0A68-4595-9B79-B9C0823EEC1D}"/>
               </a:ext>
             </a:extLst>
           </p:cNvPr>
@@ -9990,7 +10002,7 @@
             <p:cNvPr id="14" name="Straight Connector 13">
               <a:extLst>
                 <a:ext uri="{FF2B5EF4-FFF2-40B4-BE49-F238E27FC236}">
-                  <a16:creationId xmlns:a16="http://schemas.microsoft.com/office/drawing/2014/main" xmlns="" id="{9C61D1AB-90EB-49D2-9990-D858155864A8}"/>
+                  <a16:creationId xmlns="" xmlns:a16="http://schemas.microsoft.com/office/drawing/2014/main" id="{9C61D1AB-90EB-49D2-9990-D858155864A8}"/>
                 </a:ext>
               </a:extLst>
             </p:cNvPr>
@@ -10030,7 +10042,7 @@
             <p:cNvPr id="16" name="Straight Connector 15">
               <a:extLst>
                 <a:ext uri="{FF2B5EF4-FFF2-40B4-BE49-F238E27FC236}">
-                  <a16:creationId xmlns:a16="http://schemas.microsoft.com/office/drawing/2014/main" xmlns="" id="{5C99D558-1CC1-4AA8-A347-FB3C2720BAE7}"/>
+                  <a16:creationId xmlns="" xmlns:a16="http://schemas.microsoft.com/office/drawing/2014/main" id="{5C99D558-1CC1-4AA8-A347-FB3C2720BAE7}"/>
                 </a:ext>
               </a:extLst>
             </p:cNvPr>
@@ -10069,7 +10081,7 @@
             <p:cNvPr id="18" name="Freeform: Shape 17">
               <a:extLst>
                 <a:ext uri="{FF2B5EF4-FFF2-40B4-BE49-F238E27FC236}">
-                  <a16:creationId xmlns:a16="http://schemas.microsoft.com/office/drawing/2014/main" xmlns="" id="{33171620-8295-405A-9601-0D482C32AC2E}"/>
+                  <a16:creationId xmlns="" xmlns:a16="http://schemas.microsoft.com/office/drawing/2014/main" id="{33171620-8295-405A-9601-0D482C32AC2E}"/>
                 </a:ext>
               </a:extLst>
             </p:cNvPr>
@@ -10171,7 +10183,7 @@
           <p:cNvPr id="24" name="Content Placeholder 2">
             <a:extLst>
               <a:ext uri="{FF2B5EF4-FFF2-40B4-BE49-F238E27FC236}">
-                <a16:creationId xmlns:a16="http://schemas.microsoft.com/office/drawing/2014/main" xmlns="" id="{DA741B44-D0B8-4661-8422-AC31BFEA12E0}"/>
+                <a16:creationId xmlns="" xmlns:a16="http://schemas.microsoft.com/office/drawing/2014/main" id="{DA741B44-D0B8-4661-8422-AC31BFEA12E0}"/>
               </a:ext>
             </a:extLst>
           </p:cNvPr>
@@ -10385,7 +10397,7 @@
           <p:cNvPr id="25" name="Content Placeholder 2">
             <a:extLst>
               <a:ext uri="{FF2B5EF4-FFF2-40B4-BE49-F238E27FC236}">
-                <a16:creationId xmlns:a16="http://schemas.microsoft.com/office/drawing/2014/main" xmlns="" id="{45863024-8477-4DFE-8016-FC4161D9B02B}"/>
+                <a16:creationId xmlns="" xmlns:a16="http://schemas.microsoft.com/office/drawing/2014/main" id="{45863024-8477-4DFE-8016-FC4161D9B02B}"/>
               </a:ext>
             </a:extLst>
           </p:cNvPr>
@@ -10629,7 +10641,7 @@
           <p:cNvPr id="2" name="Title 1">
             <a:extLst>
               <a:ext uri="{FF2B5EF4-FFF2-40B4-BE49-F238E27FC236}">
-                <a16:creationId xmlns:a16="http://schemas.microsoft.com/office/drawing/2014/main" xmlns="" id="{BA3312A1-8E59-484F-BD16-94B414E04BDD}"/>
+                <a16:creationId xmlns="" xmlns:a16="http://schemas.microsoft.com/office/drawing/2014/main" id="{BA3312A1-8E59-484F-BD16-94B414E04BDD}"/>
               </a:ext>
             </a:extLst>
           </p:cNvPr>
@@ -10657,7 +10669,7 @@
           <p:cNvPr id="3" name="Content Placeholder 2">
             <a:extLst>
               <a:ext uri="{FF2B5EF4-FFF2-40B4-BE49-F238E27FC236}">
-                <a16:creationId xmlns:a16="http://schemas.microsoft.com/office/drawing/2014/main" xmlns="" id="{9545EF81-A004-4775-9970-D0C57F5F554A}"/>
+                <a16:creationId xmlns="" xmlns:a16="http://schemas.microsoft.com/office/drawing/2014/main" id="{9545EF81-A004-4775-9970-D0C57F5F554A}"/>
               </a:ext>
             </a:extLst>
           </p:cNvPr>
@@ -10699,7 +10711,7 @@
           <p:cNvPr id="5" name="Straight Connector 4">
             <a:extLst>
               <a:ext uri="{FF2B5EF4-FFF2-40B4-BE49-F238E27FC236}">
-                <a16:creationId xmlns:a16="http://schemas.microsoft.com/office/drawing/2014/main" xmlns="" id="{77F60CD2-FE30-495B-927E-77DE28DEA88A}"/>
+                <a16:creationId xmlns="" xmlns:a16="http://schemas.microsoft.com/office/drawing/2014/main" id="{77F60CD2-FE30-495B-927E-77DE28DEA88A}"/>
               </a:ext>
             </a:extLst>
           </p:cNvPr>
@@ -10738,7 +10750,7 @@
           <p:cNvPr id="6" name="Straight Connector 5">
             <a:extLst>
               <a:ext uri="{FF2B5EF4-FFF2-40B4-BE49-F238E27FC236}">
-                <a16:creationId xmlns:a16="http://schemas.microsoft.com/office/drawing/2014/main" xmlns="" id="{1450072E-4A7E-444F-9BDA-90D6B3225C98}"/>
+                <a16:creationId xmlns="" xmlns:a16="http://schemas.microsoft.com/office/drawing/2014/main" id="{1450072E-4A7E-444F-9BDA-90D6B3225C98}"/>
               </a:ext>
             </a:extLst>
           </p:cNvPr>
@@ -10777,7 +10789,7 @@
           <p:cNvPr id="8" name="Oval 7">
             <a:extLst>
               <a:ext uri="{FF2B5EF4-FFF2-40B4-BE49-F238E27FC236}">
-                <a16:creationId xmlns:a16="http://schemas.microsoft.com/office/drawing/2014/main" xmlns="" id="{A0E323B4-7633-44EF-9A70-CAE4A5AC4719}"/>
+                <a16:creationId xmlns="" xmlns:a16="http://schemas.microsoft.com/office/drawing/2014/main" id="{A0E323B4-7633-44EF-9A70-CAE4A5AC4719}"/>
               </a:ext>
             </a:extLst>
           </p:cNvPr>
@@ -10831,7 +10843,7 @@
           <p:cNvPr id="9" name="TextBox 8">
             <a:extLst>
               <a:ext uri="{FF2B5EF4-FFF2-40B4-BE49-F238E27FC236}">
-                <a16:creationId xmlns:a16="http://schemas.microsoft.com/office/drawing/2014/main" xmlns="" id="{8CED6B31-64AC-4EB2-B4DA-32F0223BC447}"/>
+                <a16:creationId xmlns="" xmlns:a16="http://schemas.microsoft.com/office/drawing/2014/main" id="{8CED6B31-64AC-4EB2-B4DA-32F0223BC447}"/>
               </a:ext>
             </a:extLst>
           </p:cNvPr>
@@ -10866,7 +10878,7 @@
           <p:cNvPr id="17" name="Freeform: Shape 16">
             <a:extLst>
               <a:ext uri="{FF2B5EF4-FFF2-40B4-BE49-F238E27FC236}">
-                <a16:creationId xmlns:a16="http://schemas.microsoft.com/office/drawing/2014/main" xmlns="" id="{B8099BA9-5090-4377-A496-8CCBE8DC9C27}"/>
+                <a16:creationId xmlns="" xmlns:a16="http://schemas.microsoft.com/office/drawing/2014/main" id="{B8099BA9-5090-4377-A496-8CCBE8DC9C27}"/>
               </a:ext>
             </a:extLst>
           </p:cNvPr>
@@ -10966,7 +10978,7 @@
           <p:cNvPr id="21" name="Straight Connector 20">
             <a:extLst>
               <a:ext uri="{FF2B5EF4-FFF2-40B4-BE49-F238E27FC236}">
-                <a16:creationId xmlns:a16="http://schemas.microsoft.com/office/drawing/2014/main" xmlns="" id="{D59AEFB5-97DB-43F6-8FFD-9417E2A638B7}"/>
+                <a16:creationId xmlns="" xmlns:a16="http://schemas.microsoft.com/office/drawing/2014/main" id="{D59AEFB5-97DB-43F6-8FFD-9417E2A638B7}"/>
               </a:ext>
             </a:extLst>
           </p:cNvPr>
@@ -11010,7 +11022,7 @@
           <p:cNvPr id="22" name="Rectangle 21">
             <a:extLst>
               <a:ext uri="{FF2B5EF4-FFF2-40B4-BE49-F238E27FC236}">
-                <a16:creationId xmlns:a16="http://schemas.microsoft.com/office/drawing/2014/main" xmlns="" id="{5B0081CE-BF6B-4610-987F-07342ED2A858}"/>
+                <a16:creationId xmlns="" xmlns:a16="http://schemas.microsoft.com/office/drawing/2014/main" id="{5B0081CE-BF6B-4610-987F-07342ED2A858}"/>
               </a:ext>
             </a:extLst>
           </p:cNvPr>
@@ -11081,7 +11093,7 @@
           <p:cNvPr id="2" name="Title 1">
             <a:extLst>
               <a:ext uri="{FF2B5EF4-FFF2-40B4-BE49-F238E27FC236}">
-                <a16:creationId xmlns:a16="http://schemas.microsoft.com/office/drawing/2014/main" xmlns="" id="{BA3312A1-8E59-484F-BD16-94B414E04BDD}"/>
+                <a16:creationId xmlns="" xmlns:a16="http://schemas.microsoft.com/office/drawing/2014/main" id="{BA3312A1-8E59-484F-BD16-94B414E04BDD}"/>
               </a:ext>
             </a:extLst>
           </p:cNvPr>
@@ -11109,7 +11121,7 @@
           <p:cNvPr id="3" name="Content Placeholder 2">
             <a:extLst>
               <a:ext uri="{FF2B5EF4-FFF2-40B4-BE49-F238E27FC236}">
-                <a16:creationId xmlns:a16="http://schemas.microsoft.com/office/drawing/2014/main" xmlns="" id="{9545EF81-A004-4775-9970-D0C57F5F554A}"/>
+                <a16:creationId xmlns="" xmlns:a16="http://schemas.microsoft.com/office/drawing/2014/main" id="{9545EF81-A004-4775-9970-D0C57F5F554A}"/>
               </a:ext>
             </a:extLst>
           </p:cNvPr>
@@ -11189,7 +11201,7 @@
           <p:cNvPr id="5" name="Straight Connector 4">
             <a:extLst>
               <a:ext uri="{FF2B5EF4-FFF2-40B4-BE49-F238E27FC236}">
-                <a16:creationId xmlns:a16="http://schemas.microsoft.com/office/drawing/2014/main" xmlns="" id="{77F60CD2-FE30-495B-927E-77DE28DEA88A}"/>
+                <a16:creationId xmlns="" xmlns:a16="http://schemas.microsoft.com/office/drawing/2014/main" id="{77F60CD2-FE30-495B-927E-77DE28DEA88A}"/>
               </a:ext>
             </a:extLst>
           </p:cNvPr>
@@ -11228,7 +11240,7 @@
           <p:cNvPr id="6" name="Straight Connector 5">
             <a:extLst>
               <a:ext uri="{FF2B5EF4-FFF2-40B4-BE49-F238E27FC236}">
-                <a16:creationId xmlns:a16="http://schemas.microsoft.com/office/drawing/2014/main" xmlns="" id="{1450072E-4A7E-444F-9BDA-90D6B3225C98}"/>
+                <a16:creationId xmlns="" xmlns:a16="http://schemas.microsoft.com/office/drawing/2014/main" id="{1450072E-4A7E-444F-9BDA-90D6B3225C98}"/>
               </a:ext>
             </a:extLst>
           </p:cNvPr>
@@ -11267,7 +11279,7 @@
           <p:cNvPr id="7" name="Freeform: Shape 6">
             <a:extLst>
               <a:ext uri="{FF2B5EF4-FFF2-40B4-BE49-F238E27FC236}">
-                <a16:creationId xmlns:a16="http://schemas.microsoft.com/office/drawing/2014/main" xmlns="" id="{DD390C2A-74D3-45B5-AD26-5338E79597C6}"/>
+                <a16:creationId xmlns="" xmlns:a16="http://schemas.microsoft.com/office/drawing/2014/main" id="{DD390C2A-74D3-45B5-AD26-5338E79597C6}"/>
               </a:ext>
             </a:extLst>
           </p:cNvPr>
@@ -11357,7 +11369,7 @@
           <p:cNvPr id="8" name="Oval 7">
             <a:extLst>
               <a:ext uri="{FF2B5EF4-FFF2-40B4-BE49-F238E27FC236}">
-                <a16:creationId xmlns:a16="http://schemas.microsoft.com/office/drawing/2014/main" xmlns="" id="{A0E323B4-7633-44EF-9A70-CAE4A5AC4719}"/>
+                <a16:creationId xmlns="" xmlns:a16="http://schemas.microsoft.com/office/drawing/2014/main" id="{A0E323B4-7633-44EF-9A70-CAE4A5AC4719}"/>
               </a:ext>
             </a:extLst>
           </p:cNvPr>
@@ -11411,7 +11423,7 @@
           <p:cNvPr id="9" name="TextBox 8">
             <a:extLst>
               <a:ext uri="{FF2B5EF4-FFF2-40B4-BE49-F238E27FC236}">
-                <a16:creationId xmlns:a16="http://schemas.microsoft.com/office/drawing/2014/main" xmlns="" id="{8CED6B31-64AC-4EB2-B4DA-32F0223BC447}"/>
+                <a16:creationId xmlns="" xmlns:a16="http://schemas.microsoft.com/office/drawing/2014/main" id="{8CED6B31-64AC-4EB2-B4DA-32F0223BC447}"/>
               </a:ext>
             </a:extLst>
           </p:cNvPr>
@@ -11446,7 +11458,7 @@
           <p:cNvPr id="10" name="Straight Connector 9">
             <a:extLst>
               <a:ext uri="{FF2B5EF4-FFF2-40B4-BE49-F238E27FC236}">
-                <a16:creationId xmlns:a16="http://schemas.microsoft.com/office/drawing/2014/main" xmlns="" id="{EF93B756-436F-48C7-BEF9-966A6E31A3B5}"/>
+                <a16:creationId xmlns="" xmlns:a16="http://schemas.microsoft.com/office/drawing/2014/main" id="{EF93B756-436F-48C7-BEF9-966A6E31A3B5}"/>
               </a:ext>
             </a:extLst>
           </p:cNvPr>
@@ -11490,7 +11502,7 @@
           <p:cNvPr id="11" name="Rectangle 10">
             <a:extLst>
               <a:ext uri="{FF2B5EF4-FFF2-40B4-BE49-F238E27FC236}">
-                <a16:creationId xmlns:a16="http://schemas.microsoft.com/office/drawing/2014/main" xmlns="" id="{A9EE5F7A-588F-4AEB-8BE8-5BC69D41C72A}"/>
+                <a16:creationId xmlns="" xmlns:a16="http://schemas.microsoft.com/office/drawing/2014/main" id="{A9EE5F7A-588F-4AEB-8BE8-5BC69D41C72A}"/>
               </a:ext>
             </a:extLst>
           </p:cNvPr>
@@ -11527,7 +11539,7 @@
           <p:cNvPr id="13" name="Straight Arrow Connector 12">
             <a:extLst>
               <a:ext uri="{FF2B5EF4-FFF2-40B4-BE49-F238E27FC236}">
-                <a16:creationId xmlns:a16="http://schemas.microsoft.com/office/drawing/2014/main" xmlns="" id="{79961AA0-FD3B-49C4-A310-77758613BE25}"/>
+                <a16:creationId xmlns="" xmlns:a16="http://schemas.microsoft.com/office/drawing/2014/main" id="{79961AA0-FD3B-49C4-A310-77758613BE25}"/>
               </a:ext>
             </a:extLst>
           </p:cNvPr>
@@ -11569,7 +11581,7 @@
           <p:cNvPr id="14" name="Straight Arrow Connector 13">
             <a:extLst>
               <a:ext uri="{FF2B5EF4-FFF2-40B4-BE49-F238E27FC236}">
-                <a16:creationId xmlns:a16="http://schemas.microsoft.com/office/drawing/2014/main" xmlns="" id="{1027F732-5C57-4114-B222-3B95EDF4EBC0}"/>
+                <a16:creationId xmlns="" xmlns:a16="http://schemas.microsoft.com/office/drawing/2014/main" id="{1027F732-5C57-4114-B222-3B95EDF4EBC0}"/>
               </a:ext>
             </a:extLst>
           </p:cNvPr>
@@ -11643,7 +11655,7 @@
           <p:cNvPr id="2" name="Title 1">
             <a:extLst>
               <a:ext uri="{FF2B5EF4-FFF2-40B4-BE49-F238E27FC236}">
-                <a16:creationId xmlns:a16="http://schemas.microsoft.com/office/drawing/2014/main" xmlns="" id="{BA3312A1-8E59-484F-BD16-94B414E04BDD}"/>
+                <a16:creationId xmlns="" xmlns:a16="http://schemas.microsoft.com/office/drawing/2014/main" id="{BA3312A1-8E59-484F-BD16-94B414E04BDD}"/>
               </a:ext>
             </a:extLst>
           </p:cNvPr>
@@ -11671,7 +11683,7 @@
           <p:cNvPr id="3" name="Content Placeholder 2">
             <a:extLst>
               <a:ext uri="{FF2B5EF4-FFF2-40B4-BE49-F238E27FC236}">
-                <a16:creationId xmlns:a16="http://schemas.microsoft.com/office/drawing/2014/main" xmlns="" id="{9545EF81-A004-4775-9970-D0C57F5F554A}"/>
+                <a16:creationId xmlns="" xmlns:a16="http://schemas.microsoft.com/office/drawing/2014/main" id="{9545EF81-A004-4775-9970-D0C57F5F554A}"/>
               </a:ext>
             </a:extLst>
           </p:cNvPr>
@@ -11752,7 +11764,7 @@
           <p:cNvPr id="8" name="Oval 7">
             <a:extLst>
               <a:ext uri="{FF2B5EF4-FFF2-40B4-BE49-F238E27FC236}">
-                <a16:creationId xmlns:a16="http://schemas.microsoft.com/office/drawing/2014/main" xmlns="" id="{A0E323B4-7633-44EF-9A70-CAE4A5AC4719}"/>
+                <a16:creationId xmlns="" xmlns:a16="http://schemas.microsoft.com/office/drawing/2014/main" id="{A0E323B4-7633-44EF-9A70-CAE4A5AC4719}"/>
               </a:ext>
             </a:extLst>
           </p:cNvPr>
@@ -11806,7 +11818,7 @@
           <p:cNvPr id="9" name="TextBox 8">
             <a:extLst>
               <a:ext uri="{FF2B5EF4-FFF2-40B4-BE49-F238E27FC236}">
-                <a16:creationId xmlns:a16="http://schemas.microsoft.com/office/drawing/2014/main" xmlns="" id="{8CED6B31-64AC-4EB2-B4DA-32F0223BC447}"/>
+                <a16:creationId xmlns="" xmlns:a16="http://schemas.microsoft.com/office/drawing/2014/main" id="{8CED6B31-64AC-4EB2-B4DA-32F0223BC447}"/>
               </a:ext>
             </a:extLst>
           </p:cNvPr>
@@ -11841,7 +11853,7 @@
           <p:cNvPr id="16" name="Straight Connector 15">
             <a:extLst>
               <a:ext uri="{FF2B5EF4-FFF2-40B4-BE49-F238E27FC236}">
-                <a16:creationId xmlns:a16="http://schemas.microsoft.com/office/drawing/2014/main" xmlns="" id="{3F915D57-EAC5-4BB3-9C26-2FCE94153F0E}"/>
+                <a16:creationId xmlns="" xmlns:a16="http://schemas.microsoft.com/office/drawing/2014/main" id="{3F915D57-EAC5-4BB3-9C26-2FCE94153F0E}"/>
               </a:ext>
             </a:extLst>
           </p:cNvPr>
@@ -11880,7 +11892,7 @@
           <p:cNvPr id="17" name="Straight Connector 16">
             <a:extLst>
               <a:ext uri="{FF2B5EF4-FFF2-40B4-BE49-F238E27FC236}">
-                <a16:creationId xmlns:a16="http://schemas.microsoft.com/office/drawing/2014/main" xmlns="" id="{A814CDD6-FC5C-42CD-B211-E736A0B14D60}"/>
+                <a16:creationId xmlns="" xmlns:a16="http://schemas.microsoft.com/office/drawing/2014/main" id="{A814CDD6-FC5C-42CD-B211-E736A0B14D60}"/>
               </a:ext>
             </a:extLst>
           </p:cNvPr>
@@ -11919,7 +11931,7 @@
           <p:cNvPr id="18" name="Freeform: Shape 17">
             <a:extLst>
               <a:ext uri="{FF2B5EF4-FFF2-40B4-BE49-F238E27FC236}">
-                <a16:creationId xmlns:a16="http://schemas.microsoft.com/office/drawing/2014/main" xmlns="" id="{31D373CA-687A-4A26-9B14-9DF33E68E7BE}"/>
+                <a16:creationId xmlns="" xmlns:a16="http://schemas.microsoft.com/office/drawing/2014/main" id="{31D373CA-687A-4A26-9B14-9DF33E68E7BE}"/>
               </a:ext>
             </a:extLst>
           </p:cNvPr>
@@ -12009,7 +12021,7 @@
           <p:cNvPr id="19" name="Straight Connector 18">
             <a:extLst>
               <a:ext uri="{FF2B5EF4-FFF2-40B4-BE49-F238E27FC236}">
-                <a16:creationId xmlns:a16="http://schemas.microsoft.com/office/drawing/2014/main" xmlns="" id="{68B70C42-1280-4D2F-A59A-0E2EE1FEA5EA}"/>
+                <a16:creationId xmlns="" xmlns:a16="http://schemas.microsoft.com/office/drawing/2014/main" id="{68B70C42-1280-4D2F-A59A-0E2EE1FEA5EA}"/>
               </a:ext>
             </a:extLst>
           </p:cNvPr>
@@ -12053,7 +12065,7 @@
           <p:cNvPr id="22" name="Straight Arrow Connector 21">
             <a:extLst>
               <a:ext uri="{FF2B5EF4-FFF2-40B4-BE49-F238E27FC236}">
-                <a16:creationId xmlns:a16="http://schemas.microsoft.com/office/drawing/2014/main" xmlns="" id="{01C17A5C-94F9-4AD0-B831-20D1AB8E0FC7}"/>
+                <a16:creationId xmlns="" xmlns:a16="http://schemas.microsoft.com/office/drawing/2014/main" id="{01C17A5C-94F9-4AD0-B831-20D1AB8E0FC7}"/>
               </a:ext>
             </a:extLst>
           </p:cNvPr>
@@ -12097,7 +12109,7 @@
           <p:cNvPr id="26" name="Straight Arrow Connector 25">
             <a:extLst>
               <a:ext uri="{FF2B5EF4-FFF2-40B4-BE49-F238E27FC236}">
-                <a16:creationId xmlns:a16="http://schemas.microsoft.com/office/drawing/2014/main" xmlns="" id="{97D7C7DB-6763-45C7-AC1E-5BA7E987EA56}"/>
+                <a16:creationId xmlns="" xmlns:a16="http://schemas.microsoft.com/office/drawing/2014/main" id="{97D7C7DB-6763-45C7-AC1E-5BA7E987EA56}"/>
               </a:ext>
             </a:extLst>
           </p:cNvPr>
@@ -12141,7 +12153,7 @@
           <p:cNvPr id="27" name="Straight Arrow Connector 26">
             <a:extLst>
               <a:ext uri="{FF2B5EF4-FFF2-40B4-BE49-F238E27FC236}">
-                <a16:creationId xmlns:a16="http://schemas.microsoft.com/office/drawing/2014/main" xmlns="" id="{1F984B43-3E6C-49DE-AA72-016C0B118499}"/>
+                <a16:creationId xmlns="" xmlns:a16="http://schemas.microsoft.com/office/drawing/2014/main" id="{1F984B43-3E6C-49DE-AA72-016C0B118499}"/>
               </a:ext>
             </a:extLst>
           </p:cNvPr>
@@ -12185,7 +12197,7 @@
           <p:cNvPr id="28" name="Straight Arrow Connector 27">
             <a:extLst>
               <a:ext uri="{FF2B5EF4-FFF2-40B4-BE49-F238E27FC236}">
-                <a16:creationId xmlns:a16="http://schemas.microsoft.com/office/drawing/2014/main" xmlns="" id="{DC26780E-AE8A-434A-92AE-A53A3366E072}"/>
+                <a16:creationId xmlns="" xmlns:a16="http://schemas.microsoft.com/office/drawing/2014/main" id="{DC26780E-AE8A-434A-92AE-A53A3366E072}"/>
               </a:ext>
             </a:extLst>
           </p:cNvPr>
@@ -12229,7 +12241,7 @@
           <p:cNvPr id="29" name="Straight Arrow Connector 28">
             <a:extLst>
               <a:ext uri="{FF2B5EF4-FFF2-40B4-BE49-F238E27FC236}">
-                <a16:creationId xmlns:a16="http://schemas.microsoft.com/office/drawing/2014/main" xmlns="" id="{5DBB6854-A56D-4304-8BA9-6B1BB5798BA9}"/>
+                <a16:creationId xmlns="" xmlns:a16="http://schemas.microsoft.com/office/drawing/2014/main" id="{5DBB6854-A56D-4304-8BA9-6B1BB5798BA9}"/>
               </a:ext>
             </a:extLst>
           </p:cNvPr>
@@ -12273,7 +12285,7 @@
           <p:cNvPr id="31" name="Rectangle 30">
             <a:extLst>
               <a:ext uri="{FF2B5EF4-FFF2-40B4-BE49-F238E27FC236}">
-                <a16:creationId xmlns:a16="http://schemas.microsoft.com/office/drawing/2014/main" xmlns="" id="{A00FFC1F-0814-44AB-8DD1-0CA2CE0D4C62}"/>
+                <a16:creationId xmlns="" xmlns:a16="http://schemas.microsoft.com/office/drawing/2014/main" id="{A00FFC1F-0814-44AB-8DD1-0CA2CE0D4C62}"/>
               </a:ext>
             </a:extLst>
           </p:cNvPr>
@@ -12312,7 +12324,7 @@
           <p:cNvPr id="32" name="Rectangle 31">
             <a:extLst>
               <a:ext uri="{FF2B5EF4-FFF2-40B4-BE49-F238E27FC236}">
-                <a16:creationId xmlns:a16="http://schemas.microsoft.com/office/drawing/2014/main" xmlns="" id="{7502F639-65DC-43C5-B5B7-14A3CE75BD31}"/>
+                <a16:creationId xmlns="" xmlns:a16="http://schemas.microsoft.com/office/drawing/2014/main" id="{7502F639-65DC-43C5-B5B7-14A3CE75BD31}"/>
               </a:ext>
             </a:extLst>
           </p:cNvPr>
@@ -12351,7 +12363,7 @@
           <p:cNvPr id="33" name="Rectangle 32">
             <a:extLst>
               <a:ext uri="{FF2B5EF4-FFF2-40B4-BE49-F238E27FC236}">
-                <a16:creationId xmlns:a16="http://schemas.microsoft.com/office/drawing/2014/main" xmlns="" id="{D60413DC-E6A5-4350-85CF-A0401357D4C7}"/>
+                <a16:creationId xmlns="" xmlns:a16="http://schemas.microsoft.com/office/drawing/2014/main" id="{D60413DC-E6A5-4350-85CF-A0401357D4C7}"/>
               </a:ext>
             </a:extLst>
           </p:cNvPr>
@@ -12390,7 +12402,7 @@
           <p:cNvPr id="34" name="Rectangle 33">
             <a:extLst>
               <a:ext uri="{FF2B5EF4-FFF2-40B4-BE49-F238E27FC236}">
-                <a16:creationId xmlns:a16="http://schemas.microsoft.com/office/drawing/2014/main" xmlns="" id="{8D9C3571-5C6F-4F0D-B135-D159B43EC31B}"/>
+                <a16:creationId xmlns="" xmlns:a16="http://schemas.microsoft.com/office/drawing/2014/main" id="{8D9C3571-5C6F-4F0D-B135-D159B43EC31B}"/>
               </a:ext>
             </a:extLst>
           </p:cNvPr>
@@ -12429,7 +12441,7 @@
           <p:cNvPr id="35" name="Rectangle 34">
             <a:extLst>
               <a:ext uri="{FF2B5EF4-FFF2-40B4-BE49-F238E27FC236}">
-                <a16:creationId xmlns:a16="http://schemas.microsoft.com/office/drawing/2014/main" xmlns="" id="{47780916-6EA2-4BBE-9381-85E9D6A02D43}"/>
+                <a16:creationId xmlns="" xmlns:a16="http://schemas.microsoft.com/office/drawing/2014/main" id="{47780916-6EA2-4BBE-9381-85E9D6A02D43}"/>
               </a:ext>
             </a:extLst>
           </p:cNvPr>
@@ -12498,7 +12510,7 @@
           <p:cNvPr id="2" name="Title 1">
             <a:extLst>
               <a:ext uri="{FF2B5EF4-FFF2-40B4-BE49-F238E27FC236}">
-                <a16:creationId xmlns:a16="http://schemas.microsoft.com/office/drawing/2014/main" xmlns="" id="{BA3312A1-8E59-484F-BD16-94B414E04BDD}"/>
+                <a16:creationId xmlns="" xmlns:a16="http://schemas.microsoft.com/office/drawing/2014/main" id="{BA3312A1-8E59-484F-BD16-94B414E04BDD}"/>
               </a:ext>
             </a:extLst>
           </p:cNvPr>
@@ -12526,7 +12538,7 @@
           <p:cNvPr id="3" name="Content Placeholder 2">
             <a:extLst>
               <a:ext uri="{FF2B5EF4-FFF2-40B4-BE49-F238E27FC236}">
-                <a16:creationId xmlns:a16="http://schemas.microsoft.com/office/drawing/2014/main" xmlns="" id="{9545EF81-A004-4775-9970-D0C57F5F554A}"/>
+                <a16:creationId xmlns="" xmlns:a16="http://schemas.microsoft.com/office/drawing/2014/main" id="{9545EF81-A004-4775-9970-D0C57F5F554A}"/>
               </a:ext>
             </a:extLst>
           </p:cNvPr>
@@ -12610,7 +12622,7 @@
           <p:cNvPr id="2" name="Title 1">
             <a:extLst>
               <a:ext uri="{FF2B5EF4-FFF2-40B4-BE49-F238E27FC236}">
-                <a16:creationId xmlns:a16="http://schemas.microsoft.com/office/drawing/2014/main" xmlns="" id="{BA3312A1-8E59-484F-BD16-94B414E04BDD}"/>
+                <a16:creationId xmlns="" xmlns:a16="http://schemas.microsoft.com/office/drawing/2014/main" id="{BA3312A1-8E59-484F-BD16-94B414E04BDD}"/>
               </a:ext>
             </a:extLst>
           </p:cNvPr>
@@ -12638,7 +12650,7 @@
           <p:cNvPr id="3" name="Content Placeholder 2">
             <a:extLst>
               <a:ext uri="{FF2B5EF4-FFF2-40B4-BE49-F238E27FC236}">
-                <a16:creationId xmlns:a16="http://schemas.microsoft.com/office/drawing/2014/main" xmlns="" id="{9545EF81-A004-4775-9970-D0C57F5F554A}"/>
+                <a16:creationId xmlns="" xmlns:a16="http://schemas.microsoft.com/office/drawing/2014/main" id="{9545EF81-A004-4775-9970-D0C57F5F554A}"/>
               </a:ext>
             </a:extLst>
           </p:cNvPr>
@@ -12748,7 +12760,7 @@
           <p:cNvPr id="8" name="Oval 7">
             <a:extLst>
               <a:ext uri="{FF2B5EF4-FFF2-40B4-BE49-F238E27FC236}">
-                <a16:creationId xmlns:a16="http://schemas.microsoft.com/office/drawing/2014/main" xmlns="" id="{A0E323B4-7633-44EF-9A70-CAE4A5AC4719}"/>
+                <a16:creationId xmlns="" xmlns:a16="http://schemas.microsoft.com/office/drawing/2014/main" id="{A0E323B4-7633-44EF-9A70-CAE4A5AC4719}"/>
               </a:ext>
             </a:extLst>
           </p:cNvPr>
@@ -12802,7 +12814,7 @@
           <p:cNvPr id="9" name="TextBox 8">
             <a:extLst>
               <a:ext uri="{FF2B5EF4-FFF2-40B4-BE49-F238E27FC236}">
-                <a16:creationId xmlns:a16="http://schemas.microsoft.com/office/drawing/2014/main" xmlns="" id="{8CED6B31-64AC-4EB2-B4DA-32F0223BC447}"/>
+                <a16:creationId xmlns="" xmlns:a16="http://schemas.microsoft.com/office/drawing/2014/main" id="{8CED6B31-64AC-4EB2-B4DA-32F0223BC447}"/>
               </a:ext>
             </a:extLst>
           </p:cNvPr>
@@ -12837,7 +12849,7 @@
           <p:cNvPr id="16" name="Straight Connector 15">
             <a:extLst>
               <a:ext uri="{FF2B5EF4-FFF2-40B4-BE49-F238E27FC236}">
-                <a16:creationId xmlns:a16="http://schemas.microsoft.com/office/drawing/2014/main" xmlns="" id="{3F915D57-EAC5-4BB3-9C26-2FCE94153F0E}"/>
+                <a16:creationId xmlns="" xmlns:a16="http://schemas.microsoft.com/office/drawing/2014/main" id="{3F915D57-EAC5-4BB3-9C26-2FCE94153F0E}"/>
               </a:ext>
             </a:extLst>
           </p:cNvPr>
@@ -12876,7 +12888,7 @@
           <p:cNvPr id="17" name="Straight Connector 16">
             <a:extLst>
               <a:ext uri="{FF2B5EF4-FFF2-40B4-BE49-F238E27FC236}">
-                <a16:creationId xmlns:a16="http://schemas.microsoft.com/office/drawing/2014/main" xmlns="" id="{A814CDD6-FC5C-42CD-B211-E736A0B14D60}"/>
+                <a16:creationId xmlns="" xmlns:a16="http://schemas.microsoft.com/office/drawing/2014/main" id="{A814CDD6-FC5C-42CD-B211-E736A0B14D60}"/>
               </a:ext>
             </a:extLst>
           </p:cNvPr>
@@ -12915,7 +12927,7 @@
           <p:cNvPr id="18" name="Freeform: Shape 17">
             <a:extLst>
               <a:ext uri="{FF2B5EF4-FFF2-40B4-BE49-F238E27FC236}">
-                <a16:creationId xmlns:a16="http://schemas.microsoft.com/office/drawing/2014/main" xmlns="" id="{31D373CA-687A-4A26-9B14-9DF33E68E7BE}"/>
+                <a16:creationId xmlns="" xmlns:a16="http://schemas.microsoft.com/office/drawing/2014/main" id="{31D373CA-687A-4A26-9B14-9DF33E68E7BE}"/>
               </a:ext>
             </a:extLst>
           </p:cNvPr>
@@ -13005,7 +13017,7 @@
           <p:cNvPr id="19" name="Straight Connector 18">
             <a:extLst>
               <a:ext uri="{FF2B5EF4-FFF2-40B4-BE49-F238E27FC236}">
-                <a16:creationId xmlns:a16="http://schemas.microsoft.com/office/drawing/2014/main" xmlns="" id="{68B70C42-1280-4D2F-A59A-0E2EE1FEA5EA}"/>
+                <a16:creationId xmlns="" xmlns:a16="http://schemas.microsoft.com/office/drawing/2014/main" id="{68B70C42-1280-4D2F-A59A-0E2EE1FEA5EA}"/>
               </a:ext>
             </a:extLst>
           </p:cNvPr>
@@ -13049,7 +13061,7 @@
           <p:cNvPr id="20" name="Rectangle 19">
             <a:extLst>
               <a:ext uri="{FF2B5EF4-FFF2-40B4-BE49-F238E27FC236}">
-                <a16:creationId xmlns:a16="http://schemas.microsoft.com/office/drawing/2014/main" xmlns="" id="{8E75C4F9-5753-41F7-B7CA-1E63EFC24E1B}"/>
+                <a16:creationId xmlns="" xmlns:a16="http://schemas.microsoft.com/office/drawing/2014/main" id="{8E75C4F9-5753-41F7-B7CA-1E63EFC24E1B}"/>
               </a:ext>
             </a:extLst>
           </p:cNvPr>
@@ -13091,7 +13103,7 @@
           <p:cNvPr id="22" name="Straight Arrow Connector 21">
             <a:extLst>
               <a:ext uri="{FF2B5EF4-FFF2-40B4-BE49-F238E27FC236}">
-                <a16:creationId xmlns:a16="http://schemas.microsoft.com/office/drawing/2014/main" xmlns="" id="{01C17A5C-94F9-4AD0-B831-20D1AB8E0FC7}"/>
+                <a16:creationId xmlns="" xmlns:a16="http://schemas.microsoft.com/office/drawing/2014/main" id="{01C17A5C-94F9-4AD0-B831-20D1AB8E0FC7}"/>
               </a:ext>
             </a:extLst>
           </p:cNvPr>
@@ -13135,7 +13147,7 @@
           <p:cNvPr id="26" name="Straight Arrow Connector 25">
             <a:extLst>
               <a:ext uri="{FF2B5EF4-FFF2-40B4-BE49-F238E27FC236}">
-                <a16:creationId xmlns:a16="http://schemas.microsoft.com/office/drawing/2014/main" xmlns="" id="{97D7C7DB-6763-45C7-AC1E-5BA7E987EA56}"/>
+                <a16:creationId xmlns="" xmlns:a16="http://schemas.microsoft.com/office/drawing/2014/main" id="{97D7C7DB-6763-45C7-AC1E-5BA7E987EA56}"/>
               </a:ext>
             </a:extLst>
           </p:cNvPr>
@@ -13179,7 +13191,7 @@
           <p:cNvPr id="27" name="Straight Arrow Connector 26">
             <a:extLst>
               <a:ext uri="{FF2B5EF4-FFF2-40B4-BE49-F238E27FC236}">
-                <a16:creationId xmlns:a16="http://schemas.microsoft.com/office/drawing/2014/main" xmlns="" id="{1F984B43-3E6C-49DE-AA72-016C0B118499}"/>
+                <a16:creationId xmlns="" xmlns:a16="http://schemas.microsoft.com/office/drawing/2014/main" id="{1F984B43-3E6C-49DE-AA72-016C0B118499}"/>
               </a:ext>
             </a:extLst>
           </p:cNvPr>
@@ -13223,7 +13235,7 @@
           <p:cNvPr id="28" name="Straight Arrow Connector 27">
             <a:extLst>
               <a:ext uri="{FF2B5EF4-FFF2-40B4-BE49-F238E27FC236}">
-                <a16:creationId xmlns:a16="http://schemas.microsoft.com/office/drawing/2014/main" xmlns="" id="{DC26780E-AE8A-434A-92AE-A53A3366E072}"/>
+                <a16:creationId xmlns="" xmlns:a16="http://schemas.microsoft.com/office/drawing/2014/main" id="{DC26780E-AE8A-434A-92AE-A53A3366E072}"/>
               </a:ext>
             </a:extLst>
           </p:cNvPr>
@@ -13267,7 +13279,7 @@
           <p:cNvPr id="29" name="Straight Arrow Connector 28">
             <a:extLst>
               <a:ext uri="{FF2B5EF4-FFF2-40B4-BE49-F238E27FC236}">
-                <a16:creationId xmlns:a16="http://schemas.microsoft.com/office/drawing/2014/main" xmlns="" id="{5DBB6854-A56D-4304-8BA9-6B1BB5798BA9}"/>
+                <a16:creationId xmlns="" xmlns:a16="http://schemas.microsoft.com/office/drawing/2014/main" id="{5DBB6854-A56D-4304-8BA9-6B1BB5798BA9}"/>
               </a:ext>
             </a:extLst>
           </p:cNvPr>
@@ -13311,7 +13323,7 @@
           <p:cNvPr id="31" name="Rectangle 30">
             <a:extLst>
               <a:ext uri="{FF2B5EF4-FFF2-40B4-BE49-F238E27FC236}">
-                <a16:creationId xmlns:a16="http://schemas.microsoft.com/office/drawing/2014/main" xmlns="" id="{A00FFC1F-0814-44AB-8DD1-0CA2CE0D4C62}"/>
+                <a16:creationId xmlns="" xmlns:a16="http://schemas.microsoft.com/office/drawing/2014/main" id="{A00FFC1F-0814-44AB-8DD1-0CA2CE0D4C62}"/>
               </a:ext>
             </a:extLst>
           </p:cNvPr>
@@ -13350,7 +13362,7 @@
           <p:cNvPr id="32" name="Rectangle 31">
             <a:extLst>
               <a:ext uri="{FF2B5EF4-FFF2-40B4-BE49-F238E27FC236}">
-                <a16:creationId xmlns:a16="http://schemas.microsoft.com/office/drawing/2014/main" xmlns="" id="{7502F639-65DC-43C5-B5B7-14A3CE75BD31}"/>
+                <a16:creationId xmlns="" xmlns:a16="http://schemas.microsoft.com/office/drawing/2014/main" id="{7502F639-65DC-43C5-B5B7-14A3CE75BD31}"/>
               </a:ext>
             </a:extLst>
           </p:cNvPr>
@@ -13389,7 +13401,7 @@
           <p:cNvPr id="33" name="Rectangle 32">
             <a:extLst>
               <a:ext uri="{FF2B5EF4-FFF2-40B4-BE49-F238E27FC236}">
-                <a16:creationId xmlns:a16="http://schemas.microsoft.com/office/drawing/2014/main" xmlns="" id="{D60413DC-E6A5-4350-85CF-A0401357D4C7}"/>
+                <a16:creationId xmlns="" xmlns:a16="http://schemas.microsoft.com/office/drawing/2014/main" id="{D60413DC-E6A5-4350-85CF-A0401357D4C7}"/>
               </a:ext>
             </a:extLst>
           </p:cNvPr>
@@ -13428,7 +13440,7 @@
           <p:cNvPr id="34" name="Rectangle 33">
             <a:extLst>
               <a:ext uri="{FF2B5EF4-FFF2-40B4-BE49-F238E27FC236}">
-                <a16:creationId xmlns:a16="http://schemas.microsoft.com/office/drawing/2014/main" xmlns="" id="{8D9C3571-5C6F-4F0D-B135-D159B43EC31B}"/>
+                <a16:creationId xmlns="" xmlns:a16="http://schemas.microsoft.com/office/drawing/2014/main" id="{8D9C3571-5C6F-4F0D-B135-D159B43EC31B}"/>
               </a:ext>
             </a:extLst>
           </p:cNvPr>
@@ -13467,7 +13479,7 @@
           <p:cNvPr id="35" name="Rectangle 34">
             <a:extLst>
               <a:ext uri="{FF2B5EF4-FFF2-40B4-BE49-F238E27FC236}">
-                <a16:creationId xmlns:a16="http://schemas.microsoft.com/office/drawing/2014/main" xmlns="" id="{47780916-6EA2-4BBE-9381-85E9D6A02D43}"/>
+                <a16:creationId xmlns="" xmlns:a16="http://schemas.microsoft.com/office/drawing/2014/main" id="{47780916-6EA2-4BBE-9381-85E9D6A02D43}"/>
               </a:ext>
             </a:extLst>
           </p:cNvPr>
@@ -13536,7 +13548,7 @@
           <p:cNvPr id="2" name="Title 1">
             <a:extLst>
               <a:ext uri="{FF2B5EF4-FFF2-40B4-BE49-F238E27FC236}">
-                <a16:creationId xmlns:a16="http://schemas.microsoft.com/office/drawing/2014/main" xmlns="" id="{BA3312A1-8E59-484F-BD16-94B414E04BDD}"/>
+                <a16:creationId xmlns="" xmlns:a16="http://schemas.microsoft.com/office/drawing/2014/main" id="{BA3312A1-8E59-484F-BD16-94B414E04BDD}"/>
               </a:ext>
             </a:extLst>
           </p:cNvPr>
@@ -13566,7 +13578,7 @@
               <p:cNvPr id="3" name="Content Placeholder 2">
                 <a:extLst>
                   <a:ext uri="{FF2B5EF4-FFF2-40B4-BE49-F238E27FC236}">
-                    <a16:creationId xmlns:a16="http://schemas.microsoft.com/office/drawing/2014/main" xmlns="" id="{9545EF81-A004-4775-9970-D0C57F5F554A}"/>
+                    <a16:creationId xmlns="" xmlns:a16="http://schemas.microsoft.com/office/drawing/2014/main" id="{9545EF81-A004-4775-9970-D0C57F5F554A}"/>
                   </a:ext>
                 </a:extLst>
               </p:cNvPr>
@@ -13877,7 +13889,7 @@
           <p:cNvPr id="8" name="Oval 7">
             <a:extLst>
               <a:ext uri="{FF2B5EF4-FFF2-40B4-BE49-F238E27FC236}">
-                <a16:creationId xmlns:a16="http://schemas.microsoft.com/office/drawing/2014/main" xmlns="" id="{A0E323B4-7633-44EF-9A70-CAE4A5AC4719}"/>
+                <a16:creationId xmlns="" xmlns:a16="http://schemas.microsoft.com/office/drawing/2014/main" id="{A0E323B4-7633-44EF-9A70-CAE4A5AC4719}"/>
               </a:ext>
             </a:extLst>
           </p:cNvPr>
@@ -13931,7 +13943,7 @@
           <p:cNvPr id="9" name="TextBox 8">
             <a:extLst>
               <a:ext uri="{FF2B5EF4-FFF2-40B4-BE49-F238E27FC236}">
-                <a16:creationId xmlns:a16="http://schemas.microsoft.com/office/drawing/2014/main" xmlns="" id="{8CED6B31-64AC-4EB2-B4DA-32F0223BC447}"/>
+                <a16:creationId xmlns="" xmlns:a16="http://schemas.microsoft.com/office/drawing/2014/main" id="{8CED6B31-64AC-4EB2-B4DA-32F0223BC447}"/>
               </a:ext>
             </a:extLst>
           </p:cNvPr>
@@ -13966,7 +13978,7 @@
           <p:cNvPr id="16" name="Straight Connector 15">
             <a:extLst>
               <a:ext uri="{FF2B5EF4-FFF2-40B4-BE49-F238E27FC236}">
-                <a16:creationId xmlns:a16="http://schemas.microsoft.com/office/drawing/2014/main" xmlns="" id="{3F915D57-EAC5-4BB3-9C26-2FCE94153F0E}"/>
+                <a16:creationId xmlns="" xmlns:a16="http://schemas.microsoft.com/office/drawing/2014/main" id="{3F915D57-EAC5-4BB3-9C26-2FCE94153F0E}"/>
               </a:ext>
             </a:extLst>
           </p:cNvPr>
@@ -14005,7 +14017,7 @@
           <p:cNvPr id="17" name="Straight Connector 16">
             <a:extLst>
               <a:ext uri="{FF2B5EF4-FFF2-40B4-BE49-F238E27FC236}">
-                <a16:creationId xmlns:a16="http://schemas.microsoft.com/office/drawing/2014/main" xmlns="" id="{A814CDD6-FC5C-42CD-B211-E736A0B14D60}"/>
+                <a16:creationId xmlns="" xmlns:a16="http://schemas.microsoft.com/office/drawing/2014/main" id="{A814CDD6-FC5C-42CD-B211-E736A0B14D60}"/>
               </a:ext>
             </a:extLst>
           </p:cNvPr>
@@ -14044,7 +14056,7 @@
           <p:cNvPr id="18" name="Freeform: Shape 17">
             <a:extLst>
               <a:ext uri="{FF2B5EF4-FFF2-40B4-BE49-F238E27FC236}">
-                <a16:creationId xmlns:a16="http://schemas.microsoft.com/office/drawing/2014/main" xmlns="" id="{31D373CA-687A-4A26-9B14-9DF33E68E7BE}"/>
+                <a16:creationId xmlns="" xmlns:a16="http://schemas.microsoft.com/office/drawing/2014/main" id="{31D373CA-687A-4A26-9B14-9DF33E68E7BE}"/>
               </a:ext>
             </a:extLst>
           </p:cNvPr>
@@ -14134,7 +14146,7 @@
           <p:cNvPr id="20" name="Rectangle 19">
             <a:extLst>
               <a:ext uri="{FF2B5EF4-FFF2-40B4-BE49-F238E27FC236}">
-                <a16:creationId xmlns:a16="http://schemas.microsoft.com/office/drawing/2014/main" xmlns="" id="{8E75C4F9-5753-41F7-B7CA-1E63EFC24E1B}"/>
+                <a16:creationId xmlns="" xmlns:a16="http://schemas.microsoft.com/office/drawing/2014/main" id="{8E75C4F9-5753-41F7-B7CA-1E63EFC24E1B}"/>
               </a:ext>
             </a:extLst>
           </p:cNvPr>
@@ -14176,7 +14188,7 @@
           <p:cNvPr id="22" name="Straight Arrow Connector 21">
             <a:extLst>
               <a:ext uri="{FF2B5EF4-FFF2-40B4-BE49-F238E27FC236}">
-                <a16:creationId xmlns:a16="http://schemas.microsoft.com/office/drawing/2014/main" xmlns="" id="{01C17A5C-94F9-4AD0-B831-20D1AB8E0FC7}"/>
+                <a16:creationId xmlns="" xmlns:a16="http://schemas.microsoft.com/office/drawing/2014/main" id="{01C17A5C-94F9-4AD0-B831-20D1AB8E0FC7}"/>
               </a:ext>
             </a:extLst>
           </p:cNvPr>
@@ -14220,7 +14232,7 @@
           <p:cNvPr id="26" name="Straight Arrow Connector 25">
             <a:extLst>
               <a:ext uri="{FF2B5EF4-FFF2-40B4-BE49-F238E27FC236}">
-                <a16:creationId xmlns:a16="http://schemas.microsoft.com/office/drawing/2014/main" xmlns="" id="{97D7C7DB-6763-45C7-AC1E-5BA7E987EA56}"/>
+                <a16:creationId xmlns="" xmlns:a16="http://schemas.microsoft.com/office/drawing/2014/main" id="{97D7C7DB-6763-45C7-AC1E-5BA7E987EA56}"/>
               </a:ext>
             </a:extLst>
           </p:cNvPr>
@@ -14264,7 +14276,7 @@
           <p:cNvPr id="27" name="Straight Arrow Connector 26">
             <a:extLst>
               <a:ext uri="{FF2B5EF4-FFF2-40B4-BE49-F238E27FC236}">
-                <a16:creationId xmlns:a16="http://schemas.microsoft.com/office/drawing/2014/main" xmlns="" id="{1F984B43-3E6C-49DE-AA72-016C0B118499}"/>
+                <a16:creationId xmlns="" xmlns:a16="http://schemas.microsoft.com/office/drawing/2014/main" id="{1F984B43-3E6C-49DE-AA72-016C0B118499}"/>
               </a:ext>
             </a:extLst>
           </p:cNvPr>
@@ -14308,7 +14320,7 @@
           <p:cNvPr id="28" name="Straight Arrow Connector 27">
             <a:extLst>
               <a:ext uri="{FF2B5EF4-FFF2-40B4-BE49-F238E27FC236}">
-                <a16:creationId xmlns:a16="http://schemas.microsoft.com/office/drawing/2014/main" xmlns="" id="{DC26780E-AE8A-434A-92AE-A53A3366E072}"/>
+                <a16:creationId xmlns="" xmlns:a16="http://schemas.microsoft.com/office/drawing/2014/main" id="{DC26780E-AE8A-434A-92AE-A53A3366E072}"/>
               </a:ext>
             </a:extLst>
           </p:cNvPr>
@@ -14352,7 +14364,7 @@
           <p:cNvPr id="29" name="Straight Arrow Connector 28">
             <a:extLst>
               <a:ext uri="{FF2B5EF4-FFF2-40B4-BE49-F238E27FC236}">
-                <a16:creationId xmlns:a16="http://schemas.microsoft.com/office/drawing/2014/main" xmlns="" id="{5DBB6854-A56D-4304-8BA9-6B1BB5798BA9}"/>
+                <a16:creationId xmlns="" xmlns:a16="http://schemas.microsoft.com/office/drawing/2014/main" id="{5DBB6854-A56D-4304-8BA9-6B1BB5798BA9}"/>
               </a:ext>
             </a:extLst>
           </p:cNvPr>
@@ -14396,7 +14408,7 @@
           <p:cNvPr id="31" name="Rectangle 30">
             <a:extLst>
               <a:ext uri="{FF2B5EF4-FFF2-40B4-BE49-F238E27FC236}">
-                <a16:creationId xmlns:a16="http://schemas.microsoft.com/office/drawing/2014/main" xmlns="" id="{A00FFC1F-0814-44AB-8DD1-0CA2CE0D4C62}"/>
+                <a16:creationId xmlns="" xmlns:a16="http://schemas.microsoft.com/office/drawing/2014/main" id="{A00FFC1F-0814-44AB-8DD1-0CA2CE0D4C62}"/>
               </a:ext>
             </a:extLst>
           </p:cNvPr>
@@ -14435,7 +14447,7 @@
           <p:cNvPr id="32" name="Rectangle 31">
             <a:extLst>
               <a:ext uri="{FF2B5EF4-FFF2-40B4-BE49-F238E27FC236}">
-                <a16:creationId xmlns:a16="http://schemas.microsoft.com/office/drawing/2014/main" xmlns="" id="{7502F639-65DC-43C5-B5B7-14A3CE75BD31}"/>
+                <a16:creationId xmlns="" xmlns:a16="http://schemas.microsoft.com/office/drawing/2014/main" id="{7502F639-65DC-43C5-B5B7-14A3CE75BD31}"/>
               </a:ext>
             </a:extLst>
           </p:cNvPr>
@@ -14474,7 +14486,7 @@
           <p:cNvPr id="33" name="Rectangle 32">
             <a:extLst>
               <a:ext uri="{FF2B5EF4-FFF2-40B4-BE49-F238E27FC236}">
-                <a16:creationId xmlns:a16="http://schemas.microsoft.com/office/drawing/2014/main" xmlns="" id="{D60413DC-E6A5-4350-85CF-A0401357D4C7}"/>
+                <a16:creationId xmlns="" xmlns:a16="http://schemas.microsoft.com/office/drawing/2014/main" id="{D60413DC-E6A5-4350-85CF-A0401357D4C7}"/>
               </a:ext>
             </a:extLst>
           </p:cNvPr>
@@ -14513,7 +14525,7 @@
           <p:cNvPr id="34" name="Rectangle 33">
             <a:extLst>
               <a:ext uri="{FF2B5EF4-FFF2-40B4-BE49-F238E27FC236}">
-                <a16:creationId xmlns:a16="http://schemas.microsoft.com/office/drawing/2014/main" xmlns="" id="{8D9C3571-5C6F-4F0D-B135-D159B43EC31B}"/>
+                <a16:creationId xmlns="" xmlns:a16="http://schemas.microsoft.com/office/drawing/2014/main" id="{8D9C3571-5C6F-4F0D-B135-D159B43EC31B}"/>
               </a:ext>
             </a:extLst>
           </p:cNvPr>
@@ -14552,7 +14564,7 @@
           <p:cNvPr id="35" name="Rectangle 34">
             <a:extLst>
               <a:ext uri="{FF2B5EF4-FFF2-40B4-BE49-F238E27FC236}">
-                <a16:creationId xmlns:a16="http://schemas.microsoft.com/office/drawing/2014/main" xmlns="" id="{47780916-6EA2-4BBE-9381-85E9D6A02D43}"/>
+                <a16:creationId xmlns="" xmlns:a16="http://schemas.microsoft.com/office/drawing/2014/main" id="{47780916-6EA2-4BBE-9381-85E9D6A02D43}"/>
               </a:ext>
             </a:extLst>
           </p:cNvPr>
@@ -14591,7 +14603,7 @@
           <p:cNvPr id="21" name="Straight Connector 20">
             <a:extLst>
               <a:ext uri="{FF2B5EF4-FFF2-40B4-BE49-F238E27FC236}">
-                <a16:creationId xmlns:a16="http://schemas.microsoft.com/office/drawing/2014/main" xmlns="" id="{8B319A35-05C8-42C2-BFE9-FA97F1DD88FB}"/>
+                <a16:creationId xmlns="" xmlns:a16="http://schemas.microsoft.com/office/drawing/2014/main" id="{8B319A35-05C8-42C2-BFE9-FA97F1DD88FB}"/>
               </a:ext>
             </a:extLst>
           </p:cNvPr>
@@ -14665,7 +14677,7 @@
           <p:cNvPr id="2" name="Title 1">
             <a:extLst>
               <a:ext uri="{FF2B5EF4-FFF2-40B4-BE49-F238E27FC236}">
-                <a16:creationId xmlns:a16="http://schemas.microsoft.com/office/drawing/2014/main" xmlns="" id="{BA3312A1-8E59-484F-BD16-94B414E04BDD}"/>
+                <a16:creationId xmlns="" xmlns:a16="http://schemas.microsoft.com/office/drawing/2014/main" id="{BA3312A1-8E59-484F-BD16-94B414E04BDD}"/>
               </a:ext>
             </a:extLst>
           </p:cNvPr>
@@ -14695,7 +14707,7 @@
               <p:cNvPr id="3" name="Content Placeholder 2">
                 <a:extLst>
                   <a:ext uri="{FF2B5EF4-FFF2-40B4-BE49-F238E27FC236}">
-                    <a16:creationId xmlns:a16="http://schemas.microsoft.com/office/drawing/2014/main" xmlns="" id="{9545EF81-A004-4775-9970-D0C57F5F554A}"/>
+                    <a16:creationId xmlns="" xmlns:a16="http://schemas.microsoft.com/office/drawing/2014/main" id="{9545EF81-A004-4775-9970-D0C57F5F554A}"/>
                   </a:ext>
                 </a:extLst>
               </p:cNvPr>
@@ -14951,7 +14963,7 @@
           <p:cNvPr id="8" name="Oval 7">
             <a:extLst>
               <a:ext uri="{FF2B5EF4-FFF2-40B4-BE49-F238E27FC236}">
-                <a16:creationId xmlns:a16="http://schemas.microsoft.com/office/drawing/2014/main" xmlns="" id="{A0E323B4-7633-44EF-9A70-CAE4A5AC4719}"/>
+                <a16:creationId xmlns="" xmlns:a16="http://schemas.microsoft.com/office/drawing/2014/main" id="{A0E323B4-7633-44EF-9A70-CAE4A5AC4719}"/>
               </a:ext>
             </a:extLst>
           </p:cNvPr>
@@ -15005,7 +15017,7 @@
           <p:cNvPr id="9" name="TextBox 8">
             <a:extLst>
               <a:ext uri="{FF2B5EF4-FFF2-40B4-BE49-F238E27FC236}">
-                <a16:creationId xmlns:a16="http://schemas.microsoft.com/office/drawing/2014/main" xmlns="" id="{8CED6B31-64AC-4EB2-B4DA-32F0223BC447}"/>
+                <a16:creationId xmlns="" xmlns:a16="http://schemas.microsoft.com/office/drawing/2014/main" id="{8CED6B31-64AC-4EB2-B4DA-32F0223BC447}"/>
               </a:ext>
             </a:extLst>
           </p:cNvPr>
@@ -15040,7 +15052,7 @@
           <p:cNvPr id="16" name="Straight Connector 15">
             <a:extLst>
               <a:ext uri="{FF2B5EF4-FFF2-40B4-BE49-F238E27FC236}">
-                <a16:creationId xmlns:a16="http://schemas.microsoft.com/office/drawing/2014/main" xmlns="" id="{3F915D57-EAC5-4BB3-9C26-2FCE94153F0E}"/>
+                <a16:creationId xmlns="" xmlns:a16="http://schemas.microsoft.com/office/drawing/2014/main" id="{3F915D57-EAC5-4BB3-9C26-2FCE94153F0E}"/>
               </a:ext>
             </a:extLst>
           </p:cNvPr>
@@ -15079,7 +15091,7 @@
           <p:cNvPr id="17" name="Straight Connector 16">
             <a:extLst>
               <a:ext uri="{FF2B5EF4-FFF2-40B4-BE49-F238E27FC236}">
-                <a16:creationId xmlns:a16="http://schemas.microsoft.com/office/drawing/2014/main" xmlns="" id="{A814CDD6-FC5C-42CD-B211-E736A0B14D60}"/>
+                <a16:creationId xmlns="" xmlns:a16="http://schemas.microsoft.com/office/drawing/2014/main" id="{A814CDD6-FC5C-42CD-B211-E736A0B14D60}"/>
               </a:ext>
             </a:extLst>
           </p:cNvPr>
@@ -15118,7 +15130,7 @@
           <p:cNvPr id="18" name="Freeform: Shape 17">
             <a:extLst>
               <a:ext uri="{FF2B5EF4-FFF2-40B4-BE49-F238E27FC236}">
-                <a16:creationId xmlns:a16="http://schemas.microsoft.com/office/drawing/2014/main" xmlns="" id="{31D373CA-687A-4A26-9B14-9DF33E68E7BE}"/>
+                <a16:creationId xmlns="" xmlns:a16="http://schemas.microsoft.com/office/drawing/2014/main" id="{31D373CA-687A-4A26-9B14-9DF33E68E7BE}"/>
               </a:ext>
             </a:extLst>
           </p:cNvPr>
@@ -15208,7 +15220,7 @@
           <p:cNvPr id="20" name="Rectangle 19">
             <a:extLst>
               <a:ext uri="{FF2B5EF4-FFF2-40B4-BE49-F238E27FC236}">
-                <a16:creationId xmlns:a16="http://schemas.microsoft.com/office/drawing/2014/main" xmlns="" id="{8E75C4F9-5753-41F7-B7CA-1E63EFC24E1B}"/>
+                <a16:creationId xmlns="" xmlns:a16="http://schemas.microsoft.com/office/drawing/2014/main" id="{8E75C4F9-5753-41F7-B7CA-1E63EFC24E1B}"/>
               </a:ext>
             </a:extLst>
           </p:cNvPr>
@@ -15250,7 +15262,7 @@
           <p:cNvPr id="22" name="Straight Arrow Connector 21">
             <a:extLst>
               <a:ext uri="{FF2B5EF4-FFF2-40B4-BE49-F238E27FC236}">
-                <a16:creationId xmlns:a16="http://schemas.microsoft.com/office/drawing/2014/main" xmlns="" id="{01C17A5C-94F9-4AD0-B831-20D1AB8E0FC7}"/>
+                <a16:creationId xmlns="" xmlns:a16="http://schemas.microsoft.com/office/drawing/2014/main" id="{01C17A5C-94F9-4AD0-B831-20D1AB8E0FC7}"/>
               </a:ext>
             </a:extLst>
           </p:cNvPr>
@@ -15294,7 +15306,7 @@
           <p:cNvPr id="26" name="Straight Arrow Connector 25">
             <a:extLst>
               <a:ext uri="{FF2B5EF4-FFF2-40B4-BE49-F238E27FC236}">
-                <a16:creationId xmlns:a16="http://schemas.microsoft.com/office/drawing/2014/main" xmlns="" id="{97D7C7DB-6763-45C7-AC1E-5BA7E987EA56}"/>
+                <a16:creationId xmlns="" xmlns:a16="http://schemas.microsoft.com/office/drawing/2014/main" id="{97D7C7DB-6763-45C7-AC1E-5BA7E987EA56}"/>
               </a:ext>
             </a:extLst>
           </p:cNvPr>
@@ -15338,7 +15350,7 @@
           <p:cNvPr id="27" name="Straight Arrow Connector 26">
             <a:extLst>
               <a:ext uri="{FF2B5EF4-FFF2-40B4-BE49-F238E27FC236}">
-                <a16:creationId xmlns:a16="http://schemas.microsoft.com/office/drawing/2014/main" xmlns="" id="{1F984B43-3E6C-49DE-AA72-016C0B118499}"/>
+                <a16:creationId xmlns="" xmlns:a16="http://schemas.microsoft.com/office/drawing/2014/main" id="{1F984B43-3E6C-49DE-AA72-016C0B118499}"/>
               </a:ext>
             </a:extLst>
           </p:cNvPr>
@@ -15382,7 +15394,7 @@
           <p:cNvPr id="28" name="Straight Arrow Connector 27">
             <a:extLst>
               <a:ext uri="{FF2B5EF4-FFF2-40B4-BE49-F238E27FC236}">
-                <a16:creationId xmlns:a16="http://schemas.microsoft.com/office/drawing/2014/main" xmlns="" id="{DC26780E-AE8A-434A-92AE-A53A3366E072}"/>
+                <a16:creationId xmlns="" xmlns:a16="http://schemas.microsoft.com/office/drawing/2014/main" id="{DC26780E-AE8A-434A-92AE-A53A3366E072}"/>
               </a:ext>
             </a:extLst>
           </p:cNvPr>
@@ -15426,7 +15438,7 @@
           <p:cNvPr id="29" name="Straight Arrow Connector 28">
             <a:extLst>
               <a:ext uri="{FF2B5EF4-FFF2-40B4-BE49-F238E27FC236}">
-                <a16:creationId xmlns:a16="http://schemas.microsoft.com/office/drawing/2014/main" xmlns="" id="{5DBB6854-A56D-4304-8BA9-6B1BB5798BA9}"/>
+                <a16:creationId xmlns="" xmlns:a16="http://schemas.microsoft.com/office/drawing/2014/main" id="{5DBB6854-A56D-4304-8BA9-6B1BB5798BA9}"/>
               </a:ext>
             </a:extLst>
           </p:cNvPr>
@@ -15470,7 +15482,7 @@
           <p:cNvPr id="31" name="Rectangle 30">
             <a:extLst>
               <a:ext uri="{FF2B5EF4-FFF2-40B4-BE49-F238E27FC236}">
-                <a16:creationId xmlns:a16="http://schemas.microsoft.com/office/drawing/2014/main" xmlns="" id="{A00FFC1F-0814-44AB-8DD1-0CA2CE0D4C62}"/>
+                <a16:creationId xmlns="" xmlns:a16="http://schemas.microsoft.com/office/drawing/2014/main" id="{A00FFC1F-0814-44AB-8DD1-0CA2CE0D4C62}"/>
               </a:ext>
             </a:extLst>
           </p:cNvPr>
@@ -15509,7 +15521,7 @@
           <p:cNvPr id="32" name="Rectangle 31">
             <a:extLst>
               <a:ext uri="{FF2B5EF4-FFF2-40B4-BE49-F238E27FC236}">
-                <a16:creationId xmlns:a16="http://schemas.microsoft.com/office/drawing/2014/main" xmlns="" id="{7502F639-65DC-43C5-B5B7-14A3CE75BD31}"/>
+                <a16:creationId xmlns="" xmlns:a16="http://schemas.microsoft.com/office/drawing/2014/main" id="{7502F639-65DC-43C5-B5B7-14A3CE75BD31}"/>
               </a:ext>
             </a:extLst>
           </p:cNvPr>
@@ -15548,7 +15560,7 @@
           <p:cNvPr id="33" name="Rectangle 32">
             <a:extLst>
               <a:ext uri="{FF2B5EF4-FFF2-40B4-BE49-F238E27FC236}">
-                <a16:creationId xmlns:a16="http://schemas.microsoft.com/office/drawing/2014/main" xmlns="" id="{D60413DC-E6A5-4350-85CF-A0401357D4C7}"/>
+                <a16:creationId xmlns="" xmlns:a16="http://schemas.microsoft.com/office/drawing/2014/main" id="{D60413DC-E6A5-4350-85CF-A0401357D4C7}"/>
               </a:ext>
             </a:extLst>
           </p:cNvPr>
@@ -15587,7 +15599,7 @@
           <p:cNvPr id="34" name="Rectangle 33">
             <a:extLst>
               <a:ext uri="{FF2B5EF4-FFF2-40B4-BE49-F238E27FC236}">
-                <a16:creationId xmlns:a16="http://schemas.microsoft.com/office/drawing/2014/main" xmlns="" id="{8D9C3571-5C6F-4F0D-B135-D159B43EC31B}"/>
+                <a16:creationId xmlns="" xmlns:a16="http://schemas.microsoft.com/office/drawing/2014/main" id="{8D9C3571-5C6F-4F0D-B135-D159B43EC31B}"/>
               </a:ext>
             </a:extLst>
           </p:cNvPr>
@@ -15626,7 +15638,7 @@
           <p:cNvPr id="35" name="Rectangle 34">
             <a:extLst>
               <a:ext uri="{FF2B5EF4-FFF2-40B4-BE49-F238E27FC236}">
-                <a16:creationId xmlns:a16="http://schemas.microsoft.com/office/drawing/2014/main" xmlns="" id="{47780916-6EA2-4BBE-9381-85E9D6A02D43}"/>
+                <a16:creationId xmlns="" xmlns:a16="http://schemas.microsoft.com/office/drawing/2014/main" id="{47780916-6EA2-4BBE-9381-85E9D6A02D43}"/>
               </a:ext>
             </a:extLst>
           </p:cNvPr>
@@ -15665,7 +15677,7 @@
           <p:cNvPr id="21" name="Straight Connector 20">
             <a:extLst>
               <a:ext uri="{FF2B5EF4-FFF2-40B4-BE49-F238E27FC236}">
-                <a16:creationId xmlns:a16="http://schemas.microsoft.com/office/drawing/2014/main" xmlns="" id="{07BAB0F2-BDEB-4C86-8EEF-686B63C760C7}"/>
+                <a16:creationId xmlns="" xmlns:a16="http://schemas.microsoft.com/office/drawing/2014/main" id="{07BAB0F2-BDEB-4C86-8EEF-686B63C760C7}"/>
               </a:ext>
             </a:extLst>
           </p:cNvPr>
@@ -15739,7 +15751,7 @@
           <p:cNvPr id="2" name="Title 1">
             <a:extLst>
               <a:ext uri="{FF2B5EF4-FFF2-40B4-BE49-F238E27FC236}">
-                <a16:creationId xmlns:a16="http://schemas.microsoft.com/office/drawing/2014/main" xmlns="" id="{BA3312A1-8E59-484F-BD16-94B414E04BDD}"/>
+                <a16:creationId xmlns="" xmlns:a16="http://schemas.microsoft.com/office/drawing/2014/main" id="{BA3312A1-8E59-484F-BD16-94B414E04BDD}"/>
               </a:ext>
             </a:extLst>
           </p:cNvPr>
@@ -15769,7 +15781,7 @@
               <p:cNvPr id="3" name="Content Placeholder 2">
                 <a:extLst>
                   <a:ext uri="{FF2B5EF4-FFF2-40B4-BE49-F238E27FC236}">
-                    <a16:creationId xmlns:a16="http://schemas.microsoft.com/office/drawing/2014/main" xmlns="" id="{9545EF81-A004-4775-9970-D0C57F5F554A}"/>
+                    <a16:creationId xmlns="" xmlns:a16="http://schemas.microsoft.com/office/drawing/2014/main" id="{9545EF81-A004-4775-9970-D0C57F5F554A}"/>
                   </a:ext>
                 </a:extLst>
               </p:cNvPr>
@@ -15970,7 +15982,7 @@
           <p:cNvPr id="8" name="Oval 7">
             <a:extLst>
               <a:ext uri="{FF2B5EF4-FFF2-40B4-BE49-F238E27FC236}">
-                <a16:creationId xmlns:a16="http://schemas.microsoft.com/office/drawing/2014/main" xmlns="" id="{A0E323B4-7633-44EF-9A70-CAE4A5AC4719}"/>
+                <a16:creationId xmlns="" xmlns:a16="http://schemas.microsoft.com/office/drawing/2014/main" id="{A0E323B4-7633-44EF-9A70-CAE4A5AC4719}"/>
               </a:ext>
             </a:extLst>
           </p:cNvPr>
@@ -16024,7 +16036,7 @@
           <p:cNvPr id="9" name="TextBox 8">
             <a:extLst>
               <a:ext uri="{FF2B5EF4-FFF2-40B4-BE49-F238E27FC236}">
-                <a16:creationId xmlns:a16="http://schemas.microsoft.com/office/drawing/2014/main" xmlns="" id="{8CED6B31-64AC-4EB2-B4DA-32F0223BC447}"/>
+                <a16:creationId xmlns="" xmlns:a16="http://schemas.microsoft.com/office/drawing/2014/main" id="{8CED6B31-64AC-4EB2-B4DA-32F0223BC447}"/>
               </a:ext>
             </a:extLst>
           </p:cNvPr>
@@ -16059,7 +16071,7 @@
           <p:cNvPr id="16" name="Straight Connector 15">
             <a:extLst>
               <a:ext uri="{FF2B5EF4-FFF2-40B4-BE49-F238E27FC236}">
-                <a16:creationId xmlns:a16="http://schemas.microsoft.com/office/drawing/2014/main" xmlns="" id="{3F915D57-EAC5-4BB3-9C26-2FCE94153F0E}"/>
+                <a16:creationId xmlns="" xmlns:a16="http://schemas.microsoft.com/office/drawing/2014/main" id="{3F915D57-EAC5-4BB3-9C26-2FCE94153F0E}"/>
               </a:ext>
             </a:extLst>
           </p:cNvPr>
@@ -16098,7 +16110,7 @@
           <p:cNvPr id="17" name="Straight Connector 16">
             <a:extLst>
               <a:ext uri="{FF2B5EF4-FFF2-40B4-BE49-F238E27FC236}">
-                <a16:creationId xmlns:a16="http://schemas.microsoft.com/office/drawing/2014/main" xmlns="" id="{A814CDD6-FC5C-42CD-B211-E736A0B14D60}"/>
+                <a16:creationId xmlns="" xmlns:a16="http://schemas.microsoft.com/office/drawing/2014/main" id="{A814CDD6-FC5C-42CD-B211-E736A0B14D60}"/>
               </a:ext>
             </a:extLst>
           </p:cNvPr>
@@ -16137,7 +16149,7 @@
           <p:cNvPr id="18" name="Freeform: Shape 17">
             <a:extLst>
               <a:ext uri="{FF2B5EF4-FFF2-40B4-BE49-F238E27FC236}">
-                <a16:creationId xmlns:a16="http://schemas.microsoft.com/office/drawing/2014/main" xmlns="" id="{31D373CA-687A-4A26-9B14-9DF33E68E7BE}"/>
+                <a16:creationId xmlns="" xmlns:a16="http://schemas.microsoft.com/office/drawing/2014/main" id="{31D373CA-687A-4A26-9B14-9DF33E68E7BE}"/>
               </a:ext>
             </a:extLst>
           </p:cNvPr>
@@ -16227,7 +16239,7 @@
           <p:cNvPr id="20" name="Rectangle 19">
             <a:extLst>
               <a:ext uri="{FF2B5EF4-FFF2-40B4-BE49-F238E27FC236}">
-                <a16:creationId xmlns:a16="http://schemas.microsoft.com/office/drawing/2014/main" xmlns="" id="{8E75C4F9-5753-41F7-B7CA-1E63EFC24E1B}"/>
+                <a16:creationId xmlns="" xmlns:a16="http://schemas.microsoft.com/office/drawing/2014/main" id="{8E75C4F9-5753-41F7-B7CA-1E63EFC24E1B}"/>
               </a:ext>
             </a:extLst>
           </p:cNvPr>
@@ -16269,7 +16281,7 @@
           <p:cNvPr id="22" name="Straight Arrow Connector 21">
             <a:extLst>
               <a:ext uri="{FF2B5EF4-FFF2-40B4-BE49-F238E27FC236}">
-                <a16:creationId xmlns:a16="http://schemas.microsoft.com/office/drawing/2014/main" xmlns="" id="{01C17A5C-94F9-4AD0-B831-20D1AB8E0FC7}"/>
+                <a16:creationId xmlns="" xmlns:a16="http://schemas.microsoft.com/office/drawing/2014/main" id="{01C17A5C-94F9-4AD0-B831-20D1AB8E0FC7}"/>
               </a:ext>
             </a:extLst>
           </p:cNvPr>
@@ -16313,7 +16325,7 @@
           <p:cNvPr id="26" name="Straight Arrow Connector 25">
             <a:extLst>
               <a:ext uri="{FF2B5EF4-FFF2-40B4-BE49-F238E27FC236}">
-                <a16:creationId xmlns:a16="http://schemas.microsoft.com/office/drawing/2014/main" xmlns="" id="{97D7C7DB-6763-45C7-AC1E-5BA7E987EA56}"/>
+                <a16:creationId xmlns="" xmlns:a16="http://schemas.microsoft.com/office/drawing/2014/main" id="{97D7C7DB-6763-45C7-AC1E-5BA7E987EA56}"/>
               </a:ext>
             </a:extLst>
           </p:cNvPr>
@@ -16357,7 +16369,7 @@
           <p:cNvPr id="27" name="Straight Arrow Connector 26">
             <a:extLst>
               <a:ext uri="{FF2B5EF4-FFF2-40B4-BE49-F238E27FC236}">
-                <a16:creationId xmlns:a16="http://schemas.microsoft.com/office/drawing/2014/main" xmlns="" id="{1F984B43-3E6C-49DE-AA72-016C0B118499}"/>
+                <a16:creationId xmlns="" xmlns:a16="http://schemas.microsoft.com/office/drawing/2014/main" id="{1F984B43-3E6C-49DE-AA72-016C0B118499}"/>
               </a:ext>
             </a:extLst>
           </p:cNvPr>
@@ -16401,7 +16413,7 @@
           <p:cNvPr id="28" name="Straight Arrow Connector 27">
             <a:extLst>
               <a:ext uri="{FF2B5EF4-FFF2-40B4-BE49-F238E27FC236}">
-                <a16:creationId xmlns:a16="http://schemas.microsoft.com/office/drawing/2014/main" xmlns="" id="{DC26780E-AE8A-434A-92AE-A53A3366E072}"/>
+                <a16:creationId xmlns="" xmlns:a16="http://schemas.microsoft.com/office/drawing/2014/main" id="{DC26780E-AE8A-434A-92AE-A53A3366E072}"/>
               </a:ext>
             </a:extLst>
           </p:cNvPr>
@@ -16445,7 +16457,7 @@
           <p:cNvPr id="29" name="Straight Arrow Connector 28">
             <a:extLst>
               <a:ext uri="{FF2B5EF4-FFF2-40B4-BE49-F238E27FC236}">
-                <a16:creationId xmlns:a16="http://schemas.microsoft.com/office/drawing/2014/main" xmlns="" id="{5DBB6854-A56D-4304-8BA9-6B1BB5798BA9}"/>
+                <a16:creationId xmlns="" xmlns:a16="http://schemas.microsoft.com/office/drawing/2014/main" id="{5DBB6854-A56D-4304-8BA9-6B1BB5798BA9}"/>
               </a:ext>
             </a:extLst>
           </p:cNvPr>
@@ -16489,7 +16501,7 @@
           <p:cNvPr id="31" name="Rectangle 30">
             <a:extLst>
               <a:ext uri="{FF2B5EF4-FFF2-40B4-BE49-F238E27FC236}">
-                <a16:creationId xmlns:a16="http://schemas.microsoft.com/office/drawing/2014/main" xmlns="" id="{A00FFC1F-0814-44AB-8DD1-0CA2CE0D4C62}"/>
+                <a16:creationId xmlns="" xmlns:a16="http://schemas.microsoft.com/office/drawing/2014/main" id="{A00FFC1F-0814-44AB-8DD1-0CA2CE0D4C62}"/>
               </a:ext>
             </a:extLst>
           </p:cNvPr>
@@ -16528,7 +16540,7 @@
           <p:cNvPr id="32" name="Rectangle 31">
             <a:extLst>
               <a:ext uri="{FF2B5EF4-FFF2-40B4-BE49-F238E27FC236}">
-                <a16:creationId xmlns:a16="http://schemas.microsoft.com/office/drawing/2014/main" xmlns="" id="{7502F639-65DC-43C5-B5B7-14A3CE75BD31}"/>
+                <a16:creationId xmlns="" xmlns:a16="http://schemas.microsoft.com/office/drawing/2014/main" id="{7502F639-65DC-43C5-B5B7-14A3CE75BD31}"/>
               </a:ext>
             </a:extLst>
           </p:cNvPr>
@@ -16567,7 +16579,7 @@
           <p:cNvPr id="33" name="Rectangle 32">
             <a:extLst>
               <a:ext uri="{FF2B5EF4-FFF2-40B4-BE49-F238E27FC236}">
-                <a16:creationId xmlns:a16="http://schemas.microsoft.com/office/drawing/2014/main" xmlns="" id="{D60413DC-E6A5-4350-85CF-A0401357D4C7}"/>
+                <a16:creationId xmlns="" xmlns:a16="http://schemas.microsoft.com/office/drawing/2014/main" id="{D60413DC-E6A5-4350-85CF-A0401357D4C7}"/>
               </a:ext>
             </a:extLst>
           </p:cNvPr>
@@ -16606,7 +16618,7 @@
           <p:cNvPr id="34" name="Rectangle 33">
             <a:extLst>
               <a:ext uri="{FF2B5EF4-FFF2-40B4-BE49-F238E27FC236}">
-                <a16:creationId xmlns:a16="http://schemas.microsoft.com/office/drawing/2014/main" xmlns="" id="{8D9C3571-5C6F-4F0D-B135-D159B43EC31B}"/>
+                <a16:creationId xmlns="" xmlns:a16="http://schemas.microsoft.com/office/drawing/2014/main" id="{8D9C3571-5C6F-4F0D-B135-D159B43EC31B}"/>
               </a:ext>
             </a:extLst>
           </p:cNvPr>
@@ -16645,7 +16657,7 @@
           <p:cNvPr id="35" name="Rectangle 34">
             <a:extLst>
               <a:ext uri="{FF2B5EF4-FFF2-40B4-BE49-F238E27FC236}">
-                <a16:creationId xmlns:a16="http://schemas.microsoft.com/office/drawing/2014/main" xmlns="" id="{47780916-6EA2-4BBE-9381-85E9D6A02D43}"/>
+                <a16:creationId xmlns="" xmlns:a16="http://schemas.microsoft.com/office/drawing/2014/main" id="{47780916-6EA2-4BBE-9381-85E9D6A02D43}"/>
               </a:ext>
             </a:extLst>
           </p:cNvPr>
@@ -16684,7 +16696,7 @@
           <p:cNvPr id="21" name="Straight Connector 20">
             <a:extLst>
               <a:ext uri="{FF2B5EF4-FFF2-40B4-BE49-F238E27FC236}">
-                <a16:creationId xmlns:a16="http://schemas.microsoft.com/office/drawing/2014/main" xmlns="" id="{0C5470E7-17BF-4BD0-98BA-D3A2D176AD92}"/>
+                <a16:creationId xmlns="" xmlns:a16="http://schemas.microsoft.com/office/drawing/2014/main" id="{0C5470E7-17BF-4BD0-98BA-D3A2D176AD92}"/>
               </a:ext>
             </a:extLst>
           </p:cNvPr>
@@ -16758,7 +16770,7 @@
           <p:cNvPr id="2" name="Title 1">
             <a:extLst>
               <a:ext uri="{FF2B5EF4-FFF2-40B4-BE49-F238E27FC236}">
-                <a16:creationId xmlns:a16="http://schemas.microsoft.com/office/drawing/2014/main" xmlns="" id="{BA3312A1-8E59-484F-BD16-94B414E04BDD}"/>
+                <a16:creationId xmlns="" xmlns:a16="http://schemas.microsoft.com/office/drawing/2014/main" id="{BA3312A1-8E59-484F-BD16-94B414E04BDD}"/>
               </a:ext>
             </a:extLst>
           </p:cNvPr>
@@ -16786,7 +16798,7 @@
           <p:cNvPr id="3" name="Content Placeholder 2">
             <a:extLst>
               <a:ext uri="{FF2B5EF4-FFF2-40B4-BE49-F238E27FC236}">
-                <a16:creationId xmlns:a16="http://schemas.microsoft.com/office/drawing/2014/main" xmlns="" id="{9545EF81-A004-4775-9970-D0C57F5F554A}"/>
+                <a16:creationId xmlns="" xmlns:a16="http://schemas.microsoft.com/office/drawing/2014/main" id="{9545EF81-A004-4775-9970-D0C57F5F554A}"/>
               </a:ext>
             </a:extLst>
           </p:cNvPr>
@@ -16852,7 +16864,7 @@
           <p:cNvPr id="8" name="Oval 7">
             <a:extLst>
               <a:ext uri="{FF2B5EF4-FFF2-40B4-BE49-F238E27FC236}">
-                <a16:creationId xmlns:a16="http://schemas.microsoft.com/office/drawing/2014/main" xmlns="" id="{A0E323B4-7633-44EF-9A70-CAE4A5AC4719}"/>
+                <a16:creationId xmlns="" xmlns:a16="http://schemas.microsoft.com/office/drawing/2014/main" id="{A0E323B4-7633-44EF-9A70-CAE4A5AC4719}"/>
               </a:ext>
             </a:extLst>
           </p:cNvPr>
@@ -16906,7 +16918,7 @@
           <p:cNvPr id="9" name="TextBox 8">
             <a:extLst>
               <a:ext uri="{FF2B5EF4-FFF2-40B4-BE49-F238E27FC236}">
-                <a16:creationId xmlns:a16="http://schemas.microsoft.com/office/drawing/2014/main" xmlns="" id="{8CED6B31-64AC-4EB2-B4DA-32F0223BC447}"/>
+                <a16:creationId xmlns="" xmlns:a16="http://schemas.microsoft.com/office/drawing/2014/main" id="{8CED6B31-64AC-4EB2-B4DA-32F0223BC447}"/>
               </a:ext>
             </a:extLst>
           </p:cNvPr>
@@ -16941,7 +16953,7 @@
           <p:cNvPr id="16" name="Straight Connector 15">
             <a:extLst>
               <a:ext uri="{FF2B5EF4-FFF2-40B4-BE49-F238E27FC236}">
-                <a16:creationId xmlns:a16="http://schemas.microsoft.com/office/drawing/2014/main" xmlns="" id="{3F915D57-EAC5-4BB3-9C26-2FCE94153F0E}"/>
+                <a16:creationId xmlns="" xmlns:a16="http://schemas.microsoft.com/office/drawing/2014/main" id="{3F915D57-EAC5-4BB3-9C26-2FCE94153F0E}"/>
               </a:ext>
             </a:extLst>
           </p:cNvPr>
@@ -16980,7 +16992,7 @@
           <p:cNvPr id="17" name="Straight Connector 16">
             <a:extLst>
               <a:ext uri="{FF2B5EF4-FFF2-40B4-BE49-F238E27FC236}">
-                <a16:creationId xmlns:a16="http://schemas.microsoft.com/office/drawing/2014/main" xmlns="" id="{A814CDD6-FC5C-42CD-B211-E736A0B14D60}"/>
+                <a16:creationId xmlns="" xmlns:a16="http://schemas.microsoft.com/office/drawing/2014/main" id="{A814CDD6-FC5C-42CD-B211-E736A0B14D60}"/>
               </a:ext>
             </a:extLst>
           </p:cNvPr>
@@ -17019,7 +17031,7 @@
           <p:cNvPr id="18" name="Freeform: Shape 17">
             <a:extLst>
               <a:ext uri="{FF2B5EF4-FFF2-40B4-BE49-F238E27FC236}">
-                <a16:creationId xmlns:a16="http://schemas.microsoft.com/office/drawing/2014/main" xmlns="" id="{31D373CA-687A-4A26-9B14-9DF33E68E7BE}"/>
+                <a16:creationId xmlns="" xmlns:a16="http://schemas.microsoft.com/office/drawing/2014/main" id="{31D373CA-687A-4A26-9B14-9DF33E68E7BE}"/>
               </a:ext>
             </a:extLst>
           </p:cNvPr>
@@ -17109,7 +17121,7 @@
           <p:cNvPr id="20" name="Rectangle 19">
             <a:extLst>
               <a:ext uri="{FF2B5EF4-FFF2-40B4-BE49-F238E27FC236}">
-                <a16:creationId xmlns:a16="http://schemas.microsoft.com/office/drawing/2014/main" xmlns="" id="{8E75C4F9-5753-41F7-B7CA-1E63EFC24E1B}"/>
+                <a16:creationId xmlns="" xmlns:a16="http://schemas.microsoft.com/office/drawing/2014/main" id="{8E75C4F9-5753-41F7-B7CA-1E63EFC24E1B}"/>
               </a:ext>
             </a:extLst>
           </p:cNvPr>
@@ -17151,7 +17163,7 @@
           <p:cNvPr id="22" name="Straight Arrow Connector 21">
             <a:extLst>
               <a:ext uri="{FF2B5EF4-FFF2-40B4-BE49-F238E27FC236}">
-                <a16:creationId xmlns:a16="http://schemas.microsoft.com/office/drawing/2014/main" xmlns="" id="{01C17A5C-94F9-4AD0-B831-20D1AB8E0FC7}"/>
+                <a16:creationId xmlns="" xmlns:a16="http://schemas.microsoft.com/office/drawing/2014/main" id="{01C17A5C-94F9-4AD0-B831-20D1AB8E0FC7}"/>
               </a:ext>
             </a:extLst>
           </p:cNvPr>
@@ -17195,7 +17207,7 @@
           <p:cNvPr id="26" name="Straight Arrow Connector 25">
             <a:extLst>
               <a:ext uri="{FF2B5EF4-FFF2-40B4-BE49-F238E27FC236}">
-                <a16:creationId xmlns:a16="http://schemas.microsoft.com/office/drawing/2014/main" xmlns="" id="{97D7C7DB-6763-45C7-AC1E-5BA7E987EA56}"/>
+                <a16:creationId xmlns="" xmlns:a16="http://schemas.microsoft.com/office/drawing/2014/main" id="{97D7C7DB-6763-45C7-AC1E-5BA7E987EA56}"/>
               </a:ext>
             </a:extLst>
           </p:cNvPr>
@@ -17239,7 +17251,7 @@
           <p:cNvPr id="27" name="Straight Arrow Connector 26">
             <a:extLst>
               <a:ext uri="{FF2B5EF4-FFF2-40B4-BE49-F238E27FC236}">
-                <a16:creationId xmlns:a16="http://schemas.microsoft.com/office/drawing/2014/main" xmlns="" id="{1F984B43-3E6C-49DE-AA72-016C0B118499}"/>
+                <a16:creationId xmlns="" xmlns:a16="http://schemas.microsoft.com/office/drawing/2014/main" id="{1F984B43-3E6C-49DE-AA72-016C0B118499}"/>
               </a:ext>
             </a:extLst>
           </p:cNvPr>
@@ -17283,7 +17295,7 @@
           <p:cNvPr id="28" name="Straight Arrow Connector 27">
             <a:extLst>
               <a:ext uri="{FF2B5EF4-FFF2-40B4-BE49-F238E27FC236}">
-                <a16:creationId xmlns:a16="http://schemas.microsoft.com/office/drawing/2014/main" xmlns="" id="{DC26780E-AE8A-434A-92AE-A53A3366E072}"/>
+                <a16:creationId xmlns="" xmlns:a16="http://schemas.microsoft.com/office/drawing/2014/main" id="{DC26780E-AE8A-434A-92AE-A53A3366E072}"/>
               </a:ext>
             </a:extLst>
           </p:cNvPr>
@@ -17327,7 +17339,7 @@
           <p:cNvPr id="29" name="Straight Arrow Connector 28">
             <a:extLst>
               <a:ext uri="{FF2B5EF4-FFF2-40B4-BE49-F238E27FC236}">
-                <a16:creationId xmlns:a16="http://schemas.microsoft.com/office/drawing/2014/main" xmlns="" id="{5DBB6854-A56D-4304-8BA9-6B1BB5798BA9}"/>
+                <a16:creationId xmlns="" xmlns:a16="http://schemas.microsoft.com/office/drawing/2014/main" id="{5DBB6854-A56D-4304-8BA9-6B1BB5798BA9}"/>
               </a:ext>
             </a:extLst>
           </p:cNvPr>
@@ -17371,7 +17383,7 @@
           <p:cNvPr id="31" name="Rectangle 30">
             <a:extLst>
               <a:ext uri="{FF2B5EF4-FFF2-40B4-BE49-F238E27FC236}">
-                <a16:creationId xmlns:a16="http://schemas.microsoft.com/office/drawing/2014/main" xmlns="" id="{A00FFC1F-0814-44AB-8DD1-0CA2CE0D4C62}"/>
+                <a16:creationId xmlns="" xmlns:a16="http://schemas.microsoft.com/office/drawing/2014/main" id="{A00FFC1F-0814-44AB-8DD1-0CA2CE0D4C62}"/>
               </a:ext>
             </a:extLst>
           </p:cNvPr>
@@ -17410,7 +17422,7 @@
           <p:cNvPr id="32" name="Rectangle 31">
             <a:extLst>
               <a:ext uri="{FF2B5EF4-FFF2-40B4-BE49-F238E27FC236}">
-                <a16:creationId xmlns:a16="http://schemas.microsoft.com/office/drawing/2014/main" xmlns="" id="{7502F639-65DC-43C5-B5B7-14A3CE75BD31}"/>
+                <a16:creationId xmlns="" xmlns:a16="http://schemas.microsoft.com/office/drawing/2014/main" id="{7502F639-65DC-43C5-B5B7-14A3CE75BD31}"/>
               </a:ext>
             </a:extLst>
           </p:cNvPr>
@@ -17449,7 +17461,7 @@
           <p:cNvPr id="33" name="Rectangle 32">
             <a:extLst>
               <a:ext uri="{FF2B5EF4-FFF2-40B4-BE49-F238E27FC236}">
-                <a16:creationId xmlns:a16="http://schemas.microsoft.com/office/drawing/2014/main" xmlns="" id="{D60413DC-E6A5-4350-85CF-A0401357D4C7}"/>
+                <a16:creationId xmlns="" xmlns:a16="http://schemas.microsoft.com/office/drawing/2014/main" id="{D60413DC-E6A5-4350-85CF-A0401357D4C7}"/>
               </a:ext>
             </a:extLst>
           </p:cNvPr>
@@ -17488,7 +17500,7 @@
           <p:cNvPr id="34" name="Rectangle 33">
             <a:extLst>
               <a:ext uri="{FF2B5EF4-FFF2-40B4-BE49-F238E27FC236}">
-                <a16:creationId xmlns:a16="http://schemas.microsoft.com/office/drawing/2014/main" xmlns="" id="{8D9C3571-5C6F-4F0D-B135-D159B43EC31B}"/>
+                <a16:creationId xmlns="" xmlns:a16="http://schemas.microsoft.com/office/drawing/2014/main" id="{8D9C3571-5C6F-4F0D-B135-D159B43EC31B}"/>
               </a:ext>
             </a:extLst>
           </p:cNvPr>
@@ -17527,7 +17539,7 @@
           <p:cNvPr id="35" name="Rectangle 34">
             <a:extLst>
               <a:ext uri="{FF2B5EF4-FFF2-40B4-BE49-F238E27FC236}">
-                <a16:creationId xmlns:a16="http://schemas.microsoft.com/office/drawing/2014/main" xmlns="" id="{47780916-6EA2-4BBE-9381-85E9D6A02D43}"/>
+                <a16:creationId xmlns="" xmlns:a16="http://schemas.microsoft.com/office/drawing/2014/main" id="{47780916-6EA2-4BBE-9381-85E9D6A02D43}"/>
               </a:ext>
             </a:extLst>
           </p:cNvPr>
@@ -17566,7 +17578,7 @@
           <p:cNvPr id="21" name="Straight Connector 20">
             <a:extLst>
               <a:ext uri="{FF2B5EF4-FFF2-40B4-BE49-F238E27FC236}">
-                <a16:creationId xmlns:a16="http://schemas.microsoft.com/office/drawing/2014/main" xmlns="" id="{C8717329-338F-48FB-BC11-E0E2B464CEF2}"/>
+                <a16:creationId xmlns="" xmlns:a16="http://schemas.microsoft.com/office/drawing/2014/main" id="{C8717329-338F-48FB-BC11-E0E2B464CEF2}"/>
               </a:ext>
             </a:extLst>
           </p:cNvPr>
@@ -17640,7 +17652,7 @@
           <p:cNvPr id="3" name="Content Placeholder 2">
             <a:extLst>
               <a:ext uri="{FF2B5EF4-FFF2-40B4-BE49-F238E27FC236}">
-                <a16:creationId xmlns:a16="http://schemas.microsoft.com/office/drawing/2014/main" xmlns="" id="{9545EF81-A004-4775-9970-D0C57F5F554A}"/>
+                <a16:creationId xmlns="" xmlns:a16="http://schemas.microsoft.com/office/drawing/2014/main" id="{9545EF81-A004-4775-9970-D0C57F5F554A}"/>
               </a:ext>
             </a:extLst>
           </p:cNvPr>
@@ -17798,7 +17810,7 @@
           <p:cNvPr id="21" name="Picture 20">
             <a:extLst>
               <a:ext uri="{FF2B5EF4-FFF2-40B4-BE49-F238E27FC236}">
-                <a16:creationId xmlns:a16="http://schemas.microsoft.com/office/drawing/2014/main" xmlns="" id="{42E109D0-C2B7-4364-A07D-0E6D6867E302}"/>
+                <a16:creationId xmlns="" xmlns:a16="http://schemas.microsoft.com/office/drawing/2014/main" id="{42E109D0-C2B7-4364-A07D-0E6D6867E302}"/>
               </a:ext>
             </a:extLst>
           </p:cNvPr>
@@ -17827,7 +17839,7 @@
           <p:cNvPr id="5" name="Straight Arrow Connector 4">
             <a:extLst>
               <a:ext uri="{FF2B5EF4-FFF2-40B4-BE49-F238E27FC236}">
-                <a16:creationId xmlns:a16="http://schemas.microsoft.com/office/drawing/2014/main" xmlns="" id="{9D5C6E77-3B14-4D55-BD41-AAF9673E26AD}"/>
+                <a16:creationId xmlns="" xmlns:a16="http://schemas.microsoft.com/office/drawing/2014/main" id="{9D5C6E77-3B14-4D55-BD41-AAF9673E26AD}"/>
               </a:ext>
             </a:extLst>
           </p:cNvPr>
@@ -17872,7 +17884,7 @@
           <p:cNvPr id="30" name="Straight Arrow Connector 29">
             <a:extLst>
               <a:ext uri="{FF2B5EF4-FFF2-40B4-BE49-F238E27FC236}">
-                <a16:creationId xmlns:a16="http://schemas.microsoft.com/office/drawing/2014/main" xmlns="" id="{BFDAEC2C-2123-40FB-8E32-4C1AB87D5DC8}"/>
+                <a16:creationId xmlns="" xmlns:a16="http://schemas.microsoft.com/office/drawing/2014/main" id="{BFDAEC2C-2123-40FB-8E32-4C1AB87D5DC8}"/>
               </a:ext>
             </a:extLst>
           </p:cNvPr>
@@ -17917,7 +17929,7 @@
           <p:cNvPr id="40" name="Title 1">
             <a:extLst>
               <a:ext uri="{FF2B5EF4-FFF2-40B4-BE49-F238E27FC236}">
-                <a16:creationId xmlns:a16="http://schemas.microsoft.com/office/drawing/2014/main" xmlns="" id="{7C0735AE-D5DF-40BE-B6C9-37DBC2125985}"/>
+                <a16:creationId xmlns="" xmlns:a16="http://schemas.microsoft.com/office/drawing/2014/main" id="{7C0735AE-D5DF-40BE-B6C9-37DBC2125985}"/>
               </a:ext>
             </a:extLst>
           </p:cNvPr>
@@ -17950,7 +17962,7 @@
           <p:cNvPr id="43" name="Right Brace 42">
             <a:extLst>
               <a:ext uri="{FF2B5EF4-FFF2-40B4-BE49-F238E27FC236}">
-                <a16:creationId xmlns:a16="http://schemas.microsoft.com/office/drawing/2014/main" xmlns="" id="{8DA99D98-7290-4011-9908-1AD5B81B7C89}"/>
+                <a16:creationId xmlns="" xmlns:a16="http://schemas.microsoft.com/office/drawing/2014/main" id="{8DA99D98-7290-4011-9908-1AD5B81B7C89}"/>
               </a:ext>
             </a:extLst>
           </p:cNvPr>
@@ -18032,7 +18044,7 @@
           <p:cNvPr id="2" name="Title 1">
             <a:extLst>
               <a:ext uri="{FF2B5EF4-FFF2-40B4-BE49-F238E27FC236}">
-                <a16:creationId xmlns:a16="http://schemas.microsoft.com/office/drawing/2014/main" xmlns="" id="{BA3312A1-8E59-484F-BD16-94B414E04BDD}"/>
+                <a16:creationId xmlns="" xmlns:a16="http://schemas.microsoft.com/office/drawing/2014/main" id="{BA3312A1-8E59-484F-BD16-94B414E04BDD}"/>
               </a:ext>
             </a:extLst>
           </p:cNvPr>
@@ -18062,7 +18074,7 @@
               <p:cNvPr id="3" name="Content Placeholder 2">
                 <a:extLst>
                   <a:ext uri="{FF2B5EF4-FFF2-40B4-BE49-F238E27FC236}">
-                    <a16:creationId xmlns:a16="http://schemas.microsoft.com/office/drawing/2014/main" xmlns="" id="{9545EF81-A004-4775-9970-D0C57F5F554A}"/>
+                    <a16:creationId xmlns="" xmlns:a16="http://schemas.microsoft.com/office/drawing/2014/main" id="{9545EF81-A004-4775-9970-D0C57F5F554A}"/>
                   </a:ext>
                 </a:extLst>
               </p:cNvPr>
@@ -18287,7 +18299,7 @@
           <p:cNvPr id="8" name="Oval 7">
             <a:extLst>
               <a:ext uri="{FF2B5EF4-FFF2-40B4-BE49-F238E27FC236}">
-                <a16:creationId xmlns:a16="http://schemas.microsoft.com/office/drawing/2014/main" xmlns="" id="{A0E323B4-7633-44EF-9A70-CAE4A5AC4719}"/>
+                <a16:creationId xmlns="" xmlns:a16="http://schemas.microsoft.com/office/drawing/2014/main" id="{A0E323B4-7633-44EF-9A70-CAE4A5AC4719}"/>
               </a:ext>
             </a:extLst>
           </p:cNvPr>
@@ -18341,7 +18353,7 @@
           <p:cNvPr id="9" name="TextBox 8">
             <a:extLst>
               <a:ext uri="{FF2B5EF4-FFF2-40B4-BE49-F238E27FC236}">
-                <a16:creationId xmlns:a16="http://schemas.microsoft.com/office/drawing/2014/main" xmlns="" id="{8CED6B31-64AC-4EB2-B4DA-32F0223BC447}"/>
+                <a16:creationId xmlns="" xmlns:a16="http://schemas.microsoft.com/office/drawing/2014/main" id="{8CED6B31-64AC-4EB2-B4DA-32F0223BC447}"/>
               </a:ext>
             </a:extLst>
           </p:cNvPr>
@@ -18376,7 +18388,7 @@
           <p:cNvPr id="16" name="Straight Connector 15">
             <a:extLst>
               <a:ext uri="{FF2B5EF4-FFF2-40B4-BE49-F238E27FC236}">
-                <a16:creationId xmlns:a16="http://schemas.microsoft.com/office/drawing/2014/main" xmlns="" id="{3F915D57-EAC5-4BB3-9C26-2FCE94153F0E}"/>
+                <a16:creationId xmlns="" xmlns:a16="http://schemas.microsoft.com/office/drawing/2014/main" id="{3F915D57-EAC5-4BB3-9C26-2FCE94153F0E}"/>
               </a:ext>
             </a:extLst>
           </p:cNvPr>
@@ -18415,7 +18427,7 @@
           <p:cNvPr id="17" name="Straight Connector 16">
             <a:extLst>
               <a:ext uri="{FF2B5EF4-FFF2-40B4-BE49-F238E27FC236}">
-                <a16:creationId xmlns:a16="http://schemas.microsoft.com/office/drawing/2014/main" xmlns="" id="{A814CDD6-FC5C-42CD-B211-E736A0B14D60}"/>
+                <a16:creationId xmlns="" xmlns:a16="http://schemas.microsoft.com/office/drawing/2014/main" id="{A814CDD6-FC5C-42CD-B211-E736A0B14D60}"/>
               </a:ext>
             </a:extLst>
           </p:cNvPr>
@@ -18454,7 +18466,7 @@
           <p:cNvPr id="18" name="Freeform: Shape 17">
             <a:extLst>
               <a:ext uri="{FF2B5EF4-FFF2-40B4-BE49-F238E27FC236}">
-                <a16:creationId xmlns:a16="http://schemas.microsoft.com/office/drawing/2014/main" xmlns="" id="{31D373CA-687A-4A26-9B14-9DF33E68E7BE}"/>
+                <a16:creationId xmlns="" xmlns:a16="http://schemas.microsoft.com/office/drawing/2014/main" id="{31D373CA-687A-4A26-9B14-9DF33E68E7BE}"/>
               </a:ext>
             </a:extLst>
           </p:cNvPr>
@@ -18544,7 +18556,7 @@
           <p:cNvPr id="20" name="Rectangle 19">
             <a:extLst>
               <a:ext uri="{FF2B5EF4-FFF2-40B4-BE49-F238E27FC236}">
-                <a16:creationId xmlns:a16="http://schemas.microsoft.com/office/drawing/2014/main" xmlns="" id="{8E75C4F9-5753-41F7-B7CA-1E63EFC24E1B}"/>
+                <a16:creationId xmlns="" xmlns:a16="http://schemas.microsoft.com/office/drawing/2014/main" id="{8E75C4F9-5753-41F7-B7CA-1E63EFC24E1B}"/>
               </a:ext>
             </a:extLst>
           </p:cNvPr>
@@ -18586,7 +18598,7 @@
           <p:cNvPr id="22" name="Straight Arrow Connector 21">
             <a:extLst>
               <a:ext uri="{FF2B5EF4-FFF2-40B4-BE49-F238E27FC236}">
-                <a16:creationId xmlns:a16="http://schemas.microsoft.com/office/drawing/2014/main" xmlns="" id="{01C17A5C-94F9-4AD0-B831-20D1AB8E0FC7}"/>
+                <a16:creationId xmlns="" xmlns:a16="http://schemas.microsoft.com/office/drawing/2014/main" id="{01C17A5C-94F9-4AD0-B831-20D1AB8E0FC7}"/>
               </a:ext>
             </a:extLst>
           </p:cNvPr>
@@ -18630,7 +18642,7 @@
           <p:cNvPr id="26" name="Straight Arrow Connector 25">
             <a:extLst>
               <a:ext uri="{FF2B5EF4-FFF2-40B4-BE49-F238E27FC236}">
-                <a16:creationId xmlns:a16="http://schemas.microsoft.com/office/drawing/2014/main" xmlns="" id="{97D7C7DB-6763-45C7-AC1E-5BA7E987EA56}"/>
+                <a16:creationId xmlns="" xmlns:a16="http://schemas.microsoft.com/office/drawing/2014/main" id="{97D7C7DB-6763-45C7-AC1E-5BA7E987EA56}"/>
               </a:ext>
             </a:extLst>
           </p:cNvPr>
@@ -18674,7 +18686,7 @@
           <p:cNvPr id="27" name="Straight Arrow Connector 26">
             <a:extLst>
               <a:ext uri="{FF2B5EF4-FFF2-40B4-BE49-F238E27FC236}">
-                <a16:creationId xmlns:a16="http://schemas.microsoft.com/office/drawing/2014/main" xmlns="" id="{1F984B43-3E6C-49DE-AA72-016C0B118499}"/>
+                <a16:creationId xmlns="" xmlns:a16="http://schemas.microsoft.com/office/drawing/2014/main" id="{1F984B43-3E6C-49DE-AA72-016C0B118499}"/>
               </a:ext>
             </a:extLst>
           </p:cNvPr>
@@ -18718,7 +18730,7 @@
           <p:cNvPr id="28" name="Straight Arrow Connector 27">
             <a:extLst>
               <a:ext uri="{FF2B5EF4-FFF2-40B4-BE49-F238E27FC236}">
-                <a16:creationId xmlns:a16="http://schemas.microsoft.com/office/drawing/2014/main" xmlns="" id="{DC26780E-AE8A-434A-92AE-A53A3366E072}"/>
+                <a16:creationId xmlns="" xmlns:a16="http://schemas.microsoft.com/office/drawing/2014/main" id="{DC26780E-AE8A-434A-92AE-A53A3366E072}"/>
               </a:ext>
             </a:extLst>
           </p:cNvPr>
@@ -18762,7 +18774,7 @@
           <p:cNvPr id="29" name="Straight Arrow Connector 28">
             <a:extLst>
               <a:ext uri="{FF2B5EF4-FFF2-40B4-BE49-F238E27FC236}">
-                <a16:creationId xmlns:a16="http://schemas.microsoft.com/office/drawing/2014/main" xmlns="" id="{5DBB6854-A56D-4304-8BA9-6B1BB5798BA9}"/>
+                <a16:creationId xmlns="" xmlns:a16="http://schemas.microsoft.com/office/drawing/2014/main" id="{5DBB6854-A56D-4304-8BA9-6B1BB5798BA9}"/>
               </a:ext>
             </a:extLst>
           </p:cNvPr>
@@ -18806,7 +18818,7 @@
           <p:cNvPr id="31" name="Rectangle 30">
             <a:extLst>
               <a:ext uri="{FF2B5EF4-FFF2-40B4-BE49-F238E27FC236}">
-                <a16:creationId xmlns:a16="http://schemas.microsoft.com/office/drawing/2014/main" xmlns="" id="{A00FFC1F-0814-44AB-8DD1-0CA2CE0D4C62}"/>
+                <a16:creationId xmlns="" xmlns:a16="http://schemas.microsoft.com/office/drawing/2014/main" id="{A00FFC1F-0814-44AB-8DD1-0CA2CE0D4C62}"/>
               </a:ext>
             </a:extLst>
           </p:cNvPr>
@@ -18845,7 +18857,7 @@
           <p:cNvPr id="32" name="Rectangle 31">
             <a:extLst>
               <a:ext uri="{FF2B5EF4-FFF2-40B4-BE49-F238E27FC236}">
-                <a16:creationId xmlns:a16="http://schemas.microsoft.com/office/drawing/2014/main" xmlns="" id="{7502F639-65DC-43C5-B5B7-14A3CE75BD31}"/>
+                <a16:creationId xmlns="" xmlns:a16="http://schemas.microsoft.com/office/drawing/2014/main" id="{7502F639-65DC-43C5-B5B7-14A3CE75BD31}"/>
               </a:ext>
             </a:extLst>
           </p:cNvPr>
@@ -18884,7 +18896,7 @@
           <p:cNvPr id="33" name="Rectangle 32">
             <a:extLst>
               <a:ext uri="{FF2B5EF4-FFF2-40B4-BE49-F238E27FC236}">
-                <a16:creationId xmlns:a16="http://schemas.microsoft.com/office/drawing/2014/main" xmlns="" id="{D60413DC-E6A5-4350-85CF-A0401357D4C7}"/>
+                <a16:creationId xmlns="" xmlns:a16="http://schemas.microsoft.com/office/drawing/2014/main" id="{D60413DC-E6A5-4350-85CF-A0401357D4C7}"/>
               </a:ext>
             </a:extLst>
           </p:cNvPr>
@@ -18923,7 +18935,7 @@
           <p:cNvPr id="34" name="Rectangle 33">
             <a:extLst>
               <a:ext uri="{FF2B5EF4-FFF2-40B4-BE49-F238E27FC236}">
-                <a16:creationId xmlns:a16="http://schemas.microsoft.com/office/drawing/2014/main" xmlns="" id="{8D9C3571-5C6F-4F0D-B135-D159B43EC31B}"/>
+                <a16:creationId xmlns="" xmlns:a16="http://schemas.microsoft.com/office/drawing/2014/main" id="{8D9C3571-5C6F-4F0D-B135-D159B43EC31B}"/>
               </a:ext>
             </a:extLst>
           </p:cNvPr>
@@ -18962,7 +18974,7 @@
           <p:cNvPr id="35" name="Rectangle 34">
             <a:extLst>
               <a:ext uri="{FF2B5EF4-FFF2-40B4-BE49-F238E27FC236}">
-                <a16:creationId xmlns:a16="http://schemas.microsoft.com/office/drawing/2014/main" xmlns="" id="{47780916-6EA2-4BBE-9381-85E9D6A02D43}"/>
+                <a16:creationId xmlns="" xmlns:a16="http://schemas.microsoft.com/office/drawing/2014/main" id="{47780916-6EA2-4BBE-9381-85E9D6A02D43}"/>
               </a:ext>
             </a:extLst>
           </p:cNvPr>
@@ -19001,7 +19013,7 @@
           <p:cNvPr id="21" name="Straight Connector 20">
             <a:extLst>
               <a:ext uri="{FF2B5EF4-FFF2-40B4-BE49-F238E27FC236}">
-                <a16:creationId xmlns:a16="http://schemas.microsoft.com/office/drawing/2014/main" xmlns="" id="{E20748DB-0F3B-4D33-B646-D93E4D0BAB9D}"/>
+                <a16:creationId xmlns="" xmlns:a16="http://schemas.microsoft.com/office/drawing/2014/main" id="{E20748DB-0F3B-4D33-B646-D93E4D0BAB9D}"/>
               </a:ext>
             </a:extLst>
           </p:cNvPr>
@@ -19075,7 +19087,7 @@
           <p:cNvPr id="2" name="Title 1">
             <a:extLst>
               <a:ext uri="{FF2B5EF4-FFF2-40B4-BE49-F238E27FC236}">
-                <a16:creationId xmlns:a16="http://schemas.microsoft.com/office/drawing/2014/main" xmlns="" id="{BA3312A1-8E59-484F-BD16-94B414E04BDD}"/>
+                <a16:creationId xmlns="" xmlns:a16="http://schemas.microsoft.com/office/drawing/2014/main" id="{BA3312A1-8E59-484F-BD16-94B414E04BDD}"/>
               </a:ext>
             </a:extLst>
           </p:cNvPr>
@@ -19103,7 +19115,7 @@
           <p:cNvPr id="3" name="Content Placeholder 2">
             <a:extLst>
               <a:ext uri="{FF2B5EF4-FFF2-40B4-BE49-F238E27FC236}">
-                <a16:creationId xmlns:a16="http://schemas.microsoft.com/office/drawing/2014/main" xmlns="" id="{9545EF81-A004-4775-9970-D0C57F5F554A}"/>
+                <a16:creationId xmlns="" xmlns:a16="http://schemas.microsoft.com/office/drawing/2014/main" id="{9545EF81-A004-4775-9970-D0C57F5F554A}"/>
               </a:ext>
             </a:extLst>
           </p:cNvPr>
@@ -19180,7 +19192,7 @@
           <p:cNvPr id="8" name="Oval 7">
             <a:extLst>
               <a:ext uri="{FF2B5EF4-FFF2-40B4-BE49-F238E27FC236}">
-                <a16:creationId xmlns:a16="http://schemas.microsoft.com/office/drawing/2014/main" xmlns="" id="{A0E323B4-7633-44EF-9A70-CAE4A5AC4719}"/>
+                <a16:creationId xmlns="" xmlns:a16="http://schemas.microsoft.com/office/drawing/2014/main" id="{A0E323B4-7633-44EF-9A70-CAE4A5AC4719}"/>
               </a:ext>
             </a:extLst>
           </p:cNvPr>
@@ -19234,7 +19246,7 @@
           <p:cNvPr id="9" name="TextBox 8">
             <a:extLst>
               <a:ext uri="{FF2B5EF4-FFF2-40B4-BE49-F238E27FC236}">
-                <a16:creationId xmlns:a16="http://schemas.microsoft.com/office/drawing/2014/main" xmlns="" id="{8CED6B31-64AC-4EB2-B4DA-32F0223BC447}"/>
+                <a16:creationId xmlns="" xmlns:a16="http://schemas.microsoft.com/office/drawing/2014/main" id="{8CED6B31-64AC-4EB2-B4DA-32F0223BC447}"/>
               </a:ext>
             </a:extLst>
           </p:cNvPr>
@@ -19269,7 +19281,7 @@
           <p:cNvPr id="16" name="Straight Connector 15">
             <a:extLst>
               <a:ext uri="{FF2B5EF4-FFF2-40B4-BE49-F238E27FC236}">
-                <a16:creationId xmlns:a16="http://schemas.microsoft.com/office/drawing/2014/main" xmlns="" id="{3F915D57-EAC5-4BB3-9C26-2FCE94153F0E}"/>
+                <a16:creationId xmlns="" xmlns:a16="http://schemas.microsoft.com/office/drawing/2014/main" id="{3F915D57-EAC5-4BB3-9C26-2FCE94153F0E}"/>
               </a:ext>
             </a:extLst>
           </p:cNvPr>
@@ -19308,7 +19320,7 @@
           <p:cNvPr id="17" name="Straight Connector 16">
             <a:extLst>
               <a:ext uri="{FF2B5EF4-FFF2-40B4-BE49-F238E27FC236}">
-                <a16:creationId xmlns:a16="http://schemas.microsoft.com/office/drawing/2014/main" xmlns="" id="{A814CDD6-FC5C-42CD-B211-E736A0B14D60}"/>
+                <a16:creationId xmlns="" xmlns:a16="http://schemas.microsoft.com/office/drawing/2014/main" id="{A814CDD6-FC5C-42CD-B211-E736A0B14D60}"/>
               </a:ext>
             </a:extLst>
           </p:cNvPr>
@@ -19347,7 +19359,7 @@
           <p:cNvPr id="18" name="Freeform: Shape 17">
             <a:extLst>
               <a:ext uri="{FF2B5EF4-FFF2-40B4-BE49-F238E27FC236}">
-                <a16:creationId xmlns:a16="http://schemas.microsoft.com/office/drawing/2014/main" xmlns="" id="{31D373CA-687A-4A26-9B14-9DF33E68E7BE}"/>
+                <a16:creationId xmlns="" xmlns:a16="http://schemas.microsoft.com/office/drawing/2014/main" id="{31D373CA-687A-4A26-9B14-9DF33E68E7BE}"/>
               </a:ext>
             </a:extLst>
           </p:cNvPr>
@@ -19437,7 +19449,7 @@
           <p:cNvPr id="20" name="Rectangle 19">
             <a:extLst>
               <a:ext uri="{FF2B5EF4-FFF2-40B4-BE49-F238E27FC236}">
-                <a16:creationId xmlns:a16="http://schemas.microsoft.com/office/drawing/2014/main" xmlns="" id="{8E75C4F9-5753-41F7-B7CA-1E63EFC24E1B}"/>
+                <a16:creationId xmlns="" xmlns:a16="http://schemas.microsoft.com/office/drawing/2014/main" id="{8E75C4F9-5753-41F7-B7CA-1E63EFC24E1B}"/>
               </a:ext>
             </a:extLst>
           </p:cNvPr>
@@ -19479,7 +19491,7 @@
           <p:cNvPr id="22" name="Straight Arrow Connector 21">
             <a:extLst>
               <a:ext uri="{FF2B5EF4-FFF2-40B4-BE49-F238E27FC236}">
-                <a16:creationId xmlns:a16="http://schemas.microsoft.com/office/drawing/2014/main" xmlns="" id="{01C17A5C-94F9-4AD0-B831-20D1AB8E0FC7}"/>
+                <a16:creationId xmlns="" xmlns:a16="http://schemas.microsoft.com/office/drawing/2014/main" id="{01C17A5C-94F9-4AD0-B831-20D1AB8E0FC7}"/>
               </a:ext>
             </a:extLst>
           </p:cNvPr>
@@ -19523,7 +19535,7 @@
           <p:cNvPr id="26" name="Straight Arrow Connector 25">
             <a:extLst>
               <a:ext uri="{FF2B5EF4-FFF2-40B4-BE49-F238E27FC236}">
-                <a16:creationId xmlns:a16="http://schemas.microsoft.com/office/drawing/2014/main" xmlns="" id="{97D7C7DB-6763-45C7-AC1E-5BA7E987EA56}"/>
+                <a16:creationId xmlns="" xmlns:a16="http://schemas.microsoft.com/office/drawing/2014/main" id="{97D7C7DB-6763-45C7-AC1E-5BA7E987EA56}"/>
               </a:ext>
             </a:extLst>
           </p:cNvPr>
@@ -19567,7 +19579,7 @@
           <p:cNvPr id="27" name="Straight Arrow Connector 26">
             <a:extLst>
               <a:ext uri="{FF2B5EF4-FFF2-40B4-BE49-F238E27FC236}">
-                <a16:creationId xmlns:a16="http://schemas.microsoft.com/office/drawing/2014/main" xmlns="" id="{1F984B43-3E6C-49DE-AA72-016C0B118499}"/>
+                <a16:creationId xmlns="" xmlns:a16="http://schemas.microsoft.com/office/drawing/2014/main" id="{1F984B43-3E6C-49DE-AA72-016C0B118499}"/>
               </a:ext>
             </a:extLst>
           </p:cNvPr>
@@ -19611,7 +19623,7 @@
           <p:cNvPr id="28" name="Straight Arrow Connector 27">
             <a:extLst>
               <a:ext uri="{FF2B5EF4-FFF2-40B4-BE49-F238E27FC236}">
-                <a16:creationId xmlns:a16="http://schemas.microsoft.com/office/drawing/2014/main" xmlns="" id="{DC26780E-AE8A-434A-92AE-A53A3366E072}"/>
+                <a16:creationId xmlns="" xmlns:a16="http://schemas.microsoft.com/office/drawing/2014/main" id="{DC26780E-AE8A-434A-92AE-A53A3366E072}"/>
               </a:ext>
             </a:extLst>
           </p:cNvPr>
@@ -19655,7 +19667,7 @@
           <p:cNvPr id="29" name="Straight Arrow Connector 28">
             <a:extLst>
               <a:ext uri="{FF2B5EF4-FFF2-40B4-BE49-F238E27FC236}">
-                <a16:creationId xmlns:a16="http://schemas.microsoft.com/office/drawing/2014/main" xmlns="" id="{5DBB6854-A56D-4304-8BA9-6B1BB5798BA9}"/>
+                <a16:creationId xmlns="" xmlns:a16="http://schemas.microsoft.com/office/drawing/2014/main" id="{5DBB6854-A56D-4304-8BA9-6B1BB5798BA9}"/>
               </a:ext>
             </a:extLst>
           </p:cNvPr>
@@ -19699,7 +19711,7 @@
           <p:cNvPr id="31" name="Rectangle 30">
             <a:extLst>
               <a:ext uri="{FF2B5EF4-FFF2-40B4-BE49-F238E27FC236}">
-                <a16:creationId xmlns:a16="http://schemas.microsoft.com/office/drawing/2014/main" xmlns="" id="{A00FFC1F-0814-44AB-8DD1-0CA2CE0D4C62}"/>
+                <a16:creationId xmlns="" xmlns:a16="http://schemas.microsoft.com/office/drawing/2014/main" id="{A00FFC1F-0814-44AB-8DD1-0CA2CE0D4C62}"/>
               </a:ext>
             </a:extLst>
           </p:cNvPr>
@@ -19738,7 +19750,7 @@
           <p:cNvPr id="32" name="Rectangle 31">
             <a:extLst>
               <a:ext uri="{FF2B5EF4-FFF2-40B4-BE49-F238E27FC236}">
-                <a16:creationId xmlns:a16="http://schemas.microsoft.com/office/drawing/2014/main" xmlns="" id="{7502F639-65DC-43C5-B5B7-14A3CE75BD31}"/>
+                <a16:creationId xmlns="" xmlns:a16="http://schemas.microsoft.com/office/drawing/2014/main" id="{7502F639-65DC-43C5-B5B7-14A3CE75BD31}"/>
               </a:ext>
             </a:extLst>
           </p:cNvPr>
@@ -19777,7 +19789,7 @@
           <p:cNvPr id="33" name="Rectangle 32">
             <a:extLst>
               <a:ext uri="{FF2B5EF4-FFF2-40B4-BE49-F238E27FC236}">
-                <a16:creationId xmlns:a16="http://schemas.microsoft.com/office/drawing/2014/main" xmlns="" id="{D60413DC-E6A5-4350-85CF-A0401357D4C7}"/>
+                <a16:creationId xmlns="" xmlns:a16="http://schemas.microsoft.com/office/drawing/2014/main" id="{D60413DC-E6A5-4350-85CF-A0401357D4C7}"/>
               </a:ext>
             </a:extLst>
           </p:cNvPr>
@@ -19816,7 +19828,7 @@
           <p:cNvPr id="34" name="Rectangle 33">
             <a:extLst>
               <a:ext uri="{FF2B5EF4-FFF2-40B4-BE49-F238E27FC236}">
-                <a16:creationId xmlns:a16="http://schemas.microsoft.com/office/drawing/2014/main" xmlns="" id="{8D9C3571-5C6F-4F0D-B135-D159B43EC31B}"/>
+                <a16:creationId xmlns="" xmlns:a16="http://schemas.microsoft.com/office/drawing/2014/main" id="{8D9C3571-5C6F-4F0D-B135-D159B43EC31B}"/>
               </a:ext>
             </a:extLst>
           </p:cNvPr>
@@ -19855,7 +19867,7 @@
           <p:cNvPr id="35" name="Rectangle 34">
             <a:extLst>
               <a:ext uri="{FF2B5EF4-FFF2-40B4-BE49-F238E27FC236}">
-                <a16:creationId xmlns:a16="http://schemas.microsoft.com/office/drawing/2014/main" xmlns="" id="{47780916-6EA2-4BBE-9381-85E9D6A02D43}"/>
+                <a16:creationId xmlns="" xmlns:a16="http://schemas.microsoft.com/office/drawing/2014/main" id="{47780916-6EA2-4BBE-9381-85E9D6A02D43}"/>
               </a:ext>
             </a:extLst>
           </p:cNvPr>
@@ -19894,7 +19906,7 @@
           <p:cNvPr id="21" name="Straight Connector 20">
             <a:extLst>
               <a:ext uri="{FF2B5EF4-FFF2-40B4-BE49-F238E27FC236}">
-                <a16:creationId xmlns:a16="http://schemas.microsoft.com/office/drawing/2014/main" xmlns="" id="{9253FE2F-0B03-4CB4-92F8-DA8BFA62833C}"/>
+                <a16:creationId xmlns="" xmlns:a16="http://schemas.microsoft.com/office/drawing/2014/main" id="{9253FE2F-0B03-4CB4-92F8-DA8BFA62833C}"/>
               </a:ext>
             </a:extLst>
           </p:cNvPr>
@@ -19968,7 +19980,7 @@
           <p:cNvPr id="2" name="Title 1">
             <a:extLst>
               <a:ext uri="{FF2B5EF4-FFF2-40B4-BE49-F238E27FC236}">
-                <a16:creationId xmlns:a16="http://schemas.microsoft.com/office/drawing/2014/main" xmlns="" id="{BA3312A1-8E59-484F-BD16-94B414E04BDD}"/>
+                <a16:creationId xmlns="" xmlns:a16="http://schemas.microsoft.com/office/drawing/2014/main" id="{BA3312A1-8E59-484F-BD16-94B414E04BDD}"/>
               </a:ext>
             </a:extLst>
           </p:cNvPr>
@@ -19998,7 +20010,7 @@
               <p:cNvPr id="3" name="Content Placeholder 2">
                 <a:extLst>
                   <a:ext uri="{FF2B5EF4-FFF2-40B4-BE49-F238E27FC236}">
-                    <a16:creationId xmlns:a16="http://schemas.microsoft.com/office/drawing/2014/main" xmlns="" id="{9545EF81-A004-4775-9970-D0C57F5F554A}"/>
+                    <a16:creationId xmlns="" xmlns:a16="http://schemas.microsoft.com/office/drawing/2014/main" id="{9545EF81-A004-4775-9970-D0C57F5F554A}"/>
                   </a:ext>
                 </a:extLst>
               </p:cNvPr>
@@ -20286,7 +20298,7 @@
           <p:cNvPr id="8" name="Oval 7">
             <a:extLst>
               <a:ext uri="{FF2B5EF4-FFF2-40B4-BE49-F238E27FC236}">
-                <a16:creationId xmlns:a16="http://schemas.microsoft.com/office/drawing/2014/main" xmlns="" id="{A0E323B4-7633-44EF-9A70-CAE4A5AC4719}"/>
+                <a16:creationId xmlns="" xmlns:a16="http://schemas.microsoft.com/office/drawing/2014/main" id="{A0E323B4-7633-44EF-9A70-CAE4A5AC4719}"/>
               </a:ext>
             </a:extLst>
           </p:cNvPr>
@@ -20340,7 +20352,7 @@
           <p:cNvPr id="9" name="TextBox 8">
             <a:extLst>
               <a:ext uri="{FF2B5EF4-FFF2-40B4-BE49-F238E27FC236}">
-                <a16:creationId xmlns:a16="http://schemas.microsoft.com/office/drawing/2014/main" xmlns="" id="{8CED6B31-64AC-4EB2-B4DA-32F0223BC447}"/>
+                <a16:creationId xmlns="" xmlns:a16="http://schemas.microsoft.com/office/drawing/2014/main" id="{8CED6B31-64AC-4EB2-B4DA-32F0223BC447}"/>
               </a:ext>
             </a:extLst>
           </p:cNvPr>
@@ -20375,7 +20387,7 @@
           <p:cNvPr id="16" name="Straight Connector 15">
             <a:extLst>
               <a:ext uri="{FF2B5EF4-FFF2-40B4-BE49-F238E27FC236}">
-                <a16:creationId xmlns:a16="http://schemas.microsoft.com/office/drawing/2014/main" xmlns="" id="{3F915D57-EAC5-4BB3-9C26-2FCE94153F0E}"/>
+                <a16:creationId xmlns="" xmlns:a16="http://schemas.microsoft.com/office/drawing/2014/main" id="{3F915D57-EAC5-4BB3-9C26-2FCE94153F0E}"/>
               </a:ext>
             </a:extLst>
           </p:cNvPr>
@@ -20414,7 +20426,7 @@
           <p:cNvPr id="17" name="Straight Connector 16">
             <a:extLst>
               <a:ext uri="{FF2B5EF4-FFF2-40B4-BE49-F238E27FC236}">
-                <a16:creationId xmlns:a16="http://schemas.microsoft.com/office/drawing/2014/main" xmlns="" id="{A814CDD6-FC5C-42CD-B211-E736A0B14D60}"/>
+                <a16:creationId xmlns="" xmlns:a16="http://schemas.microsoft.com/office/drawing/2014/main" id="{A814CDD6-FC5C-42CD-B211-E736A0B14D60}"/>
               </a:ext>
             </a:extLst>
           </p:cNvPr>
@@ -20453,7 +20465,7 @@
           <p:cNvPr id="18" name="Freeform: Shape 17">
             <a:extLst>
               <a:ext uri="{FF2B5EF4-FFF2-40B4-BE49-F238E27FC236}">
-                <a16:creationId xmlns:a16="http://schemas.microsoft.com/office/drawing/2014/main" xmlns="" id="{31D373CA-687A-4A26-9B14-9DF33E68E7BE}"/>
+                <a16:creationId xmlns="" xmlns:a16="http://schemas.microsoft.com/office/drawing/2014/main" id="{31D373CA-687A-4A26-9B14-9DF33E68E7BE}"/>
               </a:ext>
             </a:extLst>
           </p:cNvPr>
@@ -20543,7 +20555,7 @@
           <p:cNvPr id="20" name="Rectangle 19">
             <a:extLst>
               <a:ext uri="{FF2B5EF4-FFF2-40B4-BE49-F238E27FC236}">
-                <a16:creationId xmlns:a16="http://schemas.microsoft.com/office/drawing/2014/main" xmlns="" id="{8E75C4F9-5753-41F7-B7CA-1E63EFC24E1B}"/>
+                <a16:creationId xmlns="" xmlns:a16="http://schemas.microsoft.com/office/drawing/2014/main" id="{8E75C4F9-5753-41F7-B7CA-1E63EFC24E1B}"/>
               </a:ext>
             </a:extLst>
           </p:cNvPr>
@@ -20585,7 +20597,7 @@
           <p:cNvPr id="22" name="Straight Arrow Connector 21">
             <a:extLst>
               <a:ext uri="{FF2B5EF4-FFF2-40B4-BE49-F238E27FC236}">
-                <a16:creationId xmlns:a16="http://schemas.microsoft.com/office/drawing/2014/main" xmlns="" id="{01C17A5C-94F9-4AD0-B831-20D1AB8E0FC7}"/>
+                <a16:creationId xmlns="" xmlns:a16="http://schemas.microsoft.com/office/drawing/2014/main" id="{01C17A5C-94F9-4AD0-B831-20D1AB8E0FC7}"/>
               </a:ext>
             </a:extLst>
           </p:cNvPr>
@@ -20629,7 +20641,7 @@
           <p:cNvPr id="26" name="Straight Arrow Connector 25">
             <a:extLst>
               <a:ext uri="{FF2B5EF4-FFF2-40B4-BE49-F238E27FC236}">
-                <a16:creationId xmlns:a16="http://schemas.microsoft.com/office/drawing/2014/main" xmlns="" id="{97D7C7DB-6763-45C7-AC1E-5BA7E987EA56}"/>
+                <a16:creationId xmlns="" xmlns:a16="http://schemas.microsoft.com/office/drawing/2014/main" id="{97D7C7DB-6763-45C7-AC1E-5BA7E987EA56}"/>
               </a:ext>
             </a:extLst>
           </p:cNvPr>
@@ -20673,7 +20685,7 @@
           <p:cNvPr id="27" name="Straight Arrow Connector 26">
             <a:extLst>
               <a:ext uri="{FF2B5EF4-FFF2-40B4-BE49-F238E27FC236}">
-                <a16:creationId xmlns:a16="http://schemas.microsoft.com/office/drawing/2014/main" xmlns="" id="{1F984B43-3E6C-49DE-AA72-016C0B118499}"/>
+                <a16:creationId xmlns="" xmlns:a16="http://schemas.microsoft.com/office/drawing/2014/main" id="{1F984B43-3E6C-49DE-AA72-016C0B118499}"/>
               </a:ext>
             </a:extLst>
           </p:cNvPr>
@@ -20717,7 +20729,7 @@
           <p:cNvPr id="28" name="Straight Arrow Connector 27">
             <a:extLst>
               <a:ext uri="{FF2B5EF4-FFF2-40B4-BE49-F238E27FC236}">
-                <a16:creationId xmlns:a16="http://schemas.microsoft.com/office/drawing/2014/main" xmlns="" id="{DC26780E-AE8A-434A-92AE-A53A3366E072}"/>
+                <a16:creationId xmlns="" xmlns:a16="http://schemas.microsoft.com/office/drawing/2014/main" id="{DC26780E-AE8A-434A-92AE-A53A3366E072}"/>
               </a:ext>
             </a:extLst>
           </p:cNvPr>
@@ -20761,7 +20773,7 @@
           <p:cNvPr id="29" name="Straight Arrow Connector 28">
             <a:extLst>
               <a:ext uri="{FF2B5EF4-FFF2-40B4-BE49-F238E27FC236}">
-                <a16:creationId xmlns:a16="http://schemas.microsoft.com/office/drawing/2014/main" xmlns="" id="{5DBB6854-A56D-4304-8BA9-6B1BB5798BA9}"/>
+                <a16:creationId xmlns="" xmlns:a16="http://schemas.microsoft.com/office/drawing/2014/main" id="{5DBB6854-A56D-4304-8BA9-6B1BB5798BA9}"/>
               </a:ext>
             </a:extLst>
           </p:cNvPr>
@@ -20805,7 +20817,7 @@
           <p:cNvPr id="31" name="Rectangle 30">
             <a:extLst>
               <a:ext uri="{FF2B5EF4-FFF2-40B4-BE49-F238E27FC236}">
-                <a16:creationId xmlns:a16="http://schemas.microsoft.com/office/drawing/2014/main" xmlns="" id="{A00FFC1F-0814-44AB-8DD1-0CA2CE0D4C62}"/>
+                <a16:creationId xmlns="" xmlns:a16="http://schemas.microsoft.com/office/drawing/2014/main" id="{A00FFC1F-0814-44AB-8DD1-0CA2CE0D4C62}"/>
               </a:ext>
             </a:extLst>
           </p:cNvPr>
@@ -20844,7 +20856,7 @@
           <p:cNvPr id="32" name="Rectangle 31">
             <a:extLst>
               <a:ext uri="{FF2B5EF4-FFF2-40B4-BE49-F238E27FC236}">
-                <a16:creationId xmlns:a16="http://schemas.microsoft.com/office/drawing/2014/main" xmlns="" id="{7502F639-65DC-43C5-B5B7-14A3CE75BD31}"/>
+                <a16:creationId xmlns="" xmlns:a16="http://schemas.microsoft.com/office/drawing/2014/main" id="{7502F639-65DC-43C5-B5B7-14A3CE75BD31}"/>
               </a:ext>
             </a:extLst>
           </p:cNvPr>
@@ -20883,7 +20895,7 @@
           <p:cNvPr id="33" name="Rectangle 32">
             <a:extLst>
               <a:ext uri="{FF2B5EF4-FFF2-40B4-BE49-F238E27FC236}">
-                <a16:creationId xmlns:a16="http://schemas.microsoft.com/office/drawing/2014/main" xmlns="" id="{D60413DC-E6A5-4350-85CF-A0401357D4C7}"/>
+                <a16:creationId xmlns="" xmlns:a16="http://schemas.microsoft.com/office/drawing/2014/main" id="{D60413DC-E6A5-4350-85CF-A0401357D4C7}"/>
               </a:ext>
             </a:extLst>
           </p:cNvPr>
@@ -20922,7 +20934,7 @@
           <p:cNvPr id="34" name="Rectangle 33">
             <a:extLst>
               <a:ext uri="{FF2B5EF4-FFF2-40B4-BE49-F238E27FC236}">
-                <a16:creationId xmlns:a16="http://schemas.microsoft.com/office/drawing/2014/main" xmlns="" id="{8D9C3571-5C6F-4F0D-B135-D159B43EC31B}"/>
+                <a16:creationId xmlns="" xmlns:a16="http://schemas.microsoft.com/office/drawing/2014/main" id="{8D9C3571-5C6F-4F0D-B135-D159B43EC31B}"/>
               </a:ext>
             </a:extLst>
           </p:cNvPr>
@@ -20961,7 +20973,7 @@
           <p:cNvPr id="35" name="Rectangle 34">
             <a:extLst>
               <a:ext uri="{FF2B5EF4-FFF2-40B4-BE49-F238E27FC236}">
-                <a16:creationId xmlns:a16="http://schemas.microsoft.com/office/drawing/2014/main" xmlns="" id="{47780916-6EA2-4BBE-9381-85E9D6A02D43}"/>
+                <a16:creationId xmlns="" xmlns:a16="http://schemas.microsoft.com/office/drawing/2014/main" id="{47780916-6EA2-4BBE-9381-85E9D6A02D43}"/>
               </a:ext>
             </a:extLst>
           </p:cNvPr>
@@ -21000,7 +21012,7 @@
           <p:cNvPr id="21" name="Straight Connector 20">
             <a:extLst>
               <a:ext uri="{FF2B5EF4-FFF2-40B4-BE49-F238E27FC236}">
-                <a16:creationId xmlns:a16="http://schemas.microsoft.com/office/drawing/2014/main" xmlns="" id="{34F8F1A3-59AD-4580-8C7D-E99007FF00D1}"/>
+                <a16:creationId xmlns="" xmlns:a16="http://schemas.microsoft.com/office/drawing/2014/main" id="{34F8F1A3-59AD-4580-8C7D-E99007FF00D1}"/>
               </a:ext>
             </a:extLst>
           </p:cNvPr>
@@ -21074,7 +21086,7 @@
           <p:cNvPr id="2" name="Title 1">
             <a:extLst>
               <a:ext uri="{FF2B5EF4-FFF2-40B4-BE49-F238E27FC236}">
-                <a16:creationId xmlns:a16="http://schemas.microsoft.com/office/drawing/2014/main" xmlns="" id="{BA3312A1-8E59-484F-BD16-94B414E04BDD}"/>
+                <a16:creationId xmlns="" xmlns:a16="http://schemas.microsoft.com/office/drawing/2014/main" id="{BA3312A1-8E59-484F-BD16-94B414E04BDD}"/>
               </a:ext>
             </a:extLst>
           </p:cNvPr>
@@ -21104,7 +21116,7 @@
               <p:cNvPr id="3" name="Content Placeholder 2">
                 <a:extLst>
                   <a:ext uri="{FF2B5EF4-FFF2-40B4-BE49-F238E27FC236}">
-                    <a16:creationId xmlns:a16="http://schemas.microsoft.com/office/drawing/2014/main" xmlns="" id="{9545EF81-A004-4775-9970-D0C57F5F554A}"/>
+                    <a16:creationId xmlns="" xmlns:a16="http://schemas.microsoft.com/office/drawing/2014/main" id="{9545EF81-A004-4775-9970-D0C57F5F554A}"/>
                   </a:ext>
                 </a:extLst>
               </p:cNvPr>
@@ -21276,7 +21288,7 @@
           <p:cNvPr id="8" name="Oval 7">
             <a:extLst>
               <a:ext uri="{FF2B5EF4-FFF2-40B4-BE49-F238E27FC236}">
-                <a16:creationId xmlns:a16="http://schemas.microsoft.com/office/drawing/2014/main" xmlns="" id="{A0E323B4-7633-44EF-9A70-CAE4A5AC4719}"/>
+                <a16:creationId xmlns="" xmlns:a16="http://schemas.microsoft.com/office/drawing/2014/main" id="{A0E323B4-7633-44EF-9A70-CAE4A5AC4719}"/>
               </a:ext>
             </a:extLst>
           </p:cNvPr>
@@ -21330,7 +21342,7 @@
           <p:cNvPr id="9" name="TextBox 8">
             <a:extLst>
               <a:ext uri="{FF2B5EF4-FFF2-40B4-BE49-F238E27FC236}">
-                <a16:creationId xmlns:a16="http://schemas.microsoft.com/office/drawing/2014/main" xmlns="" id="{8CED6B31-64AC-4EB2-B4DA-32F0223BC447}"/>
+                <a16:creationId xmlns="" xmlns:a16="http://schemas.microsoft.com/office/drawing/2014/main" id="{8CED6B31-64AC-4EB2-B4DA-32F0223BC447}"/>
               </a:ext>
             </a:extLst>
           </p:cNvPr>
@@ -21365,7 +21377,7 @@
           <p:cNvPr id="16" name="Straight Connector 15">
             <a:extLst>
               <a:ext uri="{FF2B5EF4-FFF2-40B4-BE49-F238E27FC236}">
-                <a16:creationId xmlns:a16="http://schemas.microsoft.com/office/drawing/2014/main" xmlns="" id="{3F915D57-EAC5-4BB3-9C26-2FCE94153F0E}"/>
+                <a16:creationId xmlns="" xmlns:a16="http://schemas.microsoft.com/office/drawing/2014/main" id="{3F915D57-EAC5-4BB3-9C26-2FCE94153F0E}"/>
               </a:ext>
             </a:extLst>
           </p:cNvPr>
@@ -21404,7 +21416,7 @@
           <p:cNvPr id="17" name="Straight Connector 16">
             <a:extLst>
               <a:ext uri="{FF2B5EF4-FFF2-40B4-BE49-F238E27FC236}">
-                <a16:creationId xmlns:a16="http://schemas.microsoft.com/office/drawing/2014/main" xmlns="" id="{A814CDD6-FC5C-42CD-B211-E736A0B14D60}"/>
+                <a16:creationId xmlns="" xmlns:a16="http://schemas.microsoft.com/office/drawing/2014/main" id="{A814CDD6-FC5C-42CD-B211-E736A0B14D60}"/>
               </a:ext>
             </a:extLst>
           </p:cNvPr>
@@ -21443,7 +21455,7 @@
           <p:cNvPr id="22" name="Straight Arrow Connector 21">
             <a:extLst>
               <a:ext uri="{FF2B5EF4-FFF2-40B4-BE49-F238E27FC236}">
-                <a16:creationId xmlns:a16="http://schemas.microsoft.com/office/drawing/2014/main" xmlns="" id="{01C17A5C-94F9-4AD0-B831-20D1AB8E0FC7}"/>
+                <a16:creationId xmlns="" xmlns:a16="http://schemas.microsoft.com/office/drawing/2014/main" id="{01C17A5C-94F9-4AD0-B831-20D1AB8E0FC7}"/>
               </a:ext>
             </a:extLst>
           </p:cNvPr>
@@ -21487,7 +21499,7 @@
           <p:cNvPr id="26" name="Straight Arrow Connector 25">
             <a:extLst>
               <a:ext uri="{FF2B5EF4-FFF2-40B4-BE49-F238E27FC236}">
-                <a16:creationId xmlns:a16="http://schemas.microsoft.com/office/drawing/2014/main" xmlns="" id="{97D7C7DB-6763-45C7-AC1E-5BA7E987EA56}"/>
+                <a16:creationId xmlns="" xmlns:a16="http://schemas.microsoft.com/office/drawing/2014/main" id="{97D7C7DB-6763-45C7-AC1E-5BA7E987EA56}"/>
               </a:ext>
             </a:extLst>
           </p:cNvPr>
@@ -21531,7 +21543,7 @@
           <p:cNvPr id="27" name="Straight Arrow Connector 26">
             <a:extLst>
               <a:ext uri="{FF2B5EF4-FFF2-40B4-BE49-F238E27FC236}">
-                <a16:creationId xmlns:a16="http://schemas.microsoft.com/office/drawing/2014/main" xmlns="" id="{1F984B43-3E6C-49DE-AA72-016C0B118499}"/>
+                <a16:creationId xmlns="" xmlns:a16="http://schemas.microsoft.com/office/drawing/2014/main" id="{1F984B43-3E6C-49DE-AA72-016C0B118499}"/>
               </a:ext>
             </a:extLst>
           </p:cNvPr>
@@ -21575,7 +21587,7 @@
           <p:cNvPr id="28" name="Straight Arrow Connector 27">
             <a:extLst>
               <a:ext uri="{FF2B5EF4-FFF2-40B4-BE49-F238E27FC236}">
-                <a16:creationId xmlns:a16="http://schemas.microsoft.com/office/drawing/2014/main" xmlns="" id="{DC26780E-AE8A-434A-92AE-A53A3366E072}"/>
+                <a16:creationId xmlns="" xmlns:a16="http://schemas.microsoft.com/office/drawing/2014/main" id="{DC26780E-AE8A-434A-92AE-A53A3366E072}"/>
               </a:ext>
             </a:extLst>
           </p:cNvPr>
@@ -21619,7 +21631,7 @@
           <p:cNvPr id="29" name="Straight Arrow Connector 28">
             <a:extLst>
               <a:ext uri="{FF2B5EF4-FFF2-40B4-BE49-F238E27FC236}">
-                <a16:creationId xmlns:a16="http://schemas.microsoft.com/office/drawing/2014/main" xmlns="" id="{5DBB6854-A56D-4304-8BA9-6B1BB5798BA9}"/>
+                <a16:creationId xmlns="" xmlns:a16="http://schemas.microsoft.com/office/drawing/2014/main" id="{5DBB6854-A56D-4304-8BA9-6B1BB5798BA9}"/>
               </a:ext>
             </a:extLst>
           </p:cNvPr>
@@ -21663,7 +21675,7 @@
           <p:cNvPr id="31" name="Rectangle 30">
             <a:extLst>
               <a:ext uri="{FF2B5EF4-FFF2-40B4-BE49-F238E27FC236}">
-                <a16:creationId xmlns:a16="http://schemas.microsoft.com/office/drawing/2014/main" xmlns="" id="{A00FFC1F-0814-44AB-8DD1-0CA2CE0D4C62}"/>
+                <a16:creationId xmlns="" xmlns:a16="http://schemas.microsoft.com/office/drawing/2014/main" id="{A00FFC1F-0814-44AB-8DD1-0CA2CE0D4C62}"/>
               </a:ext>
             </a:extLst>
           </p:cNvPr>
@@ -21702,7 +21714,7 @@
           <p:cNvPr id="32" name="Rectangle 31">
             <a:extLst>
               <a:ext uri="{FF2B5EF4-FFF2-40B4-BE49-F238E27FC236}">
-                <a16:creationId xmlns:a16="http://schemas.microsoft.com/office/drawing/2014/main" xmlns="" id="{7502F639-65DC-43C5-B5B7-14A3CE75BD31}"/>
+                <a16:creationId xmlns="" xmlns:a16="http://schemas.microsoft.com/office/drawing/2014/main" id="{7502F639-65DC-43C5-B5B7-14A3CE75BD31}"/>
               </a:ext>
             </a:extLst>
           </p:cNvPr>
@@ -21741,7 +21753,7 @@
           <p:cNvPr id="33" name="Rectangle 32">
             <a:extLst>
               <a:ext uri="{FF2B5EF4-FFF2-40B4-BE49-F238E27FC236}">
-                <a16:creationId xmlns:a16="http://schemas.microsoft.com/office/drawing/2014/main" xmlns="" id="{D60413DC-E6A5-4350-85CF-A0401357D4C7}"/>
+                <a16:creationId xmlns="" xmlns:a16="http://schemas.microsoft.com/office/drawing/2014/main" id="{D60413DC-E6A5-4350-85CF-A0401357D4C7}"/>
               </a:ext>
             </a:extLst>
           </p:cNvPr>
@@ -21780,7 +21792,7 @@
           <p:cNvPr id="34" name="Rectangle 33">
             <a:extLst>
               <a:ext uri="{FF2B5EF4-FFF2-40B4-BE49-F238E27FC236}">
-                <a16:creationId xmlns:a16="http://schemas.microsoft.com/office/drawing/2014/main" xmlns="" id="{8D9C3571-5C6F-4F0D-B135-D159B43EC31B}"/>
+                <a16:creationId xmlns="" xmlns:a16="http://schemas.microsoft.com/office/drawing/2014/main" id="{8D9C3571-5C6F-4F0D-B135-D159B43EC31B}"/>
               </a:ext>
             </a:extLst>
           </p:cNvPr>
@@ -21819,7 +21831,7 @@
           <p:cNvPr id="35" name="Rectangle 34">
             <a:extLst>
               <a:ext uri="{FF2B5EF4-FFF2-40B4-BE49-F238E27FC236}">
-                <a16:creationId xmlns:a16="http://schemas.microsoft.com/office/drawing/2014/main" xmlns="" id="{47780916-6EA2-4BBE-9381-85E9D6A02D43}"/>
+                <a16:creationId xmlns="" xmlns:a16="http://schemas.microsoft.com/office/drawing/2014/main" id="{47780916-6EA2-4BBE-9381-85E9D6A02D43}"/>
               </a:ext>
             </a:extLst>
           </p:cNvPr>
@@ -21858,7 +21870,7 @@
           <p:cNvPr id="21" name="Straight Connector 20">
             <a:extLst>
               <a:ext uri="{FF2B5EF4-FFF2-40B4-BE49-F238E27FC236}">
-                <a16:creationId xmlns:a16="http://schemas.microsoft.com/office/drawing/2014/main" xmlns="" id="{34F8F1A3-59AD-4580-8C7D-E99007FF00D1}"/>
+                <a16:creationId xmlns="" xmlns:a16="http://schemas.microsoft.com/office/drawing/2014/main" id="{34F8F1A3-59AD-4580-8C7D-E99007FF00D1}"/>
               </a:ext>
             </a:extLst>
           </p:cNvPr>
@@ -21902,7 +21914,7 @@
           <p:cNvPr id="23" name="Freeform: Shape 22">
             <a:extLst>
               <a:ext uri="{FF2B5EF4-FFF2-40B4-BE49-F238E27FC236}">
-                <a16:creationId xmlns:a16="http://schemas.microsoft.com/office/drawing/2014/main" xmlns="" id="{0431DFF9-EA13-4AE9-BE85-7C60F5443F72}"/>
+                <a16:creationId xmlns="" xmlns:a16="http://schemas.microsoft.com/office/drawing/2014/main" id="{0431DFF9-EA13-4AE9-BE85-7C60F5443F72}"/>
               </a:ext>
             </a:extLst>
           </p:cNvPr>
@@ -21992,7 +22004,7 @@
           <p:cNvPr id="24" name="Straight Connector 23">
             <a:extLst>
               <a:ext uri="{FF2B5EF4-FFF2-40B4-BE49-F238E27FC236}">
-                <a16:creationId xmlns:a16="http://schemas.microsoft.com/office/drawing/2014/main" xmlns="" id="{DF030390-7358-499E-9283-FCEF78F0A234}"/>
+                <a16:creationId xmlns="" xmlns:a16="http://schemas.microsoft.com/office/drawing/2014/main" id="{DF030390-7358-499E-9283-FCEF78F0A234}"/>
               </a:ext>
             </a:extLst>
           </p:cNvPr>
@@ -22035,7 +22047,7 @@
           <p:cNvPr id="6" name="Freeform: Shape 5">
             <a:extLst>
               <a:ext uri="{FF2B5EF4-FFF2-40B4-BE49-F238E27FC236}">
-                <a16:creationId xmlns:a16="http://schemas.microsoft.com/office/drawing/2014/main" xmlns="" id="{58B194ED-69BE-471D-93C5-527E394CD8D4}"/>
+                <a16:creationId xmlns="" xmlns:a16="http://schemas.microsoft.com/office/drawing/2014/main" id="{58B194ED-69BE-471D-93C5-527E394CD8D4}"/>
               </a:ext>
             </a:extLst>
           </p:cNvPr>
@@ -22125,7 +22137,7 @@
           <p:cNvPr id="10" name="Straight Arrow Connector 9">
             <a:extLst>
               <a:ext uri="{FF2B5EF4-FFF2-40B4-BE49-F238E27FC236}">
-                <a16:creationId xmlns:a16="http://schemas.microsoft.com/office/drawing/2014/main" xmlns="" id="{734B6F44-0583-4865-9C27-E787C39FE133}"/>
+                <a16:creationId xmlns="" xmlns:a16="http://schemas.microsoft.com/office/drawing/2014/main" id="{734B6F44-0583-4865-9C27-E787C39FE133}"/>
               </a:ext>
             </a:extLst>
           </p:cNvPr>
@@ -22172,7 +22184,7 @@
           <p:cNvPr id="30" name="Straight Arrow Connector 29">
             <a:extLst>
               <a:ext uri="{FF2B5EF4-FFF2-40B4-BE49-F238E27FC236}">
-                <a16:creationId xmlns:a16="http://schemas.microsoft.com/office/drawing/2014/main" xmlns="" id="{723CD6AA-D430-416A-A375-ACE083BC0F3D}"/>
+                <a16:creationId xmlns="" xmlns:a16="http://schemas.microsoft.com/office/drawing/2014/main" id="{723CD6AA-D430-416A-A375-ACE083BC0F3D}"/>
               </a:ext>
             </a:extLst>
           </p:cNvPr>
@@ -22219,7 +22231,7 @@
           <p:cNvPr id="14" name="Rectangle 13">
             <a:extLst>
               <a:ext uri="{FF2B5EF4-FFF2-40B4-BE49-F238E27FC236}">
-                <a16:creationId xmlns:a16="http://schemas.microsoft.com/office/drawing/2014/main" xmlns="" id="{A337E89C-9DBA-40A1-8D83-43C09B0146FA}"/>
+                <a16:creationId xmlns="" xmlns:a16="http://schemas.microsoft.com/office/drawing/2014/main" id="{A337E89C-9DBA-40A1-8D83-43C09B0146FA}"/>
               </a:ext>
             </a:extLst>
           </p:cNvPr>
@@ -22260,7 +22272,7 @@
           <p:cNvPr id="36" name="Rectangle 35">
             <a:extLst>
               <a:ext uri="{FF2B5EF4-FFF2-40B4-BE49-F238E27FC236}">
-                <a16:creationId xmlns:a16="http://schemas.microsoft.com/office/drawing/2014/main" xmlns="" id="{9F4933DB-F1EB-4A64-AB5B-F2B7CF59826F}"/>
+                <a16:creationId xmlns="" xmlns:a16="http://schemas.microsoft.com/office/drawing/2014/main" id="{9F4933DB-F1EB-4A64-AB5B-F2B7CF59826F}"/>
               </a:ext>
             </a:extLst>
           </p:cNvPr>
@@ -22301,7 +22313,7 @@
           <p:cNvPr id="25" name="Rectangle 24">
             <a:extLst>
               <a:ext uri="{FF2B5EF4-FFF2-40B4-BE49-F238E27FC236}">
-                <a16:creationId xmlns:a16="http://schemas.microsoft.com/office/drawing/2014/main" xmlns="" id="{AFE7C89B-58D1-47CE-9298-38CE419E223B}"/>
+                <a16:creationId xmlns="" xmlns:a16="http://schemas.microsoft.com/office/drawing/2014/main" id="{AFE7C89B-58D1-47CE-9298-38CE419E223B}"/>
               </a:ext>
             </a:extLst>
           </p:cNvPr>
@@ -22346,7 +22358,7 @@
               <p:cNvPr id="37" name="Rectangle 36">
                 <a:extLst>
                   <a:ext uri="{FF2B5EF4-FFF2-40B4-BE49-F238E27FC236}">
-                    <a16:creationId xmlns:a16="http://schemas.microsoft.com/office/drawing/2014/main" xmlns="" id="{6A565624-5C77-4F4E-BC13-C623C35B48D3}"/>
+                    <a16:creationId xmlns="" xmlns:a16="http://schemas.microsoft.com/office/drawing/2014/main" id="{6A565624-5C77-4F4E-BC13-C623C35B48D3}"/>
                   </a:ext>
                 </a:extLst>
               </p:cNvPr>
@@ -22470,7 +22482,7 @@
               <p:cNvPr id="38" name="Rectangle 37">
                 <a:extLst>
                   <a:ext uri="{FF2B5EF4-FFF2-40B4-BE49-F238E27FC236}">
-                    <a16:creationId xmlns:a16="http://schemas.microsoft.com/office/drawing/2014/main" xmlns="" id="{6658C3BB-1BE3-4419-833B-3AC4B2D1E6D8}"/>
+                    <a16:creationId xmlns="" xmlns:a16="http://schemas.microsoft.com/office/drawing/2014/main" id="{6658C3BB-1BE3-4419-833B-3AC4B2D1E6D8}"/>
                   </a:ext>
                 </a:extLst>
               </p:cNvPr>
@@ -22627,7 +22639,7 @@
           <p:cNvPr id="40" name="Straight Arrow Connector 39">
             <a:extLst>
               <a:ext uri="{FF2B5EF4-FFF2-40B4-BE49-F238E27FC236}">
-                <a16:creationId xmlns:a16="http://schemas.microsoft.com/office/drawing/2014/main" xmlns="" id="{1AE72A5B-3137-4478-8B52-5874AF3E8F76}"/>
+                <a16:creationId xmlns="" xmlns:a16="http://schemas.microsoft.com/office/drawing/2014/main" id="{1AE72A5B-3137-4478-8B52-5874AF3E8F76}"/>
               </a:ext>
             </a:extLst>
           </p:cNvPr>
@@ -22666,7 +22678,7 @@
           <p:cNvPr id="41" name="Straight Arrow Connector 40">
             <a:extLst>
               <a:ext uri="{FF2B5EF4-FFF2-40B4-BE49-F238E27FC236}">
-                <a16:creationId xmlns:a16="http://schemas.microsoft.com/office/drawing/2014/main" xmlns="" id="{9ADFB6E4-A153-44A0-98A6-9F9B84018FF2}"/>
+                <a16:creationId xmlns="" xmlns:a16="http://schemas.microsoft.com/office/drawing/2014/main" id="{9ADFB6E4-A153-44A0-98A6-9F9B84018FF2}"/>
               </a:ext>
             </a:extLst>
           </p:cNvPr>
@@ -22708,7 +22720,7 @@
               <p:cNvPr id="44" name="Rectangle 43">
                 <a:extLst>
                   <a:ext uri="{FF2B5EF4-FFF2-40B4-BE49-F238E27FC236}">
-                    <a16:creationId xmlns:a16="http://schemas.microsoft.com/office/drawing/2014/main" xmlns="" id="{05537F55-044B-4EF5-B1EC-D1BD5355F9DF}"/>
+                    <a16:creationId xmlns="" xmlns:a16="http://schemas.microsoft.com/office/drawing/2014/main" id="{05537F55-044B-4EF5-B1EC-D1BD5355F9DF}"/>
                   </a:ext>
                 </a:extLst>
               </p:cNvPr>
@@ -22808,7 +22820,7 @@
               <p:cNvPr id="45" name="Rectangle 44">
                 <a:extLst>
                   <a:ext uri="{FF2B5EF4-FFF2-40B4-BE49-F238E27FC236}">
-                    <a16:creationId xmlns:a16="http://schemas.microsoft.com/office/drawing/2014/main" xmlns="" id="{B57F4B12-71B5-4179-9C56-3C885BA232F5}"/>
+                    <a16:creationId xmlns="" xmlns:a16="http://schemas.microsoft.com/office/drawing/2014/main" id="{B57F4B12-71B5-4179-9C56-3C885BA232F5}"/>
                   </a:ext>
                 </a:extLst>
               </p:cNvPr>
@@ -22936,7 +22948,7 @@
           <p:cNvPr id="2" name="Title 1">
             <a:extLst>
               <a:ext uri="{FF2B5EF4-FFF2-40B4-BE49-F238E27FC236}">
-                <a16:creationId xmlns:a16="http://schemas.microsoft.com/office/drawing/2014/main" xmlns="" id="{BA3312A1-8E59-484F-BD16-94B414E04BDD}"/>
+                <a16:creationId xmlns="" xmlns:a16="http://schemas.microsoft.com/office/drawing/2014/main" id="{BA3312A1-8E59-484F-BD16-94B414E04BDD}"/>
               </a:ext>
             </a:extLst>
           </p:cNvPr>
@@ -22964,7 +22976,7 @@
           <p:cNvPr id="3" name="Content Placeholder 2">
             <a:extLst>
               <a:ext uri="{FF2B5EF4-FFF2-40B4-BE49-F238E27FC236}">
-                <a16:creationId xmlns:a16="http://schemas.microsoft.com/office/drawing/2014/main" xmlns="" id="{9545EF81-A004-4775-9970-D0C57F5F554A}"/>
+                <a16:creationId xmlns="" xmlns:a16="http://schemas.microsoft.com/office/drawing/2014/main" id="{9545EF81-A004-4775-9970-D0C57F5F554A}"/>
               </a:ext>
             </a:extLst>
           </p:cNvPr>
@@ -23140,7 +23152,7 @@
           <p:cNvPr id="2" name="Title 1">
             <a:extLst>
               <a:ext uri="{FF2B5EF4-FFF2-40B4-BE49-F238E27FC236}">
-                <a16:creationId xmlns:a16="http://schemas.microsoft.com/office/drawing/2014/main" xmlns="" id="{BA3312A1-8E59-484F-BD16-94B414E04BDD}"/>
+                <a16:creationId xmlns="" xmlns:a16="http://schemas.microsoft.com/office/drawing/2014/main" id="{BA3312A1-8E59-484F-BD16-94B414E04BDD}"/>
               </a:ext>
             </a:extLst>
           </p:cNvPr>
@@ -23170,7 +23182,7 @@
               <p:cNvPr id="4" name="Content Placeholder 3">
                 <a:extLst>
                   <a:ext uri="{FF2B5EF4-FFF2-40B4-BE49-F238E27FC236}">
-                    <a16:creationId xmlns:a16="http://schemas.microsoft.com/office/drawing/2014/main" xmlns="" id="{6F302B21-51EF-454D-B521-ABF25CC53F0E}"/>
+                    <a16:creationId xmlns="" xmlns:a16="http://schemas.microsoft.com/office/drawing/2014/main" id="{6F302B21-51EF-454D-B521-ABF25CC53F0E}"/>
                   </a:ext>
                 </a:extLst>
               </p:cNvPr>
@@ -23200,21 +23212,21 @@
                     <a:gridCol w="2622452">
                       <a:extLst>
                         <a:ext uri="{9D8B030D-6E8A-4147-A177-3AD203B41FA5}">
-                          <a16:colId xmlns:a16="http://schemas.microsoft.com/office/drawing/2014/main" xmlns="" val="3235965637"/>
+                          <a16:colId xmlns="" xmlns:a16="http://schemas.microsoft.com/office/drawing/2014/main" val="3235965637"/>
                         </a:ext>
                       </a:extLst>
                     </a:gridCol>
                     <a:gridCol w="3629465">
                       <a:extLst>
                         <a:ext uri="{9D8B030D-6E8A-4147-A177-3AD203B41FA5}">
-                          <a16:colId xmlns:a16="http://schemas.microsoft.com/office/drawing/2014/main" xmlns="" val="2104838913"/>
+                          <a16:colId xmlns="" xmlns:a16="http://schemas.microsoft.com/office/drawing/2014/main" val="2104838913"/>
                         </a:ext>
                       </a:extLst>
                     </a:gridCol>
                     <a:gridCol w="4263683">
                       <a:extLst>
                         <a:ext uri="{9D8B030D-6E8A-4147-A177-3AD203B41FA5}">
-                          <a16:colId xmlns:a16="http://schemas.microsoft.com/office/drawing/2014/main" xmlns="" val="3303019709"/>
+                          <a16:colId xmlns="" xmlns:a16="http://schemas.microsoft.com/office/drawing/2014/main" val="3303019709"/>
                         </a:ext>
                       </a:extLst>
                     </a:gridCol>
@@ -23278,7 +23290,7 @@
                     </a:tc>
                     <a:extLst>
                       <a:ext uri="{0D108BD9-81ED-4DB2-BD59-A6C34878D82A}">
-                        <a16:rowId xmlns:a16="http://schemas.microsoft.com/office/drawing/2014/main" xmlns="" val="20336292"/>
+                        <a16:rowId xmlns="" xmlns:a16="http://schemas.microsoft.com/office/drawing/2014/main" val="20336292"/>
                       </a:ext>
                     </a:extLst>
                   </a:tr>
@@ -23521,7 +23533,7 @@
                     </a:tc>
                     <a:extLst>
                       <a:ext uri="{0D108BD9-81ED-4DB2-BD59-A6C34878D82A}">
-                        <a16:rowId xmlns:a16="http://schemas.microsoft.com/office/drawing/2014/main" xmlns="" val="78605167"/>
+                        <a16:rowId xmlns="" xmlns:a16="http://schemas.microsoft.com/office/drawing/2014/main" val="78605167"/>
                       </a:ext>
                     </a:extLst>
                   </a:tr>
@@ -23718,7 +23730,7 @@
                     </a:tc>
                     <a:extLst>
                       <a:ext uri="{0D108BD9-81ED-4DB2-BD59-A6C34878D82A}">
-                        <a16:rowId xmlns:a16="http://schemas.microsoft.com/office/drawing/2014/main" xmlns="" val="2317010987"/>
+                        <a16:rowId xmlns="" xmlns:a16="http://schemas.microsoft.com/office/drawing/2014/main" val="2317010987"/>
                       </a:ext>
                     </a:extLst>
                   </a:tr>
@@ -23814,7 +23826,7 @@
                     </a:tc>
                     <a:extLst>
                       <a:ext uri="{0D108BD9-81ED-4DB2-BD59-A6C34878D82A}">
-                        <a16:rowId xmlns:a16="http://schemas.microsoft.com/office/drawing/2014/main" xmlns="" val="1514046404"/>
+                        <a16:rowId xmlns="" xmlns:a16="http://schemas.microsoft.com/office/drawing/2014/main" val="1514046404"/>
                       </a:ext>
                     </a:extLst>
                   </a:tr>
@@ -23969,7 +23981,7 @@
                     </a:tc>
                     <a:extLst>
                       <a:ext uri="{0D108BD9-81ED-4DB2-BD59-A6C34878D82A}">
-                        <a16:rowId xmlns:a16="http://schemas.microsoft.com/office/drawing/2014/main" xmlns="" val="4000650800"/>
+                        <a16:rowId xmlns="" xmlns:a16="http://schemas.microsoft.com/office/drawing/2014/main" val="4000650800"/>
                       </a:ext>
                     </a:extLst>
                   </a:tr>
@@ -24395,7 +24407,7 @@
           <p:cNvPr id="2" name="Title 1">
             <a:extLst>
               <a:ext uri="{FF2B5EF4-FFF2-40B4-BE49-F238E27FC236}">
-                <a16:creationId xmlns:a16="http://schemas.microsoft.com/office/drawing/2014/main" xmlns="" id="{BA3312A1-8E59-484F-BD16-94B414E04BDD}"/>
+                <a16:creationId xmlns="" xmlns:a16="http://schemas.microsoft.com/office/drawing/2014/main" id="{BA3312A1-8E59-484F-BD16-94B414E04BDD}"/>
               </a:ext>
             </a:extLst>
           </p:cNvPr>
@@ -24423,7 +24435,7 @@
           <p:cNvPr id="3" name="Content Placeholder 2">
             <a:extLst>
               <a:ext uri="{FF2B5EF4-FFF2-40B4-BE49-F238E27FC236}">
-                <a16:creationId xmlns:a16="http://schemas.microsoft.com/office/drawing/2014/main" xmlns="" id="{9545EF81-A004-4775-9970-D0C57F5F554A}"/>
+                <a16:creationId xmlns="" xmlns:a16="http://schemas.microsoft.com/office/drawing/2014/main" id="{9545EF81-A004-4775-9970-D0C57F5F554A}"/>
               </a:ext>
             </a:extLst>
           </p:cNvPr>
@@ -24504,7 +24516,7 @@
           <p:cNvPr id="19" name="Straight Connector 18">
             <a:extLst>
               <a:ext uri="{FF2B5EF4-FFF2-40B4-BE49-F238E27FC236}">
-                <a16:creationId xmlns:a16="http://schemas.microsoft.com/office/drawing/2014/main" xmlns="" id="{57A9BFCD-2D62-4255-95EF-76F5F56DC359}"/>
+                <a16:creationId xmlns="" xmlns:a16="http://schemas.microsoft.com/office/drawing/2014/main" id="{57A9BFCD-2D62-4255-95EF-76F5F56DC359}"/>
               </a:ext>
             </a:extLst>
           </p:cNvPr>
@@ -24543,7 +24555,7 @@
           <p:cNvPr id="20" name="Straight Connector 19">
             <a:extLst>
               <a:ext uri="{FF2B5EF4-FFF2-40B4-BE49-F238E27FC236}">
-                <a16:creationId xmlns:a16="http://schemas.microsoft.com/office/drawing/2014/main" xmlns="" id="{29E6BF70-7FBD-4278-8C85-73FBDDF409DB}"/>
+                <a16:creationId xmlns="" xmlns:a16="http://schemas.microsoft.com/office/drawing/2014/main" id="{29E6BF70-7FBD-4278-8C85-73FBDDF409DB}"/>
               </a:ext>
             </a:extLst>
           </p:cNvPr>
@@ -24582,7 +24594,7 @@
           <p:cNvPr id="24" name="Straight Arrow Connector 23">
             <a:extLst>
               <a:ext uri="{FF2B5EF4-FFF2-40B4-BE49-F238E27FC236}">
-                <a16:creationId xmlns:a16="http://schemas.microsoft.com/office/drawing/2014/main" xmlns="" id="{C7A8735E-41EB-4808-A879-F5A9F8C5733A}"/>
+                <a16:creationId xmlns="" xmlns:a16="http://schemas.microsoft.com/office/drawing/2014/main" id="{C7A8735E-41EB-4808-A879-F5A9F8C5733A}"/>
               </a:ext>
             </a:extLst>
           </p:cNvPr>
@@ -24626,7 +24638,7 @@
           <p:cNvPr id="25" name="Straight Arrow Connector 24">
             <a:extLst>
               <a:ext uri="{FF2B5EF4-FFF2-40B4-BE49-F238E27FC236}">
-                <a16:creationId xmlns:a16="http://schemas.microsoft.com/office/drawing/2014/main" xmlns="" id="{C04B9D45-4D81-4686-9C78-CBFBFB36518D}"/>
+                <a16:creationId xmlns="" xmlns:a16="http://schemas.microsoft.com/office/drawing/2014/main" id="{C04B9D45-4D81-4686-9C78-CBFBFB36518D}"/>
               </a:ext>
             </a:extLst>
           </p:cNvPr>
@@ -24670,7 +24682,7 @@
           <p:cNvPr id="30" name="Straight Arrow Connector 29">
             <a:extLst>
               <a:ext uri="{FF2B5EF4-FFF2-40B4-BE49-F238E27FC236}">
-                <a16:creationId xmlns:a16="http://schemas.microsoft.com/office/drawing/2014/main" xmlns="" id="{0F49DB6C-8622-4E27-B4B7-663BB86DE439}"/>
+                <a16:creationId xmlns="" xmlns:a16="http://schemas.microsoft.com/office/drawing/2014/main" id="{0F49DB6C-8622-4E27-B4B7-663BB86DE439}"/>
               </a:ext>
             </a:extLst>
           </p:cNvPr>
@@ -24714,7 +24726,7 @@
           <p:cNvPr id="36" name="Straight Arrow Connector 35">
             <a:extLst>
               <a:ext uri="{FF2B5EF4-FFF2-40B4-BE49-F238E27FC236}">
-                <a16:creationId xmlns:a16="http://schemas.microsoft.com/office/drawing/2014/main" xmlns="" id="{7C8EACFB-43B6-453A-B8B0-564730BFC600}"/>
+                <a16:creationId xmlns="" xmlns:a16="http://schemas.microsoft.com/office/drawing/2014/main" id="{7C8EACFB-43B6-453A-B8B0-564730BFC600}"/>
               </a:ext>
             </a:extLst>
           </p:cNvPr>
@@ -24758,7 +24770,7 @@
           <p:cNvPr id="37" name="Straight Arrow Connector 36">
             <a:extLst>
               <a:ext uri="{FF2B5EF4-FFF2-40B4-BE49-F238E27FC236}">
-                <a16:creationId xmlns:a16="http://schemas.microsoft.com/office/drawing/2014/main" xmlns="" id="{E003F0AE-0B61-404C-9D50-10B1C7A010CA}"/>
+                <a16:creationId xmlns="" xmlns:a16="http://schemas.microsoft.com/office/drawing/2014/main" id="{E003F0AE-0B61-404C-9D50-10B1C7A010CA}"/>
               </a:ext>
             </a:extLst>
           </p:cNvPr>
@@ -24802,7 +24814,7 @@
           <p:cNvPr id="38" name="Rectangle 37">
             <a:extLst>
               <a:ext uri="{FF2B5EF4-FFF2-40B4-BE49-F238E27FC236}">
-                <a16:creationId xmlns:a16="http://schemas.microsoft.com/office/drawing/2014/main" xmlns="" id="{5F9CB305-3570-4A4C-9301-2E9FAD5A1CB6}"/>
+                <a16:creationId xmlns="" xmlns:a16="http://schemas.microsoft.com/office/drawing/2014/main" id="{5F9CB305-3570-4A4C-9301-2E9FAD5A1CB6}"/>
               </a:ext>
             </a:extLst>
           </p:cNvPr>
@@ -24837,7 +24849,7 @@
           <p:cNvPr id="39" name="Rectangle 38">
             <a:extLst>
               <a:ext uri="{FF2B5EF4-FFF2-40B4-BE49-F238E27FC236}">
-                <a16:creationId xmlns:a16="http://schemas.microsoft.com/office/drawing/2014/main" xmlns="" id="{DE5513BA-CE59-4015-B6D8-9D38D9C11DF7}"/>
+                <a16:creationId xmlns="" xmlns:a16="http://schemas.microsoft.com/office/drawing/2014/main" id="{DE5513BA-CE59-4015-B6D8-9D38D9C11DF7}"/>
               </a:ext>
             </a:extLst>
           </p:cNvPr>
@@ -24872,7 +24884,7 @@
           <p:cNvPr id="40" name="Rectangle 39">
             <a:extLst>
               <a:ext uri="{FF2B5EF4-FFF2-40B4-BE49-F238E27FC236}">
-                <a16:creationId xmlns:a16="http://schemas.microsoft.com/office/drawing/2014/main" xmlns="" id="{1E91E735-F348-4B1B-8AA9-22E0F8C4CF68}"/>
+                <a16:creationId xmlns="" xmlns:a16="http://schemas.microsoft.com/office/drawing/2014/main" id="{1E91E735-F348-4B1B-8AA9-22E0F8C4CF68}"/>
               </a:ext>
             </a:extLst>
           </p:cNvPr>
@@ -24907,7 +24919,7 @@
           <p:cNvPr id="41" name="Rectangle 40">
             <a:extLst>
               <a:ext uri="{FF2B5EF4-FFF2-40B4-BE49-F238E27FC236}">
-                <a16:creationId xmlns:a16="http://schemas.microsoft.com/office/drawing/2014/main" xmlns="" id="{C6E1C218-5275-4D7C-A170-D788A3426E2B}"/>
+                <a16:creationId xmlns="" xmlns:a16="http://schemas.microsoft.com/office/drawing/2014/main" id="{C6E1C218-5275-4D7C-A170-D788A3426E2B}"/>
               </a:ext>
             </a:extLst>
           </p:cNvPr>
@@ -24942,7 +24954,7 @@
           <p:cNvPr id="42" name="Rectangle 41">
             <a:extLst>
               <a:ext uri="{FF2B5EF4-FFF2-40B4-BE49-F238E27FC236}">
-                <a16:creationId xmlns:a16="http://schemas.microsoft.com/office/drawing/2014/main" xmlns="" id="{3A699880-9EA8-4493-8976-8D5DB6AAAC0D}"/>
+                <a16:creationId xmlns="" xmlns:a16="http://schemas.microsoft.com/office/drawing/2014/main" id="{3A699880-9EA8-4493-8976-8D5DB6AAAC0D}"/>
               </a:ext>
             </a:extLst>
           </p:cNvPr>
@@ -25007,7 +25019,7 @@
           <p:cNvPr id="2" name="Title 1">
             <a:extLst>
               <a:ext uri="{FF2B5EF4-FFF2-40B4-BE49-F238E27FC236}">
-                <a16:creationId xmlns:a16="http://schemas.microsoft.com/office/drawing/2014/main" xmlns="" id="{BA3312A1-8E59-484F-BD16-94B414E04BDD}"/>
+                <a16:creationId xmlns="" xmlns:a16="http://schemas.microsoft.com/office/drawing/2014/main" id="{BA3312A1-8E59-484F-BD16-94B414E04BDD}"/>
               </a:ext>
             </a:extLst>
           </p:cNvPr>
@@ -25035,7 +25047,7 @@
           <p:cNvPr id="4" name="Content Placeholder 3">
             <a:extLst>
               <a:ext uri="{FF2B5EF4-FFF2-40B4-BE49-F238E27FC236}">
-                <a16:creationId xmlns:a16="http://schemas.microsoft.com/office/drawing/2014/main" xmlns="" id="{1F3A44E6-5E90-4B67-9CBA-35182301DEA5}"/>
+                <a16:creationId xmlns="" xmlns:a16="http://schemas.microsoft.com/office/drawing/2014/main" id="{1F3A44E6-5E90-4B67-9CBA-35182301DEA5}"/>
               </a:ext>
             </a:extLst>
           </p:cNvPr>
@@ -25065,14 +25077,14 @@
                 <a:gridCol w="2613025">
                   <a:extLst>
                     <a:ext uri="{9D8B030D-6E8A-4147-A177-3AD203B41FA5}">
-                      <a16:colId xmlns:a16="http://schemas.microsoft.com/office/drawing/2014/main" xmlns="" val="541808946"/>
+                      <a16:colId xmlns="" xmlns:a16="http://schemas.microsoft.com/office/drawing/2014/main" val="541808946"/>
                     </a:ext>
                   </a:extLst>
                 </a:gridCol>
                 <a:gridCol w="2613025">
                   <a:extLst>
                     <a:ext uri="{9D8B030D-6E8A-4147-A177-3AD203B41FA5}">
-                      <a16:colId xmlns:a16="http://schemas.microsoft.com/office/drawing/2014/main" xmlns="" val="4238868430"/>
+                      <a16:colId xmlns="" xmlns:a16="http://schemas.microsoft.com/office/drawing/2014/main" val="4238868430"/>
                     </a:ext>
                   </a:extLst>
                 </a:gridCol>
@@ -25113,7 +25125,7 @@
                 </a:tc>
                 <a:extLst>
                   <a:ext uri="{0D108BD9-81ED-4DB2-BD59-A6C34878D82A}">
-                    <a16:rowId xmlns:a16="http://schemas.microsoft.com/office/drawing/2014/main" xmlns="" val="277076910"/>
+                    <a16:rowId xmlns="" xmlns:a16="http://schemas.microsoft.com/office/drawing/2014/main" val="277076910"/>
                   </a:ext>
                 </a:extLst>
               </a:tr>
@@ -25153,7 +25165,7 @@
                 </a:tc>
                 <a:extLst>
                   <a:ext uri="{0D108BD9-81ED-4DB2-BD59-A6C34878D82A}">
-                    <a16:rowId xmlns:a16="http://schemas.microsoft.com/office/drawing/2014/main" xmlns="" val="2988101629"/>
+                    <a16:rowId xmlns="" xmlns:a16="http://schemas.microsoft.com/office/drawing/2014/main" val="2988101629"/>
                   </a:ext>
                 </a:extLst>
               </a:tr>
@@ -25193,7 +25205,7 @@
                 </a:tc>
                 <a:extLst>
                   <a:ext uri="{0D108BD9-81ED-4DB2-BD59-A6C34878D82A}">
-                    <a16:rowId xmlns:a16="http://schemas.microsoft.com/office/drawing/2014/main" xmlns="" val="620465967"/>
+                    <a16:rowId xmlns="" xmlns:a16="http://schemas.microsoft.com/office/drawing/2014/main" val="620465967"/>
                   </a:ext>
                 </a:extLst>
               </a:tr>
@@ -25232,7 +25244,7 @@
                 </a:tc>
                 <a:extLst>
                   <a:ext uri="{0D108BD9-81ED-4DB2-BD59-A6C34878D82A}">
-                    <a16:rowId xmlns:a16="http://schemas.microsoft.com/office/drawing/2014/main" xmlns="" val="2730516545"/>
+                    <a16:rowId xmlns="" xmlns:a16="http://schemas.microsoft.com/office/drawing/2014/main" val="2730516545"/>
                   </a:ext>
                 </a:extLst>
               </a:tr>
@@ -25272,7 +25284,7 @@
                 </a:tc>
                 <a:extLst>
                   <a:ext uri="{0D108BD9-81ED-4DB2-BD59-A6C34878D82A}">
-                    <a16:rowId xmlns:a16="http://schemas.microsoft.com/office/drawing/2014/main" xmlns="" val="2910505782"/>
+                    <a16:rowId xmlns="" xmlns:a16="http://schemas.microsoft.com/office/drawing/2014/main" val="2910505782"/>
                   </a:ext>
                 </a:extLst>
               </a:tr>
@@ -25312,7 +25324,7 @@
                 </a:tc>
                 <a:extLst>
                   <a:ext uri="{0D108BD9-81ED-4DB2-BD59-A6C34878D82A}">
-                    <a16:rowId xmlns:a16="http://schemas.microsoft.com/office/drawing/2014/main" xmlns="" val="3749404160"/>
+                    <a16:rowId xmlns="" xmlns:a16="http://schemas.microsoft.com/office/drawing/2014/main" val="3749404160"/>
                   </a:ext>
                 </a:extLst>
               </a:tr>
@@ -25325,7 +25337,7 @@
           <p:cNvPr id="23" name="Content Placeholder 2">
             <a:extLst>
               <a:ext uri="{FF2B5EF4-FFF2-40B4-BE49-F238E27FC236}">
-                <a16:creationId xmlns:a16="http://schemas.microsoft.com/office/drawing/2014/main" xmlns="" id="{02238087-60D7-47ED-92B8-1E59CB6ACB11}"/>
+                <a16:creationId xmlns="" xmlns:a16="http://schemas.microsoft.com/office/drawing/2014/main" id="{02238087-60D7-47ED-92B8-1E59CB6ACB11}"/>
               </a:ext>
             </a:extLst>
           </p:cNvPr>
@@ -25527,7 +25539,7 @@
           <p:cNvPr id="24" name="Straight Connector 23">
             <a:extLst>
               <a:ext uri="{FF2B5EF4-FFF2-40B4-BE49-F238E27FC236}">
-                <a16:creationId xmlns:a16="http://schemas.microsoft.com/office/drawing/2014/main" xmlns="" id="{0C67D03E-2181-414B-8477-6F53024A617B}"/>
+                <a16:creationId xmlns="" xmlns:a16="http://schemas.microsoft.com/office/drawing/2014/main" id="{0C67D03E-2181-414B-8477-6F53024A617B}"/>
               </a:ext>
             </a:extLst>
           </p:cNvPr>
@@ -25566,7 +25578,7 @@
           <p:cNvPr id="25" name="Straight Connector 24">
             <a:extLst>
               <a:ext uri="{FF2B5EF4-FFF2-40B4-BE49-F238E27FC236}">
-                <a16:creationId xmlns:a16="http://schemas.microsoft.com/office/drawing/2014/main" xmlns="" id="{515091F4-5BCB-4790-9C07-F9E48AFAF4FB}"/>
+                <a16:creationId xmlns="" xmlns:a16="http://schemas.microsoft.com/office/drawing/2014/main" id="{515091F4-5BCB-4790-9C07-F9E48AFAF4FB}"/>
               </a:ext>
             </a:extLst>
           </p:cNvPr>
@@ -25605,7 +25617,7 @@
           <p:cNvPr id="30" name="Straight Arrow Connector 29">
             <a:extLst>
               <a:ext uri="{FF2B5EF4-FFF2-40B4-BE49-F238E27FC236}">
-                <a16:creationId xmlns:a16="http://schemas.microsoft.com/office/drawing/2014/main" xmlns="" id="{75023F27-86A9-46E5-BE96-6340A24FDFA9}"/>
+                <a16:creationId xmlns="" xmlns:a16="http://schemas.microsoft.com/office/drawing/2014/main" id="{75023F27-86A9-46E5-BE96-6340A24FDFA9}"/>
               </a:ext>
             </a:extLst>
           </p:cNvPr>
@@ -25649,7 +25661,7 @@
           <p:cNvPr id="36" name="Straight Arrow Connector 35">
             <a:extLst>
               <a:ext uri="{FF2B5EF4-FFF2-40B4-BE49-F238E27FC236}">
-                <a16:creationId xmlns:a16="http://schemas.microsoft.com/office/drawing/2014/main" xmlns="" id="{F8FFB3DE-D92E-4458-AFB5-529C9B3EBD80}"/>
+                <a16:creationId xmlns="" xmlns:a16="http://schemas.microsoft.com/office/drawing/2014/main" id="{F8FFB3DE-D92E-4458-AFB5-529C9B3EBD80}"/>
               </a:ext>
             </a:extLst>
           </p:cNvPr>
@@ -25693,7 +25705,7 @@
           <p:cNvPr id="37" name="Straight Arrow Connector 36">
             <a:extLst>
               <a:ext uri="{FF2B5EF4-FFF2-40B4-BE49-F238E27FC236}">
-                <a16:creationId xmlns:a16="http://schemas.microsoft.com/office/drawing/2014/main" xmlns="" id="{12BD8FEC-7F32-4321-9BE6-3F2A46A2D447}"/>
+                <a16:creationId xmlns="" xmlns:a16="http://schemas.microsoft.com/office/drawing/2014/main" id="{12BD8FEC-7F32-4321-9BE6-3F2A46A2D447}"/>
               </a:ext>
             </a:extLst>
           </p:cNvPr>
@@ -25737,7 +25749,7 @@
           <p:cNvPr id="38" name="Straight Arrow Connector 37">
             <a:extLst>
               <a:ext uri="{FF2B5EF4-FFF2-40B4-BE49-F238E27FC236}">
-                <a16:creationId xmlns:a16="http://schemas.microsoft.com/office/drawing/2014/main" xmlns="" id="{A3AC0198-8B89-4804-9C71-0931448B6C3C}"/>
+                <a16:creationId xmlns="" xmlns:a16="http://schemas.microsoft.com/office/drawing/2014/main" id="{A3AC0198-8B89-4804-9C71-0931448B6C3C}"/>
               </a:ext>
             </a:extLst>
           </p:cNvPr>
@@ -25781,7 +25793,7 @@
           <p:cNvPr id="39" name="Straight Arrow Connector 38">
             <a:extLst>
               <a:ext uri="{FF2B5EF4-FFF2-40B4-BE49-F238E27FC236}">
-                <a16:creationId xmlns:a16="http://schemas.microsoft.com/office/drawing/2014/main" xmlns="" id="{A5EDADCE-0EB7-4001-9A85-F2D8946A3DE6}"/>
+                <a16:creationId xmlns="" xmlns:a16="http://schemas.microsoft.com/office/drawing/2014/main" id="{A5EDADCE-0EB7-4001-9A85-F2D8946A3DE6}"/>
               </a:ext>
             </a:extLst>
           </p:cNvPr>
@@ -25825,7 +25837,7 @@
           <p:cNvPr id="40" name="Rectangle 39">
             <a:extLst>
               <a:ext uri="{FF2B5EF4-FFF2-40B4-BE49-F238E27FC236}">
-                <a16:creationId xmlns:a16="http://schemas.microsoft.com/office/drawing/2014/main" xmlns="" id="{D3EBCF3E-915F-47F6-9A86-94AB27EB5F80}"/>
+                <a16:creationId xmlns="" xmlns:a16="http://schemas.microsoft.com/office/drawing/2014/main" id="{D3EBCF3E-915F-47F6-9A86-94AB27EB5F80}"/>
               </a:ext>
             </a:extLst>
           </p:cNvPr>
@@ -25860,7 +25872,7 @@
           <p:cNvPr id="41" name="Rectangle 40">
             <a:extLst>
               <a:ext uri="{FF2B5EF4-FFF2-40B4-BE49-F238E27FC236}">
-                <a16:creationId xmlns:a16="http://schemas.microsoft.com/office/drawing/2014/main" xmlns="" id="{02CF14AA-516F-452A-A349-3D06E147B823}"/>
+                <a16:creationId xmlns="" xmlns:a16="http://schemas.microsoft.com/office/drawing/2014/main" id="{02CF14AA-516F-452A-A349-3D06E147B823}"/>
               </a:ext>
             </a:extLst>
           </p:cNvPr>
@@ -25895,7 +25907,7 @@
           <p:cNvPr id="42" name="Rectangle 41">
             <a:extLst>
               <a:ext uri="{FF2B5EF4-FFF2-40B4-BE49-F238E27FC236}">
-                <a16:creationId xmlns:a16="http://schemas.microsoft.com/office/drawing/2014/main" xmlns="" id="{9771F59A-69B2-486B-ADC8-BFEA976D0EBE}"/>
+                <a16:creationId xmlns="" xmlns:a16="http://schemas.microsoft.com/office/drawing/2014/main" id="{9771F59A-69B2-486B-ADC8-BFEA976D0EBE}"/>
               </a:ext>
             </a:extLst>
           </p:cNvPr>
@@ -25930,7 +25942,7 @@
           <p:cNvPr id="43" name="Rectangle 42">
             <a:extLst>
               <a:ext uri="{FF2B5EF4-FFF2-40B4-BE49-F238E27FC236}">
-                <a16:creationId xmlns:a16="http://schemas.microsoft.com/office/drawing/2014/main" xmlns="" id="{B91C363D-F394-4034-A99B-6361549B1FB3}"/>
+                <a16:creationId xmlns="" xmlns:a16="http://schemas.microsoft.com/office/drawing/2014/main" id="{B91C363D-F394-4034-A99B-6361549B1FB3}"/>
               </a:ext>
             </a:extLst>
           </p:cNvPr>
@@ -25965,7 +25977,7 @@
           <p:cNvPr id="44" name="Rectangle 43">
             <a:extLst>
               <a:ext uri="{FF2B5EF4-FFF2-40B4-BE49-F238E27FC236}">
-                <a16:creationId xmlns:a16="http://schemas.microsoft.com/office/drawing/2014/main" xmlns="" id="{33AFE802-D4A2-4693-B5E7-932FD0967D51}"/>
+                <a16:creationId xmlns="" xmlns:a16="http://schemas.microsoft.com/office/drawing/2014/main" id="{33AFE802-D4A2-4693-B5E7-932FD0967D51}"/>
               </a:ext>
             </a:extLst>
           </p:cNvPr>
@@ -26000,7 +26012,7 @@
           <p:cNvPr id="45" name="Freeform: Shape 44">
             <a:extLst>
               <a:ext uri="{FF2B5EF4-FFF2-40B4-BE49-F238E27FC236}">
-                <a16:creationId xmlns:a16="http://schemas.microsoft.com/office/drawing/2014/main" xmlns="" id="{7792B244-CB01-496D-A42F-25162F363731}"/>
+                <a16:creationId xmlns="" xmlns:a16="http://schemas.microsoft.com/office/drawing/2014/main" id="{7792B244-CB01-496D-A42F-25162F363731}"/>
               </a:ext>
             </a:extLst>
           </p:cNvPr>
@@ -26120,7 +26132,7 @@
           <p:cNvPr id="2" name="Title 1">
             <a:extLst>
               <a:ext uri="{FF2B5EF4-FFF2-40B4-BE49-F238E27FC236}">
-                <a16:creationId xmlns:a16="http://schemas.microsoft.com/office/drawing/2014/main" xmlns="" id="{BA3312A1-8E59-484F-BD16-94B414E04BDD}"/>
+                <a16:creationId xmlns="" xmlns:a16="http://schemas.microsoft.com/office/drawing/2014/main" id="{BA3312A1-8E59-484F-BD16-94B414E04BDD}"/>
               </a:ext>
             </a:extLst>
           </p:cNvPr>
@@ -26154,7 +26166,7 @@
           <p:cNvPr id="4" name="Content Placeholder 3">
             <a:extLst>
               <a:ext uri="{FF2B5EF4-FFF2-40B4-BE49-F238E27FC236}">
-                <a16:creationId xmlns:a16="http://schemas.microsoft.com/office/drawing/2014/main" xmlns="" id="{1F3A44E6-5E90-4B67-9CBA-35182301DEA5}"/>
+                <a16:creationId xmlns="" xmlns:a16="http://schemas.microsoft.com/office/drawing/2014/main" id="{1F3A44E6-5E90-4B67-9CBA-35182301DEA5}"/>
               </a:ext>
             </a:extLst>
           </p:cNvPr>
@@ -26184,14 +26196,14 @@
                 <a:gridCol w="3083756">
                   <a:extLst>
                     <a:ext uri="{9D8B030D-6E8A-4147-A177-3AD203B41FA5}">
-                      <a16:colId xmlns:a16="http://schemas.microsoft.com/office/drawing/2014/main" xmlns="" val="541808946"/>
+                      <a16:colId xmlns="" xmlns:a16="http://schemas.microsoft.com/office/drawing/2014/main" val="541808946"/>
                     </a:ext>
                   </a:extLst>
                 </a:gridCol>
                 <a:gridCol w="3083756">
                   <a:extLst>
                     <a:ext uri="{9D8B030D-6E8A-4147-A177-3AD203B41FA5}">
-                      <a16:colId xmlns:a16="http://schemas.microsoft.com/office/drawing/2014/main" xmlns="" val="4238868430"/>
+                      <a16:colId xmlns="" xmlns:a16="http://schemas.microsoft.com/office/drawing/2014/main" val="4238868430"/>
                     </a:ext>
                   </a:extLst>
                 </a:gridCol>
@@ -26232,7 +26244,7 @@
                 </a:tc>
                 <a:extLst>
                   <a:ext uri="{0D108BD9-81ED-4DB2-BD59-A6C34878D82A}">
-                    <a16:rowId xmlns:a16="http://schemas.microsoft.com/office/drawing/2014/main" xmlns="" val="277076910"/>
+                    <a16:rowId xmlns="" xmlns:a16="http://schemas.microsoft.com/office/drawing/2014/main" val="277076910"/>
                   </a:ext>
                 </a:extLst>
               </a:tr>
@@ -26272,7 +26284,7 @@
                 </a:tc>
                 <a:extLst>
                   <a:ext uri="{0D108BD9-81ED-4DB2-BD59-A6C34878D82A}">
-                    <a16:rowId xmlns:a16="http://schemas.microsoft.com/office/drawing/2014/main" xmlns="" val="2988101629"/>
+                    <a16:rowId xmlns="" xmlns:a16="http://schemas.microsoft.com/office/drawing/2014/main" val="2988101629"/>
                   </a:ext>
                 </a:extLst>
               </a:tr>
@@ -26312,7 +26324,7 @@
                 </a:tc>
                 <a:extLst>
                   <a:ext uri="{0D108BD9-81ED-4DB2-BD59-A6C34878D82A}">
-                    <a16:rowId xmlns:a16="http://schemas.microsoft.com/office/drawing/2014/main" xmlns="" val="620465967"/>
+                    <a16:rowId xmlns="" xmlns:a16="http://schemas.microsoft.com/office/drawing/2014/main" val="620465967"/>
                   </a:ext>
                 </a:extLst>
               </a:tr>
@@ -26351,7 +26363,7 @@
                 </a:tc>
                 <a:extLst>
                   <a:ext uri="{0D108BD9-81ED-4DB2-BD59-A6C34878D82A}">
-                    <a16:rowId xmlns:a16="http://schemas.microsoft.com/office/drawing/2014/main" xmlns="" val="2730516545"/>
+                    <a16:rowId xmlns="" xmlns:a16="http://schemas.microsoft.com/office/drawing/2014/main" val="2730516545"/>
                   </a:ext>
                 </a:extLst>
               </a:tr>
@@ -26391,7 +26403,7 @@
                 </a:tc>
                 <a:extLst>
                   <a:ext uri="{0D108BD9-81ED-4DB2-BD59-A6C34878D82A}">
-                    <a16:rowId xmlns:a16="http://schemas.microsoft.com/office/drawing/2014/main" xmlns="" val="2910505782"/>
+                    <a16:rowId xmlns="" xmlns:a16="http://schemas.microsoft.com/office/drawing/2014/main" val="2910505782"/>
                   </a:ext>
                 </a:extLst>
               </a:tr>
@@ -26431,7 +26443,7 @@
                 </a:tc>
                 <a:extLst>
                   <a:ext uri="{0D108BD9-81ED-4DB2-BD59-A6C34878D82A}">
-                    <a16:rowId xmlns:a16="http://schemas.microsoft.com/office/drawing/2014/main" xmlns="" val="3749404160"/>
+                    <a16:rowId xmlns="" xmlns:a16="http://schemas.microsoft.com/office/drawing/2014/main" val="3749404160"/>
                   </a:ext>
                 </a:extLst>
               </a:tr>
@@ -26499,7 +26511,7 @@
                 </a:tc>
                 <a:extLst>
                   <a:ext uri="{0D108BD9-81ED-4DB2-BD59-A6C34878D82A}">
-                    <a16:rowId xmlns:a16="http://schemas.microsoft.com/office/drawing/2014/main" xmlns="" val="1213480464"/>
+                    <a16:rowId xmlns="" xmlns:a16="http://schemas.microsoft.com/office/drawing/2014/main" val="1213480464"/>
                   </a:ext>
                 </a:extLst>
               </a:tr>
@@ -26551,7 +26563,7 @@
                 </a:tc>
                 <a:extLst>
                   <a:ext uri="{0D108BD9-81ED-4DB2-BD59-A6C34878D82A}">
-                    <a16:rowId xmlns:a16="http://schemas.microsoft.com/office/drawing/2014/main" xmlns="" val="2391054527"/>
+                    <a16:rowId xmlns="" xmlns:a16="http://schemas.microsoft.com/office/drawing/2014/main" val="2391054527"/>
                   </a:ext>
                 </a:extLst>
               </a:tr>
@@ -26619,7 +26631,7 @@
                 </a:tc>
                 <a:extLst>
                   <a:ext uri="{0D108BD9-81ED-4DB2-BD59-A6C34878D82A}">
-                    <a16:rowId xmlns:a16="http://schemas.microsoft.com/office/drawing/2014/main" xmlns="" val="3407800"/>
+                    <a16:rowId xmlns="" xmlns:a16="http://schemas.microsoft.com/office/drawing/2014/main" val="3407800"/>
                   </a:ext>
                 </a:extLst>
               </a:tr>
@@ -26679,7 +26691,7 @@
                 </a:tc>
                 <a:extLst>
                   <a:ext uri="{0D108BD9-81ED-4DB2-BD59-A6C34878D82A}">
-                    <a16:rowId xmlns:a16="http://schemas.microsoft.com/office/drawing/2014/main" xmlns="" val="212573679"/>
+                    <a16:rowId xmlns="" xmlns:a16="http://schemas.microsoft.com/office/drawing/2014/main" val="212573679"/>
                   </a:ext>
                 </a:extLst>
               </a:tr>
@@ -26692,7 +26704,7 @@
           <p:cNvPr id="21" name="Content Placeholder 2">
             <a:extLst>
               <a:ext uri="{FF2B5EF4-FFF2-40B4-BE49-F238E27FC236}">
-                <a16:creationId xmlns:a16="http://schemas.microsoft.com/office/drawing/2014/main" xmlns="" id="{F973C021-1CA5-4FC4-AF08-76016742A369}"/>
+                <a16:creationId xmlns="" xmlns:a16="http://schemas.microsoft.com/office/drawing/2014/main" id="{F973C021-1CA5-4FC4-AF08-76016742A369}"/>
               </a:ext>
             </a:extLst>
           </p:cNvPr>
@@ -26890,7 +26902,7 @@
               <p:cNvPr id="3" name="Rectangle 2">
                 <a:extLst>
                   <a:ext uri="{FF2B5EF4-FFF2-40B4-BE49-F238E27FC236}">
-                    <a16:creationId xmlns:a16="http://schemas.microsoft.com/office/drawing/2014/main" xmlns="" id="{6C6CD4BA-3EDD-4CB7-B7B0-633BBD455A5F}"/>
+                    <a16:creationId xmlns="" xmlns:a16="http://schemas.microsoft.com/office/drawing/2014/main" id="{6C6CD4BA-3EDD-4CB7-B7B0-633BBD455A5F}"/>
                   </a:ext>
                 </a:extLst>
               </p:cNvPr>
@@ -27203,7 +27215,7 @@
           <p:cNvPr id="2" name="Title 1">
             <a:extLst>
               <a:ext uri="{FF2B5EF4-FFF2-40B4-BE49-F238E27FC236}">
-                <a16:creationId xmlns:a16="http://schemas.microsoft.com/office/drawing/2014/main" xmlns="" id="{BA3312A1-8E59-484F-BD16-94B414E04BDD}"/>
+                <a16:creationId xmlns="" xmlns:a16="http://schemas.microsoft.com/office/drawing/2014/main" id="{BA3312A1-8E59-484F-BD16-94B414E04BDD}"/>
               </a:ext>
             </a:extLst>
           </p:cNvPr>
@@ -27237,7 +27249,7 @@
           <p:cNvPr id="4" name="Content Placeholder 3">
             <a:extLst>
               <a:ext uri="{FF2B5EF4-FFF2-40B4-BE49-F238E27FC236}">
-                <a16:creationId xmlns:a16="http://schemas.microsoft.com/office/drawing/2014/main" xmlns="" id="{1F3A44E6-5E90-4B67-9CBA-35182301DEA5}"/>
+                <a16:creationId xmlns="" xmlns:a16="http://schemas.microsoft.com/office/drawing/2014/main" id="{1F3A44E6-5E90-4B67-9CBA-35182301DEA5}"/>
               </a:ext>
             </a:extLst>
           </p:cNvPr>
@@ -27267,14 +27279,14 @@
                 <a:gridCol w="3083756">
                   <a:extLst>
                     <a:ext uri="{9D8B030D-6E8A-4147-A177-3AD203B41FA5}">
-                      <a16:colId xmlns:a16="http://schemas.microsoft.com/office/drawing/2014/main" xmlns="" val="541808946"/>
+                      <a16:colId xmlns="" xmlns:a16="http://schemas.microsoft.com/office/drawing/2014/main" val="541808946"/>
                     </a:ext>
                   </a:extLst>
                 </a:gridCol>
                 <a:gridCol w="3083756">
                   <a:extLst>
                     <a:ext uri="{9D8B030D-6E8A-4147-A177-3AD203B41FA5}">
-                      <a16:colId xmlns:a16="http://schemas.microsoft.com/office/drawing/2014/main" xmlns="" val="4238868430"/>
+                      <a16:colId xmlns="" xmlns:a16="http://schemas.microsoft.com/office/drawing/2014/main" val="4238868430"/>
                     </a:ext>
                   </a:extLst>
                 </a:gridCol>
@@ -27315,7 +27327,7 @@
                 </a:tc>
                 <a:extLst>
                   <a:ext uri="{0D108BD9-81ED-4DB2-BD59-A6C34878D82A}">
-                    <a16:rowId xmlns:a16="http://schemas.microsoft.com/office/drawing/2014/main" xmlns="" val="277076910"/>
+                    <a16:rowId xmlns="" xmlns:a16="http://schemas.microsoft.com/office/drawing/2014/main" val="277076910"/>
                   </a:ext>
                 </a:extLst>
               </a:tr>
@@ -27355,7 +27367,7 @@
                 </a:tc>
                 <a:extLst>
                   <a:ext uri="{0D108BD9-81ED-4DB2-BD59-A6C34878D82A}">
-                    <a16:rowId xmlns:a16="http://schemas.microsoft.com/office/drawing/2014/main" xmlns="" val="2988101629"/>
+                    <a16:rowId xmlns="" xmlns:a16="http://schemas.microsoft.com/office/drawing/2014/main" val="2988101629"/>
                   </a:ext>
                 </a:extLst>
               </a:tr>
@@ -27395,7 +27407,7 @@
                 </a:tc>
                 <a:extLst>
                   <a:ext uri="{0D108BD9-81ED-4DB2-BD59-A6C34878D82A}">
-                    <a16:rowId xmlns:a16="http://schemas.microsoft.com/office/drawing/2014/main" xmlns="" val="620465967"/>
+                    <a16:rowId xmlns="" xmlns:a16="http://schemas.microsoft.com/office/drawing/2014/main" val="620465967"/>
                   </a:ext>
                 </a:extLst>
               </a:tr>
@@ -27434,7 +27446,7 @@
                 </a:tc>
                 <a:extLst>
                   <a:ext uri="{0D108BD9-81ED-4DB2-BD59-A6C34878D82A}">
-                    <a16:rowId xmlns:a16="http://schemas.microsoft.com/office/drawing/2014/main" xmlns="" val="2730516545"/>
+                    <a16:rowId xmlns="" xmlns:a16="http://schemas.microsoft.com/office/drawing/2014/main" val="2730516545"/>
                   </a:ext>
                 </a:extLst>
               </a:tr>
@@ -27474,7 +27486,7 @@
                 </a:tc>
                 <a:extLst>
                   <a:ext uri="{0D108BD9-81ED-4DB2-BD59-A6C34878D82A}">
-                    <a16:rowId xmlns:a16="http://schemas.microsoft.com/office/drawing/2014/main" xmlns="" val="2910505782"/>
+                    <a16:rowId xmlns="" xmlns:a16="http://schemas.microsoft.com/office/drawing/2014/main" val="2910505782"/>
                   </a:ext>
                 </a:extLst>
               </a:tr>
@@ -27514,7 +27526,7 @@
                 </a:tc>
                 <a:extLst>
                   <a:ext uri="{0D108BD9-81ED-4DB2-BD59-A6C34878D82A}">
-                    <a16:rowId xmlns:a16="http://schemas.microsoft.com/office/drawing/2014/main" xmlns="" val="3749404160"/>
+                    <a16:rowId xmlns="" xmlns:a16="http://schemas.microsoft.com/office/drawing/2014/main" val="3749404160"/>
                   </a:ext>
                 </a:extLst>
               </a:tr>
@@ -27582,7 +27594,7 @@
                 </a:tc>
                 <a:extLst>
                   <a:ext uri="{0D108BD9-81ED-4DB2-BD59-A6C34878D82A}">
-                    <a16:rowId xmlns:a16="http://schemas.microsoft.com/office/drawing/2014/main" xmlns="" val="1213480464"/>
+                    <a16:rowId xmlns="" xmlns:a16="http://schemas.microsoft.com/office/drawing/2014/main" val="1213480464"/>
                   </a:ext>
                 </a:extLst>
               </a:tr>
@@ -27653,7 +27665,7 @@
                 </a:tc>
                 <a:extLst>
                   <a:ext uri="{0D108BD9-81ED-4DB2-BD59-A6C34878D82A}">
-                    <a16:rowId xmlns:a16="http://schemas.microsoft.com/office/drawing/2014/main" xmlns="" val="2391054527"/>
+                    <a16:rowId xmlns="" xmlns:a16="http://schemas.microsoft.com/office/drawing/2014/main" val="2391054527"/>
                   </a:ext>
                 </a:extLst>
               </a:tr>
@@ -27721,7 +27733,7 @@
                 </a:tc>
                 <a:extLst>
                   <a:ext uri="{0D108BD9-81ED-4DB2-BD59-A6C34878D82A}">
-                    <a16:rowId xmlns:a16="http://schemas.microsoft.com/office/drawing/2014/main" xmlns="" val="3407800"/>
+                    <a16:rowId xmlns="" xmlns:a16="http://schemas.microsoft.com/office/drawing/2014/main" val="3407800"/>
                   </a:ext>
                 </a:extLst>
               </a:tr>
@@ -27781,7 +27793,7 @@
                 </a:tc>
                 <a:extLst>
                   <a:ext uri="{0D108BD9-81ED-4DB2-BD59-A6C34878D82A}">
-                    <a16:rowId xmlns:a16="http://schemas.microsoft.com/office/drawing/2014/main" xmlns="" val="212573679"/>
+                    <a16:rowId xmlns="" xmlns:a16="http://schemas.microsoft.com/office/drawing/2014/main" val="212573679"/>
                   </a:ext>
                 </a:extLst>
               </a:tr>
@@ -27794,7 +27806,7 @@
           <p:cNvPr id="21" name="Content Placeholder 2">
             <a:extLst>
               <a:ext uri="{FF2B5EF4-FFF2-40B4-BE49-F238E27FC236}">
-                <a16:creationId xmlns:a16="http://schemas.microsoft.com/office/drawing/2014/main" xmlns="" id="{F973C021-1CA5-4FC4-AF08-76016742A369}"/>
+                <a16:creationId xmlns="" xmlns:a16="http://schemas.microsoft.com/office/drawing/2014/main" id="{F973C021-1CA5-4FC4-AF08-76016742A369}"/>
               </a:ext>
             </a:extLst>
           </p:cNvPr>
@@ -27992,7 +28004,7 @@
               <p:cNvPr id="3" name="Rectangle 2">
                 <a:extLst>
                   <a:ext uri="{FF2B5EF4-FFF2-40B4-BE49-F238E27FC236}">
-                    <a16:creationId xmlns:a16="http://schemas.microsoft.com/office/drawing/2014/main" xmlns="" id="{6C6CD4BA-3EDD-4CB7-B7B0-633BBD455A5F}"/>
+                    <a16:creationId xmlns="" xmlns:a16="http://schemas.microsoft.com/office/drawing/2014/main" id="{6C6CD4BA-3EDD-4CB7-B7B0-633BBD455A5F}"/>
                   </a:ext>
                 </a:extLst>
               </p:cNvPr>
@@ -28308,7 +28320,7 @@
           <p:cNvPr id="2" name="Title 1">
             <a:extLst>
               <a:ext uri="{FF2B5EF4-FFF2-40B4-BE49-F238E27FC236}">
-                <a16:creationId xmlns:a16="http://schemas.microsoft.com/office/drawing/2014/main" xmlns="" id="{BA3312A1-8E59-484F-BD16-94B414E04BDD}"/>
+                <a16:creationId xmlns="" xmlns:a16="http://schemas.microsoft.com/office/drawing/2014/main" id="{BA3312A1-8E59-484F-BD16-94B414E04BDD}"/>
               </a:ext>
             </a:extLst>
           </p:cNvPr>
@@ -28342,7 +28354,7 @@
           <p:cNvPr id="4" name="Content Placeholder 3">
             <a:extLst>
               <a:ext uri="{FF2B5EF4-FFF2-40B4-BE49-F238E27FC236}">
-                <a16:creationId xmlns:a16="http://schemas.microsoft.com/office/drawing/2014/main" xmlns="" id="{1F3A44E6-5E90-4B67-9CBA-35182301DEA5}"/>
+                <a16:creationId xmlns="" xmlns:a16="http://schemas.microsoft.com/office/drawing/2014/main" id="{1F3A44E6-5E90-4B67-9CBA-35182301DEA5}"/>
               </a:ext>
             </a:extLst>
           </p:cNvPr>
@@ -28372,14 +28384,14 @@
                 <a:gridCol w="3083756">
                   <a:extLst>
                     <a:ext uri="{9D8B030D-6E8A-4147-A177-3AD203B41FA5}">
-                      <a16:colId xmlns:a16="http://schemas.microsoft.com/office/drawing/2014/main" xmlns="" val="541808946"/>
+                      <a16:colId xmlns="" xmlns:a16="http://schemas.microsoft.com/office/drawing/2014/main" val="541808946"/>
                     </a:ext>
                   </a:extLst>
                 </a:gridCol>
                 <a:gridCol w="3083756">
                   <a:extLst>
                     <a:ext uri="{9D8B030D-6E8A-4147-A177-3AD203B41FA5}">
-                      <a16:colId xmlns:a16="http://schemas.microsoft.com/office/drawing/2014/main" xmlns="" val="4238868430"/>
+                      <a16:colId xmlns="" xmlns:a16="http://schemas.microsoft.com/office/drawing/2014/main" val="4238868430"/>
                     </a:ext>
                   </a:extLst>
                 </a:gridCol>
@@ -28420,7 +28432,7 @@
                 </a:tc>
                 <a:extLst>
                   <a:ext uri="{0D108BD9-81ED-4DB2-BD59-A6C34878D82A}">
-                    <a16:rowId xmlns:a16="http://schemas.microsoft.com/office/drawing/2014/main" xmlns="" val="277076910"/>
+                    <a16:rowId xmlns="" xmlns:a16="http://schemas.microsoft.com/office/drawing/2014/main" val="277076910"/>
                   </a:ext>
                 </a:extLst>
               </a:tr>
@@ -28460,7 +28472,7 @@
                 </a:tc>
                 <a:extLst>
                   <a:ext uri="{0D108BD9-81ED-4DB2-BD59-A6C34878D82A}">
-                    <a16:rowId xmlns:a16="http://schemas.microsoft.com/office/drawing/2014/main" xmlns="" val="2988101629"/>
+                    <a16:rowId xmlns="" xmlns:a16="http://schemas.microsoft.com/office/drawing/2014/main" val="2988101629"/>
                   </a:ext>
                 </a:extLst>
               </a:tr>
@@ -28500,7 +28512,7 @@
                 </a:tc>
                 <a:extLst>
                   <a:ext uri="{0D108BD9-81ED-4DB2-BD59-A6C34878D82A}">
-                    <a16:rowId xmlns:a16="http://schemas.microsoft.com/office/drawing/2014/main" xmlns="" val="620465967"/>
+                    <a16:rowId xmlns="" xmlns:a16="http://schemas.microsoft.com/office/drawing/2014/main" val="620465967"/>
                   </a:ext>
                 </a:extLst>
               </a:tr>
@@ -28539,7 +28551,7 @@
                 </a:tc>
                 <a:extLst>
                   <a:ext uri="{0D108BD9-81ED-4DB2-BD59-A6C34878D82A}">
-                    <a16:rowId xmlns:a16="http://schemas.microsoft.com/office/drawing/2014/main" xmlns="" val="2730516545"/>
+                    <a16:rowId xmlns="" xmlns:a16="http://schemas.microsoft.com/office/drawing/2014/main" val="2730516545"/>
                   </a:ext>
                 </a:extLst>
               </a:tr>
@@ -28579,7 +28591,7 @@
                 </a:tc>
                 <a:extLst>
                   <a:ext uri="{0D108BD9-81ED-4DB2-BD59-A6C34878D82A}">
-                    <a16:rowId xmlns:a16="http://schemas.microsoft.com/office/drawing/2014/main" xmlns="" val="2910505782"/>
+                    <a16:rowId xmlns="" xmlns:a16="http://schemas.microsoft.com/office/drawing/2014/main" val="2910505782"/>
                   </a:ext>
                 </a:extLst>
               </a:tr>
@@ -28619,7 +28631,7 @@
                 </a:tc>
                 <a:extLst>
                   <a:ext uri="{0D108BD9-81ED-4DB2-BD59-A6C34878D82A}">
-                    <a16:rowId xmlns:a16="http://schemas.microsoft.com/office/drawing/2014/main" xmlns="" val="3749404160"/>
+                    <a16:rowId xmlns="" xmlns:a16="http://schemas.microsoft.com/office/drawing/2014/main" val="3749404160"/>
                   </a:ext>
                 </a:extLst>
               </a:tr>
@@ -28687,7 +28699,7 @@
                 </a:tc>
                 <a:extLst>
                   <a:ext uri="{0D108BD9-81ED-4DB2-BD59-A6C34878D82A}">
-                    <a16:rowId xmlns:a16="http://schemas.microsoft.com/office/drawing/2014/main" xmlns="" val="1213480464"/>
+                    <a16:rowId xmlns="" xmlns:a16="http://schemas.microsoft.com/office/drawing/2014/main" val="1213480464"/>
                   </a:ext>
                 </a:extLst>
               </a:tr>
@@ -28758,7 +28770,7 @@
                 </a:tc>
                 <a:extLst>
                   <a:ext uri="{0D108BD9-81ED-4DB2-BD59-A6C34878D82A}">
-                    <a16:rowId xmlns:a16="http://schemas.microsoft.com/office/drawing/2014/main" xmlns="" val="2391054527"/>
+                    <a16:rowId xmlns="" xmlns:a16="http://schemas.microsoft.com/office/drawing/2014/main" val="2391054527"/>
                   </a:ext>
                 </a:extLst>
               </a:tr>
@@ -28829,7 +28841,7 @@
                 </a:tc>
                 <a:extLst>
                   <a:ext uri="{0D108BD9-81ED-4DB2-BD59-A6C34878D82A}">
-                    <a16:rowId xmlns:a16="http://schemas.microsoft.com/office/drawing/2014/main" xmlns="" val="3407800"/>
+                    <a16:rowId xmlns="" xmlns:a16="http://schemas.microsoft.com/office/drawing/2014/main" val="3407800"/>
                   </a:ext>
                 </a:extLst>
               </a:tr>
@@ -28889,7 +28901,7 @@
                 </a:tc>
                 <a:extLst>
                   <a:ext uri="{0D108BD9-81ED-4DB2-BD59-A6C34878D82A}">
-                    <a16:rowId xmlns:a16="http://schemas.microsoft.com/office/drawing/2014/main" xmlns="" val="212573679"/>
+                    <a16:rowId xmlns="" xmlns:a16="http://schemas.microsoft.com/office/drawing/2014/main" val="212573679"/>
                   </a:ext>
                 </a:extLst>
               </a:tr>
@@ -28902,7 +28914,7 @@
           <p:cNvPr id="21" name="Content Placeholder 2">
             <a:extLst>
               <a:ext uri="{FF2B5EF4-FFF2-40B4-BE49-F238E27FC236}">
-                <a16:creationId xmlns:a16="http://schemas.microsoft.com/office/drawing/2014/main" xmlns="" id="{F973C021-1CA5-4FC4-AF08-76016742A369}"/>
+                <a16:creationId xmlns="" xmlns:a16="http://schemas.microsoft.com/office/drawing/2014/main" id="{F973C021-1CA5-4FC4-AF08-76016742A369}"/>
               </a:ext>
             </a:extLst>
           </p:cNvPr>
@@ -29100,7 +29112,7 @@
               <p:cNvPr id="3" name="Rectangle 2">
                 <a:extLst>
                   <a:ext uri="{FF2B5EF4-FFF2-40B4-BE49-F238E27FC236}">
-                    <a16:creationId xmlns:a16="http://schemas.microsoft.com/office/drawing/2014/main" xmlns="" id="{6C6CD4BA-3EDD-4CB7-B7B0-633BBD455A5F}"/>
+                    <a16:creationId xmlns="" xmlns:a16="http://schemas.microsoft.com/office/drawing/2014/main" id="{6C6CD4BA-3EDD-4CB7-B7B0-633BBD455A5F}"/>
                   </a:ext>
                 </a:extLst>
               </p:cNvPr>
@@ -29343,7 +29355,7 @@
           <p:cNvPr id="2" name="Title 1">
             <a:extLst>
               <a:ext uri="{FF2B5EF4-FFF2-40B4-BE49-F238E27FC236}">
-                <a16:creationId xmlns:a16="http://schemas.microsoft.com/office/drawing/2014/main" xmlns="" id="{BA3312A1-8E59-484F-BD16-94B414E04BDD}"/>
+                <a16:creationId xmlns="" xmlns:a16="http://schemas.microsoft.com/office/drawing/2014/main" id="{BA3312A1-8E59-484F-BD16-94B414E04BDD}"/>
               </a:ext>
             </a:extLst>
           </p:cNvPr>
@@ -29377,7 +29389,7 @@
           <p:cNvPr id="4" name="Content Placeholder 3">
             <a:extLst>
               <a:ext uri="{FF2B5EF4-FFF2-40B4-BE49-F238E27FC236}">
-                <a16:creationId xmlns:a16="http://schemas.microsoft.com/office/drawing/2014/main" xmlns="" id="{1F3A44E6-5E90-4B67-9CBA-35182301DEA5}"/>
+                <a16:creationId xmlns="" xmlns:a16="http://schemas.microsoft.com/office/drawing/2014/main" id="{1F3A44E6-5E90-4B67-9CBA-35182301DEA5}"/>
               </a:ext>
             </a:extLst>
           </p:cNvPr>
@@ -29407,14 +29419,14 @@
                 <a:gridCol w="3083756">
                   <a:extLst>
                     <a:ext uri="{9D8B030D-6E8A-4147-A177-3AD203B41FA5}">
-                      <a16:colId xmlns:a16="http://schemas.microsoft.com/office/drawing/2014/main" xmlns="" val="541808946"/>
+                      <a16:colId xmlns="" xmlns:a16="http://schemas.microsoft.com/office/drawing/2014/main" val="541808946"/>
                     </a:ext>
                   </a:extLst>
                 </a:gridCol>
                 <a:gridCol w="3083756">
                   <a:extLst>
                     <a:ext uri="{9D8B030D-6E8A-4147-A177-3AD203B41FA5}">
-                      <a16:colId xmlns:a16="http://schemas.microsoft.com/office/drawing/2014/main" xmlns="" val="4238868430"/>
+                      <a16:colId xmlns="" xmlns:a16="http://schemas.microsoft.com/office/drawing/2014/main" val="4238868430"/>
                     </a:ext>
                   </a:extLst>
                 </a:gridCol>
@@ -29455,7 +29467,7 @@
                 </a:tc>
                 <a:extLst>
                   <a:ext uri="{0D108BD9-81ED-4DB2-BD59-A6C34878D82A}">
-                    <a16:rowId xmlns:a16="http://schemas.microsoft.com/office/drawing/2014/main" xmlns="" val="277076910"/>
+                    <a16:rowId xmlns="" xmlns:a16="http://schemas.microsoft.com/office/drawing/2014/main" val="277076910"/>
                   </a:ext>
                 </a:extLst>
               </a:tr>
@@ -29495,7 +29507,7 @@
                 </a:tc>
                 <a:extLst>
                   <a:ext uri="{0D108BD9-81ED-4DB2-BD59-A6C34878D82A}">
-                    <a16:rowId xmlns:a16="http://schemas.microsoft.com/office/drawing/2014/main" xmlns="" val="2988101629"/>
+                    <a16:rowId xmlns="" xmlns:a16="http://schemas.microsoft.com/office/drawing/2014/main" val="2988101629"/>
                   </a:ext>
                 </a:extLst>
               </a:tr>
@@ -29535,7 +29547,7 @@
                 </a:tc>
                 <a:extLst>
                   <a:ext uri="{0D108BD9-81ED-4DB2-BD59-A6C34878D82A}">
-                    <a16:rowId xmlns:a16="http://schemas.microsoft.com/office/drawing/2014/main" xmlns="" val="620465967"/>
+                    <a16:rowId xmlns="" xmlns:a16="http://schemas.microsoft.com/office/drawing/2014/main" val="620465967"/>
                   </a:ext>
                 </a:extLst>
               </a:tr>
@@ -29574,7 +29586,7 @@
                 </a:tc>
                 <a:extLst>
                   <a:ext uri="{0D108BD9-81ED-4DB2-BD59-A6C34878D82A}">
-                    <a16:rowId xmlns:a16="http://schemas.microsoft.com/office/drawing/2014/main" xmlns="" val="2730516545"/>
+                    <a16:rowId xmlns="" xmlns:a16="http://schemas.microsoft.com/office/drawing/2014/main" val="2730516545"/>
                   </a:ext>
                 </a:extLst>
               </a:tr>
@@ -29614,7 +29626,7 @@
                 </a:tc>
                 <a:extLst>
                   <a:ext uri="{0D108BD9-81ED-4DB2-BD59-A6C34878D82A}">
-                    <a16:rowId xmlns:a16="http://schemas.microsoft.com/office/drawing/2014/main" xmlns="" val="2910505782"/>
+                    <a16:rowId xmlns="" xmlns:a16="http://schemas.microsoft.com/office/drawing/2014/main" val="2910505782"/>
                   </a:ext>
                 </a:extLst>
               </a:tr>
@@ -29654,7 +29666,7 @@
                 </a:tc>
                 <a:extLst>
                   <a:ext uri="{0D108BD9-81ED-4DB2-BD59-A6C34878D82A}">
-                    <a16:rowId xmlns:a16="http://schemas.microsoft.com/office/drawing/2014/main" xmlns="" val="3749404160"/>
+                    <a16:rowId xmlns="" xmlns:a16="http://schemas.microsoft.com/office/drawing/2014/main" val="3749404160"/>
                   </a:ext>
                 </a:extLst>
               </a:tr>
@@ -29722,7 +29734,7 @@
                 </a:tc>
                 <a:extLst>
                   <a:ext uri="{0D108BD9-81ED-4DB2-BD59-A6C34878D82A}">
-                    <a16:rowId xmlns:a16="http://schemas.microsoft.com/office/drawing/2014/main" xmlns="" val="1213480464"/>
+                    <a16:rowId xmlns="" xmlns:a16="http://schemas.microsoft.com/office/drawing/2014/main" val="1213480464"/>
                   </a:ext>
                 </a:extLst>
               </a:tr>
@@ -29793,7 +29805,7 @@
                 </a:tc>
                 <a:extLst>
                   <a:ext uri="{0D108BD9-81ED-4DB2-BD59-A6C34878D82A}">
-                    <a16:rowId xmlns:a16="http://schemas.microsoft.com/office/drawing/2014/main" xmlns="" val="2391054527"/>
+                    <a16:rowId xmlns="" xmlns:a16="http://schemas.microsoft.com/office/drawing/2014/main" val="2391054527"/>
                   </a:ext>
                 </a:extLst>
               </a:tr>
@@ -29864,7 +29876,7 @@
                 </a:tc>
                 <a:extLst>
                   <a:ext uri="{0D108BD9-81ED-4DB2-BD59-A6C34878D82A}">
-                    <a16:rowId xmlns:a16="http://schemas.microsoft.com/office/drawing/2014/main" xmlns="" val="3407800"/>
+                    <a16:rowId xmlns="" xmlns:a16="http://schemas.microsoft.com/office/drawing/2014/main" val="3407800"/>
                   </a:ext>
                 </a:extLst>
               </a:tr>
@@ -29927,7 +29939,7 @@
                 </a:tc>
                 <a:extLst>
                   <a:ext uri="{0D108BD9-81ED-4DB2-BD59-A6C34878D82A}">
-                    <a16:rowId xmlns:a16="http://schemas.microsoft.com/office/drawing/2014/main" xmlns="" val="212573679"/>
+                    <a16:rowId xmlns="" xmlns:a16="http://schemas.microsoft.com/office/drawing/2014/main" val="212573679"/>
                   </a:ext>
                 </a:extLst>
               </a:tr>
@@ -29940,7 +29952,7 @@
           <p:cNvPr id="21" name="Content Placeholder 2">
             <a:extLst>
               <a:ext uri="{FF2B5EF4-FFF2-40B4-BE49-F238E27FC236}">
-                <a16:creationId xmlns:a16="http://schemas.microsoft.com/office/drawing/2014/main" xmlns="" id="{F973C021-1CA5-4FC4-AF08-76016742A369}"/>
+                <a16:creationId xmlns="" xmlns:a16="http://schemas.microsoft.com/office/drawing/2014/main" id="{F973C021-1CA5-4FC4-AF08-76016742A369}"/>
               </a:ext>
             </a:extLst>
           </p:cNvPr>
@@ -30138,7 +30150,7 @@
               <p:cNvPr id="3" name="Rectangle 2">
                 <a:extLst>
                   <a:ext uri="{FF2B5EF4-FFF2-40B4-BE49-F238E27FC236}">
-                    <a16:creationId xmlns:a16="http://schemas.microsoft.com/office/drawing/2014/main" xmlns="" id="{6C6CD4BA-3EDD-4CB7-B7B0-633BBD455A5F}"/>
+                    <a16:creationId xmlns="" xmlns:a16="http://schemas.microsoft.com/office/drawing/2014/main" id="{6C6CD4BA-3EDD-4CB7-B7B0-633BBD455A5F}"/>
                   </a:ext>
                 </a:extLst>
               </p:cNvPr>
@@ -30354,7 +30366,7 @@
           <p:cNvPr id="2" name="Title 1">
             <a:extLst>
               <a:ext uri="{FF2B5EF4-FFF2-40B4-BE49-F238E27FC236}">
-                <a16:creationId xmlns:a16="http://schemas.microsoft.com/office/drawing/2014/main" xmlns="" id="{BA3312A1-8E59-484F-BD16-94B414E04BDD}"/>
+                <a16:creationId xmlns="" xmlns:a16="http://schemas.microsoft.com/office/drawing/2014/main" id="{BA3312A1-8E59-484F-BD16-94B414E04BDD}"/>
               </a:ext>
             </a:extLst>
           </p:cNvPr>
@@ -30388,7 +30400,7 @@
           <p:cNvPr id="4" name="Content Placeholder 3">
             <a:extLst>
               <a:ext uri="{FF2B5EF4-FFF2-40B4-BE49-F238E27FC236}">
-                <a16:creationId xmlns:a16="http://schemas.microsoft.com/office/drawing/2014/main" xmlns="" id="{1F3A44E6-5E90-4B67-9CBA-35182301DEA5}"/>
+                <a16:creationId xmlns="" xmlns:a16="http://schemas.microsoft.com/office/drawing/2014/main" id="{1F3A44E6-5E90-4B67-9CBA-35182301DEA5}"/>
               </a:ext>
             </a:extLst>
           </p:cNvPr>
@@ -30413,14 +30425,14 @@
                 <a:gridCol w="3083756">
                   <a:extLst>
                     <a:ext uri="{9D8B030D-6E8A-4147-A177-3AD203B41FA5}">
-                      <a16:colId xmlns:a16="http://schemas.microsoft.com/office/drawing/2014/main" xmlns="" val="541808946"/>
+                      <a16:colId xmlns="" xmlns:a16="http://schemas.microsoft.com/office/drawing/2014/main" val="541808946"/>
                     </a:ext>
                   </a:extLst>
                 </a:gridCol>
                 <a:gridCol w="3083756">
                   <a:extLst>
                     <a:ext uri="{9D8B030D-6E8A-4147-A177-3AD203B41FA5}">
-                      <a16:colId xmlns:a16="http://schemas.microsoft.com/office/drawing/2014/main" xmlns="" val="4238868430"/>
+                      <a16:colId xmlns="" xmlns:a16="http://schemas.microsoft.com/office/drawing/2014/main" val="4238868430"/>
                     </a:ext>
                   </a:extLst>
                 </a:gridCol>
@@ -30461,7 +30473,7 @@
                 </a:tc>
                 <a:extLst>
                   <a:ext uri="{0D108BD9-81ED-4DB2-BD59-A6C34878D82A}">
-                    <a16:rowId xmlns:a16="http://schemas.microsoft.com/office/drawing/2014/main" xmlns="" val="277076910"/>
+                    <a16:rowId xmlns="" xmlns:a16="http://schemas.microsoft.com/office/drawing/2014/main" val="277076910"/>
                   </a:ext>
                 </a:extLst>
               </a:tr>
@@ -30501,7 +30513,7 @@
                 </a:tc>
                 <a:extLst>
                   <a:ext uri="{0D108BD9-81ED-4DB2-BD59-A6C34878D82A}">
-                    <a16:rowId xmlns:a16="http://schemas.microsoft.com/office/drawing/2014/main" xmlns="" val="2988101629"/>
+                    <a16:rowId xmlns="" xmlns:a16="http://schemas.microsoft.com/office/drawing/2014/main" val="2988101629"/>
                   </a:ext>
                 </a:extLst>
               </a:tr>
@@ -30541,7 +30553,7 @@
                 </a:tc>
                 <a:extLst>
                   <a:ext uri="{0D108BD9-81ED-4DB2-BD59-A6C34878D82A}">
-                    <a16:rowId xmlns:a16="http://schemas.microsoft.com/office/drawing/2014/main" xmlns="" val="620465967"/>
+                    <a16:rowId xmlns="" xmlns:a16="http://schemas.microsoft.com/office/drawing/2014/main" val="620465967"/>
                   </a:ext>
                 </a:extLst>
               </a:tr>
@@ -30580,7 +30592,7 @@
                 </a:tc>
                 <a:extLst>
                   <a:ext uri="{0D108BD9-81ED-4DB2-BD59-A6C34878D82A}">
-                    <a16:rowId xmlns:a16="http://schemas.microsoft.com/office/drawing/2014/main" xmlns="" val="2730516545"/>
+                    <a16:rowId xmlns="" xmlns:a16="http://schemas.microsoft.com/office/drawing/2014/main" val="2730516545"/>
                   </a:ext>
                 </a:extLst>
               </a:tr>
@@ -30620,7 +30632,7 @@
                 </a:tc>
                 <a:extLst>
                   <a:ext uri="{0D108BD9-81ED-4DB2-BD59-A6C34878D82A}">
-                    <a16:rowId xmlns:a16="http://schemas.microsoft.com/office/drawing/2014/main" xmlns="" val="2910505782"/>
+                    <a16:rowId xmlns="" xmlns:a16="http://schemas.microsoft.com/office/drawing/2014/main" val="2910505782"/>
                   </a:ext>
                 </a:extLst>
               </a:tr>
@@ -30660,7 +30672,7 @@
                 </a:tc>
                 <a:extLst>
                   <a:ext uri="{0D108BD9-81ED-4DB2-BD59-A6C34878D82A}">
-                    <a16:rowId xmlns:a16="http://schemas.microsoft.com/office/drawing/2014/main" xmlns="" val="3749404160"/>
+                    <a16:rowId xmlns="" xmlns:a16="http://schemas.microsoft.com/office/drawing/2014/main" val="3749404160"/>
                   </a:ext>
                 </a:extLst>
               </a:tr>
@@ -30728,7 +30740,7 @@
                 </a:tc>
                 <a:extLst>
                   <a:ext uri="{0D108BD9-81ED-4DB2-BD59-A6C34878D82A}">
-                    <a16:rowId xmlns:a16="http://schemas.microsoft.com/office/drawing/2014/main" xmlns="" val="1213480464"/>
+                    <a16:rowId xmlns="" xmlns:a16="http://schemas.microsoft.com/office/drawing/2014/main" val="1213480464"/>
                   </a:ext>
                 </a:extLst>
               </a:tr>
@@ -30799,7 +30811,7 @@
                 </a:tc>
                 <a:extLst>
                   <a:ext uri="{0D108BD9-81ED-4DB2-BD59-A6C34878D82A}">
-                    <a16:rowId xmlns:a16="http://schemas.microsoft.com/office/drawing/2014/main" xmlns="" val="2391054527"/>
+                    <a16:rowId xmlns="" xmlns:a16="http://schemas.microsoft.com/office/drawing/2014/main" val="2391054527"/>
                   </a:ext>
                 </a:extLst>
               </a:tr>
@@ -30870,7 +30882,7 @@
                 </a:tc>
                 <a:extLst>
                   <a:ext uri="{0D108BD9-81ED-4DB2-BD59-A6C34878D82A}">
-                    <a16:rowId xmlns:a16="http://schemas.microsoft.com/office/drawing/2014/main" xmlns="" val="3407800"/>
+                    <a16:rowId xmlns="" xmlns:a16="http://schemas.microsoft.com/office/drawing/2014/main" val="3407800"/>
                   </a:ext>
                 </a:extLst>
               </a:tr>
@@ -30933,7 +30945,7 @@
                 </a:tc>
                 <a:extLst>
                   <a:ext uri="{0D108BD9-81ED-4DB2-BD59-A6C34878D82A}">
-                    <a16:rowId xmlns:a16="http://schemas.microsoft.com/office/drawing/2014/main" xmlns="" val="212573679"/>
+                    <a16:rowId xmlns="" xmlns:a16="http://schemas.microsoft.com/office/drawing/2014/main" val="212573679"/>
                   </a:ext>
                 </a:extLst>
               </a:tr>
@@ -30946,7 +30958,7 @@
           <p:cNvPr id="21" name="Content Placeholder 2">
             <a:extLst>
               <a:ext uri="{FF2B5EF4-FFF2-40B4-BE49-F238E27FC236}">
-                <a16:creationId xmlns:a16="http://schemas.microsoft.com/office/drawing/2014/main" xmlns="" id="{F973C021-1CA5-4FC4-AF08-76016742A369}"/>
+                <a16:creationId xmlns="" xmlns:a16="http://schemas.microsoft.com/office/drawing/2014/main" id="{F973C021-1CA5-4FC4-AF08-76016742A369}"/>
               </a:ext>
             </a:extLst>
           </p:cNvPr>
@@ -31142,7 +31154,7 @@
           <p:cNvPr id="6" name="Straight Connector 5">
             <a:extLst>
               <a:ext uri="{FF2B5EF4-FFF2-40B4-BE49-F238E27FC236}">
-                <a16:creationId xmlns:a16="http://schemas.microsoft.com/office/drawing/2014/main" xmlns="" id="{296BEBEB-BA30-4AC9-AE27-0E1AEF14172B}"/>
+                <a16:creationId xmlns="" xmlns:a16="http://schemas.microsoft.com/office/drawing/2014/main" id="{296BEBEB-BA30-4AC9-AE27-0E1AEF14172B}"/>
               </a:ext>
             </a:extLst>
           </p:cNvPr>
@@ -31181,7 +31193,7 @@
           <p:cNvPr id="7" name="Straight Connector 6">
             <a:extLst>
               <a:ext uri="{FF2B5EF4-FFF2-40B4-BE49-F238E27FC236}">
-                <a16:creationId xmlns:a16="http://schemas.microsoft.com/office/drawing/2014/main" xmlns="" id="{5C86DF66-DB82-48E3-A697-72CC4787648D}"/>
+                <a16:creationId xmlns="" xmlns:a16="http://schemas.microsoft.com/office/drawing/2014/main" id="{5C86DF66-DB82-48E3-A697-72CC4787648D}"/>
               </a:ext>
             </a:extLst>
           </p:cNvPr>
@@ -31220,7 +31232,7 @@
           <p:cNvPr id="8" name="Straight Arrow Connector 7">
             <a:extLst>
               <a:ext uri="{FF2B5EF4-FFF2-40B4-BE49-F238E27FC236}">
-                <a16:creationId xmlns:a16="http://schemas.microsoft.com/office/drawing/2014/main" xmlns="" id="{DD45EFC9-930E-49EF-B341-A70670F9ECE4}"/>
+                <a16:creationId xmlns="" xmlns:a16="http://schemas.microsoft.com/office/drawing/2014/main" id="{DD45EFC9-930E-49EF-B341-A70670F9ECE4}"/>
               </a:ext>
             </a:extLst>
           </p:cNvPr>
@@ -31264,7 +31276,7 @@
           <p:cNvPr id="9" name="Straight Arrow Connector 8">
             <a:extLst>
               <a:ext uri="{FF2B5EF4-FFF2-40B4-BE49-F238E27FC236}">
-                <a16:creationId xmlns:a16="http://schemas.microsoft.com/office/drawing/2014/main" xmlns="" id="{B58A4DF1-0037-4D6A-9DC9-21153173D7D6}"/>
+                <a16:creationId xmlns="" xmlns:a16="http://schemas.microsoft.com/office/drawing/2014/main" id="{B58A4DF1-0037-4D6A-9DC9-21153173D7D6}"/>
               </a:ext>
             </a:extLst>
           </p:cNvPr>
@@ -31308,7 +31320,7 @@
           <p:cNvPr id="10" name="Straight Arrow Connector 9">
             <a:extLst>
               <a:ext uri="{FF2B5EF4-FFF2-40B4-BE49-F238E27FC236}">
-                <a16:creationId xmlns:a16="http://schemas.microsoft.com/office/drawing/2014/main" xmlns="" id="{6ED0E982-CC4D-4158-8CF2-2B6A57883986}"/>
+                <a16:creationId xmlns="" xmlns:a16="http://schemas.microsoft.com/office/drawing/2014/main" id="{6ED0E982-CC4D-4158-8CF2-2B6A57883986}"/>
               </a:ext>
             </a:extLst>
           </p:cNvPr>
@@ -31352,7 +31364,7 @@
           <p:cNvPr id="11" name="Straight Arrow Connector 10">
             <a:extLst>
               <a:ext uri="{FF2B5EF4-FFF2-40B4-BE49-F238E27FC236}">
-                <a16:creationId xmlns:a16="http://schemas.microsoft.com/office/drawing/2014/main" xmlns="" id="{C73328DC-FFF3-43BB-9850-FA262240D5C9}"/>
+                <a16:creationId xmlns="" xmlns:a16="http://schemas.microsoft.com/office/drawing/2014/main" id="{C73328DC-FFF3-43BB-9850-FA262240D5C9}"/>
               </a:ext>
             </a:extLst>
           </p:cNvPr>
@@ -31396,7 +31408,7 @@
           <p:cNvPr id="12" name="Straight Arrow Connector 11">
             <a:extLst>
               <a:ext uri="{FF2B5EF4-FFF2-40B4-BE49-F238E27FC236}">
-                <a16:creationId xmlns:a16="http://schemas.microsoft.com/office/drawing/2014/main" xmlns="" id="{3DE960AC-B9E7-44A3-8010-2638F77DFF01}"/>
+                <a16:creationId xmlns="" xmlns:a16="http://schemas.microsoft.com/office/drawing/2014/main" id="{3DE960AC-B9E7-44A3-8010-2638F77DFF01}"/>
               </a:ext>
             </a:extLst>
           </p:cNvPr>
@@ -31440,7 +31452,7 @@
           <p:cNvPr id="13" name="Rectangle 12">
             <a:extLst>
               <a:ext uri="{FF2B5EF4-FFF2-40B4-BE49-F238E27FC236}">
-                <a16:creationId xmlns:a16="http://schemas.microsoft.com/office/drawing/2014/main" xmlns="" id="{D985168F-6C55-4124-8413-7373962A0DC2}"/>
+                <a16:creationId xmlns="" xmlns:a16="http://schemas.microsoft.com/office/drawing/2014/main" id="{D985168F-6C55-4124-8413-7373962A0DC2}"/>
               </a:ext>
             </a:extLst>
           </p:cNvPr>
@@ -31475,7 +31487,7 @@
           <p:cNvPr id="14" name="Rectangle 13">
             <a:extLst>
               <a:ext uri="{FF2B5EF4-FFF2-40B4-BE49-F238E27FC236}">
-                <a16:creationId xmlns:a16="http://schemas.microsoft.com/office/drawing/2014/main" xmlns="" id="{9440A2D8-6C72-4D31-81E0-CED550D5C1A3}"/>
+                <a16:creationId xmlns="" xmlns:a16="http://schemas.microsoft.com/office/drawing/2014/main" id="{9440A2D8-6C72-4D31-81E0-CED550D5C1A3}"/>
               </a:ext>
             </a:extLst>
           </p:cNvPr>
@@ -31510,7 +31522,7 @@
           <p:cNvPr id="15" name="Rectangle 14">
             <a:extLst>
               <a:ext uri="{FF2B5EF4-FFF2-40B4-BE49-F238E27FC236}">
-                <a16:creationId xmlns:a16="http://schemas.microsoft.com/office/drawing/2014/main" xmlns="" id="{DC5A3B16-ACAD-453B-A713-366FF5C9364D}"/>
+                <a16:creationId xmlns="" xmlns:a16="http://schemas.microsoft.com/office/drawing/2014/main" id="{DC5A3B16-ACAD-453B-A713-366FF5C9364D}"/>
               </a:ext>
             </a:extLst>
           </p:cNvPr>
@@ -31545,7 +31557,7 @@
           <p:cNvPr id="16" name="Rectangle 15">
             <a:extLst>
               <a:ext uri="{FF2B5EF4-FFF2-40B4-BE49-F238E27FC236}">
-                <a16:creationId xmlns:a16="http://schemas.microsoft.com/office/drawing/2014/main" xmlns="" id="{B1966CFF-F461-410F-81F2-6B61D7CAAA3D}"/>
+                <a16:creationId xmlns="" xmlns:a16="http://schemas.microsoft.com/office/drawing/2014/main" id="{B1966CFF-F461-410F-81F2-6B61D7CAAA3D}"/>
               </a:ext>
             </a:extLst>
           </p:cNvPr>
@@ -31580,7 +31592,7 @@
           <p:cNvPr id="17" name="Rectangle 16">
             <a:extLst>
               <a:ext uri="{FF2B5EF4-FFF2-40B4-BE49-F238E27FC236}">
-                <a16:creationId xmlns:a16="http://schemas.microsoft.com/office/drawing/2014/main" xmlns="" id="{D34A0625-EB59-464C-9768-182881EAF7D3}"/>
+                <a16:creationId xmlns="" xmlns:a16="http://schemas.microsoft.com/office/drawing/2014/main" id="{D34A0625-EB59-464C-9768-182881EAF7D3}"/>
               </a:ext>
             </a:extLst>
           </p:cNvPr>
@@ -31615,7 +31627,7 @@
           <p:cNvPr id="23" name="Straight Connector 22">
             <a:extLst>
               <a:ext uri="{FF2B5EF4-FFF2-40B4-BE49-F238E27FC236}">
-                <a16:creationId xmlns:a16="http://schemas.microsoft.com/office/drawing/2014/main" xmlns="" id="{168BBAD3-BE8B-45A0-9853-14802E84B8F7}"/>
+                <a16:creationId xmlns="" xmlns:a16="http://schemas.microsoft.com/office/drawing/2014/main" id="{168BBAD3-BE8B-45A0-9853-14802E84B8F7}"/>
               </a:ext>
             </a:extLst>
           </p:cNvPr>
@@ -31652,7 +31664,7 @@
           <p:cNvPr id="24" name="Freeform: Shape 23">
             <a:extLst>
               <a:ext uri="{FF2B5EF4-FFF2-40B4-BE49-F238E27FC236}">
-                <a16:creationId xmlns:a16="http://schemas.microsoft.com/office/drawing/2014/main" xmlns="" id="{6FDC5F4C-7B35-4A55-A099-58934BB10104}"/>
+                <a16:creationId xmlns="" xmlns:a16="http://schemas.microsoft.com/office/drawing/2014/main" id="{6FDC5F4C-7B35-4A55-A099-58934BB10104}"/>
               </a:ext>
             </a:extLst>
           </p:cNvPr>
@@ -31742,7 +31754,7 @@
           <p:cNvPr id="25" name="Rectangle 24">
             <a:extLst>
               <a:ext uri="{FF2B5EF4-FFF2-40B4-BE49-F238E27FC236}">
-                <a16:creationId xmlns:a16="http://schemas.microsoft.com/office/drawing/2014/main" xmlns="" id="{98E782D9-3C92-4FC5-A579-7F45594324DA}"/>
+                <a16:creationId xmlns="" xmlns:a16="http://schemas.microsoft.com/office/drawing/2014/main" id="{98E782D9-3C92-4FC5-A579-7F45594324DA}"/>
               </a:ext>
             </a:extLst>
           </p:cNvPr>
@@ -31784,7 +31796,7 @@
           <p:cNvPr id="26" name="Rectangle 25">
             <a:extLst>
               <a:ext uri="{FF2B5EF4-FFF2-40B4-BE49-F238E27FC236}">
-                <a16:creationId xmlns:a16="http://schemas.microsoft.com/office/drawing/2014/main" xmlns="" id="{35502998-B161-4934-ADDB-BA22C43E8FBB}"/>
+                <a16:creationId xmlns="" xmlns:a16="http://schemas.microsoft.com/office/drawing/2014/main" id="{35502998-B161-4934-ADDB-BA22C43E8FBB}"/>
               </a:ext>
             </a:extLst>
           </p:cNvPr>
@@ -31830,7 +31842,7 @@
           <p:cNvPr id="27" name="Straight Arrow Connector 26">
             <a:extLst>
               <a:ext uri="{FF2B5EF4-FFF2-40B4-BE49-F238E27FC236}">
-                <a16:creationId xmlns:a16="http://schemas.microsoft.com/office/drawing/2014/main" xmlns="" id="{36FF4FBD-858C-4CC7-8236-0BF5B1E890FB}"/>
+                <a16:creationId xmlns="" xmlns:a16="http://schemas.microsoft.com/office/drawing/2014/main" id="{36FF4FBD-858C-4CC7-8236-0BF5B1E890FB}"/>
               </a:ext>
             </a:extLst>
           </p:cNvPr>
@@ -31874,7 +31886,7 @@
           <p:cNvPr id="28" name="Straight Arrow Connector 27">
             <a:extLst>
               <a:ext uri="{FF2B5EF4-FFF2-40B4-BE49-F238E27FC236}">
-                <a16:creationId xmlns:a16="http://schemas.microsoft.com/office/drawing/2014/main" xmlns="" id="{1DD1D5D4-C43F-4033-AE5E-AA9BF22A2EA6}"/>
+                <a16:creationId xmlns="" xmlns:a16="http://schemas.microsoft.com/office/drawing/2014/main" id="{1DD1D5D4-C43F-4033-AE5E-AA9BF22A2EA6}"/>
               </a:ext>
             </a:extLst>
           </p:cNvPr>
@@ -31918,7 +31930,7 @@
           <p:cNvPr id="29" name="Rectangle 28">
             <a:extLst>
               <a:ext uri="{FF2B5EF4-FFF2-40B4-BE49-F238E27FC236}">
-                <a16:creationId xmlns:a16="http://schemas.microsoft.com/office/drawing/2014/main" xmlns="" id="{600883F0-02F1-49CB-9341-2E37D9736354}"/>
+                <a16:creationId xmlns="" xmlns:a16="http://schemas.microsoft.com/office/drawing/2014/main" id="{600883F0-02F1-49CB-9341-2E37D9736354}"/>
               </a:ext>
             </a:extLst>
           </p:cNvPr>
@@ -31959,7 +31971,7 @@
           <p:cNvPr id="30" name="Rectangle 29">
             <a:extLst>
               <a:ext uri="{FF2B5EF4-FFF2-40B4-BE49-F238E27FC236}">
-                <a16:creationId xmlns:a16="http://schemas.microsoft.com/office/drawing/2014/main" xmlns="" id="{EBEE6F4B-9C7B-4D65-83E0-927D71412BF7}"/>
+                <a16:creationId xmlns="" xmlns:a16="http://schemas.microsoft.com/office/drawing/2014/main" id="{EBEE6F4B-9C7B-4D65-83E0-927D71412BF7}"/>
               </a:ext>
             </a:extLst>
           </p:cNvPr>
@@ -32030,7 +32042,7 @@
           <p:cNvPr id="2" name="Title 1">
             <a:extLst>
               <a:ext uri="{FF2B5EF4-FFF2-40B4-BE49-F238E27FC236}">
-                <a16:creationId xmlns:a16="http://schemas.microsoft.com/office/drawing/2014/main" xmlns="" id="{E91851B8-2161-42E8-9411-B1D2A4293767}"/>
+                <a16:creationId xmlns="" xmlns:a16="http://schemas.microsoft.com/office/drawing/2014/main" id="{E91851B8-2161-42E8-9411-B1D2A4293767}"/>
               </a:ext>
             </a:extLst>
           </p:cNvPr>
@@ -32065,7 +32077,7 @@
           <p:cNvPr id="3" name="Subtitle 2">
             <a:extLst>
               <a:ext uri="{FF2B5EF4-FFF2-40B4-BE49-F238E27FC236}">
-                <a16:creationId xmlns:a16="http://schemas.microsoft.com/office/drawing/2014/main" xmlns="" id="{FF3699E4-9036-4A55-9E2C-4EFB2569521E}"/>
+                <a16:creationId xmlns="" xmlns:a16="http://schemas.microsoft.com/office/drawing/2014/main" id="{FF3699E4-9036-4A55-9E2C-4EFB2569521E}"/>
               </a:ext>
             </a:extLst>
           </p:cNvPr>
@@ -32086,8 +32098,17 @@
           <a:p>
             <a:r>
               <a:rPr lang="en-AU" dirty="0"/>
-              <a:t>Email Me: Paul.Garrett@newcastle.edu.au</a:t>
-            </a:r>
+              <a:t>Email Me</a:t>
+            </a:r>
+            <a:r>
+              <a:rPr lang="en-AU"/>
+              <a:t>: </a:t>
+            </a:r>
+            <a:r>
+              <a:rPr lang="en-AU" smtClean="0"/>
+              <a:t>PaulGarrett2016@gmail.com</a:t>
+            </a:r>
+            <a:endParaRPr lang="en-AU" dirty="0"/>
           </a:p>
         </p:txBody>
       </p:sp>
@@ -32126,7 +32147,7 @@
           <p:cNvPr id="2" name="Title 1">
             <a:extLst>
               <a:ext uri="{FF2B5EF4-FFF2-40B4-BE49-F238E27FC236}">
-                <a16:creationId xmlns:a16="http://schemas.microsoft.com/office/drawing/2014/main" xmlns="" id="{BA3312A1-8E59-484F-BD16-94B414E04BDD}"/>
+                <a16:creationId xmlns="" xmlns:a16="http://schemas.microsoft.com/office/drawing/2014/main" id="{BA3312A1-8E59-484F-BD16-94B414E04BDD}"/>
               </a:ext>
             </a:extLst>
           </p:cNvPr>
@@ -32154,7 +32175,7 @@
           <p:cNvPr id="3" name="Content Placeholder 2">
             <a:extLst>
               <a:ext uri="{FF2B5EF4-FFF2-40B4-BE49-F238E27FC236}">
-                <a16:creationId xmlns:a16="http://schemas.microsoft.com/office/drawing/2014/main" xmlns="" id="{9545EF81-A004-4775-9970-D0C57F5F554A}"/>
+                <a16:creationId xmlns="" xmlns:a16="http://schemas.microsoft.com/office/drawing/2014/main" id="{9545EF81-A004-4775-9970-D0C57F5F554A}"/>
               </a:ext>
             </a:extLst>
           </p:cNvPr>
@@ -32312,7 +32333,7 @@
           <p:cNvPr id="2" name="Title 1">
             <a:extLst>
               <a:ext uri="{FF2B5EF4-FFF2-40B4-BE49-F238E27FC236}">
-                <a16:creationId xmlns:a16="http://schemas.microsoft.com/office/drawing/2014/main" xmlns="" id="{BA3312A1-8E59-484F-BD16-94B414E04BDD}"/>
+                <a16:creationId xmlns="" xmlns:a16="http://schemas.microsoft.com/office/drawing/2014/main" id="{BA3312A1-8E59-484F-BD16-94B414E04BDD}"/>
               </a:ext>
             </a:extLst>
           </p:cNvPr>
@@ -32340,7 +32361,7 @@
           <p:cNvPr id="3" name="Content Placeholder 2">
             <a:extLst>
               <a:ext uri="{FF2B5EF4-FFF2-40B4-BE49-F238E27FC236}">
-                <a16:creationId xmlns:a16="http://schemas.microsoft.com/office/drawing/2014/main" xmlns="" id="{9545EF81-A004-4775-9970-D0C57F5F554A}"/>
+                <a16:creationId xmlns="" xmlns:a16="http://schemas.microsoft.com/office/drawing/2014/main" id="{9545EF81-A004-4775-9970-D0C57F5F554A}"/>
               </a:ext>
             </a:extLst>
           </p:cNvPr>
@@ -32397,7 +32418,7 @@
           <p:cNvPr id="4" name="Oval 3">
             <a:extLst>
               <a:ext uri="{FF2B5EF4-FFF2-40B4-BE49-F238E27FC236}">
-                <a16:creationId xmlns:a16="http://schemas.microsoft.com/office/drawing/2014/main" xmlns="" id="{0B5E8970-A0BE-4FDE-9AF3-215418A71E67}"/>
+                <a16:creationId xmlns="" xmlns:a16="http://schemas.microsoft.com/office/drawing/2014/main" id="{0B5E8970-A0BE-4FDE-9AF3-215418A71E67}"/>
               </a:ext>
             </a:extLst>
           </p:cNvPr>
@@ -32451,7 +32472,7 @@
           <p:cNvPr id="5" name="Oval 4">
             <a:extLst>
               <a:ext uri="{FF2B5EF4-FFF2-40B4-BE49-F238E27FC236}">
-                <a16:creationId xmlns:a16="http://schemas.microsoft.com/office/drawing/2014/main" xmlns="" id="{FA245701-4B0A-4239-8136-2C7E42D57E73}"/>
+                <a16:creationId xmlns="" xmlns:a16="http://schemas.microsoft.com/office/drawing/2014/main" id="{FA245701-4B0A-4239-8136-2C7E42D57E73}"/>
               </a:ext>
             </a:extLst>
           </p:cNvPr>
@@ -32505,7 +32526,7 @@
           <p:cNvPr id="14" name="Oval 13">
             <a:extLst>
               <a:ext uri="{FF2B5EF4-FFF2-40B4-BE49-F238E27FC236}">
-                <a16:creationId xmlns:a16="http://schemas.microsoft.com/office/drawing/2014/main" xmlns="" id="{917DAEBB-BB1B-4677-9184-E0D8E212B820}"/>
+                <a16:creationId xmlns="" xmlns:a16="http://schemas.microsoft.com/office/drawing/2014/main" id="{917DAEBB-BB1B-4677-9184-E0D8E212B820}"/>
               </a:ext>
             </a:extLst>
           </p:cNvPr>
@@ -32559,7 +32580,7 @@
           <p:cNvPr id="15" name="TextBox 14">
             <a:extLst>
               <a:ext uri="{FF2B5EF4-FFF2-40B4-BE49-F238E27FC236}">
-                <a16:creationId xmlns:a16="http://schemas.microsoft.com/office/drawing/2014/main" xmlns="" id="{A1D05F9B-044B-4EAB-A257-220B7C4C82A4}"/>
+                <a16:creationId xmlns="" xmlns:a16="http://schemas.microsoft.com/office/drawing/2014/main" id="{A1D05F9B-044B-4EAB-A257-220B7C4C82A4}"/>
               </a:ext>
             </a:extLst>
           </p:cNvPr>
@@ -32594,7 +32615,7 @@
           <p:cNvPr id="16" name="Oval 15">
             <a:extLst>
               <a:ext uri="{FF2B5EF4-FFF2-40B4-BE49-F238E27FC236}">
-                <a16:creationId xmlns:a16="http://schemas.microsoft.com/office/drawing/2014/main" xmlns="" id="{AD247F2C-9D84-4977-9FB6-9311285B7D62}"/>
+                <a16:creationId xmlns="" xmlns:a16="http://schemas.microsoft.com/office/drawing/2014/main" id="{AD247F2C-9D84-4977-9FB6-9311285B7D62}"/>
               </a:ext>
             </a:extLst>
           </p:cNvPr>
@@ -32648,7 +32669,7 @@
           <p:cNvPr id="17" name="TextBox 16">
             <a:extLst>
               <a:ext uri="{FF2B5EF4-FFF2-40B4-BE49-F238E27FC236}">
-                <a16:creationId xmlns:a16="http://schemas.microsoft.com/office/drawing/2014/main" xmlns="" id="{A9C99C4B-0089-45B1-BD5C-9A93DC6812AA}"/>
+                <a16:creationId xmlns="" xmlns:a16="http://schemas.microsoft.com/office/drawing/2014/main" id="{A9C99C4B-0089-45B1-BD5C-9A93DC6812AA}"/>
               </a:ext>
             </a:extLst>
           </p:cNvPr>
@@ -32713,7 +32734,7 @@
           <p:cNvPr id="2" name="Title 1">
             <a:extLst>
               <a:ext uri="{FF2B5EF4-FFF2-40B4-BE49-F238E27FC236}">
-                <a16:creationId xmlns:a16="http://schemas.microsoft.com/office/drawing/2014/main" xmlns="" id="{BA3312A1-8E59-484F-BD16-94B414E04BDD}"/>
+                <a16:creationId xmlns="" xmlns:a16="http://schemas.microsoft.com/office/drawing/2014/main" id="{BA3312A1-8E59-484F-BD16-94B414E04BDD}"/>
               </a:ext>
             </a:extLst>
           </p:cNvPr>
@@ -32741,7 +32762,7 @@
           <p:cNvPr id="3" name="Content Placeholder 2">
             <a:extLst>
               <a:ext uri="{FF2B5EF4-FFF2-40B4-BE49-F238E27FC236}">
-                <a16:creationId xmlns:a16="http://schemas.microsoft.com/office/drawing/2014/main" xmlns="" id="{9545EF81-A004-4775-9970-D0C57F5F554A}"/>
+                <a16:creationId xmlns="" xmlns:a16="http://schemas.microsoft.com/office/drawing/2014/main" id="{9545EF81-A004-4775-9970-D0C57F5F554A}"/>
               </a:ext>
             </a:extLst>
           </p:cNvPr>
@@ -32778,7 +32799,7 @@
           <p:cNvPr id="6" name="Straight Connector 5">
             <a:extLst>
               <a:ext uri="{FF2B5EF4-FFF2-40B4-BE49-F238E27FC236}">
-                <a16:creationId xmlns:a16="http://schemas.microsoft.com/office/drawing/2014/main" xmlns="" id="{558C96D9-A0C4-4302-8C9A-8F56E0E5F824}"/>
+                <a16:creationId xmlns="" xmlns:a16="http://schemas.microsoft.com/office/drawing/2014/main" id="{558C96D9-A0C4-4302-8C9A-8F56E0E5F824}"/>
               </a:ext>
             </a:extLst>
           </p:cNvPr>
@@ -32817,7 +32838,7 @@
           <p:cNvPr id="7" name="Straight Connector 6">
             <a:extLst>
               <a:ext uri="{FF2B5EF4-FFF2-40B4-BE49-F238E27FC236}">
-                <a16:creationId xmlns:a16="http://schemas.microsoft.com/office/drawing/2014/main" xmlns="" id="{32A9B23D-17D6-4B9D-A01B-DA6D93564A73}"/>
+                <a16:creationId xmlns="" xmlns:a16="http://schemas.microsoft.com/office/drawing/2014/main" id="{32A9B23D-17D6-4B9D-A01B-DA6D93564A73}"/>
               </a:ext>
             </a:extLst>
           </p:cNvPr>
@@ -32856,7 +32877,7 @@
           <p:cNvPr id="9" name="Straight Connector 8">
             <a:extLst>
               <a:ext uri="{FF2B5EF4-FFF2-40B4-BE49-F238E27FC236}">
-                <a16:creationId xmlns:a16="http://schemas.microsoft.com/office/drawing/2014/main" xmlns="" id="{AE113220-BA50-4D59-97A4-79D41441FADF}"/>
+                <a16:creationId xmlns="" xmlns:a16="http://schemas.microsoft.com/office/drawing/2014/main" id="{AE113220-BA50-4D59-97A4-79D41441FADF}"/>
               </a:ext>
             </a:extLst>
           </p:cNvPr>
@@ -32899,7 +32920,7 @@
           <p:cNvPr id="12" name="Straight Connector 11">
             <a:extLst>
               <a:ext uri="{FF2B5EF4-FFF2-40B4-BE49-F238E27FC236}">
-                <a16:creationId xmlns:a16="http://schemas.microsoft.com/office/drawing/2014/main" xmlns="" id="{39641B7B-1E67-46A4-9BE5-7AAC67C0414C}"/>
+                <a16:creationId xmlns="" xmlns:a16="http://schemas.microsoft.com/office/drawing/2014/main" id="{39641B7B-1E67-46A4-9BE5-7AAC67C0414C}"/>
               </a:ext>
             </a:extLst>
           </p:cNvPr>
@@ -32942,7 +32963,7 @@
           <p:cNvPr id="13" name="Straight Connector 12">
             <a:extLst>
               <a:ext uri="{FF2B5EF4-FFF2-40B4-BE49-F238E27FC236}">
-                <a16:creationId xmlns:a16="http://schemas.microsoft.com/office/drawing/2014/main" xmlns="" id="{5A3C90BF-8505-40DE-B0F1-18DFC59EA387}"/>
+                <a16:creationId xmlns="" xmlns:a16="http://schemas.microsoft.com/office/drawing/2014/main" id="{5A3C90BF-8505-40DE-B0F1-18DFC59EA387}"/>
               </a:ext>
             </a:extLst>
           </p:cNvPr>
@@ -32985,7 +33006,7 @@
           <p:cNvPr id="18" name="Oval 17">
             <a:extLst>
               <a:ext uri="{FF2B5EF4-FFF2-40B4-BE49-F238E27FC236}">
-                <a16:creationId xmlns:a16="http://schemas.microsoft.com/office/drawing/2014/main" xmlns="" id="{1232F04C-EF38-495F-8526-BE197B986488}"/>
+                <a16:creationId xmlns="" xmlns:a16="http://schemas.microsoft.com/office/drawing/2014/main" id="{1232F04C-EF38-495F-8526-BE197B986488}"/>
               </a:ext>
             </a:extLst>
           </p:cNvPr>
@@ -33039,7 +33060,7 @@
           <p:cNvPr id="20" name="TextBox 19">
             <a:extLst>
               <a:ext uri="{FF2B5EF4-FFF2-40B4-BE49-F238E27FC236}">
-                <a16:creationId xmlns:a16="http://schemas.microsoft.com/office/drawing/2014/main" xmlns="" id="{88EF49E5-3BAB-4C29-98DE-746ED88F3786}"/>
+                <a16:creationId xmlns="" xmlns:a16="http://schemas.microsoft.com/office/drawing/2014/main" id="{88EF49E5-3BAB-4C29-98DE-746ED88F3786}"/>
               </a:ext>
             </a:extLst>
           </p:cNvPr>
@@ -33104,7 +33125,7 @@
           <p:cNvPr id="2" name="Title 1">
             <a:extLst>
               <a:ext uri="{FF2B5EF4-FFF2-40B4-BE49-F238E27FC236}">
-                <a16:creationId xmlns:a16="http://schemas.microsoft.com/office/drawing/2014/main" xmlns="" id="{BA3312A1-8E59-484F-BD16-94B414E04BDD}"/>
+                <a16:creationId xmlns="" xmlns:a16="http://schemas.microsoft.com/office/drawing/2014/main" id="{BA3312A1-8E59-484F-BD16-94B414E04BDD}"/>
               </a:ext>
             </a:extLst>
           </p:cNvPr>
@@ -33132,7 +33153,7 @@
           <p:cNvPr id="3" name="Content Placeholder 2">
             <a:extLst>
               <a:ext uri="{FF2B5EF4-FFF2-40B4-BE49-F238E27FC236}">
-                <a16:creationId xmlns:a16="http://schemas.microsoft.com/office/drawing/2014/main" xmlns="" id="{9545EF81-A004-4775-9970-D0C57F5F554A}"/>
+                <a16:creationId xmlns="" xmlns:a16="http://schemas.microsoft.com/office/drawing/2014/main" id="{9545EF81-A004-4775-9970-D0C57F5F554A}"/>
               </a:ext>
             </a:extLst>
           </p:cNvPr>
@@ -33190,7 +33211,7 @@
           <p:cNvPr id="6" name="Straight Connector 5">
             <a:extLst>
               <a:ext uri="{FF2B5EF4-FFF2-40B4-BE49-F238E27FC236}">
-                <a16:creationId xmlns:a16="http://schemas.microsoft.com/office/drawing/2014/main" xmlns="" id="{558C96D9-A0C4-4302-8C9A-8F56E0E5F824}"/>
+                <a16:creationId xmlns="" xmlns:a16="http://schemas.microsoft.com/office/drawing/2014/main" id="{558C96D9-A0C4-4302-8C9A-8F56E0E5F824}"/>
               </a:ext>
             </a:extLst>
           </p:cNvPr>
@@ -33229,7 +33250,7 @@
           <p:cNvPr id="9" name="Straight Connector 8">
             <a:extLst>
               <a:ext uri="{FF2B5EF4-FFF2-40B4-BE49-F238E27FC236}">
-                <a16:creationId xmlns:a16="http://schemas.microsoft.com/office/drawing/2014/main" xmlns="" id="{AE113220-BA50-4D59-97A4-79D41441FADF}"/>
+                <a16:creationId xmlns="" xmlns:a16="http://schemas.microsoft.com/office/drawing/2014/main" id="{AE113220-BA50-4D59-97A4-79D41441FADF}"/>
               </a:ext>
             </a:extLst>
           </p:cNvPr>
@@ -33272,7 +33293,7 @@
           <p:cNvPr id="12" name="Straight Connector 11">
             <a:extLst>
               <a:ext uri="{FF2B5EF4-FFF2-40B4-BE49-F238E27FC236}">
-                <a16:creationId xmlns:a16="http://schemas.microsoft.com/office/drawing/2014/main" xmlns="" id="{39641B7B-1E67-46A4-9BE5-7AAC67C0414C}"/>
+                <a16:creationId xmlns="" xmlns:a16="http://schemas.microsoft.com/office/drawing/2014/main" id="{39641B7B-1E67-46A4-9BE5-7AAC67C0414C}"/>
               </a:ext>
             </a:extLst>
           </p:cNvPr>
@@ -33315,7 +33336,7 @@
           <p:cNvPr id="13" name="Straight Connector 12">
             <a:extLst>
               <a:ext uri="{FF2B5EF4-FFF2-40B4-BE49-F238E27FC236}">
-                <a16:creationId xmlns:a16="http://schemas.microsoft.com/office/drawing/2014/main" xmlns="" id="{5A3C90BF-8505-40DE-B0F1-18DFC59EA387}"/>
+                <a16:creationId xmlns="" xmlns:a16="http://schemas.microsoft.com/office/drawing/2014/main" id="{5A3C90BF-8505-40DE-B0F1-18DFC59EA387}"/>
               </a:ext>
             </a:extLst>
           </p:cNvPr>
@@ -33358,7 +33379,7 @@
           <p:cNvPr id="18" name="Oval 17">
             <a:extLst>
               <a:ext uri="{FF2B5EF4-FFF2-40B4-BE49-F238E27FC236}">
-                <a16:creationId xmlns:a16="http://schemas.microsoft.com/office/drawing/2014/main" xmlns="" id="{1232F04C-EF38-495F-8526-BE197B986488}"/>
+                <a16:creationId xmlns="" xmlns:a16="http://schemas.microsoft.com/office/drawing/2014/main" id="{1232F04C-EF38-495F-8526-BE197B986488}"/>
               </a:ext>
             </a:extLst>
           </p:cNvPr>
@@ -33412,7 +33433,7 @@
           <p:cNvPr id="4" name="Oval 3">
             <a:extLst>
               <a:ext uri="{FF2B5EF4-FFF2-40B4-BE49-F238E27FC236}">
-                <a16:creationId xmlns:a16="http://schemas.microsoft.com/office/drawing/2014/main" xmlns="" id="{B40C4311-0880-4E08-A583-B170A86F8D2C}"/>
+                <a16:creationId xmlns="" xmlns:a16="http://schemas.microsoft.com/office/drawing/2014/main" id="{B40C4311-0880-4E08-A583-B170A86F8D2C}"/>
               </a:ext>
             </a:extLst>
           </p:cNvPr>
@@ -33466,7 +33487,7 @@
           <p:cNvPr id="14" name="Oval 13">
             <a:extLst>
               <a:ext uri="{FF2B5EF4-FFF2-40B4-BE49-F238E27FC236}">
-                <a16:creationId xmlns:a16="http://schemas.microsoft.com/office/drawing/2014/main" xmlns="" id="{C210FE6A-0BB2-45A2-AE0E-38E3930CCD03}"/>
+                <a16:creationId xmlns="" xmlns:a16="http://schemas.microsoft.com/office/drawing/2014/main" id="{C210FE6A-0BB2-45A2-AE0E-38E3930CCD03}"/>
               </a:ext>
             </a:extLst>
           </p:cNvPr>
@@ -33520,7 +33541,7 @@
           <p:cNvPr id="15" name="Oval 14">
             <a:extLst>
               <a:ext uri="{FF2B5EF4-FFF2-40B4-BE49-F238E27FC236}">
-                <a16:creationId xmlns:a16="http://schemas.microsoft.com/office/drawing/2014/main" xmlns="" id="{505AFF55-BFDF-45B7-AE5D-DB030465F2B5}"/>
+                <a16:creationId xmlns="" xmlns:a16="http://schemas.microsoft.com/office/drawing/2014/main" id="{505AFF55-BFDF-45B7-AE5D-DB030465F2B5}"/>
               </a:ext>
             </a:extLst>
           </p:cNvPr>
@@ -33574,7 +33595,7 @@
           <p:cNvPr id="16" name="Oval 15">
             <a:extLst>
               <a:ext uri="{FF2B5EF4-FFF2-40B4-BE49-F238E27FC236}">
-                <a16:creationId xmlns:a16="http://schemas.microsoft.com/office/drawing/2014/main" xmlns="" id="{E56A103A-2FE5-4DA4-B559-76DF3C7FC22C}"/>
+                <a16:creationId xmlns="" xmlns:a16="http://schemas.microsoft.com/office/drawing/2014/main" id="{E56A103A-2FE5-4DA4-B559-76DF3C7FC22C}"/>
               </a:ext>
             </a:extLst>
           </p:cNvPr>
@@ -33628,7 +33649,7 @@
           <p:cNvPr id="17" name="Oval 16">
             <a:extLst>
               <a:ext uri="{FF2B5EF4-FFF2-40B4-BE49-F238E27FC236}">
-                <a16:creationId xmlns:a16="http://schemas.microsoft.com/office/drawing/2014/main" xmlns="" id="{14B2818D-1105-4E0E-B594-F250A6ADDC91}"/>
+                <a16:creationId xmlns="" xmlns:a16="http://schemas.microsoft.com/office/drawing/2014/main" id="{14B2818D-1105-4E0E-B594-F250A6ADDC91}"/>
               </a:ext>
             </a:extLst>
           </p:cNvPr>
@@ -33682,7 +33703,7 @@
           <p:cNvPr id="20" name="Oval 19">
             <a:extLst>
               <a:ext uri="{FF2B5EF4-FFF2-40B4-BE49-F238E27FC236}">
-                <a16:creationId xmlns:a16="http://schemas.microsoft.com/office/drawing/2014/main" xmlns="" id="{CBA18471-101C-4B87-AD63-79F761223B25}"/>
+                <a16:creationId xmlns="" xmlns:a16="http://schemas.microsoft.com/office/drawing/2014/main" id="{CBA18471-101C-4B87-AD63-79F761223B25}"/>
               </a:ext>
             </a:extLst>
           </p:cNvPr>
@@ -33736,7 +33757,7 @@
           <p:cNvPr id="21" name="Oval 20">
             <a:extLst>
               <a:ext uri="{FF2B5EF4-FFF2-40B4-BE49-F238E27FC236}">
-                <a16:creationId xmlns:a16="http://schemas.microsoft.com/office/drawing/2014/main" xmlns="" id="{BD64AAC6-9636-476B-B500-4BF57C871B90}"/>
+                <a16:creationId xmlns="" xmlns:a16="http://schemas.microsoft.com/office/drawing/2014/main" id="{BD64AAC6-9636-476B-B500-4BF57C871B90}"/>
               </a:ext>
             </a:extLst>
           </p:cNvPr>
@@ -33790,7 +33811,7 @@
           <p:cNvPr id="22" name="Oval 21">
             <a:extLst>
               <a:ext uri="{FF2B5EF4-FFF2-40B4-BE49-F238E27FC236}">
-                <a16:creationId xmlns:a16="http://schemas.microsoft.com/office/drawing/2014/main" xmlns="" id="{FF4CD4B3-ACD4-481F-856E-5CD5ED73DA8B}"/>
+                <a16:creationId xmlns="" xmlns:a16="http://schemas.microsoft.com/office/drawing/2014/main" id="{FF4CD4B3-ACD4-481F-856E-5CD5ED73DA8B}"/>
               </a:ext>
             </a:extLst>
           </p:cNvPr>
@@ -33844,7 +33865,7 @@
           <p:cNvPr id="31" name="Group 30">
             <a:extLst>
               <a:ext uri="{FF2B5EF4-FFF2-40B4-BE49-F238E27FC236}">
-                <a16:creationId xmlns:a16="http://schemas.microsoft.com/office/drawing/2014/main" xmlns="" id="{115AB27F-0FF9-4540-A068-16BE0EE86180}"/>
+                <a16:creationId xmlns="" xmlns:a16="http://schemas.microsoft.com/office/drawing/2014/main" id="{115AB27F-0FF9-4540-A068-16BE0EE86180}"/>
               </a:ext>
             </a:extLst>
           </p:cNvPr>
@@ -33864,7 +33885,7 @@
             <p:cNvPr id="23" name="Oval 22">
               <a:extLst>
                 <a:ext uri="{FF2B5EF4-FFF2-40B4-BE49-F238E27FC236}">
-                  <a16:creationId xmlns:a16="http://schemas.microsoft.com/office/drawing/2014/main" xmlns="" id="{B68C27DB-A957-4CFC-B856-AC06A72B2BB5}"/>
+                  <a16:creationId xmlns="" xmlns:a16="http://schemas.microsoft.com/office/drawing/2014/main" id="{B68C27DB-A957-4CFC-B856-AC06A72B2BB5}"/>
                 </a:ext>
               </a:extLst>
             </p:cNvPr>
@@ -33918,7 +33939,7 @@
             <p:cNvPr id="24" name="Oval 23">
               <a:extLst>
                 <a:ext uri="{FF2B5EF4-FFF2-40B4-BE49-F238E27FC236}">
-                  <a16:creationId xmlns:a16="http://schemas.microsoft.com/office/drawing/2014/main" xmlns="" id="{2B12C238-E3CB-409E-95F6-93C9BA925002}"/>
+                  <a16:creationId xmlns="" xmlns:a16="http://schemas.microsoft.com/office/drawing/2014/main" id="{2B12C238-E3CB-409E-95F6-93C9BA925002}"/>
                 </a:ext>
               </a:extLst>
             </p:cNvPr>
@@ -33972,7 +33993,7 @@
             <p:cNvPr id="25" name="Oval 24">
               <a:extLst>
                 <a:ext uri="{FF2B5EF4-FFF2-40B4-BE49-F238E27FC236}">
-                  <a16:creationId xmlns:a16="http://schemas.microsoft.com/office/drawing/2014/main" xmlns="" id="{32C1EA5C-390B-4C86-8A30-AD3732DCD886}"/>
+                  <a16:creationId xmlns="" xmlns:a16="http://schemas.microsoft.com/office/drawing/2014/main" id="{32C1EA5C-390B-4C86-8A30-AD3732DCD886}"/>
                 </a:ext>
               </a:extLst>
             </p:cNvPr>
@@ -34026,7 +34047,7 @@
             <p:cNvPr id="26" name="Oval 25">
               <a:extLst>
                 <a:ext uri="{FF2B5EF4-FFF2-40B4-BE49-F238E27FC236}">
-                  <a16:creationId xmlns:a16="http://schemas.microsoft.com/office/drawing/2014/main" xmlns="" id="{E728103B-C697-4FCE-8E47-71597550964E}"/>
+                  <a16:creationId xmlns="" xmlns:a16="http://schemas.microsoft.com/office/drawing/2014/main" id="{E728103B-C697-4FCE-8E47-71597550964E}"/>
                 </a:ext>
               </a:extLst>
             </p:cNvPr>
@@ -34080,7 +34101,7 @@
             <p:cNvPr id="27" name="Oval 26">
               <a:extLst>
                 <a:ext uri="{FF2B5EF4-FFF2-40B4-BE49-F238E27FC236}">
-                  <a16:creationId xmlns:a16="http://schemas.microsoft.com/office/drawing/2014/main" xmlns="" id="{0CA27C61-CB4C-49FD-82D9-9E808FFABA8C}"/>
+                  <a16:creationId xmlns="" xmlns:a16="http://schemas.microsoft.com/office/drawing/2014/main" id="{0CA27C61-CB4C-49FD-82D9-9E808FFABA8C}"/>
                 </a:ext>
               </a:extLst>
             </p:cNvPr>
@@ -34134,7 +34155,7 @@
             <p:cNvPr id="28" name="Oval 27">
               <a:extLst>
                 <a:ext uri="{FF2B5EF4-FFF2-40B4-BE49-F238E27FC236}">
-                  <a16:creationId xmlns:a16="http://schemas.microsoft.com/office/drawing/2014/main" xmlns="" id="{EADC9F85-9D1B-42A1-868F-0F7088C627CA}"/>
+                  <a16:creationId xmlns="" xmlns:a16="http://schemas.microsoft.com/office/drawing/2014/main" id="{EADC9F85-9D1B-42A1-868F-0F7088C627CA}"/>
                 </a:ext>
               </a:extLst>
             </p:cNvPr>
@@ -34188,7 +34209,7 @@
             <p:cNvPr id="29" name="Oval 28">
               <a:extLst>
                 <a:ext uri="{FF2B5EF4-FFF2-40B4-BE49-F238E27FC236}">
-                  <a16:creationId xmlns:a16="http://schemas.microsoft.com/office/drawing/2014/main" xmlns="" id="{03E33A29-DA0E-4825-B1A0-878345619209}"/>
+                  <a16:creationId xmlns="" xmlns:a16="http://schemas.microsoft.com/office/drawing/2014/main" id="{03E33A29-DA0E-4825-B1A0-878345619209}"/>
                 </a:ext>
               </a:extLst>
             </p:cNvPr>
@@ -34243,7 +34264,7 @@
           <p:cNvPr id="32" name="Oval 31">
             <a:extLst>
               <a:ext uri="{FF2B5EF4-FFF2-40B4-BE49-F238E27FC236}">
-                <a16:creationId xmlns:a16="http://schemas.microsoft.com/office/drawing/2014/main" xmlns="" id="{63718134-D1D3-49BE-8511-8051E1C2BC88}"/>
+                <a16:creationId xmlns="" xmlns:a16="http://schemas.microsoft.com/office/drawing/2014/main" id="{63718134-D1D3-49BE-8511-8051E1C2BC88}"/>
               </a:ext>
             </a:extLst>
           </p:cNvPr>
@@ -34297,7 +34318,7 @@
           <p:cNvPr id="33" name="Oval 32">
             <a:extLst>
               <a:ext uri="{FF2B5EF4-FFF2-40B4-BE49-F238E27FC236}">
-                <a16:creationId xmlns:a16="http://schemas.microsoft.com/office/drawing/2014/main" xmlns="" id="{3965C6AA-F3AF-4B56-A637-BF46A582BEFB}"/>
+                <a16:creationId xmlns="" xmlns:a16="http://schemas.microsoft.com/office/drawing/2014/main" id="{3965C6AA-F3AF-4B56-A637-BF46A582BEFB}"/>
               </a:ext>
             </a:extLst>
           </p:cNvPr>
@@ -34351,7 +34372,7 @@
           <p:cNvPr id="35" name="Straight Connector 34">
             <a:extLst>
               <a:ext uri="{FF2B5EF4-FFF2-40B4-BE49-F238E27FC236}">
-                <a16:creationId xmlns:a16="http://schemas.microsoft.com/office/drawing/2014/main" xmlns="" id="{2FBB9482-1872-4290-9A19-3EE9DF5AE850}"/>
+                <a16:creationId xmlns="" xmlns:a16="http://schemas.microsoft.com/office/drawing/2014/main" id="{2FBB9482-1872-4290-9A19-3EE9DF5AE850}"/>
               </a:ext>
             </a:extLst>
           </p:cNvPr>
@@ -34390,7 +34411,7 @@
           <p:cNvPr id="36" name="Oval 35">
             <a:extLst>
               <a:ext uri="{FF2B5EF4-FFF2-40B4-BE49-F238E27FC236}">
-                <a16:creationId xmlns:a16="http://schemas.microsoft.com/office/drawing/2014/main" xmlns="" id="{AA81B0A7-A029-42D3-8E7B-697D69EFE17A}"/>
+                <a16:creationId xmlns="" xmlns:a16="http://schemas.microsoft.com/office/drawing/2014/main" id="{AA81B0A7-A029-42D3-8E7B-697D69EFE17A}"/>
               </a:ext>
             </a:extLst>
           </p:cNvPr>
@@ -34444,7 +34465,7 @@
           <p:cNvPr id="38" name="Freeform: Shape 37">
             <a:extLst>
               <a:ext uri="{FF2B5EF4-FFF2-40B4-BE49-F238E27FC236}">
-                <a16:creationId xmlns:a16="http://schemas.microsoft.com/office/drawing/2014/main" xmlns="" id="{66B7D6E9-7467-4E2E-962D-D73BEDCB0759}"/>
+                <a16:creationId xmlns="" xmlns:a16="http://schemas.microsoft.com/office/drawing/2014/main" id="{66B7D6E9-7467-4E2E-962D-D73BEDCB0759}"/>
               </a:ext>
             </a:extLst>
           </p:cNvPr>
@@ -34534,7 +34555,7 @@
           <p:cNvPr id="41" name="Freeform: Shape 40">
             <a:extLst>
               <a:ext uri="{FF2B5EF4-FFF2-40B4-BE49-F238E27FC236}">
-                <a16:creationId xmlns:a16="http://schemas.microsoft.com/office/drawing/2014/main" xmlns="" id="{A504C78B-663B-46DB-906B-643A2C203F69}"/>
+                <a16:creationId xmlns="" xmlns:a16="http://schemas.microsoft.com/office/drawing/2014/main" id="{A504C78B-663B-46DB-906B-643A2C203F69}"/>
               </a:ext>
             </a:extLst>
           </p:cNvPr>
@@ -34644,7 +34665,7 @@
           <p:cNvPr id="43" name="Straight Connector 42">
             <a:extLst>
               <a:ext uri="{FF2B5EF4-FFF2-40B4-BE49-F238E27FC236}">
-                <a16:creationId xmlns:a16="http://schemas.microsoft.com/office/drawing/2014/main" xmlns="" id="{52A6B012-C2E7-4BEC-821A-A0321759EC58}"/>
+                <a16:creationId xmlns="" xmlns:a16="http://schemas.microsoft.com/office/drawing/2014/main" id="{52A6B012-C2E7-4BEC-821A-A0321759EC58}"/>
               </a:ext>
             </a:extLst>
           </p:cNvPr>
@@ -34687,7 +34708,7 @@
           <p:cNvPr id="45" name="Straight Connector 44">
             <a:extLst>
               <a:ext uri="{FF2B5EF4-FFF2-40B4-BE49-F238E27FC236}">
-                <a16:creationId xmlns:a16="http://schemas.microsoft.com/office/drawing/2014/main" xmlns="" id="{782FD789-F084-4B51-ACDB-E73F2BFBF017}"/>
+                <a16:creationId xmlns="" xmlns:a16="http://schemas.microsoft.com/office/drawing/2014/main" id="{782FD789-F084-4B51-ACDB-E73F2BFBF017}"/>
               </a:ext>
             </a:extLst>
           </p:cNvPr>
@@ -34730,7 +34751,7 @@
           <p:cNvPr id="46" name="Rectangle 45">
             <a:extLst>
               <a:ext uri="{FF2B5EF4-FFF2-40B4-BE49-F238E27FC236}">
-                <a16:creationId xmlns:a16="http://schemas.microsoft.com/office/drawing/2014/main" xmlns="" id="{090C67CF-8DE5-4B33-B55C-2D3EEC8053DA}"/>
+                <a16:creationId xmlns="" xmlns:a16="http://schemas.microsoft.com/office/drawing/2014/main" id="{090C67CF-8DE5-4B33-B55C-2D3EEC8053DA}"/>
               </a:ext>
             </a:extLst>
           </p:cNvPr>
@@ -34764,7 +34785,7 @@
           <p:cNvPr id="47" name="Rectangle 46">
             <a:extLst>
               <a:ext uri="{FF2B5EF4-FFF2-40B4-BE49-F238E27FC236}">
-                <a16:creationId xmlns:a16="http://schemas.microsoft.com/office/drawing/2014/main" xmlns="" id="{772DF758-CD1A-4537-BD28-21AF085804B4}"/>
+                <a16:creationId xmlns="" xmlns:a16="http://schemas.microsoft.com/office/drawing/2014/main" id="{772DF758-CD1A-4537-BD28-21AF085804B4}"/>
               </a:ext>
             </a:extLst>
           </p:cNvPr>
@@ -34798,7 +34819,7 @@
           <p:cNvPr id="48" name="TextBox 47">
             <a:extLst>
               <a:ext uri="{FF2B5EF4-FFF2-40B4-BE49-F238E27FC236}">
-                <a16:creationId xmlns:a16="http://schemas.microsoft.com/office/drawing/2014/main" xmlns="" id="{A183F7CA-9BA5-425E-9462-E880E62CEFAA}"/>
+                <a16:creationId xmlns="" xmlns:a16="http://schemas.microsoft.com/office/drawing/2014/main" id="{A183F7CA-9BA5-425E-9462-E880E62CEFAA}"/>
               </a:ext>
             </a:extLst>
           </p:cNvPr>
@@ -34863,7 +34884,7 @@
           <p:cNvPr id="2" name="Title 1">
             <a:extLst>
               <a:ext uri="{FF2B5EF4-FFF2-40B4-BE49-F238E27FC236}">
-                <a16:creationId xmlns:a16="http://schemas.microsoft.com/office/drawing/2014/main" xmlns="" id="{BA3312A1-8E59-484F-BD16-94B414E04BDD}"/>
+                <a16:creationId xmlns="" xmlns:a16="http://schemas.microsoft.com/office/drawing/2014/main" id="{BA3312A1-8E59-484F-BD16-94B414E04BDD}"/>
               </a:ext>
             </a:extLst>
           </p:cNvPr>
@@ -34891,7 +34912,7 @@
           <p:cNvPr id="3" name="Content Placeholder 2">
             <a:extLst>
               <a:ext uri="{FF2B5EF4-FFF2-40B4-BE49-F238E27FC236}">
-                <a16:creationId xmlns:a16="http://schemas.microsoft.com/office/drawing/2014/main" xmlns="" id="{9545EF81-A004-4775-9970-D0C57F5F554A}"/>
+                <a16:creationId xmlns="" xmlns:a16="http://schemas.microsoft.com/office/drawing/2014/main" id="{9545EF81-A004-4775-9970-D0C57F5F554A}"/>
               </a:ext>
             </a:extLst>
           </p:cNvPr>
@@ -34949,7 +34970,7 @@
           <p:cNvPr id="6" name="Straight Connector 5">
             <a:extLst>
               <a:ext uri="{FF2B5EF4-FFF2-40B4-BE49-F238E27FC236}">
-                <a16:creationId xmlns:a16="http://schemas.microsoft.com/office/drawing/2014/main" xmlns="" id="{558C96D9-A0C4-4302-8C9A-8F56E0E5F824}"/>
+                <a16:creationId xmlns="" xmlns:a16="http://schemas.microsoft.com/office/drawing/2014/main" id="{558C96D9-A0C4-4302-8C9A-8F56E0E5F824}"/>
               </a:ext>
             </a:extLst>
           </p:cNvPr>
@@ -34988,7 +35009,7 @@
           <p:cNvPr id="9" name="Straight Connector 8">
             <a:extLst>
               <a:ext uri="{FF2B5EF4-FFF2-40B4-BE49-F238E27FC236}">
-                <a16:creationId xmlns:a16="http://schemas.microsoft.com/office/drawing/2014/main" xmlns="" id="{AE113220-BA50-4D59-97A4-79D41441FADF}"/>
+                <a16:creationId xmlns="" xmlns:a16="http://schemas.microsoft.com/office/drawing/2014/main" id="{AE113220-BA50-4D59-97A4-79D41441FADF}"/>
               </a:ext>
             </a:extLst>
           </p:cNvPr>
@@ -35031,7 +35052,7 @@
           <p:cNvPr id="12" name="Straight Connector 11">
             <a:extLst>
               <a:ext uri="{FF2B5EF4-FFF2-40B4-BE49-F238E27FC236}">
-                <a16:creationId xmlns:a16="http://schemas.microsoft.com/office/drawing/2014/main" xmlns="" id="{39641B7B-1E67-46A4-9BE5-7AAC67C0414C}"/>
+                <a16:creationId xmlns="" xmlns:a16="http://schemas.microsoft.com/office/drawing/2014/main" id="{39641B7B-1E67-46A4-9BE5-7AAC67C0414C}"/>
               </a:ext>
             </a:extLst>
           </p:cNvPr>
@@ -35074,7 +35095,7 @@
           <p:cNvPr id="13" name="Straight Connector 12">
             <a:extLst>
               <a:ext uri="{FF2B5EF4-FFF2-40B4-BE49-F238E27FC236}">
-                <a16:creationId xmlns:a16="http://schemas.microsoft.com/office/drawing/2014/main" xmlns="" id="{5A3C90BF-8505-40DE-B0F1-18DFC59EA387}"/>
+                <a16:creationId xmlns="" xmlns:a16="http://schemas.microsoft.com/office/drawing/2014/main" id="{5A3C90BF-8505-40DE-B0F1-18DFC59EA387}"/>
               </a:ext>
             </a:extLst>
           </p:cNvPr>
@@ -35117,7 +35138,7 @@
           <p:cNvPr id="18" name="Oval 17">
             <a:extLst>
               <a:ext uri="{FF2B5EF4-FFF2-40B4-BE49-F238E27FC236}">
-                <a16:creationId xmlns:a16="http://schemas.microsoft.com/office/drawing/2014/main" xmlns="" id="{1232F04C-EF38-495F-8526-BE197B986488}"/>
+                <a16:creationId xmlns="" xmlns:a16="http://schemas.microsoft.com/office/drawing/2014/main" id="{1232F04C-EF38-495F-8526-BE197B986488}"/>
               </a:ext>
             </a:extLst>
           </p:cNvPr>
@@ -35171,7 +35192,7 @@
           <p:cNvPr id="19" name="TextBox 18">
             <a:extLst>
               <a:ext uri="{FF2B5EF4-FFF2-40B4-BE49-F238E27FC236}">
-                <a16:creationId xmlns:a16="http://schemas.microsoft.com/office/drawing/2014/main" xmlns="" id="{391D718A-8E5C-4B32-8107-91FD3F705C78}"/>
+                <a16:creationId xmlns="" xmlns:a16="http://schemas.microsoft.com/office/drawing/2014/main" id="{391D718A-8E5C-4B32-8107-91FD3F705C78}"/>
               </a:ext>
             </a:extLst>
           </p:cNvPr>
@@ -35206,7 +35227,7 @@
           <p:cNvPr id="4" name="Oval 3">
             <a:extLst>
               <a:ext uri="{FF2B5EF4-FFF2-40B4-BE49-F238E27FC236}">
-                <a16:creationId xmlns:a16="http://schemas.microsoft.com/office/drawing/2014/main" xmlns="" id="{B40C4311-0880-4E08-A583-B170A86F8D2C}"/>
+                <a16:creationId xmlns="" xmlns:a16="http://schemas.microsoft.com/office/drawing/2014/main" id="{B40C4311-0880-4E08-A583-B170A86F8D2C}"/>
               </a:ext>
             </a:extLst>
           </p:cNvPr>
@@ -35260,7 +35281,7 @@
           <p:cNvPr id="14" name="Oval 13">
             <a:extLst>
               <a:ext uri="{FF2B5EF4-FFF2-40B4-BE49-F238E27FC236}">
-                <a16:creationId xmlns:a16="http://schemas.microsoft.com/office/drawing/2014/main" xmlns="" id="{C210FE6A-0BB2-45A2-AE0E-38E3930CCD03}"/>
+                <a16:creationId xmlns="" xmlns:a16="http://schemas.microsoft.com/office/drawing/2014/main" id="{C210FE6A-0BB2-45A2-AE0E-38E3930CCD03}"/>
               </a:ext>
             </a:extLst>
           </p:cNvPr>
@@ -35314,7 +35335,7 @@
           <p:cNvPr id="15" name="Oval 14">
             <a:extLst>
               <a:ext uri="{FF2B5EF4-FFF2-40B4-BE49-F238E27FC236}">
-                <a16:creationId xmlns:a16="http://schemas.microsoft.com/office/drawing/2014/main" xmlns="" id="{505AFF55-BFDF-45B7-AE5D-DB030465F2B5}"/>
+                <a16:creationId xmlns="" xmlns:a16="http://schemas.microsoft.com/office/drawing/2014/main" id="{505AFF55-BFDF-45B7-AE5D-DB030465F2B5}"/>
               </a:ext>
             </a:extLst>
           </p:cNvPr>
@@ -35368,7 +35389,7 @@
           <p:cNvPr id="16" name="Oval 15">
             <a:extLst>
               <a:ext uri="{FF2B5EF4-FFF2-40B4-BE49-F238E27FC236}">
-                <a16:creationId xmlns:a16="http://schemas.microsoft.com/office/drawing/2014/main" xmlns="" id="{E56A103A-2FE5-4DA4-B559-76DF3C7FC22C}"/>
+                <a16:creationId xmlns="" xmlns:a16="http://schemas.microsoft.com/office/drawing/2014/main" id="{E56A103A-2FE5-4DA4-B559-76DF3C7FC22C}"/>
               </a:ext>
             </a:extLst>
           </p:cNvPr>
@@ -35422,7 +35443,7 @@
           <p:cNvPr id="17" name="Oval 16">
             <a:extLst>
               <a:ext uri="{FF2B5EF4-FFF2-40B4-BE49-F238E27FC236}">
-                <a16:creationId xmlns:a16="http://schemas.microsoft.com/office/drawing/2014/main" xmlns="" id="{14B2818D-1105-4E0E-B594-F250A6ADDC91}"/>
+                <a16:creationId xmlns="" xmlns:a16="http://schemas.microsoft.com/office/drawing/2014/main" id="{14B2818D-1105-4E0E-B594-F250A6ADDC91}"/>
               </a:ext>
             </a:extLst>
           </p:cNvPr>
@@ -35476,7 +35497,7 @@
           <p:cNvPr id="20" name="Oval 19">
             <a:extLst>
               <a:ext uri="{FF2B5EF4-FFF2-40B4-BE49-F238E27FC236}">
-                <a16:creationId xmlns:a16="http://schemas.microsoft.com/office/drawing/2014/main" xmlns="" id="{CBA18471-101C-4B87-AD63-79F761223B25}"/>
+                <a16:creationId xmlns="" xmlns:a16="http://schemas.microsoft.com/office/drawing/2014/main" id="{CBA18471-101C-4B87-AD63-79F761223B25}"/>
               </a:ext>
             </a:extLst>
           </p:cNvPr>
@@ -35530,7 +35551,7 @@
           <p:cNvPr id="21" name="Oval 20">
             <a:extLst>
               <a:ext uri="{FF2B5EF4-FFF2-40B4-BE49-F238E27FC236}">
-                <a16:creationId xmlns:a16="http://schemas.microsoft.com/office/drawing/2014/main" xmlns="" id="{BD64AAC6-9636-476B-B500-4BF57C871B90}"/>
+                <a16:creationId xmlns="" xmlns:a16="http://schemas.microsoft.com/office/drawing/2014/main" id="{BD64AAC6-9636-476B-B500-4BF57C871B90}"/>
               </a:ext>
             </a:extLst>
           </p:cNvPr>
@@ -35584,7 +35605,7 @@
           <p:cNvPr id="22" name="Oval 21">
             <a:extLst>
               <a:ext uri="{FF2B5EF4-FFF2-40B4-BE49-F238E27FC236}">
-                <a16:creationId xmlns:a16="http://schemas.microsoft.com/office/drawing/2014/main" xmlns="" id="{FF4CD4B3-ACD4-481F-856E-5CD5ED73DA8B}"/>
+                <a16:creationId xmlns="" xmlns:a16="http://schemas.microsoft.com/office/drawing/2014/main" id="{FF4CD4B3-ACD4-481F-856E-5CD5ED73DA8B}"/>
               </a:ext>
             </a:extLst>
           </p:cNvPr>
@@ -35638,7 +35659,7 @@
           <p:cNvPr id="23" name="Oval 22">
             <a:extLst>
               <a:ext uri="{FF2B5EF4-FFF2-40B4-BE49-F238E27FC236}">
-                <a16:creationId xmlns:a16="http://schemas.microsoft.com/office/drawing/2014/main" xmlns="" id="{B68C27DB-A957-4CFC-B856-AC06A72B2BB5}"/>
+                <a16:creationId xmlns="" xmlns:a16="http://schemas.microsoft.com/office/drawing/2014/main" id="{B68C27DB-A957-4CFC-B856-AC06A72B2BB5}"/>
               </a:ext>
             </a:extLst>
           </p:cNvPr>
@@ -35692,7 +35713,7 @@
           <p:cNvPr id="24" name="Oval 23">
             <a:extLst>
               <a:ext uri="{FF2B5EF4-FFF2-40B4-BE49-F238E27FC236}">
-                <a16:creationId xmlns:a16="http://schemas.microsoft.com/office/drawing/2014/main" xmlns="" id="{2B12C238-E3CB-409E-95F6-93C9BA925002}"/>
+                <a16:creationId xmlns="" xmlns:a16="http://schemas.microsoft.com/office/drawing/2014/main" id="{2B12C238-E3CB-409E-95F6-93C9BA925002}"/>
               </a:ext>
             </a:extLst>
           </p:cNvPr>
@@ -35746,7 +35767,7 @@
           <p:cNvPr id="25" name="Oval 24">
             <a:extLst>
               <a:ext uri="{FF2B5EF4-FFF2-40B4-BE49-F238E27FC236}">
-                <a16:creationId xmlns:a16="http://schemas.microsoft.com/office/drawing/2014/main" xmlns="" id="{32C1EA5C-390B-4C86-8A30-AD3732DCD886}"/>
+                <a16:creationId xmlns="" xmlns:a16="http://schemas.microsoft.com/office/drawing/2014/main" id="{32C1EA5C-390B-4C86-8A30-AD3732DCD886}"/>
               </a:ext>
             </a:extLst>
           </p:cNvPr>
@@ -35800,7 +35821,7 @@
           <p:cNvPr id="26" name="Oval 25">
             <a:extLst>
               <a:ext uri="{FF2B5EF4-FFF2-40B4-BE49-F238E27FC236}">
-                <a16:creationId xmlns:a16="http://schemas.microsoft.com/office/drawing/2014/main" xmlns="" id="{E728103B-C697-4FCE-8E47-71597550964E}"/>
+                <a16:creationId xmlns="" xmlns:a16="http://schemas.microsoft.com/office/drawing/2014/main" id="{E728103B-C697-4FCE-8E47-71597550964E}"/>
               </a:ext>
             </a:extLst>
           </p:cNvPr>
@@ -35854,7 +35875,7 @@
           <p:cNvPr id="27" name="Oval 26">
             <a:extLst>
               <a:ext uri="{FF2B5EF4-FFF2-40B4-BE49-F238E27FC236}">
-                <a16:creationId xmlns:a16="http://schemas.microsoft.com/office/drawing/2014/main" xmlns="" id="{0CA27C61-CB4C-49FD-82D9-9E808FFABA8C}"/>
+                <a16:creationId xmlns="" xmlns:a16="http://schemas.microsoft.com/office/drawing/2014/main" id="{0CA27C61-CB4C-49FD-82D9-9E808FFABA8C}"/>
               </a:ext>
             </a:extLst>
           </p:cNvPr>
@@ -35908,7 +35929,7 @@
           <p:cNvPr id="28" name="Oval 27">
             <a:extLst>
               <a:ext uri="{FF2B5EF4-FFF2-40B4-BE49-F238E27FC236}">
-                <a16:creationId xmlns:a16="http://schemas.microsoft.com/office/drawing/2014/main" xmlns="" id="{EADC9F85-9D1B-42A1-868F-0F7088C627CA}"/>
+                <a16:creationId xmlns="" xmlns:a16="http://schemas.microsoft.com/office/drawing/2014/main" id="{EADC9F85-9D1B-42A1-868F-0F7088C627CA}"/>
               </a:ext>
             </a:extLst>
           </p:cNvPr>
@@ -35962,7 +35983,7 @@
           <p:cNvPr id="29" name="Oval 28">
             <a:extLst>
               <a:ext uri="{FF2B5EF4-FFF2-40B4-BE49-F238E27FC236}">
-                <a16:creationId xmlns:a16="http://schemas.microsoft.com/office/drawing/2014/main" xmlns="" id="{03E33A29-DA0E-4825-B1A0-878345619209}"/>
+                <a16:creationId xmlns="" xmlns:a16="http://schemas.microsoft.com/office/drawing/2014/main" id="{03E33A29-DA0E-4825-B1A0-878345619209}"/>
               </a:ext>
             </a:extLst>
           </p:cNvPr>
@@ -36016,7 +36037,7 @@
           <p:cNvPr id="32" name="Oval 31">
             <a:extLst>
               <a:ext uri="{FF2B5EF4-FFF2-40B4-BE49-F238E27FC236}">
-                <a16:creationId xmlns:a16="http://schemas.microsoft.com/office/drawing/2014/main" xmlns="" id="{63718134-D1D3-49BE-8511-8051E1C2BC88}"/>
+                <a16:creationId xmlns="" xmlns:a16="http://schemas.microsoft.com/office/drawing/2014/main" id="{63718134-D1D3-49BE-8511-8051E1C2BC88}"/>
               </a:ext>
             </a:extLst>
           </p:cNvPr>
@@ -36070,7 +36091,7 @@
           <p:cNvPr id="33" name="Oval 32">
             <a:extLst>
               <a:ext uri="{FF2B5EF4-FFF2-40B4-BE49-F238E27FC236}">
-                <a16:creationId xmlns:a16="http://schemas.microsoft.com/office/drawing/2014/main" xmlns="" id="{3965C6AA-F3AF-4B56-A637-BF46A582BEFB}"/>
+                <a16:creationId xmlns="" xmlns:a16="http://schemas.microsoft.com/office/drawing/2014/main" id="{3965C6AA-F3AF-4B56-A637-BF46A582BEFB}"/>
               </a:ext>
             </a:extLst>
           </p:cNvPr>
@@ -36124,7 +36145,7 @@
           <p:cNvPr id="35" name="Straight Connector 34">
             <a:extLst>
               <a:ext uri="{FF2B5EF4-FFF2-40B4-BE49-F238E27FC236}">
-                <a16:creationId xmlns:a16="http://schemas.microsoft.com/office/drawing/2014/main" xmlns="" id="{2FBB9482-1872-4290-9A19-3EE9DF5AE850}"/>
+                <a16:creationId xmlns="" xmlns:a16="http://schemas.microsoft.com/office/drawing/2014/main" id="{2FBB9482-1872-4290-9A19-3EE9DF5AE850}"/>
               </a:ext>
             </a:extLst>
           </p:cNvPr>
@@ -36163,7 +36184,7 @@
           <p:cNvPr id="36" name="Oval 35">
             <a:extLst>
               <a:ext uri="{FF2B5EF4-FFF2-40B4-BE49-F238E27FC236}">
-                <a16:creationId xmlns:a16="http://schemas.microsoft.com/office/drawing/2014/main" xmlns="" id="{AA81B0A7-A029-42D3-8E7B-697D69EFE17A}"/>
+                <a16:creationId xmlns="" xmlns:a16="http://schemas.microsoft.com/office/drawing/2014/main" id="{AA81B0A7-A029-42D3-8E7B-697D69EFE17A}"/>
               </a:ext>
             </a:extLst>
           </p:cNvPr>
@@ -36217,7 +36238,7 @@
           <p:cNvPr id="37" name="Straight Connector 36">
             <a:extLst>
               <a:ext uri="{FF2B5EF4-FFF2-40B4-BE49-F238E27FC236}">
-                <a16:creationId xmlns:a16="http://schemas.microsoft.com/office/drawing/2014/main" xmlns="" id="{FC4D6BD4-07D2-4DA9-ACB9-EE0E3AC34855}"/>
+                <a16:creationId xmlns="" xmlns:a16="http://schemas.microsoft.com/office/drawing/2014/main" id="{FC4D6BD4-07D2-4DA9-ACB9-EE0E3AC34855}"/>
               </a:ext>
             </a:extLst>
           </p:cNvPr>
@@ -36260,7 +36281,7 @@
           <p:cNvPr id="39" name="Rectangle 38">
             <a:extLst>
               <a:ext uri="{FF2B5EF4-FFF2-40B4-BE49-F238E27FC236}">
-                <a16:creationId xmlns:a16="http://schemas.microsoft.com/office/drawing/2014/main" xmlns="" id="{82018786-F6AF-4CFC-9360-399E557CD008}"/>
+                <a16:creationId xmlns="" xmlns:a16="http://schemas.microsoft.com/office/drawing/2014/main" id="{82018786-F6AF-4CFC-9360-399E557CD008}"/>
               </a:ext>
             </a:extLst>
           </p:cNvPr>
@@ -36294,7 +36315,7 @@
           <p:cNvPr id="7" name="Freeform: Shape 6">
             <a:extLst>
               <a:ext uri="{FF2B5EF4-FFF2-40B4-BE49-F238E27FC236}">
-                <a16:creationId xmlns:a16="http://schemas.microsoft.com/office/drawing/2014/main" xmlns="" id="{E1898CF5-7204-4A37-BBEB-E8E9507F00D5}"/>
+                <a16:creationId xmlns="" xmlns:a16="http://schemas.microsoft.com/office/drawing/2014/main" id="{E1898CF5-7204-4A37-BBEB-E8E9507F00D5}"/>
               </a:ext>
             </a:extLst>
           </p:cNvPr>
@@ -36454,7 +36475,7 @@
           <p:cNvPr id="2" name="Title 1">
             <a:extLst>
               <a:ext uri="{FF2B5EF4-FFF2-40B4-BE49-F238E27FC236}">
-                <a16:creationId xmlns:a16="http://schemas.microsoft.com/office/drawing/2014/main" xmlns="" id="{BA3312A1-8E59-484F-BD16-94B414E04BDD}"/>
+                <a16:creationId xmlns="" xmlns:a16="http://schemas.microsoft.com/office/drawing/2014/main" id="{BA3312A1-8E59-484F-BD16-94B414E04BDD}"/>
               </a:ext>
             </a:extLst>
           </p:cNvPr>
@@ -36482,7 +36503,7 @@
           <p:cNvPr id="3" name="Content Placeholder 2">
             <a:extLst>
               <a:ext uri="{FF2B5EF4-FFF2-40B4-BE49-F238E27FC236}">
-                <a16:creationId xmlns:a16="http://schemas.microsoft.com/office/drawing/2014/main" xmlns="" id="{9545EF81-A004-4775-9970-D0C57F5F554A}"/>
+                <a16:creationId xmlns="" xmlns:a16="http://schemas.microsoft.com/office/drawing/2014/main" id="{9545EF81-A004-4775-9970-D0C57F5F554A}"/>
               </a:ext>
             </a:extLst>
           </p:cNvPr>
@@ -36549,7 +36570,7 @@
           <p:cNvPr id="6" name="Straight Connector 5">
             <a:extLst>
               <a:ext uri="{FF2B5EF4-FFF2-40B4-BE49-F238E27FC236}">
-                <a16:creationId xmlns:a16="http://schemas.microsoft.com/office/drawing/2014/main" xmlns="" id="{558C96D9-A0C4-4302-8C9A-8F56E0E5F824}"/>
+                <a16:creationId xmlns="" xmlns:a16="http://schemas.microsoft.com/office/drawing/2014/main" id="{558C96D9-A0C4-4302-8C9A-8F56E0E5F824}"/>
               </a:ext>
             </a:extLst>
           </p:cNvPr>
@@ -36588,7 +36609,7 @@
           <p:cNvPr id="9" name="Straight Connector 8">
             <a:extLst>
               <a:ext uri="{FF2B5EF4-FFF2-40B4-BE49-F238E27FC236}">
-                <a16:creationId xmlns:a16="http://schemas.microsoft.com/office/drawing/2014/main" xmlns="" id="{AE113220-BA50-4D59-97A4-79D41441FADF}"/>
+                <a16:creationId xmlns="" xmlns:a16="http://schemas.microsoft.com/office/drawing/2014/main" id="{AE113220-BA50-4D59-97A4-79D41441FADF}"/>
               </a:ext>
             </a:extLst>
           </p:cNvPr>
@@ -36631,7 +36652,7 @@
           <p:cNvPr id="12" name="Straight Connector 11">
             <a:extLst>
               <a:ext uri="{FF2B5EF4-FFF2-40B4-BE49-F238E27FC236}">
-                <a16:creationId xmlns:a16="http://schemas.microsoft.com/office/drawing/2014/main" xmlns="" id="{39641B7B-1E67-46A4-9BE5-7AAC67C0414C}"/>
+                <a16:creationId xmlns="" xmlns:a16="http://schemas.microsoft.com/office/drawing/2014/main" id="{39641B7B-1E67-46A4-9BE5-7AAC67C0414C}"/>
               </a:ext>
             </a:extLst>
           </p:cNvPr>
@@ -36674,7 +36695,7 @@
           <p:cNvPr id="13" name="Straight Connector 12">
             <a:extLst>
               <a:ext uri="{FF2B5EF4-FFF2-40B4-BE49-F238E27FC236}">
-                <a16:creationId xmlns:a16="http://schemas.microsoft.com/office/drawing/2014/main" xmlns="" id="{5A3C90BF-8505-40DE-B0F1-18DFC59EA387}"/>
+                <a16:creationId xmlns="" xmlns:a16="http://schemas.microsoft.com/office/drawing/2014/main" id="{5A3C90BF-8505-40DE-B0F1-18DFC59EA387}"/>
               </a:ext>
             </a:extLst>
           </p:cNvPr>
@@ -36717,7 +36738,7 @@
           <p:cNvPr id="18" name="Oval 17">
             <a:extLst>
               <a:ext uri="{FF2B5EF4-FFF2-40B4-BE49-F238E27FC236}">
-                <a16:creationId xmlns:a16="http://schemas.microsoft.com/office/drawing/2014/main" xmlns="" id="{1232F04C-EF38-495F-8526-BE197B986488}"/>
+                <a16:creationId xmlns="" xmlns:a16="http://schemas.microsoft.com/office/drawing/2014/main" id="{1232F04C-EF38-495F-8526-BE197B986488}"/>
               </a:ext>
             </a:extLst>
           </p:cNvPr>
@@ -36771,7 +36792,7 @@
           <p:cNvPr id="4" name="Oval 3">
             <a:extLst>
               <a:ext uri="{FF2B5EF4-FFF2-40B4-BE49-F238E27FC236}">
-                <a16:creationId xmlns:a16="http://schemas.microsoft.com/office/drawing/2014/main" xmlns="" id="{B40C4311-0880-4E08-A583-B170A86F8D2C}"/>
+                <a16:creationId xmlns="" xmlns:a16="http://schemas.microsoft.com/office/drawing/2014/main" id="{B40C4311-0880-4E08-A583-B170A86F8D2C}"/>
               </a:ext>
             </a:extLst>
           </p:cNvPr>
@@ -36825,7 +36846,7 @@
           <p:cNvPr id="14" name="Oval 13">
             <a:extLst>
               <a:ext uri="{FF2B5EF4-FFF2-40B4-BE49-F238E27FC236}">
-                <a16:creationId xmlns:a16="http://schemas.microsoft.com/office/drawing/2014/main" xmlns="" id="{C210FE6A-0BB2-45A2-AE0E-38E3930CCD03}"/>
+                <a16:creationId xmlns="" xmlns:a16="http://schemas.microsoft.com/office/drawing/2014/main" id="{C210FE6A-0BB2-45A2-AE0E-38E3930CCD03}"/>
               </a:ext>
             </a:extLst>
           </p:cNvPr>
@@ -36879,7 +36900,7 @@
           <p:cNvPr id="15" name="Oval 14">
             <a:extLst>
               <a:ext uri="{FF2B5EF4-FFF2-40B4-BE49-F238E27FC236}">
-                <a16:creationId xmlns:a16="http://schemas.microsoft.com/office/drawing/2014/main" xmlns="" id="{505AFF55-BFDF-45B7-AE5D-DB030465F2B5}"/>
+                <a16:creationId xmlns="" xmlns:a16="http://schemas.microsoft.com/office/drawing/2014/main" id="{505AFF55-BFDF-45B7-AE5D-DB030465F2B5}"/>
               </a:ext>
             </a:extLst>
           </p:cNvPr>
@@ -36933,7 +36954,7 @@
           <p:cNvPr id="16" name="Oval 15">
             <a:extLst>
               <a:ext uri="{FF2B5EF4-FFF2-40B4-BE49-F238E27FC236}">
-                <a16:creationId xmlns:a16="http://schemas.microsoft.com/office/drawing/2014/main" xmlns="" id="{E56A103A-2FE5-4DA4-B559-76DF3C7FC22C}"/>
+                <a16:creationId xmlns="" xmlns:a16="http://schemas.microsoft.com/office/drawing/2014/main" id="{E56A103A-2FE5-4DA4-B559-76DF3C7FC22C}"/>
               </a:ext>
             </a:extLst>
           </p:cNvPr>
@@ -36987,7 +37008,7 @@
           <p:cNvPr id="17" name="Oval 16">
             <a:extLst>
               <a:ext uri="{FF2B5EF4-FFF2-40B4-BE49-F238E27FC236}">
-                <a16:creationId xmlns:a16="http://schemas.microsoft.com/office/drawing/2014/main" xmlns="" id="{14B2818D-1105-4E0E-B594-F250A6ADDC91}"/>
+                <a16:creationId xmlns="" xmlns:a16="http://schemas.microsoft.com/office/drawing/2014/main" id="{14B2818D-1105-4E0E-B594-F250A6ADDC91}"/>
               </a:ext>
             </a:extLst>
           </p:cNvPr>
@@ -37041,7 +37062,7 @@
           <p:cNvPr id="20" name="Oval 19">
             <a:extLst>
               <a:ext uri="{FF2B5EF4-FFF2-40B4-BE49-F238E27FC236}">
-                <a16:creationId xmlns:a16="http://schemas.microsoft.com/office/drawing/2014/main" xmlns="" id="{CBA18471-101C-4B87-AD63-79F761223B25}"/>
+                <a16:creationId xmlns="" xmlns:a16="http://schemas.microsoft.com/office/drawing/2014/main" id="{CBA18471-101C-4B87-AD63-79F761223B25}"/>
               </a:ext>
             </a:extLst>
           </p:cNvPr>
@@ -37095,7 +37116,7 @@
           <p:cNvPr id="21" name="Oval 20">
             <a:extLst>
               <a:ext uri="{FF2B5EF4-FFF2-40B4-BE49-F238E27FC236}">
-                <a16:creationId xmlns:a16="http://schemas.microsoft.com/office/drawing/2014/main" xmlns="" id="{BD64AAC6-9636-476B-B500-4BF57C871B90}"/>
+                <a16:creationId xmlns="" xmlns:a16="http://schemas.microsoft.com/office/drawing/2014/main" id="{BD64AAC6-9636-476B-B500-4BF57C871B90}"/>
               </a:ext>
             </a:extLst>
           </p:cNvPr>
@@ -37149,7 +37170,7 @@
           <p:cNvPr id="22" name="Oval 21">
             <a:extLst>
               <a:ext uri="{FF2B5EF4-FFF2-40B4-BE49-F238E27FC236}">
-                <a16:creationId xmlns:a16="http://schemas.microsoft.com/office/drawing/2014/main" xmlns="" id="{FF4CD4B3-ACD4-481F-856E-5CD5ED73DA8B}"/>
+                <a16:creationId xmlns="" xmlns:a16="http://schemas.microsoft.com/office/drawing/2014/main" id="{FF4CD4B3-ACD4-481F-856E-5CD5ED73DA8B}"/>
               </a:ext>
             </a:extLst>
           </p:cNvPr>
@@ -37203,7 +37224,7 @@
           <p:cNvPr id="23" name="Oval 22">
             <a:extLst>
               <a:ext uri="{FF2B5EF4-FFF2-40B4-BE49-F238E27FC236}">
-                <a16:creationId xmlns:a16="http://schemas.microsoft.com/office/drawing/2014/main" xmlns="" id="{B68C27DB-A957-4CFC-B856-AC06A72B2BB5}"/>
+                <a16:creationId xmlns="" xmlns:a16="http://schemas.microsoft.com/office/drawing/2014/main" id="{B68C27DB-A957-4CFC-B856-AC06A72B2BB5}"/>
               </a:ext>
             </a:extLst>
           </p:cNvPr>
@@ -37257,7 +37278,7 @@
           <p:cNvPr id="24" name="Oval 23">
             <a:extLst>
               <a:ext uri="{FF2B5EF4-FFF2-40B4-BE49-F238E27FC236}">
-                <a16:creationId xmlns:a16="http://schemas.microsoft.com/office/drawing/2014/main" xmlns="" id="{2B12C238-E3CB-409E-95F6-93C9BA925002}"/>
+                <a16:creationId xmlns="" xmlns:a16="http://schemas.microsoft.com/office/drawing/2014/main" id="{2B12C238-E3CB-409E-95F6-93C9BA925002}"/>
               </a:ext>
             </a:extLst>
           </p:cNvPr>
@@ -37311,7 +37332,7 @@
           <p:cNvPr id="25" name="Oval 24">
             <a:extLst>
               <a:ext uri="{FF2B5EF4-FFF2-40B4-BE49-F238E27FC236}">
-                <a16:creationId xmlns:a16="http://schemas.microsoft.com/office/drawing/2014/main" xmlns="" id="{32C1EA5C-390B-4C86-8A30-AD3732DCD886}"/>
+                <a16:creationId xmlns="" xmlns:a16="http://schemas.microsoft.com/office/drawing/2014/main" id="{32C1EA5C-390B-4C86-8A30-AD3732DCD886}"/>
               </a:ext>
             </a:extLst>
           </p:cNvPr>
@@ -37365,7 +37386,7 @@
           <p:cNvPr id="26" name="Oval 25">
             <a:extLst>
               <a:ext uri="{FF2B5EF4-FFF2-40B4-BE49-F238E27FC236}">
-                <a16:creationId xmlns:a16="http://schemas.microsoft.com/office/drawing/2014/main" xmlns="" id="{E728103B-C697-4FCE-8E47-71597550964E}"/>
+                <a16:creationId xmlns="" xmlns:a16="http://schemas.microsoft.com/office/drawing/2014/main" id="{E728103B-C697-4FCE-8E47-71597550964E}"/>
               </a:ext>
             </a:extLst>
           </p:cNvPr>
@@ -37419,7 +37440,7 @@
           <p:cNvPr id="27" name="Oval 26">
             <a:extLst>
               <a:ext uri="{FF2B5EF4-FFF2-40B4-BE49-F238E27FC236}">
-                <a16:creationId xmlns:a16="http://schemas.microsoft.com/office/drawing/2014/main" xmlns="" id="{0CA27C61-CB4C-49FD-82D9-9E808FFABA8C}"/>
+                <a16:creationId xmlns="" xmlns:a16="http://schemas.microsoft.com/office/drawing/2014/main" id="{0CA27C61-CB4C-49FD-82D9-9E808FFABA8C}"/>
               </a:ext>
             </a:extLst>
           </p:cNvPr>
@@ -37473,7 +37494,7 @@
           <p:cNvPr id="28" name="Oval 27">
             <a:extLst>
               <a:ext uri="{FF2B5EF4-FFF2-40B4-BE49-F238E27FC236}">
-                <a16:creationId xmlns:a16="http://schemas.microsoft.com/office/drawing/2014/main" xmlns="" id="{EADC9F85-9D1B-42A1-868F-0F7088C627CA}"/>
+                <a16:creationId xmlns="" xmlns:a16="http://schemas.microsoft.com/office/drawing/2014/main" id="{EADC9F85-9D1B-42A1-868F-0F7088C627CA}"/>
               </a:ext>
             </a:extLst>
           </p:cNvPr>
@@ -37527,7 +37548,7 @@
           <p:cNvPr id="29" name="Oval 28">
             <a:extLst>
               <a:ext uri="{FF2B5EF4-FFF2-40B4-BE49-F238E27FC236}">
-                <a16:creationId xmlns:a16="http://schemas.microsoft.com/office/drawing/2014/main" xmlns="" id="{03E33A29-DA0E-4825-B1A0-878345619209}"/>
+                <a16:creationId xmlns="" xmlns:a16="http://schemas.microsoft.com/office/drawing/2014/main" id="{03E33A29-DA0E-4825-B1A0-878345619209}"/>
               </a:ext>
             </a:extLst>
           </p:cNvPr>
@@ -37581,7 +37602,7 @@
           <p:cNvPr id="32" name="Oval 31">
             <a:extLst>
               <a:ext uri="{FF2B5EF4-FFF2-40B4-BE49-F238E27FC236}">
-                <a16:creationId xmlns:a16="http://schemas.microsoft.com/office/drawing/2014/main" xmlns="" id="{63718134-D1D3-49BE-8511-8051E1C2BC88}"/>
+                <a16:creationId xmlns="" xmlns:a16="http://schemas.microsoft.com/office/drawing/2014/main" id="{63718134-D1D3-49BE-8511-8051E1C2BC88}"/>
               </a:ext>
             </a:extLst>
           </p:cNvPr>
@@ -37635,7 +37656,7 @@
           <p:cNvPr id="33" name="Oval 32">
             <a:extLst>
               <a:ext uri="{FF2B5EF4-FFF2-40B4-BE49-F238E27FC236}">
-                <a16:creationId xmlns:a16="http://schemas.microsoft.com/office/drawing/2014/main" xmlns="" id="{3965C6AA-F3AF-4B56-A637-BF46A582BEFB}"/>
+                <a16:creationId xmlns="" xmlns:a16="http://schemas.microsoft.com/office/drawing/2014/main" id="{3965C6AA-F3AF-4B56-A637-BF46A582BEFB}"/>
               </a:ext>
             </a:extLst>
           </p:cNvPr>
@@ -37689,7 +37710,7 @@
           <p:cNvPr id="35" name="Straight Connector 34">
             <a:extLst>
               <a:ext uri="{FF2B5EF4-FFF2-40B4-BE49-F238E27FC236}">
-                <a16:creationId xmlns:a16="http://schemas.microsoft.com/office/drawing/2014/main" xmlns="" id="{2FBB9482-1872-4290-9A19-3EE9DF5AE850}"/>
+                <a16:creationId xmlns="" xmlns:a16="http://schemas.microsoft.com/office/drawing/2014/main" id="{2FBB9482-1872-4290-9A19-3EE9DF5AE850}"/>
               </a:ext>
             </a:extLst>
           </p:cNvPr>
@@ -37728,7 +37749,7 @@
           <p:cNvPr id="36" name="Oval 35">
             <a:extLst>
               <a:ext uri="{FF2B5EF4-FFF2-40B4-BE49-F238E27FC236}">
-                <a16:creationId xmlns:a16="http://schemas.microsoft.com/office/drawing/2014/main" xmlns="" id="{AA81B0A7-A029-42D3-8E7B-697D69EFE17A}"/>
+                <a16:creationId xmlns="" xmlns:a16="http://schemas.microsoft.com/office/drawing/2014/main" id="{AA81B0A7-A029-42D3-8E7B-697D69EFE17A}"/>
               </a:ext>
             </a:extLst>
           </p:cNvPr>
@@ -37782,7 +37803,7 @@
           <p:cNvPr id="37" name="Straight Connector 36">
             <a:extLst>
               <a:ext uri="{FF2B5EF4-FFF2-40B4-BE49-F238E27FC236}">
-                <a16:creationId xmlns:a16="http://schemas.microsoft.com/office/drawing/2014/main" xmlns="" id="{FC4D6BD4-07D2-4DA9-ACB9-EE0E3AC34855}"/>
+                <a16:creationId xmlns="" xmlns:a16="http://schemas.microsoft.com/office/drawing/2014/main" id="{FC4D6BD4-07D2-4DA9-ACB9-EE0E3AC34855}"/>
               </a:ext>
             </a:extLst>
           </p:cNvPr>
@@ -37825,7 +37846,7 @@
           <p:cNvPr id="39" name="Rectangle 38">
             <a:extLst>
               <a:ext uri="{FF2B5EF4-FFF2-40B4-BE49-F238E27FC236}">
-                <a16:creationId xmlns:a16="http://schemas.microsoft.com/office/drawing/2014/main" xmlns="" id="{82018786-F6AF-4CFC-9360-399E557CD008}"/>
+                <a16:creationId xmlns="" xmlns:a16="http://schemas.microsoft.com/office/drawing/2014/main" id="{82018786-F6AF-4CFC-9360-399E557CD008}"/>
               </a:ext>
             </a:extLst>
           </p:cNvPr>
@@ -37859,7 +37880,7 @@
           <p:cNvPr id="34" name="Oval 33">
             <a:extLst>
               <a:ext uri="{FF2B5EF4-FFF2-40B4-BE49-F238E27FC236}">
-                <a16:creationId xmlns:a16="http://schemas.microsoft.com/office/drawing/2014/main" xmlns="" id="{D9A532E9-B2EC-417E-8C55-CA098F0A5FEA}"/>
+                <a16:creationId xmlns="" xmlns:a16="http://schemas.microsoft.com/office/drawing/2014/main" id="{D9A532E9-B2EC-417E-8C55-CA098F0A5FEA}"/>
               </a:ext>
             </a:extLst>
           </p:cNvPr>
@@ -37913,7 +37934,7 @@
           <p:cNvPr id="38" name="Oval 37">
             <a:extLst>
               <a:ext uri="{FF2B5EF4-FFF2-40B4-BE49-F238E27FC236}">
-                <a16:creationId xmlns:a16="http://schemas.microsoft.com/office/drawing/2014/main" xmlns="" id="{C4AE09FA-286B-43D5-AD5A-B69088C480DE}"/>
+                <a16:creationId xmlns="" xmlns:a16="http://schemas.microsoft.com/office/drawing/2014/main" id="{C4AE09FA-286B-43D5-AD5A-B69088C480DE}"/>
               </a:ext>
             </a:extLst>
           </p:cNvPr>
@@ -37967,7 +37988,7 @@
           <p:cNvPr id="40" name="Oval 39">
             <a:extLst>
               <a:ext uri="{FF2B5EF4-FFF2-40B4-BE49-F238E27FC236}">
-                <a16:creationId xmlns:a16="http://schemas.microsoft.com/office/drawing/2014/main" xmlns="" id="{2F1486C8-ED23-4FD8-92D2-08257F15D426}"/>
+                <a16:creationId xmlns="" xmlns:a16="http://schemas.microsoft.com/office/drawing/2014/main" id="{2F1486C8-ED23-4FD8-92D2-08257F15D426}"/>
               </a:ext>
             </a:extLst>
           </p:cNvPr>
@@ -38021,7 +38042,7 @@
           <p:cNvPr id="41" name="Oval 40">
             <a:extLst>
               <a:ext uri="{FF2B5EF4-FFF2-40B4-BE49-F238E27FC236}">
-                <a16:creationId xmlns:a16="http://schemas.microsoft.com/office/drawing/2014/main" xmlns="" id="{042C0EE8-BF4B-4C64-9289-E8246611BACB}"/>
+                <a16:creationId xmlns="" xmlns:a16="http://schemas.microsoft.com/office/drawing/2014/main" id="{042C0EE8-BF4B-4C64-9289-E8246611BACB}"/>
               </a:ext>
             </a:extLst>
           </p:cNvPr>
@@ -38075,7 +38096,7 @@
           <p:cNvPr id="42" name="Oval 41">
             <a:extLst>
               <a:ext uri="{FF2B5EF4-FFF2-40B4-BE49-F238E27FC236}">
-                <a16:creationId xmlns:a16="http://schemas.microsoft.com/office/drawing/2014/main" xmlns="" id="{D996A280-1330-4D23-BC30-B6684AC357F6}"/>
+                <a16:creationId xmlns="" xmlns:a16="http://schemas.microsoft.com/office/drawing/2014/main" id="{D996A280-1330-4D23-BC30-B6684AC357F6}"/>
               </a:ext>
             </a:extLst>
           </p:cNvPr>
@@ -38129,7 +38150,7 @@
           <p:cNvPr id="43" name="Oval 42">
             <a:extLst>
               <a:ext uri="{FF2B5EF4-FFF2-40B4-BE49-F238E27FC236}">
-                <a16:creationId xmlns:a16="http://schemas.microsoft.com/office/drawing/2014/main" xmlns="" id="{398BE365-7E02-498C-93E6-A363726E1FC1}"/>
+                <a16:creationId xmlns="" xmlns:a16="http://schemas.microsoft.com/office/drawing/2014/main" id="{398BE365-7E02-498C-93E6-A363726E1FC1}"/>
               </a:ext>
             </a:extLst>
           </p:cNvPr>
@@ -38183,7 +38204,7 @@
           <p:cNvPr id="44" name="Oval 43">
             <a:extLst>
               <a:ext uri="{FF2B5EF4-FFF2-40B4-BE49-F238E27FC236}">
-                <a16:creationId xmlns:a16="http://schemas.microsoft.com/office/drawing/2014/main" xmlns="" id="{0B4DED95-853A-4280-9C63-CACA7D3AFD32}"/>
+                <a16:creationId xmlns="" xmlns:a16="http://schemas.microsoft.com/office/drawing/2014/main" id="{0B4DED95-853A-4280-9C63-CACA7D3AFD32}"/>
               </a:ext>
             </a:extLst>
           </p:cNvPr>
@@ -38237,7 +38258,7 @@
           <p:cNvPr id="45" name="Oval 44">
             <a:extLst>
               <a:ext uri="{FF2B5EF4-FFF2-40B4-BE49-F238E27FC236}">
-                <a16:creationId xmlns:a16="http://schemas.microsoft.com/office/drawing/2014/main" xmlns="" id="{128C3C8D-5A8C-4E43-9B86-E595564DD2F3}"/>
+                <a16:creationId xmlns="" xmlns:a16="http://schemas.microsoft.com/office/drawing/2014/main" id="{128C3C8D-5A8C-4E43-9B86-E595564DD2F3}"/>
               </a:ext>
             </a:extLst>
           </p:cNvPr>
@@ -38291,7 +38312,7 @@
           <p:cNvPr id="46" name="Oval 45">
             <a:extLst>
               <a:ext uri="{FF2B5EF4-FFF2-40B4-BE49-F238E27FC236}">
-                <a16:creationId xmlns:a16="http://schemas.microsoft.com/office/drawing/2014/main" xmlns="" id="{E14BCBE6-F722-4671-BBF9-B75519450E44}"/>
+                <a16:creationId xmlns="" xmlns:a16="http://schemas.microsoft.com/office/drawing/2014/main" id="{E14BCBE6-F722-4671-BBF9-B75519450E44}"/>
               </a:ext>
             </a:extLst>
           </p:cNvPr>
@@ -38345,7 +38366,7 @@
           <p:cNvPr id="47" name="Oval 46">
             <a:extLst>
               <a:ext uri="{FF2B5EF4-FFF2-40B4-BE49-F238E27FC236}">
-                <a16:creationId xmlns:a16="http://schemas.microsoft.com/office/drawing/2014/main" xmlns="" id="{93F63C47-2412-45F0-ACA4-3AA12CF87258}"/>
+                <a16:creationId xmlns="" xmlns:a16="http://schemas.microsoft.com/office/drawing/2014/main" id="{93F63C47-2412-45F0-ACA4-3AA12CF87258}"/>
               </a:ext>
             </a:extLst>
           </p:cNvPr>
@@ -38399,7 +38420,7 @@
           <p:cNvPr id="48" name="Oval 47">
             <a:extLst>
               <a:ext uri="{FF2B5EF4-FFF2-40B4-BE49-F238E27FC236}">
-                <a16:creationId xmlns:a16="http://schemas.microsoft.com/office/drawing/2014/main" xmlns="" id="{BDCDEA9D-1035-40B3-B301-DEA46450EEC2}"/>
+                <a16:creationId xmlns="" xmlns:a16="http://schemas.microsoft.com/office/drawing/2014/main" id="{BDCDEA9D-1035-40B3-B301-DEA46450EEC2}"/>
               </a:ext>
             </a:extLst>
           </p:cNvPr>
@@ -38453,7 +38474,7 @@
           <p:cNvPr id="8" name="Freeform: Shape 7">
             <a:extLst>
               <a:ext uri="{FF2B5EF4-FFF2-40B4-BE49-F238E27FC236}">
-                <a16:creationId xmlns:a16="http://schemas.microsoft.com/office/drawing/2014/main" xmlns="" id="{DC1F19A3-38CB-4CED-8FF0-81EBB8762AC0}"/>
+                <a16:creationId xmlns="" xmlns:a16="http://schemas.microsoft.com/office/drawing/2014/main" id="{DC1F19A3-38CB-4CED-8FF0-81EBB8762AC0}"/>
               </a:ext>
             </a:extLst>
           </p:cNvPr>
@@ -38543,7 +38564,7 @@
           <p:cNvPr id="49" name="TextBox 48">
             <a:extLst>
               <a:ext uri="{FF2B5EF4-FFF2-40B4-BE49-F238E27FC236}">
-                <a16:creationId xmlns:a16="http://schemas.microsoft.com/office/drawing/2014/main" xmlns="" id="{DE9EA873-B4C6-47D5-A08E-8F29D1A28893}"/>
+                <a16:creationId xmlns="" xmlns:a16="http://schemas.microsoft.com/office/drawing/2014/main" id="{DE9EA873-B4C6-47D5-A08E-8F29D1A28893}"/>
               </a:ext>
             </a:extLst>
           </p:cNvPr>
